--- a/documents/marketing/Social Media Marketingkonzept/Marketingstrategie - Social Media (5.7).pptx
+++ b/documents/marketing/Social Media Marketingkonzept/Marketingstrategie - Social Media (5.7).pptx
@@ -5,30 +5,24 @@
     <p:sldMasterId id="2147483648" r:id="rId1"/>
   </p:sldMasterIdLst>
   <p:notesMasterIdLst>
-    <p:notesMasterId r:id="rId23"/>
+    <p:notesMasterId r:id="rId17"/>
   </p:notesMasterIdLst>
   <p:sldIdLst>
     <p:sldId id="256" r:id="rId2"/>
     <p:sldId id="257" r:id="rId3"/>
     <p:sldId id="315" r:id="rId4"/>
     <p:sldId id="317" r:id="rId5"/>
-    <p:sldId id="321" r:id="rId6"/>
-    <p:sldId id="324" r:id="rId7"/>
-    <p:sldId id="320" r:id="rId8"/>
-    <p:sldId id="322" r:id="rId9"/>
-    <p:sldId id="325" r:id="rId10"/>
-    <p:sldId id="323" r:id="rId11"/>
-    <p:sldId id="332" r:id="rId12"/>
-    <p:sldId id="326" r:id="rId13"/>
-    <p:sldId id="333" r:id="rId14"/>
-    <p:sldId id="327" r:id="rId15"/>
-    <p:sldId id="328" r:id="rId16"/>
-    <p:sldId id="334" r:id="rId17"/>
-    <p:sldId id="330" r:id="rId18"/>
-    <p:sldId id="331" r:id="rId19"/>
-    <p:sldId id="335" r:id="rId20"/>
-    <p:sldId id="329" r:id="rId21"/>
-    <p:sldId id="319" r:id="rId22"/>
+    <p:sldId id="336" r:id="rId6"/>
+    <p:sldId id="340" r:id="rId7"/>
+    <p:sldId id="343" r:id="rId8"/>
+    <p:sldId id="339" r:id="rId9"/>
+    <p:sldId id="321" r:id="rId10"/>
+    <p:sldId id="338" r:id="rId11"/>
+    <p:sldId id="341" r:id="rId12"/>
+    <p:sldId id="342" r:id="rId13"/>
+    <p:sldId id="345" r:id="rId14"/>
+    <p:sldId id="344" r:id="rId15"/>
+    <p:sldId id="319" r:id="rId16"/>
   </p:sldIdLst>
   <p:sldSz cx="9144000" cy="6858000" type="screen4x3"/>
   <p:notesSz cx="6858000" cy="9144000"/>
@@ -144,38 +138,20 @@
         <p14:section name="Theorie" id="{1250AFFC-8C1B-42B1-922C-8C673990507E}">
           <p14:sldIdLst>
             <p14:sldId id="317"/>
+            <p14:sldId id="336"/>
+            <p14:sldId id="340"/>
+            <p14:sldId id="343"/>
+            <p14:sldId id="339"/>
             <p14:sldId id="321"/>
-            <p14:sldId id="324"/>
-            <p14:sldId id="320"/>
-            <p14:sldId id="322"/>
-            <p14:sldId id="325"/>
-            <p14:sldId id="323"/>
-            <p14:sldId id="332"/>
+            <p14:sldId id="338"/>
+            <p14:sldId id="341"/>
           </p14:sldIdLst>
         </p14:section>
-        <p14:section name="Produktpolitik" id="{6E3507A4-FF0B-4034-8B2A-ADCA8CDC8F1F}">
+        <p14:section name="Strategie" id="{2302A5A9-BB0B-47F5-82D4-9DF1CCDF2637}">
           <p14:sldIdLst>
-            <p14:sldId id="326"/>
-            <p14:sldId id="333"/>
-          </p14:sldIdLst>
-        </p14:section>
-        <p14:section name="Preispolitik" id="{FA62578E-8ECB-47EF-BEA6-ECDD791E439E}">
-          <p14:sldIdLst>
-            <p14:sldId id="327"/>
-          </p14:sldIdLst>
-        </p14:section>
-        <p14:section name="Kommunikationspolitik" id="{923C96BE-116F-4EAB-8703-92B4F019BBEA}">
-          <p14:sldIdLst>
-            <p14:sldId id="328"/>
-            <p14:sldId id="334"/>
-            <p14:sldId id="330"/>
-            <p14:sldId id="331"/>
-            <p14:sldId id="335"/>
-          </p14:sldIdLst>
-        </p14:section>
-        <p14:section name="Vertriebspolitik" id="{AB026B3A-18A8-4708-B1E2-2548F95DC5C4}">
-          <p14:sldIdLst>
-            <p14:sldId id="329"/>
+            <p14:sldId id="342"/>
+            <p14:sldId id="345"/>
+            <p14:sldId id="344"/>
           </p14:sldIdLst>
         </p14:section>
         <p14:section name="Erkenntnisse" id="{1F5D3F0E-2E10-417D-B3B3-F875A4E86560}">
@@ -186,7 +162,7 @@
       </p14:sectionLst>
     </p:ext>
     <p:ext uri="{EFAFB233-063F-42B5-8137-9DF3F51BA10A}">
-      <p15:sldGuideLst xmlns="" xmlns:p15="http://schemas.microsoft.com/office/powerpoint/2012/main">
+      <p15:sldGuideLst xmlns:p15="http://schemas.microsoft.com/office/powerpoint/2012/main" xmlns="">
         <p15:guide id="1" orient="horz" pos="2160">
           <p15:clr>
             <a:srgbClr val="A4A3A4"/>
@@ -201,99 +177,6 @@
     </p:ext>
   </p:extLst>
 </p:presentation>
-</file>
-
-<file path=ppt/charts/chart1.xml><?xml version="1.0" encoding="utf-8"?>
-<c:chartSpace xmlns:c="http://schemas.openxmlformats.org/drawingml/2006/chart" xmlns:a="http://schemas.openxmlformats.org/drawingml/2006/main" xmlns:r="http://schemas.openxmlformats.org/officeDocument/2006/relationships">
-  <c:date1904 val="0"/>
-  <c:lang val="de-DE"/>
-  <c:roundedCorners val="0"/>
-  <mc:AlternateContent xmlns:mc="http://schemas.openxmlformats.org/markup-compatibility/2006">
-    <mc:Choice xmlns:c14="http://schemas.microsoft.com/office/drawing/2007/8/2/chart" Requires="c14">
-      <c14:style val="102"/>
-    </mc:Choice>
-    <mc:Fallback>
-      <c:style val="2"/>
-    </mc:Fallback>
-  </mc:AlternateContent>
-  <c:chart>
-    <c:autoTitleDeleted val="0"/>
-    <c:plotArea>
-      <c:layout/>
-      <c:lineChart>
-        <c:grouping val="standard"/>
-        <c:varyColors val="0"/>
-        <c:dLbls>
-          <c:showLegendKey val="0"/>
-          <c:showVal val="0"/>
-          <c:showCatName val="0"/>
-          <c:showSerName val="0"/>
-          <c:showPercent val="0"/>
-          <c:showBubbleSize val="0"/>
-        </c:dLbls>
-        <c:marker val="1"/>
-        <c:smooth val="0"/>
-        <c:axId val="128883712"/>
-        <c:axId val="60916864"/>
-      </c:lineChart>
-      <c:catAx>
-        <c:axId val="128883712"/>
-        <c:scaling>
-          <c:orientation val="minMax"/>
-        </c:scaling>
-        <c:delete val="0"/>
-        <c:axPos val="b"/>
-        <c:numFmt formatCode="m/d/yyyy" sourceLinked="1"/>
-        <c:majorTickMark val="out"/>
-        <c:minorTickMark val="none"/>
-        <c:tickLblPos val="nextTo"/>
-        <c:txPr>
-          <a:bodyPr rot="-5400000" vert="horz"/>
-          <a:lstStyle/>
-          <a:p>
-            <a:pPr>
-              <a:defRPr/>
-            </a:pPr>
-            <a:endParaRPr lang="de-DE"/>
-          </a:p>
-        </c:txPr>
-        <c:crossAx val="60916864"/>
-        <c:crosses val="autoZero"/>
-        <c:auto val="1"/>
-        <c:lblAlgn val="ctr"/>
-        <c:lblOffset val="100"/>
-        <c:noMultiLvlLbl val="1"/>
-      </c:catAx>
-      <c:valAx>
-        <c:axId val="60916864"/>
-        <c:scaling>
-          <c:orientation val="minMax"/>
-        </c:scaling>
-        <c:delete val="0"/>
-        <c:axPos val="l"/>
-        <c:majorGridlines/>
-        <c:numFmt formatCode="General" sourceLinked="1"/>
-        <c:majorTickMark val="out"/>
-        <c:minorTickMark val="none"/>
-        <c:tickLblPos val="nextTo"/>
-        <c:crossAx val="128883712"/>
-        <c:crosses val="autoZero"/>
-        <c:crossBetween val="between"/>
-      </c:valAx>
-    </c:plotArea>
-    <c:legend>
-      <c:legendPos val="b"/>
-      <c:layout/>
-      <c:overlay val="0"/>
-    </c:legend>
-    <c:plotVisOnly val="1"/>
-    <c:dispBlanksAs val="gap"/>
-    <c:showDLblsOverMax val="0"/>
-  </c:chart>
-  <c:externalData r:id="rId1">
-    <c:autoUpdate val="0"/>
-  </c:externalData>
-</c:chartSpace>
 </file>
 
 <file path=ppt/notesMasters/notesMaster1.xml><?xml version="1.0" encoding="utf-8"?>
@@ -378,7 +261,7 @@
           <a:p>
             <a:fld id="{95DA7A4A-CCA3-4709-AE5C-B70612B70DF1}" type="datetimeFigureOut">
               <a:rPr lang="de-DE" smtClean="0"/>
-              <a:t>23.01.2015</a:t>
+              <a:t>26.01.2015</a:t>
             </a:fld>
             <a:endParaRPr lang="de-DE"/>
           </a:p>
@@ -827,7 +710,7 @@
           <a:p>
             <a:fld id="{C12F2883-04BD-4DAA-A948-CECBCBEE6FE5}" type="datetime1">
               <a:rPr lang="de-DE" smtClean="0"/>
-              <a:t>23.01.2015</a:t>
+              <a:t>26.01.2015</a:t>
             </a:fld>
             <a:endParaRPr lang="de-DE"/>
           </a:p>
@@ -992,7 +875,7 @@
           <a:p>
             <a:fld id="{45DB60FF-8589-41DB-9CB8-FDB1C8712399}" type="datetime1">
               <a:rPr lang="de-DE" smtClean="0"/>
-              <a:t>23.01.2015</a:t>
+              <a:t>26.01.2015</a:t>
             </a:fld>
             <a:endParaRPr lang="de-DE"/>
           </a:p>
@@ -1167,7 +1050,7 @@
           <a:p>
             <a:fld id="{623E37D0-88EC-4346-89A2-12A8BFE82AE0}" type="datetime1">
               <a:rPr lang="de-DE" smtClean="0"/>
-              <a:t>23.01.2015</a:t>
+              <a:t>26.01.2015</a:t>
             </a:fld>
             <a:endParaRPr lang="de-DE"/>
           </a:p>
@@ -1332,7 +1215,7 @@
           <a:p>
             <a:fld id="{3EB1791F-321E-4EF0-AC89-9B5E051C81F3}" type="datetime1">
               <a:rPr lang="de-DE" smtClean="0"/>
-              <a:t>23.01.2015</a:t>
+              <a:t>26.01.2015</a:t>
             </a:fld>
             <a:endParaRPr lang="de-DE"/>
           </a:p>
@@ -1573,7 +1456,7 @@
           <a:p>
             <a:fld id="{22744B83-AE53-475A-B355-0AED6E3516CC}" type="datetime1">
               <a:rPr lang="de-DE" smtClean="0"/>
-              <a:t>23.01.2015</a:t>
+              <a:t>26.01.2015</a:t>
             </a:fld>
             <a:endParaRPr lang="de-DE"/>
           </a:p>
@@ -1856,7 +1739,7 @@
           <a:p>
             <a:fld id="{BE14A012-88D8-4AE7-A552-67D70864FA8B}" type="datetime1">
               <a:rPr lang="de-DE" smtClean="0"/>
-              <a:t>23.01.2015</a:t>
+              <a:t>26.01.2015</a:t>
             </a:fld>
             <a:endParaRPr lang="de-DE"/>
           </a:p>
@@ -2273,7 +2156,7 @@
           <a:p>
             <a:fld id="{445ACB48-45BE-499D-B356-702A3B0F6605}" type="datetime1">
               <a:rPr lang="de-DE" smtClean="0"/>
-              <a:t>23.01.2015</a:t>
+              <a:t>26.01.2015</a:t>
             </a:fld>
             <a:endParaRPr lang="de-DE"/>
           </a:p>
@@ -2386,7 +2269,7 @@
           <a:p>
             <a:fld id="{9F54A0AF-5ECC-4B67-9F23-F59426C3F899}" type="datetime1">
               <a:rPr lang="de-DE" smtClean="0"/>
-              <a:t>23.01.2015</a:t>
+              <a:t>26.01.2015</a:t>
             </a:fld>
             <a:endParaRPr lang="de-DE"/>
           </a:p>
@@ -2476,7 +2359,7 @@
           <a:p>
             <a:fld id="{D375BF5A-73F9-4FED-85E2-9D3FB2FE8876}" type="datetime1">
               <a:rPr lang="de-DE" smtClean="0"/>
-              <a:t>23.01.2015</a:t>
+              <a:t>26.01.2015</a:t>
             </a:fld>
             <a:endParaRPr lang="de-DE"/>
           </a:p>
@@ -2748,7 +2631,7 @@
           <a:p>
             <a:fld id="{31AC40A4-1922-4BD0-8989-420CEAEC6415}" type="datetime1">
               <a:rPr lang="de-DE" smtClean="0"/>
-              <a:t>23.01.2015</a:t>
+              <a:t>26.01.2015</a:t>
             </a:fld>
             <a:endParaRPr lang="de-DE"/>
           </a:p>
@@ -2996,7 +2879,7 @@
           <a:p>
             <a:fld id="{436B358D-4B12-427F-A2AC-2C169FFB3FF5}" type="datetime1">
               <a:rPr lang="de-DE" smtClean="0"/>
-              <a:t>23.01.2015</a:t>
+              <a:t>26.01.2015</a:t>
             </a:fld>
             <a:endParaRPr lang="de-DE"/>
           </a:p>
@@ -3204,7 +3087,7 @@
           <a:p>
             <a:fld id="{3EAEDF5D-2518-4F93-A6BB-C2198E8D704A}" type="datetime1">
               <a:rPr lang="de-DE" smtClean="0"/>
-              <a:t>23.01.2015</a:t>
+              <a:t>26.01.2015</a:t>
             </a:fld>
             <a:endParaRPr lang="de-DE"/>
           </a:p>
@@ -3847,48 +3730,6 @@
           </a:p>
         </p:txBody>
       </p:sp>
-      <p:sp>
-        <p:nvSpPr>
-          <p:cNvPr id="3" name="Textfeld 2"/>
-          <p:cNvSpPr txBox="1"/>
-          <p:nvPr/>
-        </p:nvSpPr>
-        <p:spPr>
-          <a:xfrm>
-            <a:off x="2904977" y="1856492"/>
-            <a:ext cx="3336170" cy="1107996"/>
-          </a:xfrm>
-          <a:prstGeom prst="rect">
-            <a:avLst/>
-          </a:prstGeom>
-          <a:noFill/>
-        </p:spPr>
-        <p:txBody>
-          <a:bodyPr wrap="none" rtlCol="0">
-            <a:spAutoFit/>
-          </a:bodyPr>
-          <a:lstStyle/>
-          <a:p>
-            <a:r>
-              <a:rPr lang="de-DE" sz="6600" b="1" dirty="0" smtClean="0">
-                <a:solidFill>
-                  <a:srgbClr val="FF0000"/>
-                </a:solidFill>
-                <a:latin typeface="Arial" panose="020B0604020202020204" pitchFamily="34" charset="0"/>
-                <a:cs typeface="Arial" panose="020B0604020202020204" pitchFamily="34" charset="0"/>
-              </a:rPr>
-              <a:t>Entwurf</a:t>
-            </a:r>
-            <a:endParaRPr lang="de-DE" sz="6600" b="1" dirty="0">
-              <a:solidFill>
-                <a:srgbClr val="FF0000"/>
-              </a:solidFill>
-              <a:latin typeface="Arial" panose="020B0604020202020204" pitchFamily="34" charset="0"/>
-              <a:cs typeface="Arial" panose="020B0604020202020204" pitchFamily="34" charset="0"/>
-            </a:endParaRPr>
-          </a:p>
-        </p:txBody>
-      </p:sp>
     </p:spTree>
     <p:extLst>
       <p:ext uri="{BB962C8B-B14F-4D97-AF65-F5344CB8AC3E}">
@@ -3945,20 +3786,20 @@
           <a:p>
             <a:pPr algn="l"/>
             <a:r>
-              <a:rPr lang="de-DE" sz="2800" b="1" dirty="0">
-                <a:latin typeface="Arial" panose="020B0604020202020204" pitchFamily="34" charset="0"/>
-                <a:cs typeface="Arial" panose="020B0604020202020204" pitchFamily="34" charset="0"/>
-              </a:rPr>
-              <a:t>2</a:t>
-            </a:r>
-            <a:r>
               <a:rPr lang="de-DE" sz="2800" b="1" dirty="0" smtClean="0">
                 <a:latin typeface="Arial" panose="020B0604020202020204" pitchFamily="34" charset="0"/>
                 <a:cs typeface="Arial" panose="020B0604020202020204" pitchFamily="34" charset="0"/>
               </a:rPr>
-              <a:t>. Theorie</a:t>
-            </a:r>
-            <a:endParaRPr lang="de-DE" sz="2800" dirty="0">
+              <a:t>2. </a:t>
+            </a:r>
+            <a:r>
+              <a:rPr lang="de-DE" sz="2800" b="1" dirty="0" smtClean="0">
+                <a:latin typeface="Arial" panose="020B0604020202020204" pitchFamily="34" charset="0"/>
+                <a:cs typeface="Arial" panose="020B0604020202020204" pitchFamily="34" charset="0"/>
+              </a:rPr>
+              <a:t>Theorie</a:t>
+            </a:r>
+            <a:endParaRPr lang="de-DE" sz="2000" dirty="0">
               <a:latin typeface="Arial" panose="020B0604020202020204" pitchFamily="34" charset="0"/>
               <a:cs typeface="Arial" panose="020B0604020202020204" pitchFamily="34" charset="0"/>
             </a:endParaRPr>
@@ -3967,7 +3808,7 @@
       </p:sp>
       <p:sp>
         <p:nvSpPr>
-          <p:cNvPr id="6" name="Inhaltsplatzhalter 5"/>
+          <p:cNvPr id="7" name="Inhaltsplatzhalter 6"/>
           <p:cNvSpPr>
             <a:spLocks noGrp="1"/>
           </p:cNvSpPr>
@@ -3984,7 +3825,7 @@
         </p:spPr>
         <p:txBody>
           <a:bodyPr>
-            <a:normAutofit/>
+            <a:noAutofit/>
           </a:bodyPr>
           <a:lstStyle/>
           <a:p>
@@ -3992,40 +3833,151 @@
               <a:buNone/>
             </a:pPr>
             <a:r>
-              <a:rPr lang="de-DE" b="1" dirty="0"/>
-              <a:t>Vertriebspolitik</a:t>
-            </a:r>
-            <a:r>
-              <a:rPr lang="de-DE" dirty="0"/>
-              <a:t> </a:t>
-            </a:r>
-          </a:p>
-          <a:p>
-            <a:pPr lvl="1"/>
-            <a:r>
-              <a:rPr lang="de-DE" dirty="0"/>
-              <a:t>Absatzkanalsystem gestalten, um die räumliche und zeitliche Distanz zwischen Unternehmen und Kunde zu überwinden. </a:t>
-            </a:r>
-          </a:p>
-          <a:p>
-            <a:pPr lvl="1"/>
-            <a:r>
-              <a:rPr lang="de-DE" dirty="0"/>
-              <a:t>i.d.R. auf verschiedene Absatzmittler, d.h. Händler (indirekter Vertrieb)</a:t>
-            </a:r>
-            <a:br>
-              <a:rPr lang="de-DE" dirty="0"/>
-            </a:br>
-            <a:endParaRPr lang="de-DE" dirty="0"/>
+              <a:rPr lang="de-DE" sz="2400" b="1" dirty="0" smtClean="0">
+                <a:latin typeface="Arial" panose="020B0604020202020204" pitchFamily="34" charset="0"/>
+                <a:cs typeface="Arial" panose="020B0604020202020204" pitchFamily="34" charset="0"/>
+              </a:rPr>
+              <a:t>SMM </a:t>
+            </a:r>
+            <a:r>
+              <a:rPr lang="de-DE" sz="2400" b="1" dirty="0" smtClean="0">
+                <a:latin typeface="Arial" panose="020B0604020202020204" pitchFamily="34" charset="0"/>
+                <a:cs typeface="Arial" panose="020B0604020202020204" pitchFamily="34" charset="0"/>
+              </a:rPr>
+              <a:t>Besonderheiten:</a:t>
+            </a:r>
           </a:p>
           <a:p>
             <a:pPr marL="0" indent="0">
               <a:buNone/>
             </a:pPr>
-            <a:endParaRPr lang="de-DE" dirty="0"/>
-          </a:p>
-          <a:p>
-            <a:endParaRPr lang="de-DE" dirty="0"/>
+            <a:r>
+              <a:rPr lang="de-DE" sz="2400" dirty="0" smtClean="0">
+                <a:latin typeface="Arial" panose="020B0604020202020204" pitchFamily="34" charset="0"/>
+                <a:cs typeface="Arial" panose="020B0604020202020204" pitchFamily="34" charset="0"/>
+              </a:rPr>
+              <a:t>Im Gegensatz zum klassischen Marketing(mix) hat Social Media Marketing einige Besonderheiten aufzuweisen.</a:t>
+            </a:r>
+          </a:p>
+          <a:p>
+            <a:pPr>
+              <a:buFont typeface="Symbol" panose="05050102010706020507" pitchFamily="18" charset="2"/>
+              <a:buChar char="-"/>
+            </a:pPr>
+            <a:r>
+              <a:rPr lang="de-DE" sz="2400" dirty="0" smtClean="0">
+                <a:latin typeface="Arial" panose="020B0604020202020204" pitchFamily="34" charset="0"/>
+                <a:cs typeface="Arial" panose="020B0604020202020204" pitchFamily="34" charset="0"/>
+              </a:rPr>
+              <a:t>Wandel weg </a:t>
+            </a:r>
+            <a:r>
+              <a:rPr lang="de-DE" sz="2400" dirty="0">
+                <a:latin typeface="Arial" panose="020B0604020202020204" pitchFamily="34" charset="0"/>
+                <a:cs typeface="Arial" panose="020B0604020202020204" pitchFamily="34" charset="0"/>
+              </a:rPr>
+              <a:t>von der Massen-Kommunikation hin </a:t>
+            </a:r>
+            <a:r>
+              <a:rPr lang="de-DE" sz="2400" dirty="0" smtClean="0">
+                <a:latin typeface="Arial" panose="020B0604020202020204" pitchFamily="34" charset="0"/>
+                <a:cs typeface="Arial" panose="020B0604020202020204" pitchFamily="34" charset="0"/>
+              </a:rPr>
+              <a:t>zu sozialen </a:t>
+            </a:r>
+            <a:r>
+              <a:rPr lang="de-DE" sz="2400" dirty="0">
+                <a:latin typeface="Arial" panose="020B0604020202020204" pitchFamily="34" charset="0"/>
+                <a:cs typeface="Arial" panose="020B0604020202020204" pitchFamily="34" charset="0"/>
+              </a:rPr>
+              <a:t>Bezugsgruppen</a:t>
+            </a:r>
+            <a:r>
+              <a:rPr lang="de-DE" sz="2400" dirty="0" smtClean="0">
+                <a:latin typeface="Arial" panose="020B0604020202020204" pitchFamily="34" charset="0"/>
+                <a:cs typeface="Arial" panose="020B0604020202020204" pitchFamily="34" charset="0"/>
+              </a:rPr>
+              <a:t>.</a:t>
+            </a:r>
+          </a:p>
+          <a:p>
+            <a:pPr>
+              <a:buFont typeface="Symbol" panose="05050102010706020507" pitchFamily="18" charset="2"/>
+              <a:buChar char="-"/>
+            </a:pPr>
+            <a:r>
+              <a:rPr lang="de-DE" sz="2400" dirty="0">
+                <a:latin typeface="Arial" panose="020B0604020202020204" pitchFamily="34" charset="0"/>
+                <a:cs typeface="Arial" panose="020B0604020202020204" pitchFamily="34" charset="0"/>
+              </a:rPr>
+              <a:t>Viele </a:t>
+            </a:r>
+            <a:r>
+              <a:rPr lang="de-DE" sz="2400" dirty="0" smtClean="0">
+                <a:latin typeface="Arial" panose="020B0604020202020204" pitchFamily="34" charset="0"/>
+                <a:cs typeface="Arial" panose="020B0604020202020204" pitchFamily="34" charset="0"/>
+              </a:rPr>
+              <a:t>neue </a:t>
+            </a:r>
+            <a:r>
+              <a:rPr lang="de-DE" sz="2400" dirty="0" err="1" smtClean="0">
+                <a:latin typeface="Arial" panose="020B0604020202020204" pitchFamily="34" charset="0"/>
+                <a:cs typeface="Arial" panose="020B0604020202020204" pitchFamily="34" charset="0"/>
+              </a:rPr>
+              <a:t>Ps</a:t>
+            </a:r>
+            <a:r>
+              <a:rPr lang="de-DE" sz="2400" dirty="0" smtClean="0">
+                <a:latin typeface="Arial" panose="020B0604020202020204" pitchFamily="34" charset="0"/>
+                <a:cs typeface="Arial" panose="020B0604020202020204" pitchFamily="34" charset="0"/>
+              </a:rPr>
+              <a:t> bieten </a:t>
+            </a:r>
+            <a:r>
+              <a:rPr lang="de-DE" sz="2400" dirty="0">
+                <a:latin typeface="Arial" panose="020B0604020202020204" pitchFamily="34" charset="0"/>
+                <a:cs typeface="Arial" panose="020B0604020202020204" pitchFamily="34" charset="0"/>
+              </a:rPr>
+              <a:t>Bezugspunkte für </a:t>
+            </a:r>
+            <a:r>
+              <a:rPr lang="de-DE" sz="2400" dirty="0" smtClean="0">
+                <a:latin typeface="Arial" panose="020B0604020202020204" pitchFamily="34" charset="0"/>
+                <a:cs typeface="Arial" panose="020B0604020202020204" pitchFamily="34" charset="0"/>
+              </a:rPr>
+              <a:t>Social Media</a:t>
+            </a:r>
+            <a:r>
+              <a:rPr lang="de-DE" sz="2400" dirty="0">
+                <a:latin typeface="Arial" panose="020B0604020202020204" pitchFamily="34" charset="0"/>
+                <a:cs typeface="Arial" panose="020B0604020202020204" pitchFamily="34" charset="0"/>
+              </a:rPr>
+              <a:t>. (Promotion, Public Voice, </a:t>
+            </a:r>
+            <a:r>
+              <a:rPr lang="de-DE" sz="2400" dirty="0" smtClean="0">
+                <a:latin typeface="Arial" panose="020B0604020202020204" pitchFamily="34" charset="0"/>
+                <a:cs typeface="Arial" panose="020B0604020202020204" pitchFamily="34" charset="0"/>
+              </a:rPr>
+              <a:t>Place)</a:t>
+            </a:r>
+          </a:p>
+          <a:p>
+            <a:pPr>
+              <a:buFont typeface="Symbol" panose="05050102010706020507" pitchFamily="18" charset="2"/>
+              <a:buChar char="-"/>
+            </a:pPr>
+            <a:r>
+              <a:rPr lang="de-DE" sz="2400" dirty="0" smtClean="0">
+                <a:latin typeface="Arial" panose="020B0604020202020204" pitchFamily="34" charset="0"/>
+                <a:cs typeface="Arial" panose="020B0604020202020204" pitchFamily="34" charset="0"/>
+              </a:rPr>
+              <a:t>Die Reaktionszeiten (Stichwort Krisenfall) sind entscheidend</a:t>
+            </a:r>
+            <a:endParaRPr lang="de-DE" sz="2400" dirty="0" smtClean="0">
+              <a:latin typeface="Arial" panose="020B0604020202020204" pitchFamily="34" charset="0"/>
+              <a:cs typeface="Arial" panose="020B0604020202020204" pitchFamily="34" charset="0"/>
+            </a:endParaRPr>
           </a:p>
         </p:txBody>
       </p:sp>
@@ -4048,7 +4000,7 @@
               <a:rPr lang="de-DE" smtClean="0"/>
               <a:t>10</a:t>
             </a:fld>
-            <a:endParaRPr lang="de-DE"/>
+            <a:endParaRPr lang="de-DE" dirty="0"/>
           </a:p>
         </p:txBody>
       </p:sp>
@@ -4133,7 +4085,7 @@
     </p:spTree>
     <p:extLst>
       <p:ext uri="{BB962C8B-B14F-4D97-AF65-F5344CB8AC3E}">
-        <p14:creationId xmlns:p14="http://schemas.microsoft.com/office/powerpoint/2010/main" val="4095794461"/>
+        <p14:creationId xmlns:p14="http://schemas.microsoft.com/office/powerpoint/2010/main" val="2034579966"/>
       </p:ext>
     </p:extLst>
   </p:cSld>
@@ -4169,64 +4121,20 @@
       </p:grpSpPr>
       <p:sp>
         <p:nvSpPr>
-          <p:cNvPr id="4" name="Foliennummernplatzhalter 3"/>
+          <p:cNvPr id="2" name="Titel 1"/>
           <p:cNvSpPr>
             <a:spLocks noGrp="1"/>
           </p:cNvSpPr>
           <p:nvPr>
-            <p:ph type="sldNum" sz="quarter" idx="12"/>
+            <p:ph type="title"/>
           </p:nvPr>
         </p:nvSpPr>
         <p:spPr/>
         <p:txBody>
-          <a:bodyPr/>
-          <a:lstStyle/>
-          <a:p>
-            <a:fld id="{6C6AE60A-B69C-4790-82F7-3882EDF23186}" type="slidenum">
-              <a:rPr lang="de-DE" smtClean="0"/>
-              <a:t>11</a:t>
-            </a:fld>
-            <a:endParaRPr lang="de-DE"/>
-          </a:p>
-        </p:txBody>
-      </p:sp>
-      <p:sp>
-        <p:nvSpPr>
-          <p:cNvPr id="5" name="Titel 1"/>
-          <p:cNvSpPr txBox="1">
-            <a:spLocks/>
-          </p:cNvSpPr>
-          <p:nvPr/>
-        </p:nvSpPr>
-        <p:spPr>
-          <a:xfrm>
-            <a:off x="457200" y="274638"/>
-            <a:ext cx="8229600" cy="1143000"/>
-          </a:xfrm>
-          <a:prstGeom prst="rect">
-            <a:avLst/>
-          </a:prstGeom>
-        </p:spPr>
-        <p:txBody>
-          <a:bodyPr vert="horz" lIns="91440" tIns="45720" rIns="91440" bIns="45720" rtlCol="0" anchor="ctr">
+          <a:bodyPr>
             <a:normAutofit/>
           </a:bodyPr>
-          <a:lstStyle>
-            <a:lvl1pPr algn="ctr" defTabSz="914400" rtl="0" eaLnBrk="1" latinLnBrk="0" hangingPunct="1">
-              <a:spcBef>
-                <a:spcPct val="0"/>
-              </a:spcBef>
-              <a:buNone/>
-              <a:defRPr sz="4400" kern="1200">
-                <a:solidFill>
-                  <a:schemeClr val="tx1"/>
-                </a:solidFill>
-                <a:latin typeface="+mj-lt"/>
-                <a:ea typeface="+mj-ea"/>
-                <a:cs typeface="+mj-cs"/>
-              </a:defRPr>
-            </a:lvl1pPr>
-          </a:lstStyle>
+          <a:lstStyle/>
           <a:p>
             <a:pPr algn="l"/>
             <a:r>
@@ -4234,9 +4142,16 @@
                 <a:latin typeface="Arial" panose="020B0604020202020204" pitchFamily="34" charset="0"/>
                 <a:cs typeface="Arial" panose="020B0604020202020204" pitchFamily="34" charset="0"/>
               </a:rPr>
-              <a:t>3. Marketinginstrumente</a:t>
-            </a:r>
-            <a:endParaRPr lang="de-DE" sz="2800" dirty="0">
+              <a:t>2. </a:t>
+            </a:r>
+            <a:r>
+              <a:rPr lang="de-DE" sz="2800" b="1" dirty="0" smtClean="0">
+                <a:latin typeface="Arial" panose="020B0604020202020204" pitchFamily="34" charset="0"/>
+                <a:cs typeface="Arial" panose="020B0604020202020204" pitchFamily="34" charset="0"/>
+              </a:rPr>
+              <a:t>Theorie</a:t>
+            </a:r>
+            <a:endParaRPr lang="de-DE" sz="2000" dirty="0">
               <a:latin typeface="Arial" panose="020B0604020202020204" pitchFamily="34" charset="0"/>
               <a:cs typeface="Arial" panose="020B0604020202020204" pitchFamily="34" charset="0"/>
             </a:endParaRPr>
@@ -4245,20 +4160,15 @@
       </p:sp>
       <p:sp>
         <p:nvSpPr>
-          <p:cNvPr id="8" name="Inhaltsplatzhalter 5"/>
-          <p:cNvSpPr txBox="1">
-            <a:spLocks/>
-          </p:cNvSpPr>
-          <p:nvPr/>
+          <p:cNvPr id="7" name="Inhaltsplatzhalter 6"/>
+          <p:cNvSpPr>
+            <a:spLocks noGrp="1"/>
+          </p:cNvSpPr>
+          <p:nvPr>
+            <p:ph idx="1"/>
+          </p:nvPr>
         </p:nvSpPr>
         <p:spPr>
-          <a:xfrm>
-            <a:off x="457200" y="1600200"/>
-            <a:ext cx="8229600" cy="4525963"/>
-          </a:xfrm>
-          <a:prstGeom prst="rect">
-            <a:avLst/>
-          </a:prstGeom>
           <a:ln>
             <a:solidFill>
               <a:schemeClr val="accent1"/>
@@ -4266,220 +4176,289 @@
           </a:ln>
         </p:spPr>
         <p:txBody>
-          <a:bodyPr vert="horz" lIns="91440" tIns="45720" rIns="91440" bIns="45720" rtlCol="0">
-            <a:normAutofit/>
+          <a:bodyPr>
+            <a:noAutofit/>
           </a:bodyPr>
-          <a:lstStyle>
-            <a:lvl1pPr marL="0" indent="0" algn="ctr" defTabSz="914400" rtl="0" eaLnBrk="1" latinLnBrk="0" hangingPunct="1">
-              <a:spcBef>
-                <a:spcPct val="20000"/>
-              </a:spcBef>
-              <a:buFont typeface="Arial" pitchFamily="34" charset="0"/>
-              <a:buNone/>
-              <a:defRPr sz="3200" kern="1200">
-                <a:solidFill>
-                  <a:schemeClr val="tx1">
-                    <a:tint val="75000"/>
-                  </a:schemeClr>
-                </a:solidFill>
-                <a:latin typeface="+mn-lt"/>
-                <a:ea typeface="+mn-ea"/>
-                <a:cs typeface="+mn-cs"/>
-              </a:defRPr>
-            </a:lvl1pPr>
-            <a:lvl2pPr marL="457200" indent="0" algn="ctr" defTabSz="914400" rtl="0" eaLnBrk="1" latinLnBrk="0" hangingPunct="1">
-              <a:spcBef>
-                <a:spcPct val="20000"/>
-              </a:spcBef>
-              <a:buFont typeface="Arial" pitchFamily="34" charset="0"/>
-              <a:buNone/>
-              <a:defRPr sz="2800" kern="1200">
-                <a:solidFill>
-                  <a:schemeClr val="tx1">
-                    <a:tint val="75000"/>
-                  </a:schemeClr>
-                </a:solidFill>
-                <a:latin typeface="+mn-lt"/>
-                <a:ea typeface="+mn-ea"/>
-                <a:cs typeface="+mn-cs"/>
-              </a:defRPr>
-            </a:lvl2pPr>
-            <a:lvl3pPr marL="914400" indent="0" algn="ctr" defTabSz="914400" rtl="0" eaLnBrk="1" latinLnBrk="0" hangingPunct="1">
-              <a:spcBef>
-                <a:spcPct val="20000"/>
-              </a:spcBef>
-              <a:buFont typeface="Arial" pitchFamily="34" charset="0"/>
-              <a:buNone/>
-              <a:defRPr sz="2400" kern="1200">
-                <a:solidFill>
-                  <a:schemeClr val="tx1">
-                    <a:tint val="75000"/>
-                  </a:schemeClr>
-                </a:solidFill>
-                <a:latin typeface="+mn-lt"/>
-                <a:ea typeface="+mn-ea"/>
-                <a:cs typeface="+mn-cs"/>
-              </a:defRPr>
-            </a:lvl3pPr>
-            <a:lvl4pPr marL="1371600" indent="0" algn="ctr" defTabSz="914400" rtl="0" eaLnBrk="1" latinLnBrk="0" hangingPunct="1">
-              <a:spcBef>
-                <a:spcPct val="20000"/>
-              </a:spcBef>
-              <a:buFont typeface="Arial" pitchFamily="34" charset="0"/>
-              <a:buNone/>
-              <a:defRPr sz="2000" kern="1200">
-                <a:solidFill>
-                  <a:schemeClr val="tx1">
-                    <a:tint val="75000"/>
-                  </a:schemeClr>
-                </a:solidFill>
-                <a:latin typeface="+mn-lt"/>
-                <a:ea typeface="+mn-ea"/>
-                <a:cs typeface="+mn-cs"/>
-              </a:defRPr>
-            </a:lvl4pPr>
-            <a:lvl5pPr marL="1828800" indent="0" algn="ctr" defTabSz="914400" rtl="0" eaLnBrk="1" latinLnBrk="0" hangingPunct="1">
-              <a:spcBef>
-                <a:spcPct val="20000"/>
-              </a:spcBef>
-              <a:buFont typeface="Arial" pitchFamily="34" charset="0"/>
-              <a:buNone/>
-              <a:defRPr sz="2000" kern="1200">
-                <a:solidFill>
-                  <a:schemeClr val="tx1">
-                    <a:tint val="75000"/>
-                  </a:schemeClr>
-                </a:solidFill>
-                <a:latin typeface="+mn-lt"/>
-                <a:ea typeface="+mn-ea"/>
-                <a:cs typeface="+mn-cs"/>
-              </a:defRPr>
-            </a:lvl5pPr>
-            <a:lvl6pPr marL="2286000" indent="0" algn="ctr" defTabSz="914400" rtl="0" eaLnBrk="1" latinLnBrk="0" hangingPunct="1">
-              <a:spcBef>
-                <a:spcPct val="20000"/>
-              </a:spcBef>
-              <a:buFont typeface="Arial" pitchFamily="34" charset="0"/>
-              <a:buNone/>
-              <a:defRPr sz="2000" kern="1200">
-                <a:solidFill>
-                  <a:schemeClr val="tx1">
-                    <a:tint val="75000"/>
-                  </a:schemeClr>
-                </a:solidFill>
-                <a:latin typeface="+mn-lt"/>
-                <a:ea typeface="+mn-ea"/>
-                <a:cs typeface="+mn-cs"/>
-              </a:defRPr>
-            </a:lvl6pPr>
-            <a:lvl7pPr marL="2743200" indent="0" algn="ctr" defTabSz="914400" rtl="0" eaLnBrk="1" latinLnBrk="0" hangingPunct="1">
-              <a:spcBef>
-                <a:spcPct val="20000"/>
-              </a:spcBef>
-              <a:buFont typeface="Arial" pitchFamily="34" charset="0"/>
-              <a:buNone/>
-              <a:defRPr sz="2000" kern="1200">
-                <a:solidFill>
-                  <a:schemeClr val="tx1">
-                    <a:tint val="75000"/>
-                  </a:schemeClr>
-                </a:solidFill>
-                <a:latin typeface="+mn-lt"/>
-                <a:ea typeface="+mn-ea"/>
-                <a:cs typeface="+mn-cs"/>
-              </a:defRPr>
-            </a:lvl7pPr>
-            <a:lvl8pPr marL="3200400" indent="0" algn="ctr" defTabSz="914400" rtl="0" eaLnBrk="1" latinLnBrk="0" hangingPunct="1">
-              <a:spcBef>
-                <a:spcPct val="20000"/>
-              </a:spcBef>
-              <a:buFont typeface="Arial" pitchFamily="34" charset="0"/>
-              <a:buNone/>
-              <a:defRPr sz="2000" kern="1200">
-                <a:solidFill>
-                  <a:schemeClr val="tx1">
-                    <a:tint val="75000"/>
-                  </a:schemeClr>
-                </a:solidFill>
-                <a:latin typeface="+mn-lt"/>
-                <a:ea typeface="+mn-ea"/>
-                <a:cs typeface="+mn-cs"/>
-              </a:defRPr>
-            </a:lvl8pPr>
-            <a:lvl9pPr marL="3657600" indent="0" algn="ctr" defTabSz="914400" rtl="0" eaLnBrk="1" latinLnBrk="0" hangingPunct="1">
-              <a:spcBef>
-                <a:spcPct val="20000"/>
-              </a:spcBef>
-              <a:buFont typeface="Arial" pitchFamily="34" charset="0"/>
-              <a:buNone/>
-              <a:defRPr sz="2000" kern="1200">
-                <a:solidFill>
-                  <a:schemeClr val="tx1">
-                    <a:tint val="75000"/>
-                  </a:schemeClr>
-                </a:solidFill>
-                <a:latin typeface="+mn-lt"/>
-                <a:ea typeface="+mn-ea"/>
-                <a:cs typeface="+mn-cs"/>
-              </a:defRPr>
-            </a:lvl9pPr>
-          </a:lstStyle>
-          <a:p>
-            <a:pPr lvl="1"/>
-            <a:endParaRPr lang="de-DE" sz="1600" dirty="0"/>
-          </a:p>
-        </p:txBody>
-      </p:sp>
-      <p:sp>
-        <p:nvSpPr>
-          <p:cNvPr id="9" name="Rechteck 8"/>
-          <p:cNvSpPr/>
+          <a:lstStyle/>
+          <a:p>
+            <a:pPr marL="0" indent="0">
+              <a:buNone/>
+            </a:pPr>
+            <a:r>
+              <a:rPr lang="de-DE" sz="2400" b="1" dirty="0" smtClean="0">
+                <a:latin typeface="Arial" panose="020B0604020202020204" pitchFamily="34" charset="0"/>
+                <a:cs typeface="Arial" panose="020B0604020202020204" pitchFamily="34" charset="0"/>
+              </a:rPr>
+              <a:t>SMM Strategieplanung:</a:t>
+            </a:r>
+          </a:p>
+          <a:p>
+            <a:pPr marL="0" indent="0">
+              <a:buNone/>
+            </a:pPr>
+            <a:r>
+              <a:rPr lang="de-DE" sz="2400" dirty="0" smtClean="0">
+                <a:latin typeface="Arial" panose="020B0604020202020204" pitchFamily="34" charset="0"/>
+                <a:cs typeface="Arial" panose="020B0604020202020204" pitchFamily="34" charset="0"/>
+              </a:rPr>
+              <a:t>Wichtige Fragestellungen:</a:t>
+            </a:r>
+          </a:p>
+          <a:p>
+            <a:pPr>
+              <a:buFont typeface="Symbol" panose="05050102010706020507" pitchFamily="18" charset="2"/>
+              <a:buChar char="-"/>
+            </a:pPr>
+            <a:r>
+              <a:rPr lang="de-DE" sz="2400" dirty="0" smtClean="0">
+                <a:latin typeface="Arial" panose="020B0604020202020204" pitchFamily="34" charset="0"/>
+                <a:cs typeface="Arial" panose="020B0604020202020204" pitchFamily="34" charset="0"/>
+              </a:rPr>
+              <a:t>Wen will ich ansprechen?</a:t>
+            </a:r>
+          </a:p>
+          <a:p>
+            <a:pPr>
+              <a:buFont typeface="Symbol" panose="05050102010706020507" pitchFamily="18" charset="2"/>
+              <a:buChar char="-"/>
+            </a:pPr>
+            <a:r>
+              <a:rPr lang="de-DE" sz="2400" dirty="0" smtClean="0">
+                <a:latin typeface="Arial" panose="020B0604020202020204" pitchFamily="34" charset="0"/>
+                <a:cs typeface="Arial" panose="020B0604020202020204" pitchFamily="34" charset="0"/>
+              </a:rPr>
+              <a:t>Wie will ich meine Zielgruppe ansprechen?</a:t>
+            </a:r>
+          </a:p>
+          <a:p>
+            <a:pPr>
+              <a:buFont typeface="Symbol" panose="05050102010706020507" pitchFamily="18" charset="2"/>
+              <a:buChar char="-"/>
+            </a:pPr>
+            <a:r>
+              <a:rPr lang="de-DE" sz="2400" dirty="0" smtClean="0">
+                <a:latin typeface="Arial" panose="020B0604020202020204" pitchFamily="34" charset="0"/>
+                <a:cs typeface="Arial" panose="020B0604020202020204" pitchFamily="34" charset="0"/>
+              </a:rPr>
+              <a:t>Welche Ziele verfolge ich mit meiner Strategie?</a:t>
+            </a:r>
+          </a:p>
+          <a:p>
+            <a:pPr>
+              <a:buFont typeface="Symbol" panose="05050102010706020507" pitchFamily="18" charset="2"/>
+              <a:buChar char="-"/>
+            </a:pPr>
+            <a:r>
+              <a:rPr lang="de-DE" sz="2400" dirty="0" smtClean="0">
+                <a:latin typeface="Arial" panose="020B0604020202020204" pitchFamily="34" charset="0"/>
+                <a:cs typeface="Arial" panose="020B0604020202020204" pitchFamily="34" charset="0"/>
+              </a:rPr>
+              <a:t>Welche Plattformen gibt es?</a:t>
+            </a:r>
+          </a:p>
+          <a:p>
+            <a:pPr>
+              <a:buFont typeface="Symbol" panose="05050102010706020507" pitchFamily="18" charset="2"/>
+              <a:buChar char="-"/>
+            </a:pPr>
+            <a:r>
+              <a:rPr lang="de-DE" sz="2400" dirty="0" smtClean="0">
+                <a:latin typeface="Arial" panose="020B0604020202020204" pitchFamily="34" charset="0"/>
+                <a:cs typeface="Arial" panose="020B0604020202020204" pitchFamily="34" charset="0"/>
+              </a:rPr>
+              <a:t>Wie </a:t>
+            </a:r>
+            <a:r>
+              <a:rPr lang="de-DE" sz="2400" dirty="0">
+                <a:latin typeface="Arial" panose="020B0604020202020204" pitchFamily="34" charset="0"/>
+                <a:cs typeface="Arial" panose="020B0604020202020204" pitchFamily="34" charset="0"/>
+              </a:rPr>
+              <a:t>viele (relevante) </a:t>
+            </a:r>
+            <a:r>
+              <a:rPr lang="de-DE" sz="2400" dirty="0" smtClean="0">
+                <a:latin typeface="Arial" panose="020B0604020202020204" pitchFamily="34" charset="0"/>
+                <a:cs typeface="Arial" panose="020B0604020202020204" pitchFamily="34" charset="0"/>
+              </a:rPr>
+              <a:t>Nutzer gibt es auf den Plattformen?</a:t>
+            </a:r>
+            <a:endParaRPr lang="de-DE" sz="2400" dirty="0">
+              <a:latin typeface="Arial" panose="020B0604020202020204" pitchFamily="34" charset="0"/>
+              <a:cs typeface="Arial" panose="020B0604020202020204" pitchFamily="34" charset="0"/>
+            </a:endParaRPr>
+          </a:p>
+          <a:p>
+            <a:pPr>
+              <a:buFont typeface="Symbol" panose="05050102010706020507" pitchFamily="18" charset="2"/>
+              <a:buChar char="-"/>
+            </a:pPr>
+            <a:r>
+              <a:rPr lang="de-DE" sz="2400" dirty="0">
+                <a:latin typeface="Arial" panose="020B0604020202020204" pitchFamily="34" charset="0"/>
+                <a:cs typeface="Arial" panose="020B0604020202020204" pitchFamily="34" charset="0"/>
+              </a:rPr>
+              <a:t>Wie ist die Altersstruktur?</a:t>
+            </a:r>
+          </a:p>
+          <a:p>
+            <a:pPr>
+              <a:buFont typeface="Symbol" panose="05050102010706020507" pitchFamily="18" charset="2"/>
+              <a:buChar char="-"/>
+            </a:pPr>
+            <a:r>
+              <a:rPr lang="de-DE" sz="2400" dirty="0" smtClean="0">
+                <a:latin typeface="Arial" panose="020B0604020202020204" pitchFamily="34" charset="0"/>
+                <a:cs typeface="Arial" panose="020B0604020202020204" pitchFamily="34" charset="0"/>
+              </a:rPr>
+              <a:t>Wie erreiche ich kurze Reaktionszeiten?</a:t>
+            </a:r>
+          </a:p>
+          <a:p>
+            <a:pPr>
+              <a:buFont typeface="Symbol" panose="05050102010706020507" pitchFamily="18" charset="2"/>
+              <a:buChar char="-"/>
+            </a:pPr>
+            <a:r>
+              <a:rPr lang="de-DE" sz="2400" dirty="0" smtClean="0">
+                <a:latin typeface="Arial" panose="020B0604020202020204" pitchFamily="34" charset="0"/>
+                <a:cs typeface="Arial" panose="020B0604020202020204" pitchFamily="34" charset="0"/>
+              </a:rPr>
+              <a:t>Wie ist die Team- </a:t>
+            </a:r>
+            <a:r>
+              <a:rPr lang="de-DE" sz="2400" dirty="0">
+                <a:latin typeface="Arial" panose="020B0604020202020204" pitchFamily="34" charset="0"/>
+                <a:cs typeface="Arial" panose="020B0604020202020204" pitchFamily="34" charset="0"/>
+              </a:rPr>
+              <a:t>und Aufgabenteilung?</a:t>
+            </a:r>
+          </a:p>
+          <a:p>
+            <a:pPr>
+              <a:buFont typeface="Symbol" panose="05050102010706020507" pitchFamily="18" charset="2"/>
+              <a:buChar char="-"/>
+            </a:pPr>
+            <a:endParaRPr lang="de-DE" sz="2400" dirty="0">
+              <a:latin typeface="Arial" panose="020B0604020202020204" pitchFamily="34" charset="0"/>
+              <a:cs typeface="Arial" panose="020B0604020202020204" pitchFamily="34" charset="0"/>
+            </a:endParaRPr>
+          </a:p>
+          <a:p>
+            <a:pPr marL="0" indent="0">
+              <a:buNone/>
+            </a:pPr>
+            <a:endParaRPr lang="de-DE" sz="2400" b="1" dirty="0" smtClean="0">
+              <a:latin typeface="Arial" panose="020B0604020202020204" pitchFamily="34" charset="0"/>
+              <a:cs typeface="Arial" panose="020B0604020202020204" pitchFamily="34" charset="0"/>
+            </a:endParaRPr>
+          </a:p>
+        </p:txBody>
+      </p:sp>
+      <p:sp>
+        <p:nvSpPr>
+          <p:cNvPr id="13" name="Foliennummernplatzhalter 12"/>
+          <p:cNvSpPr>
+            <a:spLocks noGrp="1"/>
+          </p:cNvSpPr>
+          <p:nvPr>
+            <p:ph type="sldNum" sz="quarter" idx="12"/>
+          </p:nvPr>
+        </p:nvSpPr>
+        <p:spPr/>
+        <p:txBody>
+          <a:bodyPr/>
+          <a:lstStyle/>
+          <a:p>
+            <a:fld id="{6C6AE60A-B69C-4790-82F7-3882EDF23186}" type="slidenum">
+              <a:rPr lang="de-DE" smtClean="0"/>
+              <a:t>11</a:t>
+            </a:fld>
+            <a:endParaRPr lang="de-DE" dirty="0"/>
+          </a:p>
+        </p:txBody>
+      </p:sp>
+      <p:sp>
+        <p:nvSpPr>
+          <p:cNvPr id="3" name="AutoShape 2" descr="https://github.com/Roba1993/Happy-Hour/raw/master/documents/marketing/Anzahl%20Teilnehmer.png"/>
+          <p:cNvSpPr>
+            <a:spLocks noChangeAspect="1" noChangeArrowheads="1"/>
+          </p:cNvSpPr>
           <p:nvPr/>
         </p:nvSpPr>
-        <p:spPr>
+        <p:spPr bwMode="auto">
           <a:xfrm>
-            <a:off x="457200" y="1608460"/>
-            <a:ext cx="8931820" cy="523220"/>
+            <a:off x="155575" y="-144463"/>
+            <a:ext cx="304800" cy="304801"/>
           </a:xfrm>
           <a:prstGeom prst="rect">
             <a:avLst/>
           </a:prstGeom>
+          <a:noFill/>
+          <a:extLst>
+            <a:ext uri="{909E8E84-426E-40DD-AFC4-6F175D3DCCD1}">
+              <a14:hiddenFill xmlns:a14="http://schemas.microsoft.com/office/drawing/2010/main">
+                <a:solidFill>
+                  <a:srgbClr val="FFFFFF"/>
+                </a:solidFill>
+              </a14:hiddenFill>
+            </a:ext>
+          </a:extLst>
         </p:spPr>
         <p:txBody>
-          <a:bodyPr wrap="square">
-            <a:spAutoFit/>
+          <a:bodyPr vert="horz" wrap="square" lIns="91440" tIns="45720" rIns="91440" bIns="45720" numCol="1" anchor="t" anchorCtr="0" compatLnSpc="1">
+            <a:prstTxWarp prst="textNoShape">
+              <a:avLst/>
+            </a:prstTxWarp>
           </a:bodyPr>
           <a:lstStyle/>
           <a:p>
-            <a:r>
-              <a:rPr lang="de-DE" sz="2800" dirty="0" smtClean="0">
-                <a:latin typeface="Arial" panose="020B0604020202020204" pitchFamily="34" charset="0"/>
-                <a:cs typeface="Arial" panose="020B0604020202020204" pitchFamily="34" charset="0"/>
-              </a:rPr>
-              <a:t>Eingesetzte Marketinginstrumente für „</a:t>
-            </a:r>
-            <a:r>
-              <a:rPr lang="de-DE" sz="2800" dirty="0">
-                <a:latin typeface="Arial" panose="020B0604020202020204" pitchFamily="34" charset="0"/>
-                <a:cs typeface="Arial" panose="020B0604020202020204" pitchFamily="34" charset="0"/>
-              </a:rPr>
-              <a:t>Go Happy</a:t>
-            </a:r>
-            <a:r>
-              <a:rPr lang="de-DE" sz="2800" dirty="0" smtClean="0">
-                <a:latin typeface="Arial" panose="020B0604020202020204" pitchFamily="34" charset="0"/>
-                <a:cs typeface="Arial" panose="020B0604020202020204" pitchFamily="34" charset="0"/>
-              </a:rPr>
-              <a:t>“: </a:t>
-            </a:r>
-            <a:endParaRPr lang="de-DE" sz="2800" dirty="0"/>
+            <a:endParaRPr lang="de-DE"/>
+          </a:p>
+        </p:txBody>
+      </p:sp>
+      <p:sp>
+        <p:nvSpPr>
+          <p:cNvPr id="5" name="AutoShape 4" descr="https://github.com/Roba1993/Happy-Hour/raw/master/documents/marketing/Anzahl%20Teilnehmer.png"/>
+          <p:cNvSpPr>
+            <a:spLocks noChangeAspect="1" noChangeArrowheads="1"/>
+          </p:cNvSpPr>
+          <p:nvPr/>
+        </p:nvSpPr>
+        <p:spPr bwMode="auto">
+          <a:xfrm>
+            <a:off x="307975" y="7937"/>
+            <a:ext cx="304800" cy="304801"/>
+          </a:xfrm>
+          <a:prstGeom prst="rect">
+            <a:avLst/>
+          </a:prstGeom>
+          <a:noFill/>
+          <a:extLst>
+            <a:ext uri="{909E8E84-426E-40DD-AFC4-6F175D3DCCD1}">
+              <a14:hiddenFill xmlns:a14="http://schemas.microsoft.com/office/drawing/2010/main">
+                <a:solidFill>
+                  <a:srgbClr val="FFFFFF"/>
+                </a:solidFill>
+              </a14:hiddenFill>
+            </a:ext>
+          </a:extLst>
+        </p:spPr>
+        <p:txBody>
+          <a:bodyPr vert="horz" wrap="square" lIns="91440" tIns="45720" rIns="91440" bIns="45720" numCol="1" anchor="t" anchorCtr="0" compatLnSpc="1">
+            <a:prstTxWarp prst="textNoShape">
+              <a:avLst/>
+            </a:prstTxWarp>
+          </a:bodyPr>
+          <a:lstStyle/>
+          <a:p>
+            <a:endParaRPr lang="de-DE"/>
           </a:p>
         </p:txBody>
       </p:sp>
     </p:spTree>
     <p:extLst>
       <p:ext uri="{BB962C8B-B14F-4D97-AF65-F5344CB8AC3E}">
-        <p14:creationId xmlns:p14="http://schemas.microsoft.com/office/powerpoint/2010/main" val="1478688220"/>
+        <p14:creationId xmlns:p14="http://schemas.microsoft.com/office/powerpoint/2010/main" val="983832767"/>
       </p:ext>
     </p:extLst>
   </p:cSld>
@@ -4515,20 +4494,64 @@
       </p:grpSpPr>
       <p:sp>
         <p:nvSpPr>
-          <p:cNvPr id="2" name="Titel 1"/>
+          <p:cNvPr id="4" name="Foliennummernplatzhalter 3"/>
           <p:cNvSpPr>
             <a:spLocks noGrp="1"/>
           </p:cNvSpPr>
           <p:nvPr>
-            <p:ph type="title"/>
+            <p:ph type="sldNum" sz="quarter" idx="12"/>
           </p:nvPr>
         </p:nvSpPr>
         <p:spPr/>
         <p:txBody>
-          <a:bodyPr>
+          <a:bodyPr/>
+          <a:lstStyle/>
+          <a:p>
+            <a:fld id="{6C6AE60A-B69C-4790-82F7-3882EDF23186}" type="slidenum">
+              <a:rPr lang="de-DE" smtClean="0"/>
+              <a:t>12</a:t>
+            </a:fld>
+            <a:endParaRPr lang="de-DE"/>
+          </a:p>
+        </p:txBody>
+      </p:sp>
+      <p:sp>
+        <p:nvSpPr>
+          <p:cNvPr id="5" name="Titel 1"/>
+          <p:cNvSpPr txBox="1">
+            <a:spLocks/>
+          </p:cNvSpPr>
+          <p:nvPr/>
+        </p:nvSpPr>
+        <p:spPr>
+          <a:xfrm>
+            <a:off x="457200" y="274638"/>
+            <a:ext cx="8229600" cy="1143000"/>
+          </a:xfrm>
+          <a:prstGeom prst="rect">
+            <a:avLst/>
+          </a:prstGeom>
+        </p:spPr>
+        <p:txBody>
+          <a:bodyPr vert="horz" lIns="91440" tIns="45720" rIns="91440" bIns="45720" rtlCol="0" anchor="ctr">
             <a:normAutofit/>
           </a:bodyPr>
-          <a:lstStyle/>
+          <a:lstStyle>
+            <a:lvl1pPr algn="ctr" defTabSz="914400" rtl="0" eaLnBrk="1" latinLnBrk="0" hangingPunct="1">
+              <a:spcBef>
+                <a:spcPct val="0"/>
+              </a:spcBef>
+              <a:buNone/>
+              <a:defRPr sz="4400" kern="1200">
+                <a:solidFill>
+                  <a:schemeClr val="tx1"/>
+                </a:solidFill>
+                <a:latin typeface="+mj-lt"/>
+                <a:ea typeface="+mj-ea"/>
+                <a:cs typeface="+mj-cs"/>
+              </a:defRPr>
+            </a:lvl1pPr>
+          </a:lstStyle>
           <a:p>
             <a:pPr algn="l"/>
             <a:r>
@@ -4536,9 +4559,16 @@
                 <a:latin typeface="Arial" panose="020B0604020202020204" pitchFamily="34" charset="0"/>
                 <a:cs typeface="Arial" panose="020B0604020202020204" pitchFamily="34" charset="0"/>
               </a:rPr>
-              <a:t>3. a) Produktpolitik</a:t>
-            </a:r>
-            <a:endParaRPr lang="de-DE" sz="2800" b="1" dirty="0">
+              <a:t>3. </a:t>
+            </a:r>
+            <a:r>
+              <a:rPr lang="de-DE" sz="2800" b="1" dirty="0" smtClean="0">
+                <a:latin typeface="Arial" panose="020B0604020202020204" pitchFamily="34" charset="0"/>
+                <a:cs typeface="Arial" panose="020B0604020202020204" pitchFamily="34" charset="0"/>
+              </a:rPr>
+              <a:t>Social Media Strategie</a:t>
+            </a:r>
+            <a:endParaRPr lang="de-DE" sz="2800" dirty="0">
               <a:latin typeface="Arial" panose="020B0604020202020204" pitchFamily="34" charset="0"/>
               <a:cs typeface="Arial" panose="020B0604020202020204" pitchFamily="34" charset="0"/>
             </a:endParaRPr>
@@ -4547,15 +4577,20 @@
       </p:sp>
       <p:sp>
         <p:nvSpPr>
-          <p:cNvPr id="3" name="Inhaltsplatzhalter 2"/>
-          <p:cNvSpPr>
-            <a:spLocks noGrp="1"/>
-          </p:cNvSpPr>
-          <p:nvPr>
-            <p:ph idx="1"/>
-          </p:nvPr>
+          <p:cNvPr id="8" name="Inhaltsplatzhalter 5"/>
+          <p:cNvSpPr txBox="1">
+            <a:spLocks/>
+          </p:cNvSpPr>
+          <p:nvPr/>
         </p:nvSpPr>
         <p:spPr>
+          <a:xfrm>
+            <a:off x="457200" y="1600200"/>
+            <a:ext cx="8229600" cy="4525963"/>
+          </a:xfrm>
+          <a:prstGeom prst="rect">
+            <a:avLst/>
+          </a:prstGeom>
           <a:ln>
             <a:solidFill>
               <a:schemeClr val="accent1"/>
@@ -4563,166 +4598,214 @@
           </a:ln>
         </p:spPr>
         <p:txBody>
-          <a:bodyPr>
+          <a:bodyPr vert="horz" lIns="91440" tIns="45720" rIns="91440" bIns="45720" rtlCol="0">
             <a:normAutofit/>
           </a:bodyPr>
+          <a:lstStyle>
+            <a:lvl1pPr marL="0" indent="0" algn="ctr" defTabSz="914400" rtl="0" eaLnBrk="1" latinLnBrk="0" hangingPunct="1">
+              <a:spcBef>
+                <a:spcPct val="20000"/>
+              </a:spcBef>
+              <a:buFont typeface="Arial" pitchFamily="34" charset="0"/>
+              <a:buNone/>
+              <a:defRPr sz="3200" kern="1200">
+                <a:solidFill>
+                  <a:schemeClr val="tx1">
+                    <a:tint val="75000"/>
+                  </a:schemeClr>
+                </a:solidFill>
+                <a:latin typeface="+mn-lt"/>
+                <a:ea typeface="+mn-ea"/>
+                <a:cs typeface="+mn-cs"/>
+              </a:defRPr>
+            </a:lvl1pPr>
+            <a:lvl2pPr marL="457200" indent="0" algn="ctr" defTabSz="914400" rtl="0" eaLnBrk="1" latinLnBrk="0" hangingPunct="1">
+              <a:spcBef>
+                <a:spcPct val="20000"/>
+              </a:spcBef>
+              <a:buFont typeface="Arial" pitchFamily="34" charset="0"/>
+              <a:buNone/>
+              <a:defRPr sz="2800" kern="1200">
+                <a:solidFill>
+                  <a:schemeClr val="tx1">
+                    <a:tint val="75000"/>
+                  </a:schemeClr>
+                </a:solidFill>
+                <a:latin typeface="+mn-lt"/>
+                <a:ea typeface="+mn-ea"/>
+                <a:cs typeface="+mn-cs"/>
+              </a:defRPr>
+            </a:lvl2pPr>
+            <a:lvl3pPr marL="914400" indent="0" algn="ctr" defTabSz="914400" rtl="0" eaLnBrk="1" latinLnBrk="0" hangingPunct="1">
+              <a:spcBef>
+                <a:spcPct val="20000"/>
+              </a:spcBef>
+              <a:buFont typeface="Arial" pitchFamily="34" charset="0"/>
+              <a:buNone/>
+              <a:defRPr sz="2400" kern="1200">
+                <a:solidFill>
+                  <a:schemeClr val="tx1">
+                    <a:tint val="75000"/>
+                  </a:schemeClr>
+                </a:solidFill>
+                <a:latin typeface="+mn-lt"/>
+                <a:ea typeface="+mn-ea"/>
+                <a:cs typeface="+mn-cs"/>
+              </a:defRPr>
+            </a:lvl3pPr>
+            <a:lvl4pPr marL="1371600" indent="0" algn="ctr" defTabSz="914400" rtl="0" eaLnBrk="1" latinLnBrk="0" hangingPunct="1">
+              <a:spcBef>
+                <a:spcPct val="20000"/>
+              </a:spcBef>
+              <a:buFont typeface="Arial" pitchFamily="34" charset="0"/>
+              <a:buNone/>
+              <a:defRPr sz="2000" kern="1200">
+                <a:solidFill>
+                  <a:schemeClr val="tx1">
+                    <a:tint val="75000"/>
+                  </a:schemeClr>
+                </a:solidFill>
+                <a:latin typeface="+mn-lt"/>
+                <a:ea typeface="+mn-ea"/>
+                <a:cs typeface="+mn-cs"/>
+              </a:defRPr>
+            </a:lvl4pPr>
+            <a:lvl5pPr marL="1828800" indent="0" algn="ctr" defTabSz="914400" rtl="0" eaLnBrk="1" latinLnBrk="0" hangingPunct="1">
+              <a:spcBef>
+                <a:spcPct val="20000"/>
+              </a:spcBef>
+              <a:buFont typeface="Arial" pitchFamily="34" charset="0"/>
+              <a:buNone/>
+              <a:defRPr sz="2000" kern="1200">
+                <a:solidFill>
+                  <a:schemeClr val="tx1">
+                    <a:tint val="75000"/>
+                  </a:schemeClr>
+                </a:solidFill>
+                <a:latin typeface="+mn-lt"/>
+                <a:ea typeface="+mn-ea"/>
+                <a:cs typeface="+mn-cs"/>
+              </a:defRPr>
+            </a:lvl5pPr>
+            <a:lvl6pPr marL="2286000" indent="0" algn="ctr" defTabSz="914400" rtl="0" eaLnBrk="1" latinLnBrk="0" hangingPunct="1">
+              <a:spcBef>
+                <a:spcPct val="20000"/>
+              </a:spcBef>
+              <a:buFont typeface="Arial" pitchFamily="34" charset="0"/>
+              <a:buNone/>
+              <a:defRPr sz="2000" kern="1200">
+                <a:solidFill>
+                  <a:schemeClr val="tx1">
+                    <a:tint val="75000"/>
+                  </a:schemeClr>
+                </a:solidFill>
+                <a:latin typeface="+mn-lt"/>
+                <a:ea typeface="+mn-ea"/>
+                <a:cs typeface="+mn-cs"/>
+              </a:defRPr>
+            </a:lvl6pPr>
+            <a:lvl7pPr marL="2743200" indent="0" algn="ctr" defTabSz="914400" rtl="0" eaLnBrk="1" latinLnBrk="0" hangingPunct="1">
+              <a:spcBef>
+                <a:spcPct val="20000"/>
+              </a:spcBef>
+              <a:buFont typeface="Arial" pitchFamily="34" charset="0"/>
+              <a:buNone/>
+              <a:defRPr sz="2000" kern="1200">
+                <a:solidFill>
+                  <a:schemeClr val="tx1">
+                    <a:tint val="75000"/>
+                  </a:schemeClr>
+                </a:solidFill>
+                <a:latin typeface="+mn-lt"/>
+                <a:ea typeface="+mn-ea"/>
+                <a:cs typeface="+mn-cs"/>
+              </a:defRPr>
+            </a:lvl7pPr>
+            <a:lvl8pPr marL="3200400" indent="0" algn="ctr" defTabSz="914400" rtl="0" eaLnBrk="1" latinLnBrk="0" hangingPunct="1">
+              <a:spcBef>
+                <a:spcPct val="20000"/>
+              </a:spcBef>
+              <a:buFont typeface="Arial" pitchFamily="34" charset="0"/>
+              <a:buNone/>
+              <a:defRPr sz="2000" kern="1200">
+                <a:solidFill>
+                  <a:schemeClr val="tx1">
+                    <a:tint val="75000"/>
+                  </a:schemeClr>
+                </a:solidFill>
+                <a:latin typeface="+mn-lt"/>
+                <a:ea typeface="+mn-ea"/>
+                <a:cs typeface="+mn-cs"/>
+              </a:defRPr>
+            </a:lvl8pPr>
+            <a:lvl9pPr marL="3657600" indent="0" algn="ctr" defTabSz="914400" rtl="0" eaLnBrk="1" latinLnBrk="0" hangingPunct="1">
+              <a:spcBef>
+                <a:spcPct val="20000"/>
+              </a:spcBef>
+              <a:buFont typeface="Arial" pitchFamily="34" charset="0"/>
+              <a:buNone/>
+              <a:defRPr sz="2000" kern="1200">
+                <a:solidFill>
+                  <a:schemeClr val="tx1">
+                    <a:tint val="75000"/>
+                  </a:schemeClr>
+                </a:solidFill>
+                <a:latin typeface="+mn-lt"/>
+                <a:ea typeface="+mn-ea"/>
+                <a:cs typeface="+mn-cs"/>
+              </a:defRPr>
+            </a:lvl9pPr>
+          </a:lstStyle>
+          <a:p>
+            <a:pPr lvl="1"/>
+            <a:endParaRPr lang="de-DE" sz="1600" dirty="0"/>
+          </a:p>
+        </p:txBody>
+      </p:sp>
+      <p:sp>
+        <p:nvSpPr>
+          <p:cNvPr id="9" name="Rechteck 8"/>
+          <p:cNvSpPr/>
+          <p:nvPr/>
+        </p:nvSpPr>
+        <p:spPr>
+          <a:xfrm>
+            <a:off x="457200" y="1608460"/>
+            <a:ext cx="8931820" cy="1200329"/>
+          </a:xfrm>
+          <a:prstGeom prst="rect">
+            <a:avLst/>
+          </a:prstGeom>
+        </p:spPr>
+        <p:txBody>
+          <a:bodyPr wrap="square">
+            <a:spAutoFit/>
+          </a:bodyPr>
           <a:lstStyle/>
           <a:p>
-            <a:pPr marL="0" indent="0">
-              <a:buNone/>
-            </a:pPr>
-            <a:r>
-              <a:rPr lang="de-DE" sz="2600" b="1" dirty="0" smtClean="0">
-                <a:latin typeface="Arial" panose="020B0604020202020204" pitchFamily="34" charset="0"/>
-                <a:cs typeface="Arial" panose="020B0604020202020204" pitchFamily="34" charset="0"/>
-              </a:rPr>
-              <a:t>Name und Slogan </a:t>
-            </a:r>
-          </a:p>
-          <a:p>
-            <a:pPr>
-              <a:buFont typeface="Symbol" panose="05050102010706020507" pitchFamily="18" charset="2"/>
-              <a:buChar char="-"/>
-            </a:pPr>
-            <a:r>
-              <a:rPr lang="de-DE" sz="2400" dirty="0">
-                <a:latin typeface="Arial" panose="020B0604020202020204" pitchFamily="34" charset="0"/>
-                <a:cs typeface="Arial" panose="020B0604020202020204" pitchFamily="34" charset="0"/>
-              </a:rPr>
-              <a:t>einprägsam </a:t>
-            </a:r>
+            <a:r>
+              <a:rPr lang="de-DE" sz="2400" b="1" dirty="0" smtClean="0">
+                <a:latin typeface="Arial" panose="020B0604020202020204" pitchFamily="34" charset="0"/>
+                <a:cs typeface="Arial" panose="020B0604020202020204" pitchFamily="34" charset="0"/>
+              </a:rPr>
+              <a:t>Zielgruppe:</a:t>
+            </a:r>
+          </a:p>
+          <a:p>
             <a:endParaRPr lang="de-DE" sz="2400" dirty="0" smtClean="0">
               <a:latin typeface="Arial" panose="020B0604020202020204" pitchFamily="34" charset="0"/>
               <a:cs typeface="Arial" panose="020B0604020202020204" pitchFamily="34" charset="0"/>
             </a:endParaRPr>
           </a:p>
           <a:p>
-            <a:pPr>
-              <a:buFont typeface="Symbol" panose="05050102010706020507" pitchFamily="18" charset="2"/>
-              <a:buChar char="-"/>
-            </a:pPr>
-            <a:r>
-              <a:rPr lang="de-DE" sz="2400" dirty="0" smtClean="0">
-                <a:latin typeface="Arial" panose="020B0604020202020204" pitchFamily="34" charset="0"/>
-                <a:cs typeface="Arial" panose="020B0604020202020204" pitchFamily="34" charset="0"/>
-              </a:rPr>
-              <a:t>Wiedererkennungswert schaffen</a:t>
-            </a:r>
-          </a:p>
-          <a:p>
-            <a:pPr>
-              <a:buFont typeface="Symbol" panose="05050102010706020507" pitchFamily="18" charset="2"/>
-              <a:buChar char="-"/>
-            </a:pPr>
-            <a:r>
-              <a:rPr lang="de-DE" sz="2400" dirty="0" smtClean="0">
-                <a:latin typeface="Arial" panose="020B0604020202020204" pitchFamily="34" charset="0"/>
-                <a:cs typeface="Arial" panose="020B0604020202020204" pitchFamily="34" charset="0"/>
-              </a:rPr>
-              <a:t>Einfacher Name: </a:t>
-            </a:r>
-            <a:r>
-              <a:rPr lang="de-DE" sz="2400" dirty="0" err="1" smtClean="0">
-                <a:latin typeface="Arial" panose="020B0604020202020204" pitchFamily="34" charset="0"/>
-                <a:cs typeface="Arial" panose="020B0604020202020204" pitchFamily="34" charset="0"/>
-              </a:rPr>
-              <a:t>GoHappy</a:t>
-            </a:r>
-            <a:r>
-              <a:rPr lang="de-DE" sz="2400" dirty="0" smtClean="0">
-                <a:latin typeface="Arial" panose="020B0604020202020204" pitchFamily="34" charset="0"/>
-                <a:cs typeface="Arial" panose="020B0604020202020204" pitchFamily="34" charset="0"/>
-              </a:rPr>
-              <a:t> </a:t>
-            </a:r>
-          </a:p>
-          <a:p>
-            <a:pPr>
-              <a:buFont typeface="Symbol" panose="05050102010706020507" pitchFamily="18" charset="2"/>
-              <a:buChar char="-"/>
-            </a:pPr>
-            <a:r>
-              <a:rPr lang="de-DE" sz="2400" dirty="0" smtClean="0">
-                <a:latin typeface="Arial" panose="020B0604020202020204" pitchFamily="34" charset="0"/>
-                <a:cs typeface="Arial" panose="020B0604020202020204" pitchFamily="34" charset="0"/>
-              </a:rPr>
-              <a:t>Slogan: </a:t>
-            </a:r>
-            <a:r>
-              <a:rPr lang="de-DE" sz="2400" dirty="0" err="1" smtClean="0">
-                <a:latin typeface="Arial" panose="020B0604020202020204" pitchFamily="34" charset="0"/>
-                <a:cs typeface="Arial" panose="020B0604020202020204" pitchFamily="34" charset="0"/>
-              </a:rPr>
-              <a:t>GoHappy</a:t>
-            </a:r>
-            <a:r>
-              <a:rPr lang="de-DE" sz="2400" dirty="0" smtClean="0">
-                <a:latin typeface="Arial" panose="020B0604020202020204" pitchFamily="34" charset="0"/>
-                <a:cs typeface="Arial" panose="020B0604020202020204" pitchFamily="34" charset="0"/>
-              </a:rPr>
-              <a:t> </a:t>
-            </a:r>
-            <a:r>
-              <a:rPr lang="de-DE" sz="2400" dirty="0" err="1" smtClean="0">
-                <a:latin typeface="Arial" panose="020B0604020202020204" pitchFamily="34" charset="0"/>
-                <a:cs typeface="Arial" panose="020B0604020202020204" pitchFamily="34" charset="0"/>
-              </a:rPr>
-              <a:t>or</a:t>
-            </a:r>
-            <a:r>
-              <a:rPr lang="de-DE" sz="2400" dirty="0" smtClean="0">
-                <a:latin typeface="Arial" panose="020B0604020202020204" pitchFamily="34" charset="0"/>
-                <a:cs typeface="Arial" panose="020B0604020202020204" pitchFamily="34" charset="0"/>
-              </a:rPr>
-              <a:t> die </a:t>
-            </a:r>
-            <a:r>
-              <a:rPr lang="de-DE" sz="2400" dirty="0" err="1" smtClean="0">
-                <a:latin typeface="Arial" panose="020B0604020202020204" pitchFamily="34" charset="0"/>
-                <a:cs typeface="Arial" panose="020B0604020202020204" pitchFamily="34" charset="0"/>
-              </a:rPr>
-              <a:t>Tryin</a:t>
-            </a:r>
-            <a:r>
-              <a:rPr lang="de-DE" sz="2400" dirty="0" smtClean="0">
-                <a:latin typeface="Arial" panose="020B0604020202020204" pitchFamily="34" charset="0"/>
-                <a:cs typeface="Arial" panose="020B0604020202020204" pitchFamily="34" charset="0"/>
-              </a:rPr>
-              <a:t>‘</a:t>
-            </a:r>
-          </a:p>
-          <a:p>
-            <a:endParaRPr lang="de-DE" dirty="0"/>
-          </a:p>
-        </p:txBody>
-      </p:sp>
-      <p:sp>
-        <p:nvSpPr>
-          <p:cNvPr id="4" name="Foliennummernplatzhalter 3"/>
-          <p:cNvSpPr>
-            <a:spLocks noGrp="1"/>
-          </p:cNvSpPr>
-          <p:nvPr>
-            <p:ph type="sldNum" sz="quarter" idx="12"/>
-          </p:nvPr>
-        </p:nvSpPr>
-        <p:spPr/>
-        <p:txBody>
-          <a:bodyPr/>
-          <a:lstStyle/>
-          <a:p>
-            <a:fld id="{6C6AE60A-B69C-4790-82F7-3882EDF23186}" type="slidenum">
-              <a:rPr lang="de-DE" smtClean="0"/>
-              <a:t>12</a:t>
-            </a:fld>
-            <a:endParaRPr lang="de-DE"/>
+            <a:endParaRPr lang="de-DE" sz="2400" dirty="0"/>
           </a:p>
         </p:txBody>
       </p:sp>
     </p:spTree>
     <p:extLst>
       <p:ext uri="{BB962C8B-B14F-4D97-AF65-F5344CB8AC3E}">
-        <p14:creationId xmlns:p14="http://schemas.microsoft.com/office/powerpoint/2010/main" val="3731391479"/>
+        <p14:creationId xmlns:p14="http://schemas.microsoft.com/office/powerpoint/2010/main" val="3747685486"/>
       </p:ext>
     </p:extLst>
   </p:cSld>
@@ -4758,20 +4841,64 @@
       </p:grpSpPr>
       <p:sp>
         <p:nvSpPr>
-          <p:cNvPr id="2" name="Titel 1"/>
+          <p:cNvPr id="4" name="Foliennummernplatzhalter 3"/>
           <p:cNvSpPr>
             <a:spLocks noGrp="1"/>
           </p:cNvSpPr>
           <p:nvPr>
-            <p:ph type="title"/>
+            <p:ph type="sldNum" sz="quarter" idx="12"/>
           </p:nvPr>
         </p:nvSpPr>
         <p:spPr/>
         <p:txBody>
-          <a:bodyPr>
+          <a:bodyPr/>
+          <a:lstStyle/>
+          <a:p>
+            <a:fld id="{6C6AE60A-B69C-4790-82F7-3882EDF23186}" type="slidenum">
+              <a:rPr lang="de-DE" smtClean="0"/>
+              <a:t>13</a:t>
+            </a:fld>
+            <a:endParaRPr lang="de-DE"/>
+          </a:p>
+        </p:txBody>
+      </p:sp>
+      <p:sp>
+        <p:nvSpPr>
+          <p:cNvPr id="5" name="Titel 1"/>
+          <p:cNvSpPr txBox="1">
+            <a:spLocks/>
+          </p:cNvSpPr>
+          <p:nvPr/>
+        </p:nvSpPr>
+        <p:spPr>
+          <a:xfrm>
+            <a:off x="457200" y="274638"/>
+            <a:ext cx="8229600" cy="1143000"/>
+          </a:xfrm>
+          <a:prstGeom prst="rect">
+            <a:avLst/>
+          </a:prstGeom>
+        </p:spPr>
+        <p:txBody>
+          <a:bodyPr vert="horz" lIns="91440" tIns="45720" rIns="91440" bIns="45720" rtlCol="0" anchor="ctr">
             <a:normAutofit/>
           </a:bodyPr>
-          <a:lstStyle/>
+          <a:lstStyle>
+            <a:lvl1pPr algn="ctr" defTabSz="914400" rtl="0" eaLnBrk="1" latinLnBrk="0" hangingPunct="1">
+              <a:spcBef>
+                <a:spcPct val="0"/>
+              </a:spcBef>
+              <a:buNone/>
+              <a:defRPr sz="4400" kern="1200">
+                <a:solidFill>
+                  <a:schemeClr val="tx1"/>
+                </a:solidFill>
+                <a:latin typeface="+mj-lt"/>
+                <a:ea typeface="+mj-ea"/>
+                <a:cs typeface="+mj-cs"/>
+              </a:defRPr>
+            </a:lvl1pPr>
+          </a:lstStyle>
           <a:p>
             <a:pPr algn="l"/>
             <a:r>
@@ -4779,9 +4906,16 @@
                 <a:latin typeface="Arial" panose="020B0604020202020204" pitchFamily="34" charset="0"/>
                 <a:cs typeface="Arial" panose="020B0604020202020204" pitchFamily="34" charset="0"/>
               </a:rPr>
-              <a:t>3. a) Produktpolitik</a:t>
-            </a:r>
-            <a:endParaRPr lang="de-DE" sz="2800" b="1" dirty="0">
+              <a:t>3. </a:t>
+            </a:r>
+            <a:r>
+              <a:rPr lang="de-DE" sz="2800" b="1" dirty="0" smtClean="0">
+                <a:latin typeface="Arial" panose="020B0604020202020204" pitchFamily="34" charset="0"/>
+                <a:cs typeface="Arial" panose="020B0604020202020204" pitchFamily="34" charset="0"/>
+              </a:rPr>
+              <a:t>Social Media Strategie</a:t>
+            </a:r>
+            <a:endParaRPr lang="de-DE" sz="2800" dirty="0">
               <a:latin typeface="Arial" panose="020B0604020202020204" pitchFamily="34" charset="0"/>
               <a:cs typeface="Arial" panose="020B0604020202020204" pitchFamily="34" charset="0"/>
             </a:endParaRPr>
@@ -4790,15 +4924,20 @@
       </p:sp>
       <p:sp>
         <p:nvSpPr>
-          <p:cNvPr id="3" name="Inhaltsplatzhalter 2"/>
-          <p:cNvSpPr>
-            <a:spLocks noGrp="1"/>
-          </p:cNvSpPr>
-          <p:nvPr>
-            <p:ph idx="1"/>
-          </p:nvPr>
+          <p:cNvPr id="8" name="Inhaltsplatzhalter 5"/>
+          <p:cNvSpPr txBox="1">
+            <a:spLocks/>
+          </p:cNvSpPr>
+          <p:nvPr/>
         </p:nvSpPr>
         <p:spPr>
+          <a:xfrm>
+            <a:off x="457200" y="1600200"/>
+            <a:ext cx="8229600" cy="4525963"/>
+          </a:xfrm>
+          <a:prstGeom prst="rect">
+            <a:avLst/>
+          </a:prstGeom>
           <a:ln>
             <a:solidFill>
               <a:schemeClr val="accent1"/>
@@ -4806,150 +4945,214 @@
           </a:ln>
         </p:spPr>
         <p:txBody>
-          <a:bodyPr>
+          <a:bodyPr vert="horz" lIns="91440" tIns="45720" rIns="91440" bIns="45720" rtlCol="0">
             <a:normAutofit/>
           </a:bodyPr>
+          <a:lstStyle>
+            <a:lvl1pPr marL="0" indent="0" algn="ctr" defTabSz="914400" rtl="0" eaLnBrk="1" latinLnBrk="0" hangingPunct="1">
+              <a:spcBef>
+                <a:spcPct val="20000"/>
+              </a:spcBef>
+              <a:buFont typeface="Arial" pitchFamily="34" charset="0"/>
+              <a:buNone/>
+              <a:defRPr sz="3200" kern="1200">
+                <a:solidFill>
+                  <a:schemeClr val="tx1">
+                    <a:tint val="75000"/>
+                  </a:schemeClr>
+                </a:solidFill>
+                <a:latin typeface="+mn-lt"/>
+                <a:ea typeface="+mn-ea"/>
+                <a:cs typeface="+mn-cs"/>
+              </a:defRPr>
+            </a:lvl1pPr>
+            <a:lvl2pPr marL="457200" indent="0" algn="ctr" defTabSz="914400" rtl="0" eaLnBrk="1" latinLnBrk="0" hangingPunct="1">
+              <a:spcBef>
+                <a:spcPct val="20000"/>
+              </a:spcBef>
+              <a:buFont typeface="Arial" pitchFamily="34" charset="0"/>
+              <a:buNone/>
+              <a:defRPr sz="2800" kern="1200">
+                <a:solidFill>
+                  <a:schemeClr val="tx1">
+                    <a:tint val="75000"/>
+                  </a:schemeClr>
+                </a:solidFill>
+                <a:latin typeface="+mn-lt"/>
+                <a:ea typeface="+mn-ea"/>
+                <a:cs typeface="+mn-cs"/>
+              </a:defRPr>
+            </a:lvl2pPr>
+            <a:lvl3pPr marL="914400" indent="0" algn="ctr" defTabSz="914400" rtl="0" eaLnBrk="1" latinLnBrk="0" hangingPunct="1">
+              <a:spcBef>
+                <a:spcPct val="20000"/>
+              </a:spcBef>
+              <a:buFont typeface="Arial" pitchFamily="34" charset="0"/>
+              <a:buNone/>
+              <a:defRPr sz="2400" kern="1200">
+                <a:solidFill>
+                  <a:schemeClr val="tx1">
+                    <a:tint val="75000"/>
+                  </a:schemeClr>
+                </a:solidFill>
+                <a:latin typeface="+mn-lt"/>
+                <a:ea typeface="+mn-ea"/>
+                <a:cs typeface="+mn-cs"/>
+              </a:defRPr>
+            </a:lvl3pPr>
+            <a:lvl4pPr marL="1371600" indent="0" algn="ctr" defTabSz="914400" rtl="0" eaLnBrk="1" latinLnBrk="0" hangingPunct="1">
+              <a:spcBef>
+                <a:spcPct val="20000"/>
+              </a:spcBef>
+              <a:buFont typeface="Arial" pitchFamily="34" charset="0"/>
+              <a:buNone/>
+              <a:defRPr sz="2000" kern="1200">
+                <a:solidFill>
+                  <a:schemeClr val="tx1">
+                    <a:tint val="75000"/>
+                  </a:schemeClr>
+                </a:solidFill>
+                <a:latin typeface="+mn-lt"/>
+                <a:ea typeface="+mn-ea"/>
+                <a:cs typeface="+mn-cs"/>
+              </a:defRPr>
+            </a:lvl4pPr>
+            <a:lvl5pPr marL="1828800" indent="0" algn="ctr" defTabSz="914400" rtl="0" eaLnBrk="1" latinLnBrk="0" hangingPunct="1">
+              <a:spcBef>
+                <a:spcPct val="20000"/>
+              </a:spcBef>
+              <a:buFont typeface="Arial" pitchFamily="34" charset="0"/>
+              <a:buNone/>
+              <a:defRPr sz="2000" kern="1200">
+                <a:solidFill>
+                  <a:schemeClr val="tx1">
+                    <a:tint val="75000"/>
+                  </a:schemeClr>
+                </a:solidFill>
+                <a:latin typeface="+mn-lt"/>
+                <a:ea typeface="+mn-ea"/>
+                <a:cs typeface="+mn-cs"/>
+              </a:defRPr>
+            </a:lvl5pPr>
+            <a:lvl6pPr marL="2286000" indent="0" algn="ctr" defTabSz="914400" rtl="0" eaLnBrk="1" latinLnBrk="0" hangingPunct="1">
+              <a:spcBef>
+                <a:spcPct val="20000"/>
+              </a:spcBef>
+              <a:buFont typeface="Arial" pitchFamily="34" charset="0"/>
+              <a:buNone/>
+              <a:defRPr sz="2000" kern="1200">
+                <a:solidFill>
+                  <a:schemeClr val="tx1">
+                    <a:tint val="75000"/>
+                  </a:schemeClr>
+                </a:solidFill>
+                <a:latin typeface="+mn-lt"/>
+                <a:ea typeface="+mn-ea"/>
+                <a:cs typeface="+mn-cs"/>
+              </a:defRPr>
+            </a:lvl6pPr>
+            <a:lvl7pPr marL="2743200" indent="0" algn="ctr" defTabSz="914400" rtl="0" eaLnBrk="1" latinLnBrk="0" hangingPunct="1">
+              <a:spcBef>
+                <a:spcPct val="20000"/>
+              </a:spcBef>
+              <a:buFont typeface="Arial" pitchFamily="34" charset="0"/>
+              <a:buNone/>
+              <a:defRPr sz="2000" kern="1200">
+                <a:solidFill>
+                  <a:schemeClr val="tx1">
+                    <a:tint val="75000"/>
+                  </a:schemeClr>
+                </a:solidFill>
+                <a:latin typeface="+mn-lt"/>
+                <a:ea typeface="+mn-ea"/>
+                <a:cs typeface="+mn-cs"/>
+              </a:defRPr>
+            </a:lvl7pPr>
+            <a:lvl8pPr marL="3200400" indent="0" algn="ctr" defTabSz="914400" rtl="0" eaLnBrk="1" latinLnBrk="0" hangingPunct="1">
+              <a:spcBef>
+                <a:spcPct val="20000"/>
+              </a:spcBef>
+              <a:buFont typeface="Arial" pitchFamily="34" charset="0"/>
+              <a:buNone/>
+              <a:defRPr sz="2000" kern="1200">
+                <a:solidFill>
+                  <a:schemeClr val="tx1">
+                    <a:tint val="75000"/>
+                  </a:schemeClr>
+                </a:solidFill>
+                <a:latin typeface="+mn-lt"/>
+                <a:ea typeface="+mn-ea"/>
+                <a:cs typeface="+mn-cs"/>
+              </a:defRPr>
+            </a:lvl8pPr>
+            <a:lvl9pPr marL="3657600" indent="0" algn="ctr" defTabSz="914400" rtl="0" eaLnBrk="1" latinLnBrk="0" hangingPunct="1">
+              <a:spcBef>
+                <a:spcPct val="20000"/>
+              </a:spcBef>
+              <a:buFont typeface="Arial" pitchFamily="34" charset="0"/>
+              <a:buNone/>
+              <a:defRPr sz="2000" kern="1200">
+                <a:solidFill>
+                  <a:schemeClr val="tx1">
+                    <a:tint val="75000"/>
+                  </a:schemeClr>
+                </a:solidFill>
+                <a:latin typeface="+mn-lt"/>
+                <a:ea typeface="+mn-ea"/>
+                <a:cs typeface="+mn-cs"/>
+              </a:defRPr>
+            </a:lvl9pPr>
+          </a:lstStyle>
+          <a:p>
+            <a:pPr lvl="1"/>
+            <a:endParaRPr lang="de-DE" sz="1600" dirty="0"/>
+          </a:p>
+        </p:txBody>
+      </p:sp>
+      <p:sp>
+        <p:nvSpPr>
+          <p:cNvPr id="9" name="Rechteck 8"/>
+          <p:cNvSpPr/>
+          <p:nvPr/>
+        </p:nvSpPr>
+        <p:spPr>
+          <a:xfrm>
+            <a:off x="457200" y="1608460"/>
+            <a:ext cx="8931820" cy="1200329"/>
+          </a:xfrm>
+          <a:prstGeom prst="rect">
+            <a:avLst/>
+          </a:prstGeom>
+        </p:spPr>
+        <p:txBody>
+          <a:bodyPr wrap="square">
+            <a:spAutoFit/>
+          </a:bodyPr>
           <a:lstStyle/>
           <a:p>
-            <a:pPr marL="0" indent="0">
-              <a:buNone/>
-            </a:pPr>
-            <a:r>
-              <a:rPr lang="de-DE" sz="2600" b="1" dirty="0" smtClean="0">
-                <a:latin typeface="Arial" panose="020B0604020202020204" pitchFamily="34" charset="0"/>
-                <a:cs typeface="Arial" panose="020B0604020202020204" pitchFamily="34" charset="0"/>
-              </a:rPr>
-              <a:t>Umfrage I</a:t>
-            </a:r>
-          </a:p>
-          <a:p>
-            <a:pPr>
-              <a:buFont typeface="Symbol" panose="05050102010706020507" pitchFamily="18" charset="2"/>
-              <a:buChar char="-"/>
-            </a:pPr>
-            <a:r>
-              <a:rPr lang="de-DE" sz="2400" dirty="0" smtClean="0">
-                <a:latin typeface="Arial" panose="020B0604020202020204" pitchFamily="34" charset="0"/>
-                <a:cs typeface="Arial" panose="020B0604020202020204" pitchFamily="34" charset="0"/>
-              </a:rPr>
-              <a:t>möglichen Nutzer wurden befragt (hauptsächlich Studenten)</a:t>
-            </a:r>
-          </a:p>
-          <a:p>
-            <a:pPr lvl="1">
-              <a:buFont typeface="Wingdings" panose="05000000000000000000" pitchFamily="2" charset="2"/>
-              <a:buChar char="Ø"/>
-            </a:pPr>
-            <a:r>
-              <a:rPr lang="de-DE" sz="2400" dirty="0" smtClean="0">
-                <a:latin typeface="Arial" panose="020B0604020202020204" pitchFamily="34" charset="0"/>
-                <a:cs typeface="Arial" panose="020B0604020202020204" pitchFamily="34" charset="0"/>
-              </a:rPr>
-              <a:t>Ziel: 	inhaltliche Aspekte festzuhalten und 			Kundenwünsche / Vorlieben aufzunehmen</a:t>
-            </a:r>
-          </a:p>
-          <a:p>
-            <a:pPr marL="457200" lvl="1" indent="0">
-              <a:buNone/>
-            </a:pPr>
+            <a:r>
+              <a:rPr lang="de-DE" sz="2400" b="1" dirty="0" smtClean="0">
+                <a:latin typeface="Arial" panose="020B0604020202020204" pitchFamily="34" charset="0"/>
+                <a:cs typeface="Arial" panose="020B0604020202020204" pitchFamily="34" charset="0"/>
+              </a:rPr>
+              <a:t>Plattformen:</a:t>
+            </a:r>
+          </a:p>
+          <a:p>
             <a:endParaRPr lang="de-DE" sz="2400" dirty="0" smtClean="0">
               <a:latin typeface="Arial" panose="020B0604020202020204" pitchFamily="34" charset="0"/>
               <a:cs typeface="Arial" panose="020B0604020202020204" pitchFamily="34" charset="0"/>
             </a:endParaRPr>
           </a:p>
           <a:p>
-            <a:pPr marL="0" indent="0">
-              <a:buNone/>
-            </a:pPr>
-            <a:r>
-              <a:rPr lang="de-DE" sz="2600" b="1" dirty="0" smtClean="0">
-                <a:latin typeface="Arial" panose="020B0604020202020204" pitchFamily="34" charset="0"/>
-                <a:cs typeface="Arial" panose="020B0604020202020204" pitchFamily="34" charset="0"/>
-              </a:rPr>
-              <a:t>Umfrage II </a:t>
-            </a:r>
-          </a:p>
-          <a:p>
-            <a:pPr>
-              <a:buFont typeface="Symbol" panose="05050102010706020507" pitchFamily="18" charset="2"/>
-              <a:buChar char="-"/>
-            </a:pPr>
-            <a:r>
-              <a:rPr lang="de-DE" sz="2400" dirty="0" smtClean="0">
-                <a:latin typeface="Arial" panose="020B0604020202020204" pitchFamily="34" charset="0"/>
-                <a:cs typeface="Arial" panose="020B0604020202020204" pitchFamily="34" charset="0"/>
-              </a:rPr>
-              <a:t>Layout bewertet und Verbesserungsvorschläge gesammelt</a:t>
-            </a:r>
-          </a:p>
-          <a:p>
-            <a:pPr lvl="1">
-              <a:buFont typeface="Wingdings" panose="05000000000000000000" pitchFamily="2" charset="2"/>
-              <a:buChar char="Ø"/>
-            </a:pPr>
-            <a:r>
-              <a:rPr lang="de-DE" sz="2400" dirty="0" smtClean="0">
-                <a:latin typeface="Arial" panose="020B0604020202020204" pitchFamily="34" charset="0"/>
-                <a:cs typeface="Arial" panose="020B0604020202020204" pitchFamily="34" charset="0"/>
-              </a:rPr>
-              <a:t>Ziel: 	Erstellung einer optimalen </a:t>
-            </a:r>
-            <a:r>
-              <a:rPr lang="de-DE" sz="2400" dirty="0" err="1" smtClean="0">
-                <a:latin typeface="Arial" panose="020B0604020202020204" pitchFamily="34" charset="0"/>
-                <a:cs typeface="Arial" panose="020B0604020202020204" pitchFamily="34" charset="0"/>
-              </a:rPr>
-              <a:t>WebApp</a:t>
-            </a:r>
-            <a:r>
-              <a:rPr lang="de-DE" sz="2400" dirty="0" smtClean="0">
-                <a:latin typeface="Arial" panose="020B0604020202020204" pitchFamily="34" charset="0"/>
-                <a:cs typeface="Arial" panose="020B0604020202020204" pitchFamily="34" charset="0"/>
-              </a:rPr>
-              <a:t> für Nutzer</a:t>
-            </a:r>
-          </a:p>
-          <a:p>
-            <a:pPr marL="0" indent="0">
-              <a:buNone/>
-            </a:pPr>
-            <a:endParaRPr lang="de-DE" sz="3000" dirty="0" smtClean="0">
-              <a:latin typeface="Arial" panose="020B0604020202020204" pitchFamily="34" charset="0"/>
-              <a:cs typeface="Arial" panose="020B0604020202020204" pitchFamily="34" charset="0"/>
-            </a:endParaRPr>
-          </a:p>
-          <a:p>
-            <a:endParaRPr lang="de-DE" dirty="0"/>
-          </a:p>
-        </p:txBody>
-      </p:sp>
-      <p:sp>
-        <p:nvSpPr>
-          <p:cNvPr id="4" name="Foliennummernplatzhalter 3"/>
-          <p:cNvSpPr>
-            <a:spLocks noGrp="1"/>
-          </p:cNvSpPr>
-          <p:nvPr>
-            <p:ph type="sldNum" sz="quarter" idx="12"/>
-          </p:nvPr>
-        </p:nvSpPr>
-        <p:spPr/>
-        <p:txBody>
-          <a:bodyPr/>
-          <a:lstStyle/>
-          <a:p>
-            <a:fld id="{6C6AE60A-B69C-4790-82F7-3882EDF23186}" type="slidenum">
-              <a:rPr lang="de-DE" smtClean="0"/>
-              <a:t>13</a:t>
-            </a:fld>
-            <a:endParaRPr lang="de-DE"/>
+            <a:endParaRPr lang="de-DE" sz="2400" dirty="0"/>
           </a:p>
         </p:txBody>
       </p:sp>
     </p:spTree>
     <p:extLst>
       <p:ext uri="{BB962C8B-B14F-4D97-AF65-F5344CB8AC3E}">
-        <p14:creationId xmlns:p14="http://schemas.microsoft.com/office/powerpoint/2010/main" val="966785050"/>
+        <p14:creationId xmlns:p14="http://schemas.microsoft.com/office/powerpoint/2010/main" val="3531306027"/>
       </p:ext>
     </p:extLst>
   </p:cSld>
@@ -4985,41 +5188,103 @@
       </p:grpSpPr>
       <p:sp>
         <p:nvSpPr>
-          <p:cNvPr id="2" name="Titel 1"/>
+          <p:cNvPr id="4" name="Foliennummernplatzhalter 3"/>
           <p:cNvSpPr>
             <a:spLocks noGrp="1"/>
           </p:cNvSpPr>
           <p:nvPr>
-            <p:ph type="title"/>
+            <p:ph type="sldNum" sz="quarter" idx="12"/>
           </p:nvPr>
         </p:nvSpPr>
         <p:spPr/>
         <p:txBody>
-          <a:bodyPr>
+          <a:bodyPr/>
+          <a:lstStyle/>
+          <a:p>
+            <a:fld id="{6C6AE60A-B69C-4790-82F7-3882EDF23186}" type="slidenum">
+              <a:rPr lang="de-DE" smtClean="0"/>
+              <a:t>14</a:t>
+            </a:fld>
+            <a:endParaRPr lang="de-DE"/>
+          </a:p>
+        </p:txBody>
+      </p:sp>
+      <p:sp>
+        <p:nvSpPr>
+          <p:cNvPr id="5" name="Titel 1"/>
+          <p:cNvSpPr txBox="1">
+            <a:spLocks/>
+          </p:cNvSpPr>
+          <p:nvPr/>
+        </p:nvSpPr>
+        <p:spPr>
+          <a:xfrm>
+            <a:off x="457200" y="274638"/>
+            <a:ext cx="8229600" cy="1143000"/>
+          </a:xfrm>
+          <a:prstGeom prst="rect">
+            <a:avLst/>
+          </a:prstGeom>
+        </p:spPr>
+        <p:txBody>
+          <a:bodyPr vert="horz" lIns="91440" tIns="45720" rIns="91440" bIns="45720" rtlCol="0" anchor="ctr">
             <a:normAutofit/>
           </a:bodyPr>
-          <a:lstStyle/>
+          <a:lstStyle>
+            <a:lvl1pPr algn="ctr" defTabSz="914400" rtl="0" eaLnBrk="1" latinLnBrk="0" hangingPunct="1">
+              <a:spcBef>
+                <a:spcPct val="0"/>
+              </a:spcBef>
+              <a:buNone/>
+              <a:defRPr sz="4400" kern="1200">
+                <a:solidFill>
+                  <a:schemeClr val="tx1"/>
+                </a:solidFill>
+                <a:latin typeface="+mj-lt"/>
+                <a:ea typeface="+mj-ea"/>
+                <a:cs typeface="+mj-cs"/>
+              </a:defRPr>
+            </a:lvl1pPr>
+          </a:lstStyle>
           <a:p>
             <a:pPr algn="l"/>
             <a:r>
-              <a:rPr lang="de-DE" sz="2800" b="1" dirty="0" smtClean="0"/>
-              <a:t>3 b) Preispolitik</a:t>
-            </a:r>
-            <a:endParaRPr lang="de-DE" sz="2800" b="1" dirty="0"/>
-          </a:p>
-        </p:txBody>
-      </p:sp>
-      <p:sp>
-        <p:nvSpPr>
-          <p:cNvPr id="3" name="Inhaltsplatzhalter 2"/>
-          <p:cNvSpPr>
-            <a:spLocks noGrp="1"/>
-          </p:cNvSpPr>
-          <p:nvPr>
-            <p:ph idx="1"/>
-          </p:nvPr>
+              <a:rPr lang="de-DE" sz="2800" b="1" dirty="0" smtClean="0">
+                <a:latin typeface="Arial" panose="020B0604020202020204" pitchFamily="34" charset="0"/>
+                <a:cs typeface="Arial" panose="020B0604020202020204" pitchFamily="34" charset="0"/>
+              </a:rPr>
+              <a:t>3. </a:t>
+            </a:r>
+            <a:r>
+              <a:rPr lang="de-DE" sz="2800" b="1" dirty="0" smtClean="0">
+                <a:latin typeface="Arial" panose="020B0604020202020204" pitchFamily="34" charset="0"/>
+                <a:cs typeface="Arial" panose="020B0604020202020204" pitchFamily="34" charset="0"/>
+              </a:rPr>
+              <a:t>Social Media Strategie</a:t>
+            </a:r>
+            <a:endParaRPr lang="de-DE" sz="2800" dirty="0">
+              <a:latin typeface="Arial" panose="020B0604020202020204" pitchFamily="34" charset="0"/>
+              <a:cs typeface="Arial" panose="020B0604020202020204" pitchFamily="34" charset="0"/>
+            </a:endParaRPr>
+          </a:p>
+        </p:txBody>
+      </p:sp>
+      <p:sp>
+        <p:nvSpPr>
+          <p:cNvPr id="8" name="Inhaltsplatzhalter 5"/>
+          <p:cNvSpPr txBox="1">
+            <a:spLocks/>
+          </p:cNvSpPr>
+          <p:nvPr/>
         </p:nvSpPr>
         <p:spPr>
+          <a:xfrm>
+            <a:off x="457200" y="1600200"/>
+            <a:ext cx="8229600" cy="4525963"/>
+          </a:xfrm>
+          <a:prstGeom prst="rect">
+            <a:avLst/>
+          </a:prstGeom>
           <a:ln>
             <a:solidFill>
               <a:schemeClr val="accent1"/>
@@ -5027,164 +5292,286 @@
           </a:ln>
         </p:spPr>
         <p:txBody>
-          <a:bodyPr/>
+          <a:bodyPr vert="horz" lIns="91440" tIns="45720" rIns="91440" bIns="45720" rtlCol="0">
+            <a:normAutofit/>
+          </a:bodyPr>
+          <a:lstStyle>
+            <a:lvl1pPr marL="0" indent="0" algn="ctr" defTabSz="914400" rtl="0" eaLnBrk="1" latinLnBrk="0" hangingPunct="1">
+              <a:spcBef>
+                <a:spcPct val="20000"/>
+              </a:spcBef>
+              <a:buFont typeface="Arial" pitchFamily="34" charset="0"/>
+              <a:buNone/>
+              <a:defRPr sz="3200" kern="1200">
+                <a:solidFill>
+                  <a:schemeClr val="tx1">
+                    <a:tint val="75000"/>
+                  </a:schemeClr>
+                </a:solidFill>
+                <a:latin typeface="+mn-lt"/>
+                <a:ea typeface="+mn-ea"/>
+                <a:cs typeface="+mn-cs"/>
+              </a:defRPr>
+            </a:lvl1pPr>
+            <a:lvl2pPr marL="457200" indent="0" algn="ctr" defTabSz="914400" rtl="0" eaLnBrk="1" latinLnBrk="0" hangingPunct="1">
+              <a:spcBef>
+                <a:spcPct val="20000"/>
+              </a:spcBef>
+              <a:buFont typeface="Arial" pitchFamily="34" charset="0"/>
+              <a:buNone/>
+              <a:defRPr sz="2800" kern="1200">
+                <a:solidFill>
+                  <a:schemeClr val="tx1">
+                    <a:tint val="75000"/>
+                  </a:schemeClr>
+                </a:solidFill>
+                <a:latin typeface="+mn-lt"/>
+                <a:ea typeface="+mn-ea"/>
+                <a:cs typeface="+mn-cs"/>
+              </a:defRPr>
+            </a:lvl2pPr>
+            <a:lvl3pPr marL="914400" indent="0" algn="ctr" defTabSz="914400" rtl="0" eaLnBrk="1" latinLnBrk="0" hangingPunct="1">
+              <a:spcBef>
+                <a:spcPct val="20000"/>
+              </a:spcBef>
+              <a:buFont typeface="Arial" pitchFamily="34" charset="0"/>
+              <a:buNone/>
+              <a:defRPr sz="2400" kern="1200">
+                <a:solidFill>
+                  <a:schemeClr val="tx1">
+                    <a:tint val="75000"/>
+                  </a:schemeClr>
+                </a:solidFill>
+                <a:latin typeface="+mn-lt"/>
+                <a:ea typeface="+mn-ea"/>
+                <a:cs typeface="+mn-cs"/>
+              </a:defRPr>
+            </a:lvl3pPr>
+            <a:lvl4pPr marL="1371600" indent="0" algn="ctr" defTabSz="914400" rtl="0" eaLnBrk="1" latinLnBrk="0" hangingPunct="1">
+              <a:spcBef>
+                <a:spcPct val="20000"/>
+              </a:spcBef>
+              <a:buFont typeface="Arial" pitchFamily="34" charset="0"/>
+              <a:buNone/>
+              <a:defRPr sz="2000" kern="1200">
+                <a:solidFill>
+                  <a:schemeClr val="tx1">
+                    <a:tint val="75000"/>
+                  </a:schemeClr>
+                </a:solidFill>
+                <a:latin typeface="+mn-lt"/>
+                <a:ea typeface="+mn-ea"/>
+                <a:cs typeface="+mn-cs"/>
+              </a:defRPr>
+            </a:lvl4pPr>
+            <a:lvl5pPr marL="1828800" indent="0" algn="ctr" defTabSz="914400" rtl="0" eaLnBrk="1" latinLnBrk="0" hangingPunct="1">
+              <a:spcBef>
+                <a:spcPct val="20000"/>
+              </a:spcBef>
+              <a:buFont typeface="Arial" pitchFamily="34" charset="0"/>
+              <a:buNone/>
+              <a:defRPr sz="2000" kern="1200">
+                <a:solidFill>
+                  <a:schemeClr val="tx1">
+                    <a:tint val="75000"/>
+                  </a:schemeClr>
+                </a:solidFill>
+                <a:latin typeface="+mn-lt"/>
+                <a:ea typeface="+mn-ea"/>
+                <a:cs typeface="+mn-cs"/>
+              </a:defRPr>
+            </a:lvl5pPr>
+            <a:lvl6pPr marL="2286000" indent="0" algn="ctr" defTabSz="914400" rtl="0" eaLnBrk="1" latinLnBrk="0" hangingPunct="1">
+              <a:spcBef>
+                <a:spcPct val="20000"/>
+              </a:spcBef>
+              <a:buFont typeface="Arial" pitchFamily="34" charset="0"/>
+              <a:buNone/>
+              <a:defRPr sz="2000" kern="1200">
+                <a:solidFill>
+                  <a:schemeClr val="tx1">
+                    <a:tint val="75000"/>
+                  </a:schemeClr>
+                </a:solidFill>
+                <a:latin typeface="+mn-lt"/>
+                <a:ea typeface="+mn-ea"/>
+                <a:cs typeface="+mn-cs"/>
+              </a:defRPr>
+            </a:lvl6pPr>
+            <a:lvl7pPr marL="2743200" indent="0" algn="ctr" defTabSz="914400" rtl="0" eaLnBrk="1" latinLnBrk="0" hangingPunct="1">
+              <a:spcBef>
+                <a:spcPct val="20000"/>
+              </a:spcBef>
+              <a:buFont typeface="Arial" pitchFamily="34" charset="0"/>
+              <a:buNone/>
+              <a:defRPr sz="2000" kern="1200">
+                <a:solidFill>
+                  <a:schemeClr val="tx1">
+                    <a:tint val="75000"/>
+                  </a:schemeClr>
+                </a:solidFill>
+                <a:latin typeface="+mn-lt"/>
+                <a:ea typeface="+mn-ea"/>
+                <a:cs typeface="+mn-cs"/>
+              </a:defRPr>
+            </a:lvl7pPr>
+            <a:lvl8pPr marL="3200400" indent="0" algn="ctr" defTabSz="914400" rtl="0" eaLnBrk="1" latinLnBrk="0" hangingPunct="1">
+              <a:spcBef>
+                <a:spcPct val="20000"/>
+              </a:spcBef>
+              <a:buFont typeface="Arial" pitchFamily="34" charset="0"/>
+              <a:buNone/>
+              <a:defRPr sz="2000" kern="1200">
+                <a:solidFill>
+                  <a:schemeClr val="tx1">
+                    <a:tint val="75000"/>
+                  </a:schemeClr>
+                </a:solidFill>
+                <a:latin typeface="+mn-lt"/>
+                <a:ea typeface="+mn-ea"/>
+                <a:cs typeface="+mn-cs"/>
+              </a:defRPr>
+            </a:lvl8pPr>
+            <a:lvl9pPr marL="3657600" indent="0" algn="ctr" defTabSz="914400" rtl="0" eaLnBrk="1" latinLnBrk="0" hangingPunct="1">
+              <a:spcBef>
+                <a:spcPct val="20000"/>
+              </a:spcBef>
+              <a:buFont typeface="Arial" pitchFamily="34" charset="0"/>
+              <a:buNone/>
+              <a:defRPr sz="2000" kern="1200">
+                <a:solidFill>
+                  <a:schemeClr val="tx1">
+                    <a:tint val="75000"/>
+                  </a:schemeClr>
+                </a:solidFill>
+                <a:latin typeface="+mn-lt"/>
+                <a:ea typeface="+mn-ea"/>
+                <a:cs typeface="+mn-cs"/>
+              </a:defRPr>
+            </a:lvl9pPr>
+          </a:lstStyle>
+          <a:p>
+            <a:pPr lvl="1"/>
+            <a:endParaRPr lang="de-DE" sz="1600" dirty="0"/>
+          </a:p>
+        </p:txBody>
+      </p:sp>
+      <p:sp>
+        <p:nvSpPr>
+          <p:cNvPr id="9" name="Rechteck 8"/>
+          <p:cNvSpPr/>
+          <p:nvPr/>
+        </p:nvSpPr>
+        <p:spPr>
+          <a:xfrm>
+            <a:off x="457200" y="1608460"/>
+            <a:ext cx="8931820" cy="3785652"/>
+          </a:xfrm>
+          <a:prstGeom prst="rect">
+            <a:avLst/>
+          </a:prstGeom>
+        </p:spPr>
+        <p:txBody>
+          <a:bodyPr wrap="square">
+            <a:spAutoFit/>
+          </a:bodyPr>
           <a:lstStyle/>
           <a:p>
-            <a:pPr>
-              <a:buFont typeface="Symbol" panose="05050102010706020507" pitchFamily="18" charset="2"/>
-              <a:buChar char="-"/>
-            </a:pPr>
-            <a:r>
-              <a:rPr lang="de-DE" sz="2600" dirty="0" smtClean="0">
-                <a:latin typeface="Arial" panose="020B0604020202020204" pitchFamily="34" charset="0"/>
-                <a:cs typeface="Arial" panose="020B0604020202020204" pitchFamily="34" charset="0"/>
-              </a:rPr>
-              <a:t>Derzeit </a:t>
-            </a:r>
-            <a:r>
-              <a:rPr lang="de-DE" sz="2600" dirty="0">
-                <a:latin typeface="Arial" panose="020B0604020202020204" pitchFamily="34" charset="0"/>
-                <a:cs typeface="Arial" panose="020B0604020202020204" pitchFamily="34" charset="0"/>
-              </a:rPr>
-              <a:t>ist kein Preis für die Nutzung von </a:t>
-            </a:r>
-            <a:r>
-              <a:rPr lang="de-DE" sz="2600" dirty="0" smtClean="0">
-                <a:latin typeface="Arial" panose="020B0604020202020204" pitchFamily="34" charset="0"/>
-                <a:cs typeface="Arial" panose="020B0604020202020204" pitchFamily="34" charset="0"/>
-              </a:rPr>
-              <a:t/>
-            </a:r>
-            <a:br>
-              <a:rPr lang="de-DE" sz="2600" dirty="0" smtClean="0">
-                <a:latin typeface="Arial" panose="020B0604020202020204" pitchFamily="34" charset="0"/>
-                <a:cs typeface="Arial" panose="020B0604020202020204" pitchFamily="34" charset="0"/>
-              </a:rPr>
-            </a:br>
-            <a:r>
-              <a:rPr lang="de-DE" sz="2600" dirty="0" smtClean="0">
-                <a:latin typeface="Arial" panose="020B0604020202020204" pitchFamily="34" charset="0"/>
-                <a:cs typeface="Arial" panose="020B0604020202020204" pitchFamily="34" charset="0"/>
-              </a:rPr>
-              <a:t>„Go Happy</a:t>
-            </a:r>
-            <a:r>
-              <a:rPr lang="de-DE" sz="2600" dirty="0">
-                <a:latin typeface="Arial" panose="020B0604020202020204" pitchFamily="34" charset="0"/>
-                <a:cs typeface="Arial" panose="020B0604020202020204" pitchFamily="34" charset="0"/>
-              </a:rPr>
-              <a:t>“ angedacht. </a:t>
-            </a:r>
-            <a:endParaRPr lang="de-DE" sz="2600" dirty="0" smtClean="0">
+            <a:r>
+              <a:rPr lang="de-DE" sz="2400" b="1" dirty="0" smtClean="0">
+                <a:latin typeface="Arial" panose="020B0604020202020204" pitchFamily="34" charset="0"/>
+                <a:cs typeface="Arial" panose="020B0604020202020204" pitchFamily="34" charset="0"/>
+              </a:rPr>
+              <a:t>Aktionen:</a:t>
+            </a:r>
+          </a:p>
+          <a:p>
+            <a:endParaRPr lang="de-DE" sz="2400" dirty="0" smtClean="0">
               <a:latin typeface="Arial" panose="020B0604020202020204" pitchFamily="34" charset="0"/>
               <a:cs typeface="Arial" panose="020B0604020202020204" pitchFamily="34" charset="0"/>
             </a:endParaRPr>
           </a:p>
           <a:p>
-            <a:pPr marL="0" indent="0">
-              <a:buNone/>
-            </a:pPr>
-            <a:endParaRPr lang="de-DE" sz="2600" dirty="0">
+            <a:r>
+              <a:rPr lang="de-DE" sz="2400" dirty="0" smtClean="0">
+                <a:latin typeface="Arial" panose="020B0604020202020204" pitchFamily="34" charset="0"/>
+                <a:cs typeface="Arial" panose="020B0604020202020204" pitchFamily="34" charset="0"/>
+              </a:rPr>
+              <a:t>#</a:t>
+            </a:r>
+            <a:r>
+              <a:rPr lang="de-DE" sz="2400" dirty="0" err="1" smtClean="0">
+                <a:latin typeface="Arial" panose="020B0604020202020204" pitchFamily="34" charset="0"/>
+                <a:cs typeface="Arial" panose="020B0604020202020204" pitchFamily="34" charset="0"/>
+              </a:rPr>
+              <a:t>goHappy</a:t>
+            </a:r>
+            <a:endParaRPr lang="de-DE" sz="2400" dirty="0" smtClean="0">
               <a:latin typeface="Arial" panose="020B0604020202020204" pitchFamily="34" charset="0"/>
               <a:cs typeface="Arial" panose="020B0604020202020204" pitchFamily="34" charset="0"/>
             </a:endParaRPr>
           </a:p>
           <a:p>
-            <a:pPr>
-              <a:buFont typeface="Symbol" panose="05050102010706020507" pitchFamily="18" charset="2"/>
-              <a:buChar char="-"/>
-            </a:pPr>
-            <a:r>
-              <a:rPr lang="de-DE" sz="2600" dirty="0">
-                <a:latin typeface="Arial" panose="020B0604020202020204" pitchFamily="34" charset="0"/>
-                <a:cs typeface="Arial" panose="020B0604020202020204" pitchFamily="34" charset="0"/>
-              </a:rPr>
-              <a:t>Blick in die Zukunft: </a:t>
-            </a:r>
-          </a:p>
-          <a:p>
-            <a:pPr lvl="1">
-              <a:buFont typeface="Wingdings" panose="05000000000000000000" pitchFamily="2" charset="2"/>
-              <a:buChar char="Ø"/>
-            </a:pPr>
-            <a:r>
-              <a:rPr lang="de-DE" sz="2600" dirty="0">
-                <a:latin typeface="Arial" panose="020B0604020202020204" pitchFamily="34" charset="0"/>
-                <a:cs typeface="Arial" panose="020B0604020202020204" pitchFamily="34" charset="0"/>
-              </a:rPr>
-              <a:t>Einnahmen durch Werbung?</a:t>
-            </a:r>
-          </a:p>
-          <a:p>
-            <a:pPr lvl="1">
-              <a:buFont typeface="Wingdings" panose="05000000000000000000" pitchFamily="2" charset="2"/>
-              <a:buChar char="Ø"/>
-            </a:pPr>
-            <a:r>
-              <a:rPr lang="de-DE" sz="2600" dirty="0">
-                <a:latin typeface="Arial" panose="020B0604020202020204" pitchFamily="34" charset="0"/>
-                <a:cs typeface="Arial" panose="020B0604020202020204" pitchFamily="34" charset="0"/>
-              </a:rPr>
-              <a:t>Entwicklung einer Android- oder IOS-Lösung und Verkauf durch </a:t>
-            </a:r>
-            <a:r>
-              <a:rPr lang="de-DE" sz="2600" dirty="0" err="1" smtClean="0">
-                <a:latin typeface="Arial" panose="020B0604020202020204" pitchFamily="34" charset="0"/>
-                <a:cs typeface="Arial" panose="020B0604020202020204" pitchFamily="34" charset="0"/>
-              </a:rPr>
-              <a:t>Appstore</a:t>
-            </a:r>
-            <a:r>
-              <a:rPr lang="de-DE" sz="2600" dirty="0" smtClean="0">
-                <a:latin typeface="Arial" panose="020B0604020202020204" pitchFamily="34" charset="0"/>
-                <a:cs typeface="Arial" panose="020B0604020202020204" pitchFamily="34" charset="0"/>
-              </a:rPr>
-              <a:t> </a:t>
-            </a:r>
-            <a:r>
-              <a:rPr lang="de-DE" sz="2600" dirty="0">
-                <a:latin typeface="Arial" panose="020B0604020202020204" pitchFamily="34" charset="0"/>
-                <a:cs typeface="Arial" panose="020B0604020202020204" pitchFamily="34" charset="0"/>
-              </a:rPr>
-              <a:t>und Playstore</a:t>
-            </a:r>
-          </a:p>
-          <a:p>
-            <a:pPr>
-              <a:buFont typeface="Wingdings" panose="05000000000000000000" pitchFamily="2" charset="2"/>
-              <a:buChar char="Ø"/>
-            </a:pPr>
-            <a:endParaRPr lang="de-DE" dirty="0"/>
-          </a:p>
-        </p:txBody>
-      </p:sp>
-      <p:sp>
-        <p:nvSpPr>
-          <p:cNvPr id="4" name="Foliennummernplatzhalter 3"/>
-          <p:cNvSpPr>
-            <a:spLocks noGrp="1"/>
-          </p:cNvSpPr>
-          <p:nvPr>
-            <p:ph type="sldNum" sz="quarter" idx="12"/>
-          </p:nvPr>
-        </p:nvSpPr>
-        <p:spPr/>
-        <p:txBody>
-          <a:bodyPr/>
-          <a:lstStyle/>
-          <a:p>
-            <a:fld id="{6C6AE60A-B69C-4790-82F7-3882EDF23186}" type="slidenum">
-              <a:rPr lang="de-DE" smtClean="0"/>
-              <a:t>14</a:t>
-            </a:fld>
-            <a:endParaRPr lang="de-DE"/>
+            <a:endParaRPr lang="de-DE" sz="2400" dirty="0" smtClean="0">
+              <a:latin typeface="Arial" panose="020B0604020202020204" pitchFamily="34" charset="0"/>
+              <a:cs typeface="Arial" panose="020B0604020202020204" pitchFamily="34" charset="0"/>
+            </a:endParaRPr>
+          </a:p>
+          <a:p>
+            <a:r>
+              <a:rPr lang="de-DE" sz="2400" dirty="0">
+                <a:latin typeface="Arial" panose="020B0604020202020204" pitchFamily="34" charset="0"/>
+                <a:cs typeface="Arial" panose="020B0604020202020204" pitchFamily="34" charset="0"/>
+              </a:rPr>
+              <a:t>Was macht dich happy? Schreib uns auf FB &amp; Twitter mit dem Hashtag #</a:t>
+            </a:r>
+            <a:r>
+              <a:rPr lang="de-DE" sz="2400" dirty="0" err="1" smtClean="0">
+                <a:latin typeface="Arial" panose="020B0604020202020204" pitchFamily="34" charset="0"/>
+                <a:cs typeface="Arial" panose="020B0604020202020204" pitchFamily="34" charset="0"/>
+              </a:rPr>
+              <a:t>GoHappy</a:t>
+            </a:r>
+            <a:endParaRPr lang="de-DE" sz="2400" dirty="0" smtClean="0">
+              <a:latin typeface="Arial" panose="020B0604020202020204" pitchFamily="34" charset="0"/>
+              <a:cs typeface="Arial" panose="020B0604020202020204" pitchFamily="34" charset="0"/>
+            </a:endParaRPr>
+          </a:p>
+          <a:p>
+            <a:endParaRPr lang="de-DE" sz="2400" dirty="0">
+              <a:latin typeface="Arial" panose="020B0604020202020204" pitchFamily="34" charset="0"/>
+              <a:cs typeface="Arial" panose="020B0604020202020204" pitchFamily="34" charset="0"/>
+            </a:endParaRPr>
+          </a:p>
+          <a:p>
+            <a:r>
+              <a:rPr lang="de-DE" sz="2400" dirty="0">
+                <a:latin typeface="Arial" panose="020B0604020202020204" pitchFamily="34" charset="0"/>
+                <a:cs typeface="Arial" panose="020B0604020202020204" pitchFamily="34" charset="0"/>
+              </a:rPr>
+              <a:t>Du bist mit unserem Dienst unterwegs? Teile deine Erlebnisse und Fotos mit uns unter dem #</a:t>
+            </a:r>
+            <a:r>
+              <a:rPr lang="de-DE" sz="2400" dirty="0" err="1">
+                <a:latin typeface="Arial" panose="020B0604020202020204" pitchFamily="34" charset="0"/>
+                <a:cs typeface="Arial" panose="020B0604020202020204" pitchFamily="34" charset="0"/>
+              </a:rPr>
+              <a:t>GoHappy</a:t>
+            </a:r>
+            <a:endParaRPr lang="de-DE" sz="2400" dirty="0">
+              <a:latin typeface="Arial" panose="020B0604020202020204" pitchFamily="34" charset="0"/>
+              <a:cs typeface="Arial" panose="020B0604020202020204" pitchFamily="34" charset="0"/>
+            </a:endParaRPr>
+          </a:p>
+          <a:p>
+            <a:endParaRPr lang="de-DE" sz="2400" dirty="0"/>
           </a:p>
         </p:txBody>
       </p:sp>
     </p:spTree>
     <p:extLst>
       <p:ext uri="{BB962C8B-B14F-4D97-AF65-F5344CB8AC3E}">
-        <p14:creationId xmlns:p14="http://schemas.microsoft.com/office/powerpoint/2010/main" val="2146206760"/>
+        <p14:creationId xmlns:p14="http://schemas.microsoft.com/office/powerpoint/2010/main" val="3224938422"/>
       </p:ext>
     </p:extLst>
   </p:cSld>
@@ -5220,46 +5607,234 @@
       </p:grpSpPr>
       <p:sp>
         <p:nvSpPr>
-          <p:cNvPr id="2" name="Titel 1"/>
+          <p:cNvPr id="3" name="Inhaltsplatzhalter 2"/>
           <p:cNvSpPr>
             <a:spLocks noGrp="1"/>
           </p:cNvSpPr>
           <p:nvPr>
-            <p:ph type="title"/>
-          </p:nvPr>
-        </p:nvSpPr>
-        <p:spPr/>
+            <p:ph idx="1"/>
+          </p:nvPr>
+        </p:nvSpPr>
+        <p:spPr>
+          <a:xfrm>
+            <a:off x="457200" y="1268760"/>
+            <a:ext cx="8003232" cy="5184576"/>
+          </a:xfrm>
+        </p:spPr>
         <p:txBody>
           <a:bodyPr>
             <a:normAutofit/>
           </a:bodyPr>
           <a:lstStyle/>
           <a:p>
-            <a:pPr algn="l"/>
-            <a:r>
-              <a:rPr lang="de-DE" sz="2800" b="1" dirty="0" smtClean="0"/>
-              <a:t>3 c) Kommunikationspolitik</a:t>
-            </a:r>
-            <a:endParaRPr lang="de-DE" sz="2800" dirty="0"/>
-          </a:p>
-        </p:txBody>
-      </p:sp>
-      <p:sp>
-        <p:nvSpPr>
-          <p:cNvPr id="3" name="Inhaltsplatzhalter 2"/>
+            <a:pPr>
+              <a:buFont typeface="Symbol" panose="05050102010706020507" pitchFamily="18" charset="2"/>
+              <a:buChar char="-"/>
+            </a:pPr>
+            <a:r>
+              <a:rPr lang="de-DE" sz="2400" dirty="0" smtClean="0">
+                <a:latin typeface="Arial" panose="020B0604020202020204" pitchFamily="34" charset="0"/>
+                <a:cs typeface="Arial" panose="020B0604020202020204" pitchFamily="34" charset="0"/>
+              </a:rPr>
+              <a:t>???</a:t>
+            </a:r>
+            <a:endParaRPr lang="de-DE" sz="2400" dirty="0">
+              <a:latin typeface="Arial" panose="020B0604020202020204" pitchFamily="34" charset="0"/>
+              <a:cs typeface="Arial" panose="020B0604020202020204" pitchFamily="34" charset="0"/>
+            </a:endParaRPr>
+          </a:p>
+          <a:p>
+            <a:pPr>
+              <a:buFont typeface="Symbol" panose="05050102010706020507" pitchFamily="18" charset="2"/>
+              <a:buChar char="-"/>
+            </a:pPr>
+            <a:endParaRPr lang="de-DE" sz="2400" dirty="0">
+              <a:latin typeface="Arial" panose="020B0604020202020204" pitchFamily="34" charset="0"/>
+              <a:cs typeface="Arial" panose="020B0604020202020204" pitchFamily="34" charset="0"/>
+            </a:endParaRPr>
+          </a:p>
+          <a:p>
+            <a:pPr>
+              <a:buFont typeface="Symbol" panose="05050102010706020507" pitchFamily="18" charset="2"/>
+              <a:buChar char="-"/>
+            </a:pPr>
+            <a:endParaRPr lang="de-DE" sz="2400" dirty="0">
+              <a:latin typeface="Arial" panose="020B0604020202020204" pitchFamily="34" charset="0"/>
+              <a:cs typeface="Arial" panose="020B0604020202020204" pitchFamily="34" charset="0"/>
+            </a:endParaRPr>
+          </a:p>
+          <a:p>
+            <a:pPr>
+              <a:buFont typeface="Symbol" panose="05050102010706020507" pitchFamily="18" charset="2"/>
+              <a:buChar char="-"/>
+            </a:pPr>
+            <a:endParaRPr lang="de-DE" sz="2400" dirty="0">
+              <a:latin typeface="Arial" panose="020B0604020202020204" pitchFamily="34" charset="0"/>
+              <a:cs typeface="Arial" panose="020B0604020202020204" pitchFamily="34" charset="0"/>
+            </a:endParaRPr>
+          </a:p>
+          <a:p>
+            <a:pPr>
+              <a:spcBef>
+                <a:spcPts val="0"/>
+              </a:spcBef>
+              <a:buFont typeface="Symbol" panose="05050102010706020507" pitchFamily="18" charset="2"/>
+              <a:buChar char="-"/>
+              <a:defRPr/>
+            </a:pPr>
+            <a:endParaRPr lang="de-DE" sz="2400" dirty="0">
+              <a:latin typeface="Arial" panose="020B0604020202020204" pitchFamily="34" charset="0"/>
+              <a:cs typeface="Arial" panose="020B0604020202020204" pitchFamily="34" charset="0"/>
+            </a:endParaRPr>
+          </a:p>
+          <a:p>
+            <a:pPr>
+              <a:buFont typeface="Symbol" panose="05050102010706020507" pitchFamily="18" charset="2"/>
+              <a:buChar char="-"/>
+            </a:pPr>
+            <a:endParaRPr lang="de-DE" sz="2400" dirty="0">
+              <a:latin typeface="Arial" panose="020B0604020202020204" pitchFamily="34" charset="0"/>
+              <a:cs typeface="Arial" panose="020B0604020202020204" pitchFamily="34" charset="0"/>
+            </a:endParaRPr>
+          </a:p>
+          <a:p>
+            <a:pPr>
+              <a:spcBef>
+                <a:spcPts val="0"/>
+              </a:spcBef>
+              <a:buFont typeface="Symbol" panose="05050102010706020507" pitchFamily="18" charset="2"/>
+              <a:buChar char="-"/>
+              <a:defRPr/>
+            </a:pPr>
+            <a:endParaRPr lang="de-DE" sz="2400" dirty="0">
+              <a:latin typeface="Arial" panose="020B0604020202020204" pitchFamily="34" charset="0"/>
+              <a:cs typeface="Arial" panose="020B0604020202020204" pitchFamily="34" charset="0"/>
+            </a:endParaRPr>
+          </a:p>
+          <a:p>
+            <a:pPr>
+              <a:spcBef>
+                <a:spcPts val="0"/>
+              </a:spcBef>
+              <a:buFont typeface="Symbol" panose="05050102010706020507" pitchFamily="18" charset="2"/>
+              <a:buChar char="-"/>
+              <a:defRPr/>
+            </a:pPr>
+            <a:endParaRPr lang="de-DE" sz="2400" dirty="0">
+              <a:latin typeface="Arial" panose="020B0604020202020204" pitchFamily="34" charset="0"/>
+              <a:cs typeface="Arial" panose="020B0604020202020204" pitchFamily="34" charset="0"/>
+            </a:endParaRPr>
+          </a:p>
+          <a:p>
+            <a:pPr>
+              <a:spcBef>
+                <a:spcPts val="0"/>
+              </a:spcBef>
+              <a:buFont typeface="Symbol" panose="05050102010706020507" pitchFamily="18" charset="2"/>
+              <a:buChar char="-"/>
+              <a:defRPr/>
+            </a:pPr>
+            <a:endParaRPr lang="de-DE" sz="2400" dirty="0" smtClean="0">
+              <a:latin typeface="Arial" panose="020B0604020202020204" pitchFamily="34" charset="0"/>
+              <a:cs typeface="Arial" panose="020B0604020202020204" pitchFamily="34" charset="0"/>
+            </a:endParaRPr>
+          </a:p>
+          <a:p>
+            <a:pPr>
+              <a:spcBef>
+                <a:spcPts val="0"/>
+              </a:spcBef>
+              <a:buFont typeface="Symbol" panose="05050102010706020507" pitchFamily="18" charset="2"/>
+              <a:buChar char="-"/>
+              <a:defRPr/>
+            </a:pPr>
+            <a:endParaRPr lang="de-DE" sz="2400" dirty="0">
+              <a:latin typeface="Arial" panose="020B0604020202020204" pitchFamily="34" charset="0"/>
+              <a:cs typeface="Arial" panose="020B0604020202020204" pitchFamily="34" charset="0"/>
+            </a:endParaRPr>
+          </a:p>
+          <a:p>
+            <a:pPr>
+              <a:spcBef>
+                <a:spcPts val="0"/>
+              </a:spcBef>
+              <a:buFont typeface="Symbol" panose="05050102010706020507" pitchFamily="18" charset="2"/>
+              <a:buChar char="-"/>
+              <a:defRPr/>
+            </a:pPr>
+            <a:endParaRPr lang="de-DE" sz="2400" dirty="0" smtClean="0">
+              <a:latin typeface="Arial" panose="020B0604020202020204" pitchFamily="34" charset="0"/>
+              <a:cs typeface="Arial" panose="020B0604020202020204" pitchFamily="34" charset="0"/>
+            </a:endParaRPr>
+          </a:p>
+          <a:p>
+            <a:pPr>
+              <a:spcBef>
+                <a:spcPts val="0"/>
+              </a:spcBef>
+              <a:buFont typeface="Symbol" panose="05050102010706020507" pitchFamily="18" charset="2"/>
+              <a:buChar char="-"/>
+              <a:defRPr/>
+            </a:pPr>
+            <a:endParaRPr lang="de-DE" sz="2400" dirty="0">
+              <a:latin typeface="Arial" panose="020B0604020202020204" pitchFamily="34" charset="0"/>
+              <a:cs typeface="Arial" panose="020B0604020202020204" pitchFamily="34" charset="0"/>
+            </a:endParaRPr>
+          </a:p>
+          <a:p>
+            <a:pPr>
+              <a:spcBef>
+                <a:spcPts val="0"/>
+              </a:spcBef>
+              <a:buFont typeface="Symbol" panose="05050102010706020507" pitchFamily="18" charset="2"/>
+              <a:buChar char="-"/>
+              <a:defRPr/>
+            </a:pPr>
+            <a:endParaRPr lang="de-DE" sz="2400" dirty="0">
+              <a:latin typeface="Arial" panose="020B0604020202020204" pitchFamily="34" charset="0"/>
+              <a:cs typeface="Arial" panose="020B0604020202020204" pitchFamily="34" charset="0"/>
+            </a:endParaRPr>
+          </a:p>
+        </p:txBody>
+      </p:sp>
+      <p:sp>
+        <p:nvSpPr>
+          <p:cNvPr id="4" name="Foliennummernplatzhalter 3"/>
           <p:cNvSpPr>
             <a:spLocks noGrp="1"/>
           </p:cNvSpPr>
           <p:nvPr>
-            <p:ph idx="1"/>
+            <p:ph type="sldNum" sz="quarter" idx="12"/>
+          </p:nvPr>
+        </p:nvSpPr>
+        <p:spPr/>
+        <p:txBody>
+          <a:bodyPr/>
+          <a:lstStyle/>
+          <a:p>
+            <a:fld id="{6C6AE60A-B69C-4790-82F7-3882EDF23186}" type="slidenum">
+              <a:rPr lang="de-DE" smtClean="0"/>
+              <a:t>15</a:t>
+            </a:fld>
+            <a:endParaRPr lang="de-DE"/>
+          </a:p>
+        </p:txBody>
+      </p:sp>
+      <p:sp>
+        <p:nvSpPr>
+          <p:cNvPr id="6" name="Titel 1"/>
+          <p:cNvSpPr>
+            <a:spLocks noGrp="1"/>
+          </p:cNvSpPr>
+          <p:nvPr>
+            <p:ph type="title"/>
           </p:nvPr>
         </p:nvSpPr>
         <p:spPr>
-          <a:ln>
-            <a:solidFill>
-              <a:schemeClr val="accent1"/>
-            </a:solidFill>
-          </a:ln>
+          <a:xfrm>
+            <a:off x="457200" y="274638"/>
+            <a:ext cx="8229600" cy="1143000"/>
+          </a:xfrm>
         </p:spPr>
         <p:txBody>
           <a:bodyPr>
@@ -5267,992 +5842,25 @@
           </a:bodyPr>
           <a:lstStyle/>
           <a:p>
-            <a:pPr>
-              <a:buFont typeface="Symbol" panose="05050102010706020507" pitchFamily="18" charset="2"/>
-              <a:buChar char="-"/>
-            </a:pPr>
-            <a:r>
-              <a:rPr lang="de-DE" sz="2600" dirty="0" smtClean="0">
-                <a:latin typeface="Arial" panose="020B0604020202020204" pitchFamily="34" charset="0"/>
-                <a:cs typeface="Arial" panose="020B0604020202020204" pitchFamily="34" charset="0"/>
-              </a:rPr>
-              <a:t>Kommunikation </a:t>
-            </a:r>
-            <a:r>
-              <a:rPr lang="de-DE" sz="2600" dirty="0">
-                <a:latin typeface="Arial" panose="020B0604020202020204" pitchFamily="34" charset="0"/>
-                <a:cs typeface="Arial" panose="020B0604020202020204" pitchFamily="34" charset="0"/>
-              </a:rPr>
-              <a:t>mit Kunden über </a:t>
-            </a:r>
-            <a:r>
-              <a:rPr lang="de-DE" sz="2600" dirty="0" smtClean="0">
-                <a:latin typeface="Arial" panose="020B0604020202020204" pitchFamily="34" charset="0"/>
-                <a:cs typeface="Arial" panose="020B0604020202020204" pitchFamily="34" charset="0"/>
-              </a:rPr>
-              <a:t>Umfragen: </a:t>
-            </a:r>
-          </a:p>
-          <a:p>
-            <a:pPr lvl="1">
-              <a:buFont typeface="Wingdings" panose="05000000000000000000" pitchFamily="2" charset="2"/>
-              <a:buChar char="Ø"/>
-            </a:pPr>
-            <a:r>
-              <a:rPr lang="de-DE" sz="2400" dirty="0" smtClean="0">
-                <a:latin typeface="Arial" panose="020B0604020202020204" pitchFamily="34" charset="0"/>
-                <a:cs typeface="Arial" panose="020B0604020202020204" pitchFamily="34" charset="0"/>
-              </a:rPr>
-              <a:t>Vorstellung </a:t>
-            </a:r>
-            <a:r>
-              <a:rPr lang="de-DE" sz="2400" dirty="0">
-                <a:latin typeface="Arial" panose="020B0604020202020204" pitchFamily="34" charset="0"/>
-                <a:cs typeface="Arial" panose="020B0604020202020204" pitchFamily="34" charset="0"/>
-              </a:rPr>
-              <a:t>unserer </a:t>
-            </a:r>
-            <a:r>
-              <a:rPr lang="de-DE" sz="2400" dirty="0" smtClean="0">
-                <a:latin typeface="Arial" panose="020B0604020202020204" pitchFamily="34" charset="0"/>
-                <a:cs typeface="Arial" panose="020B0604020202020204" pitchFamily="34" charset="0"/>
-              </a:rPr>
-              <a:t>Web-Applikation</a:t>
-            </a:r>
-          </a:p>
-          <a:p>
-            <a:pPr lvl="1">
-              <a:buFont typeface="Wingdings" panose="05000000000000000000" pitchFamily="2" charset="2"/>
-              <a:buChar char="Ø"/>
-            </a:pPr>
-            <a:endParaRPr lang="de-DE" sz="2200" dirty="0">
+            <a:pPr algn="l"/>
+            <a:r>
+              <a:rPr lang="de-DE" sz="2800" b="1" dirty="0" smtClean="0">
+                <a:latin typeface="Arial" panose="020B0604020202020204" pitchFamily="34" charset="0"/>
+                <a:cs typeface="Arial" panose="020B0604020202020204" pitchFamily="34" charset="0"/>
+              </a:rPr>
+              <a:t>4. Fazit</a:t>
+            </a:r>
+            <a:endParaRPr lang="de-DE" sz="2800" b="1" dirty="0">
               <a:latin typeface="Arial" panose="020B0604020202020204" pitchFamily="34" charset="0"/>
               <a:cs typeface="Arial" panose="020B0604020202020204" pitchFamily="34" charset="0"/>
             </a:endParaRPr>
           </a:p>
-          <a:p>
-            <a:pPr>
-              <a:buFont typeface="Symbol" panose="05050102010706020507" pitchFamily="18" charset="2"/>
-              <a:buChar char="-"/>
-            </a:pPr>
-            <a:r>
-              <a:rPr lang="de-DE" sz="2600" dirty="0">
-                <a:latin typeface="Arial" panose="020B0604020202020204" pitchFamily="34" charset="0"/>
-                <a:cs typeface="Arial" panose="020B0604020202020204" pitchFamily="34" charset="0"/>
-              </a:rPr>
-              <a:t>Kommunikation über klassische Mediawerbung: </a:t>
-            </a:r>
-          </a:p>
-          <a:p>
-            <a:pPr marL="0" indent="0">
-              <a:buNone/>
-            </a:pPr>
-            <a:endParaRPr lang="de-DE" dirty="0"/>
-          </a:p>
-        </p:txBody>
-      </p:sp>
-      <p:sp>
-        <p:nvSpPr>
-          <p:cNvPr id="4" name="Foliennummernplatzhalter 3"/>
-          <p:cNvSpPr>
-            <a:spLocks noGrp="1"/>
-          </p:cNvSpPr>
-          <p:nvPr>
-            <p:ph type="sldNum" sz="quarter" idx="12"/>
-          </p:nvPr>
-        </p:nvSpPr>
-        <p:spPr/>
-        <p:txBody>
-          <a:bodyPr/>
-          <a:lstStyle/>
-          <a:p>
-            <a:fld id="{6C6AE60A-B69C-4790-82F7-3882EDF23186}" type="slidenum">
-              <a:rPr lang="de-DE" smtClean="0"/>
-              <a:t>15</a:t>
-            </a:fld>
-            <a:endParaRPr lang="de-DE"/>
-          </a:p>
         </p:txBody>
       </p:sp>
     </p:spTree>
     <p:extLst>
       <p:ext uri="{BB962C8B-B14F-4D97-AF65-F5344CB8AC3E}">
-        <p14:creationId xmlns:p14="http://schemas.microsoft.com/office/powerpoint/2010/main" val="4265259992"/>
-      </p:ext>
-    </p:extLst>
-  </p:cSld>
-  <p:clrMapOvr>
-    <a:masterClrMapping/>
-  </p:clrMapOvr>
-  <p:timing>
-    <p:tnLst>
-      <p:par>
-        <p:cTn id="1" dur="indefinite" restart="never" nodeType="tmRoot"/>
-      </p:par>
-    </p:tnLst>
-  </p:timing>
-</p:sld>
-</file>
-
-<file path=ppt/slides/slide16.xml><?xml version="1.0" encoding="utf-8"?>
-<p:sld xmlns:a="http://schemas.openxmlformats.org/drawingml/2006/main" xmlns:r="http://schemas.openxmlformats.org/officeDocument/2006/relationships" xmlns:p="http://schemas.openxmlformats.org/presentationml/2006/main">
-  <p:cSld>
-    <p:spTree>
-      <p:nvGrpSpPr>
-        <p:cNvPr id="1" name=""/>
-        <p:cNvGrpSpPr/>
-        <p:nvPr/>
-      </p:nvGrpSpPr>
-      <p:grpSpPr>
-        <a:xfrm>
-          <a:off x="0" y="0"/>
-          <a:ext cx="0" cy="0"/>
-          <a:chOff x="0" y="0"/>
-          <a:chExt cx="0" cy="0"/>
-        </a:xfrm>
-      </p:grpSpPr>
-      <p:sp>
-        <p:nvSpPr>
-          <p:cNvPr id="2" name="Titel 1"/>
-          <p:cNvSpPr>
-            <a:spLocks noGrp="1"/>
-          </p:cNvSpPr>
-          <p:nvPr>
-            <p:ph type="title"/>
-          </p:nvPr>
-        </p:nvSpPr>
-        <p:spPr/>
-        <p:txBody>
-          <a:bodyPr>
-            <a:normAutofit/>
-          </a:bodyPr>
-          <a:lstStyle/>
-          <a:p>
-            <a:pPr algn="l"/>
-            <a:r>
-              <a:rPr lang="de-DE" sz="2800" b="1" dirty="0" smtClean="0"/>
-              <a:t>3 c) Kommunikationspolitik</a:t>
-            </a:r>
-            <a:endParaRPr lang="de-DE" sz="2800" dirty="0"/>
-          </a:p>
-        </p:txBody>
-      </p:sp>
-      <p:sp>
-        <p:nvSpPr>
-          <p:cNvPr id="3" name="Inhaltsplatzhalter 2"/>
-          <p:cNvSpPr>
-            <a:spLocks noGrp="1"/>
-          </p:cNvSpPr>
-          <p:nvPr>
-            <p:ph idx="1"/>
-          </p:nvPr>
-        </p:nvSpPr>
-        <p:spPr>
-          <a:ln>
-            <a:solidFill>
-              <a:schemeClr val="accent1"/>
-            </a:solidFill>
-          </a:ln>
-        </p:spPr>
-        <p:txBody>
-          <a:bodyPr>
-            <a:normAutofit/>
-          </a:bodyPr>
-          <a:lstStyle/>
-          <a:p>
-            <a:pPr marL="0" lvl="1" indent="0">
-              <a:buNone/>
-            </a:pPr>
-            <a:r>
-              <a:rPr lang="de-DE" sz="2600" b="1" dirty="0" smtClean="0">
-                <a:latin typeface="Arial" panose="020B0604020202020204" pitchFamily="34" charset="0"/>
-                <a:cs typeface="Arial" panose="020B0604020202020204" pitchFamily="34" charset="0"/>
-              </a:rPr>
-              <a:t>1. Werbung </a:t>
-            </a:r>
-            <a:r>
-              <a:rPr lang="de-DE" sz="2600" b="1" dirty="0">
-                <a:latin typeface="Arial" panose="020B0604020202020204" pitchFamily="34" charset="0"/>
-                <a:cs typeface="Arial" panose="020B0604020202020204" pitchFamily="34" charset="0"/>
-              </a:rPr>
-              <a:t>in Printmedien: </a:t>
-            </a:r>
-          </a:p>
-          <a:p>
-            <a:pPr marL="0" indent="0">
-              <a:buNone/>
-            </a:pPr>
-            <a:endParaRPr lang="de-DE" sz="2600" dirty="0" smtClean="0">
-              <a:latin typeface="Arial" panose="020B0604020202020204" pitchFamily="34" charset="0"/>
-              <a:cs typeface="Arial" panose="020B0604020202020204" pitchFamily="34" charset="0"/>
-            </a:endParaRPr>
-          </a:p>
-          <a:p>
-            <a:pPr marL="0" indent="0">
-              <a:buNone/>
-            </a:pPr>
-            <a:r>
-              <a:rPr lang="de-DE" sz="2600" dirty="0" smtClean="0">
-                <a:latin typeface="Arial" panose="020B0604020202020204" pitchFamily="34" charset="0"/>
-                <a:cs typeface="Arial" panose="020B0604020202020204" pitchFamily="34" charset="0"/>
-              </a:rPr>
-              <a:t>Inserat </a:t>
-            </a:r>
-            <a:r>
-              <a:rPr lang="de-DE" sz="2600" dirty="0">
-                <a:latin typeface="Arial" panose="020B0604020202020204" pitchFamily="34" charset="0"/>
-                <a:cs typeface="Arial" panose="020B0604020202020204" pitchFamily="34" charset="0"/>
-              </a:rPr>
-              <a:t>in Partyratgebern </a:t>
-            </a:r>
-            <a:endParaRPr lang="de-DE" sz="2600" dirty="0" smtClean="0">
-              <a:latin typeface="Arial" panose="020B0604020202020204" pitchFamily="34" charset="0"/>
-              <a:cs typeface="Arial" panose="020B0604020202020204" pitchFamily="34" charset="0"/>
-            </a:endParaRPr>
-          </a:p>
-          <a:p>
-            <a:pPr>
-              <a:buFont typeface="Symbol" panose="05050102010706020507" pitchFamily="18" charset="2"/>
-              <a:buChar char="-"/>
-            </a:pPr>
-            <a:r>
-              <a:rPr lang="de-DE" sz="2600" dirty="0" smtClean="0">
-                <a:latin typeface="Arial" panose="020B0604020202020204" pitchFamily="34" charset="0"/>
-                <a:cs typeface="Arial" panose="020B0604020202020204" pitchFamily="34" charset="0"/>
-              </a:rPr>
-              <a:t>überwiegend </a:t>
-            </a:r>
-            <a:r>
-              <a:rPr lang="de-DE" sz="2600" dirty="0">
-                <a:latin typeface="Arial" panose="020B0604020202020204" pitchFamily="34" charset="0"/>
-                <a:cs typeface="Arial" panose="020B0604020202020204" pitchFamily="34" charset="0"/>
-              </a:rPr>
-              <a:t>in kostenlosen Zeitschriften, da Zielgruppe eher Studenten und Schüler </a:t>
-            </a:r>
-            <a:r>
-              <a:rPr lang="de-DE" sz="2600" dirty="0" smtClean="0">
-                <a:latin typeface="Arial" panose="020B0604020202020204" pitchFamily="34" charset="0"/>
-                <a:cs typeface="Arial" panose="020B0604020202020204" pitchFamily="34" charset="0"/>
-              </a:rPr>
-              <a:t>sind</a:t>
-            </a:r>
-            <a:endParaRPr lang="de-DE" sz="2600" dirty="0">
-              <a:latin typeface="Arial" panose="020B0604020202020204" pitchFamily="34" charset="0"/>
-              <a:cs typeface="Arial" panose="020B0604020202020204" pitchFamily="34" charset="0"/>
-            </a:endParaRPr>
-          </a:p>
-          <a:p>
-            <a:pPr>
-              <a:buFont typeface="Symbol" panose="05050102010706020507" pitchFamily="18" charset="2"/>
-              <a:buChar char="-"/>
-            </a:pPr>
-            <a:r>
-              <a:rPr lang="de-DE" sz="2600" dirty="0" smtClean="0">
-                <a:latin typeface="Arial" panose="020B0604020202020204" pitchFamily="34" charset="0"/>
-                <a:cs typeface="Arial" panose="020B0604020202020204" pitchFamily="34" charset="0"/>
-              </a:rPr>
-              <a:t>z</a:t>
-            </a:r>
-            <a:r>
-              <a:rPr lang="de-DE" sz="2600" dirty="0">
-                <a:latin typeface="Arial" panose="020B0604020202020204" pitchFamily="34" charset="0"/>
-                <a:cs typeface="Arial" panose="020B0604020202020204" pitchFamily="34" charset="0"/>
-              </a:rPr>
-              <a:t>. B. Moritz </a:t>
-            </a:r>
-            <a:endParaRPr lang="de-DE" sz="2600" dirty="0" smtClean="0">
-              <a:latin typeface="Arial" panose="020B0604020202020204" pitchFamily="34" charset="0"/>
-              <a:cs typeface="Arial" panose="020B0604020202020204" pitchFamily="34" charset="0"/>
-            </a:endParaRPr>
-          </a:p>
-          <a:p>
-            <a:pPr>
-              <a:buFont typeface="Symbol" panose="05050102010706020507" pitchFamily="18" charset="2"/>
-              <a:buChar char="-"/>
-            </a:pPr>
-            <a:r>
-              <a:rPr lang="de-DE" sz="2600" dirty="0" smtClean="0">
-                <a:latin typeface="Arial" panose="020B0604020202020204" pitchFamily="34" charset="0"/>
-                <a:cs typeface="Arial" panose="020B0604020202020204" pitchFamily="34" charset="0"/>
-              </a:rPr>
-              <a:t>Anzeige </a:t>
-            </a:r>
-            <a:r>
-              <a:rPr lang="de-DE" sz="2600" dirty="0">
-                <a:latin typeface="Arial" panose="020B0604020202020204" pitchFamily="34" charset="0"/>
-                <a:cs typeface="Arial" panose="020B0604020202020204" pitchFamily="34" charset="0"/>
-              </a:rPr>
-              <a:t>sollte in der Seite der Ausgeh-Locations/Freizeitgestaltung </a:t>
-            </a:r>
-            <a:r>
-              <a:rPr lang="de-DE" sz="2600" dirty="0" smtClean="0">
-                <a:latin typeface="Arial" panose="020B0604020202020204" pitchFamily="34" charset="0"/>
-                <a:cs typeface="Arial" panose="020B0604020202020204" pitchFamily="34" charset="0"/>
-              </a:rPr>
-              <a:t>sein</a:t>
-            </a:r>
-          </a:p>
-          <a:p>
-            <a:pPr marL="0" indent="0">
-              <a:buNone/>
-            </a:pPr>
-            <a:endParaRPr lang="de-DE" dirty="0"/>
-          </a:p>
-        </p:txBody>
-      </p:sp>
-      <p:sp>
-        <p:nvSpPr>
-          <p:cNvPr id="4" name="Foliennummernplatzhalter 3"/>
-          <p:cNvSpPr>
-            <a:spLocks noGrp="1"/>
-          </p:cNvSpPr>
-          <p:nvPr>
-            <p:ph type="sldNum" sz="quarter" idx="12"/>
-          </p:nvPr>
-        </p:nvSpPr>
-        <p:spPr/>
-        <p:txBody>
-          <a:bodyPr/>
-          <a:lstStyle/>
-          <a:p>
-            <a:fld id="{6C6AE60A-B69C-4790-82F7-3882EDF23186}" type="slidenum">
-              <a:rPr lang="de-DE" smtClean="0"/>
-              <a:t>16</a:t>
-            </a:fld>
-            <a:endParaRPr lang="de-DE"/>
-          </a:p>
-        </p:txBody>
-      </p:sp>
-    </p:spTree>
-    <p:extLst>
-      <p:ext uri="{BB962C8B-B14F-4D97-AF65-F5344CB8AC3E}">
-        <p14:creationId xmlns:p14="http://schemas.microsoft.com/office/powerpoint/2010/main" val="1428985033"/>
-      </p:ext>
-    </p:extLst>
-  </p:cSld>
-  <p:clrMapOvr>
-    <a:masterClrMapping/>
-  </p:clrMapOvr>
-  <p:timing>
-    <p:tnLst>
-      <p:par>
-        <p:cTn id="1" dur="indefinite" restart="never" nodeType="tmRoot"/>
-      </p:par>
-    </p:tnLst>
-  </p:timing>
-</p:sld>
-</file>
-
-<file path=ppt/slides/slide17.xml><?xml version="1.0" encoding="utf-8"?>
-<p:sld xmlns:a="http://schemas.openxmlformats.org/drawingml/2006/main" xmlns:r="http://schemas.openxmlformats.org/officeDocument/2006/relationships" xmlns:p="http://schemas.openxmlformats.org/presentationml/2006/main">
-  <p:cSld>
-    <p:spTree>
-      <p:nvGrpSpPr>
-        <p:cNvPr id="1" name=""/>
-        <p:cNvGrpSpPr/>
-        <p:nvPr/>
-      </p:nvGrpSpPr>
-      <p:grpSpPr>
-        <a:xfrm>
-          <a:off x="0" y="0"/>
-          <a:ext cx="0" cy="0"/>
-          <a:chOff x="0" y="0"/>
-          <a:chExt cx="0" cy="0"/>
-        </a:xfrm>
-      </p:grpSpPr>
-      <p:sp>
-        <p:nvSpPr>
-          <p:cNvPr id="2" name="Titel 1"/>
-          <p:cNvSpPr>
-            <a:spLocks noGrp="1"/>
-          </p:cNvSpPr>
-          <p:nvPr>
-            <p:ph type="title"/>
-          </p:nvPr>
-        </p:nvSpPr>
-        <p:spPr/>
-        <p:txBody>
-          <a:bodyPr/>
-          <a:lstStyle/>
-          <a:p>
-            <a:pPr algn="l"/>
-            <a:r>
-              <a:rPr lang="de-DE" sz="2800" b="1" dirty="0" smtClean="0"/>
-              <a:t>3 c) Kommunikationspolitik</a:t>
-            </a:r>
-            <a:endParaRPr lang="de-DE" dirty="0"/>
-          </a:p>
-        </p:txBody>
-      </p:sp>
-      <p:sp>
-        <p:nvSpPr>
-          <p:cNvPr id="3" name="Inhaltsplatzhalter 2"/>
-          <p:cNvSpPr>
-            <a:spLocks noGrp="1"/>
-          </p:cNvSpPr>
-          <p:nvPr>
-            <p:ph idx="1"/>
-          </p:nvPr>
-        </p:nvSpPr>
-        <p:spPr>
-          <a:xfrm>
-            <a:off x="457200" y="1600200"/>
-            <a:ext cx="8229600" cy="4853136"/>
-          </a:xfrm>
-          <a:ln>
-            <a:solidFill>
-              <a:schemeClr val="accent1"/>
-            </a:solidFill>
-          </a:ln>
-        </p:spPr>
-        <p:txBody>
-          <a:bodyPr>
-            <a:normAutofit/>
-          </a:bodyPr>
-          <a:lstStyle/>
-          <a:p>
-            <a:pPr marL="0" lvl="1" indent="0">
-              <a:buNone/>
-            </a:pPr>
-            <a:r>
-              <a:rPr lang="de-DE" sz="2600" b="1" dirty="0" smtClean="0">
-                <a:latin typeface="Arial" panose="020B0604020202020204" pitchFamily="34" charset="0"/>
-                <a:cs typeface="Arial" panose="020B0604020202020204" pitchFamily="34" charset="0"/>
-              </a:rPr>
-              <a:t>2. Radiowerbung</a:t>
-            </a:r>
-            <a:endParaRPr lang="de-DE" sz="2600" b="1" dirty="0">
-              <a:latin typeface="Arial" panose="020B0604020202020204" pitchFamily="34" charset="0"/>
-              <a:cs typeface="Arial" panose="020B0604020202020204" pitchFamily="34" charset="0"/>
-            </a:endParaRPr>
-          </a:p>
-          <a:p>
-            <a:pPr marL="457200" lvl="1" indent="-457200">
-              <a:lnSpc>
-                <a:spcPct val="110000"/>
-              </a:lnSpc>
-            </a:pPr>
-            <a:r>
-              <a:rPr lang="de-DE" sz="2600" dirty="0" smtClean="0">
-                <a:latin typeface="Arial" panose="020B0604020202020204" pitchFamily="34" charset="0"/>
-                <a:cs typeface="Arial" panose="020B0604020202020204" pitchFamily="34" charset="0"/>
-              </a:rPr>
-              <a:t>Radiosender </a:t>
-            </a:r>
-            <a:r>
-              <a:rPr lang="de-DE" sz="2600" dirty="0">
-                <a:latin typeface="Arial" panose="020B0604020202020204" pitchFamily="34" charset="0"/>
-                <a:cs typeface="Arial" panose="020B0604020202020204" pitchFamily="34" charset="0"/>
-              </a:rPr>
-              <a:t>für Stuttgart über die Web-Applikation informieren </a:t>
-            </a:r>
-            <a:r>
-              <a:rPr lang="de-DE" sz="2600" dirty="0" smtClean="0">
-                <a:latin typeface="Arial" panose="020B0604020202020204" pitchFamily="34" charset="0"/>
-                <a:cs typeface="Arial" panose="020B0604020202020204" pitchFamily="34" charset="0"/>
-              </a:rPr>
-              <a:t>(evtl</a:t>
-            </a:r>
-            <a:r>
-              <a:rPr lang="de-DE" sz="2600" dirty="0">
-                <a:latin typeface="Arial" panose="020B0604020202020204" pitchFamily="34" charset="0"/>
-                <a:cs typeface="Arial" panose="020B0604020202020204" pitchFamily="34" charset="0"/>
-              </a:rPr>
-              <a:t>. </a:t>
-            </a:r>
-            <a:r>
-              <a:rPr lang="de-DE" sz="2600" dirty="0" smtClean="0">
-                <a:latin typeface="Arial" panose="020B0604020202020204" pitchFamily="34" charset="0"/>
-                <a:cs typeface="Arial" panose="020B0604020202020204" pitchFamily="34" charset="0"/>
-              </a:rPr>
-              <a:t>Schleichwerbung </a:t>
-            </a:r>
-            <a:r>
-              <a:rPr lang="de-DE" sz="2600" dirty="0">
-                <a:latin typeface="Arial" panose="020B0604020202020204" pitchFamily="34" charset="0"/>
-                <a:cs typeface="Arial" panose="020B0604020202020204" pitchFamily="34" charset="0"/>
-              </a:rPr>
-              <a:t>während der </a:t>
-            </a:r>
-            <a:r>
-              <a:rPr lang="de-DE" sz="2600" dirty="0" smtClean="0">
-                <a:latin typeface="Arial" panose="020B0604020202020204" pitchFamily="34" charset="0"/>
-                <a:cs typeface="Arial" panose="020B0604020202020204" pitchFamily="34" charset="0"/>
-              </a:rPr>
-              <a:t>Moderation)</a:t>
-            </a:r>
-          </a:p>
-          <a:p>
-            <a:pPr marL="0" lvl="1" indent="0">
-              <a:buNone/>
-            </a:pPr>
-            <a:endParaRPr lang="de-DE" sz="2600" dirty="0" smtClean="0">
-              <a:latin typeface="Arial" panose="020B0604020202020204" pitchFamily="34" charset="0"/>
-              <a:cs typeface="Arial" panose="020B0604020202020204" pitchFamily="34" charset="0"/>
-            </a:endParaRPr>
-          </a:p>
-          <a:p>
-            <a:pPr marL="0" lvl="1" indent="0">
-              <a:buNone/>
-            </a:pPr>
-            <a:r>
-              <a:rPr lang="de-DE" sz="2600" b="1" dirty="0" smtClean="0">
-                <a:latin typeface="Arial" panose="020B0604020202020204" pitchFamily="34" charset="0"/>
-                <a:cs typeface="Arial" panose="020B0604020202020204" pitchFamily="34" charset="0"/>
-              </a:rPr>
-              <a:t>3. Außenwerbung</a:t>
-            </a:r>
-          </a:p>
-          <a:p>
-            <a:pPr>
-              <a:lnSpc>
-                <a:spcPct val="110000"/>
-              </a:lnSpc>
-              <a:buFont typeface="Symbol" panose="05050102010706020507" pitchFamily="18" charset="2"/>
-              <a:buChar char="-"/>
-            </a:pPr>
-            <a:r>
-              <a:rPr lang="de-DE" sz="2600" dirty="0" smtClean="0">
-                <a:latin typeface="Arial" panose="020B0604020202020204" pitchFamily="34" charset="0"/>
-                <a:cs typeface="Arial" panose="020B0604020202020204" pitchFamily="34" charset="0"/>
-              </a:rPr>
-              <a:t>Plakate </a:t>
-            </a:r>
-            <a:r>
-              <a:rPr lang="de-DE" sz="2600" dirty="0">
-                <a:latin typeface="Arial" panose="020B0604020202020204" pitchFamily="34" charset="0"/>
-                <a:cs typeface="Arial" panose="020B0604020202020204" pitchFamily="34" charset="0"/>
-              </a:rPr>
-              <a:t>gezielt platzieren, z. B. an Schulen, Hochschulen, Universitäten, Locations mit </a:t>
-            </a:r>
-            <a:r>
-              <a:rPr lang="de-DE" sz="2600" dirty="0" err="1" smtClean="0">
-                <a:latin typeface="Arial" panose="020B0604020202020204" pitchFamily="34" charset="0"/>
-                <a:cs typeface="Arial" panose="020B0604020202020204" pitchFamily="34" charset="0"/>
-              </a:rPr>
-              <a:t>HappyHours</a:t>
-            </a:r>
-            <a:endParaRPr lang="de-DE" sz="2600" dirty="0" smtClean="0">
-              <a:latin typeface="Arial" panose="020B0604020202020204" pitchFamily="34" charset="0"/>
-              <a:cs typeface="Arial" panose="020B0604020202020204" pitchFamily="34" charset="0"/>
-            </a:endParaRPr>
-          </a:p>
-          <a:p>
-            <a:pPr marL="114300" indent="0">
-              <a:buNone/>
-            </a:pPr>
-            <a:endParaRPr lang="de-DE" dirty="0"/>
-          </a:p>
-        </p:txBody>
-      </p:sp>
-      <p:sp>
-        <p:nvSpPr>
-          <p:cNvPr id="4" name="Foliennummernplatzhalter 3"/>
-          <p:cNvSpPr>
-            <a:spLocks noGrp="1"/>
-          </p:cNvSpPr>
-          <p:nvPr>
-            <p:ph type="sldNum" sz="quarter" idx="12"/>
-          </p:nvPr>
-        </p:nvSpPr>
-        <p:spPr/>
-        <p:txBody>
-          <a:bodyPr/>
-          <a:lstStyle/>
-          <a:p>
-            <a:fld id="{6C6AE60A-B69C-4790-82F7-3882EDF23186}" type="slidenum">
-              <a:rPr lang="de-DE" smtClean="0"/>
-              <a:t>17</a:t>
-            </a:fld>
-            <a:endParaRPr lang="de-DE"/>
-          </a:p>
-        </p:txBody>
-      </p:sp>
-    </p:spTree>
-    <p:extLst>
-      <p:ext uri="{BB962C8B-B14F-4D97-AF65-F5344CB8AC3E}">
-        <p14:creationId xmlns:p14="http://schemas.microsoft.com/office/powerpoint/2010/main" val="3477310548"/>
-      </p:ext>
-    </p:extLst>
-  </p:cSld>
-  <p:clrMapOvr>
-    <a:masterClrMapping/>
-  </p:clrMapOvr>
-  <p:timing>
-    <p:tnLst>
-      <p:par>
-        <p:cTn id="1" dur="indefinite" restart="never" nodeType="tmRoot"/>
-      </p:par>
-    </p:tnLst>
-  </p:timing>
-</p:sld>
-</file>
-
-<file path=ppt/slides/slide18.xml><?xml version="1.0" encoding="utf-8"?>
-<p:sld xmlns:a="http://schemas.openxmlformats.org/drawingml/2006/main" xmlns:r="http://schemas.openxmlformats.org/officeDocument/2006/relationships" xmlns:p="http://schemas.openxmlformats.org/presentationml/2006/main">
-  <p:cSld>
-    <p:spTree>
-      <p:nvGrpSpPr>
-        <p:cNvPr id="1" name=""/>
-        <p:cNvGrpSpPr/>
-        <p:nvPr/>
-      </p:nvGrpSpPr>
-      <p:grpSpPr>
-        <a:xfrm>
-          <a:off x="0" y="0"/>
-          <a:ext cx="0" cy="0"/>
-          <a:chOff x="0" y="0"/>
-          <a:chExt cx="0" cy="0"/>
-        </a:xfrm>
-      </p:grpSpPr>
-      <p:sp>
-        <p:nvSpPr>
-          <p:cNvPr id="2" name="Titel 1"/>
-          <p:cNvSpPr>
-            <a:spLocks noGrp="1"/>
-          </p:cNvSpPr>
-          <p:nvPr>
-            <p:ph type="title"/>
-          </p:nvPr>
-        </p:nvSpPr>
-        <p:spPr/>
-        <p:txBody>
-          <a:bodyPr/>
-          <a:lstStyle/>
-          <a:p>
-            <a:pPr algn="l"/>
-            <a:r>
-              <a:rPr lang="de-DE" sz="2800" b="1" dirty="0" smtClean="0"/>
-              <a:t>3 c) Kommunikationspolitik</a:t>
-            </a:r>
-            <a:endParaRPr lang="de-DE" dirty="0"/>
-          </a:p>
-        </p:txBody>
-      </p:sp>
-      <p:sp>
-        <p:nvSpPr>
-          <p:cNvPr id="3" name="Inhaltsplatzhalter 2"/>
-          <p:cNvSpPr>
-            <a:spLocks noGrp="1"/>
-          </p:cNvSpPr>
-          <p:nvPr>
-            <p:ph idx="1"/>
-          </p:nvPr>
-        </p:nvSpPr>
-        <p:spPr>
-          <a:xfrm>
-            <a:off x="457200" y="1600200"/>
-            <a:ext cx="4042792" cy="4525963"/>
-          </a:xfrm>
-          <a:ln>
-            <a:solidFill>
-              <a:schemeClr val="accent1"/>
-            </a:solidFill>
-          </a:ln>
-        </p:spPr>
-        <p:txBody>
-          <a:bodyPr>
-            <a:normAutofit/>
-          </a:bodyPr>
-          <a:lstStyle/>
-          <a:p>
-            <a:pPr marL="0" indent="0">
-              <a:buNone/>
-            </a:pPr>
-            <a:r>
-              <a:rPr lang="de-DE" b="1" dirty="0" smtClean="0"/>
-              <a:t>Flyer &amp; Plakate mit </a:t>
-            </a:r>
-          </a:p>
-          <a:p>
-            <a:pPr marL="0" indent="0">
-              <a:buNone/>
-            </a:pPr>
-            <a:r>
-              <a:rPr lang="de-DE" b="1" dirty="0" smtClean="0"/>
-              <a:t>folgendem Layout: </a:t>
-            </a:r>
-            <a:endParaRPr lang="de-DE" b="1" dirty="0"/>
-          </a:p>
-          <a:p>
-            <a:pPr>
-              <a:buFont typeface="Symbol" panose="05050102010706020507" pitchFamily="18" charset="2"/>
-              <a:buChar char="-"/>
-            </a:pPr>
-            <a:r>
-              <a:rPr lang="de-DE" dirty="0" smtClean="0"/>
-              <a:t>Gezielte Anbringung der Plakate </a:t>
-            </a:r>
-          </a:p>
-          <a:p>
-            <a:pPr>
-              <a:buFont typeface="Symbol" panose="05050102010706020507" pitchFamily="18" charset="2"/>
-              <a:buChar char="-"/>
-            </a:pPr>
-            <a:r>
-              <a:rPr lang="de-DE" dirty="0" smtClean="0"/>
-              <a:t>Gezielte Verteilung der Flyer</a:t>
-            </a:r>
-            <a:endParaRPr lang="de-DE" dirty="0"/>
-          </a:p>
-          <a:p>
-            <a:endParaRPr lang="de-DE" dirty="0"/>
-          </a:p>
-        </p:txBody>
-      </p:sp>
-      <p:sp>
-        <p:nvSpPr>
-          <p:cNvPr id="4" name="Foliennummernplatzhalter 3"/>
-          <p:cNvSpPr>
-            <a:spLocks noGrp="1"/>
-          </p:cNvSpPr>
-          <p:nvPr>
-            <p:ph type="sldNum" sz="quarter" idx="12"/>
-          </p:nvPr>
-        </p:nvSpPr>
-        <p:spPr/>
-        <p:txBody>
-          <a:bodyPr/>
-          <a:lstStyle/>
-          <a:p>
-            <a:fld id="{6C6AE60A-B69C-4790-82F7-3882EDF23186}" type="slidenum">
-              <a:rPr lang="de-DE" smtClean="0"/>
-              <a:t>18</a:t>
-            </a:fld>
-            <a:endParaRPr lang="de-DE"/>
-          </a:p>
-        </p:txBody>
-      </p:sp>
-      <p:pic>
-        <p:nvPicPr>
-          <p:cNvPr id="6" name="Grafik 5"/>
-          <p:cNvPicPr>
-            <a:picLocks noChangeAspect="1"/>
-          </p:cNvPicPr>
-          <p:nvPr/>
-        </p:nvPicPr>
-        <p:blipFill>
-          <a:blip r:embed="rId2" cstate="print">
-            <a:extLst>
-              <a:ext uri="{28A0092B-C50C-407E-A947-70E740481C1C}">
-                <a14:useLocalDpi xmlns:a14="http://schemas.microsoft.com/office/drawing/2010/main" val="0"/>
-              </a:ext>
-            </a:extLst>
-          </a:blip>
-          <a:stretch>
-            <a:fillRect/>
-          </a:stretch>
-        </p:blipFill>
-        <p:spPr>
-          <a:xfrm>
-            <a:off x="4932040" y="476672"/>
-            <a:ext cx="4008000" cy="6012000"/>
-          </a:xfrm>
-          <a:prstGeom prst="rect">
-            <a:avLst/>
-          </a:prstGeom>
-          <a:ln>
-            <a:solidFill>
-              <a:schemeClr val="accent1"/>
-            </a:solidFill>
-          </a:ln>
-        </p:spPr>
-      </p:pic>
-    </p:spTree>
-    <p:extLst>
-      <p:ext uri="{BB962C8B-B14F-4D97-AF65-F5344CB8AC3E}">
-        <p14:creationId xmlns:p14="http://schemas.microsoft.com/office/powerpoint/2010/main" val="775549747"/>
-      </p:ext>
-    </p:extLst>
-  </p:cSld>
-  <p:clrMapOvr>
-    <a:masterClrMapping/>
-  </p:clrMapOvr>
-  <p:timing>
-    <p:tnLst>
-      <p:par>
-        <p:cTn id="1" dur="indefinite" restart="never" nodeType="tmRoot"/>
-      </p:par>
-    </p:tnLst>
-  </p:timing>
-</p:sld>
-</file>
-
-<file path=ppt/slides/slide19.xml><?xml version="1.0" encoding="utf-8"?>
-<p:sld xmlns:a="http://schemas.openxmlformats.org/drawingml/2006/main" xmlns:r="http://schemas.openxmlformats.org/officeDocument/2006/relationships" xmlns:p="http://schemas.openxmlformats.org/presentationml/2006/main">
-  <p:cSld>
-    <p:spTree>
-      <p:nvGrpSpPr>
-        <p:cNvPr id="1" name=""/>
-        <p:cNvGrpSpPr/>
-        <p:nvPr/>
-      </p:nvGrpSpPr>
-      <p:grpSpPr>
-        <a:xfrm>
-          <a:off x="0" y="0"/>
-          <a:ext cx="0" cy="0"/>
-          <a:chOff x="0" y="0"/>
-          <a:chExt cx="0" cy="0"/>
-        </a:xfrm>
-      </p:grpSpPr>
-      <p:sp>
-        <p:nvSpPr>
-          <p:cNvPr id="2" name="Titel 1"/>
-          <p:cNvSpPr>
-            <a:spLocks noGrp="1"/>
-          </p:cNvSpPr>
-          <p:nvPr>
-            <p:ph type="title"/>
-          </p:nvPr>
-        </p:nvSpPr>
-        <p:spPr/>
-        <p:txBody>
-          <a:bodyPr/>
-          <a:lstStyle/>
-          <a:p>
-            <a:pPr algn="l"/>
-            <a:r>
-              <a:rPr lang="de-DE" sz="2800" b="1" dirty="0" smtClean="0"/>
-              <a:t>3 c) Kommunikationspolitik</a:t>
-            </a:r>
-            <a:endParaRPr lang="de-DE" dirty="0"/>
-          </a:p>
-        </p:txBody>
-      </p:sp>
-      <p:sp>
-        <p:nvSpPr>
-          <p:cNvPr id="3" name="Inhaltsplatzhalter 2"/>
-          <p:cNvSpPr>
-            <a:spLocks noGrp="1"/>
-          </p:cNvSpPr>
-          <p:nvPr>
-            <p:ph idx="1"/>
-          </p:nvPr>
-        </p:nvSpPr>
-        <p:spPr>
-          <a:ln>
-            <a:solidFill>
-              <a:schemeClr val="accent1"/>
-            </a:solidFill>
-          </a:ln>
-        </p:spPr>
-        <p:txBody>
-          <a:bodyPr>
-            <a:normAutofit/>
-          </a:bodyPr>
-          <a:lstStyle/>
-          <a:p>
-            <a:pPr marL="0" indent="0">
-              <a:buNone/>
-            </a:pPr>
-            <a:r>
-              <a:rPr lang="de-DE" sz="2600" b="1" dirty="0" smtClean="0">
-                <a:latin typeface="Arial" panose="020B0604020202020204" pitchFamily="34" charset="0"/>
-                <a:cs typeface="Arial" panose="020B0604020202020204" pitchFamily="34" charset="0"/>
-              </a:rPr>
-              <a:t>4. Werbeartikel</a:t>
-            </a:r>
-          </a:p>
-          <a:p>
-            <a:pPr marL="0" indent="0">
-              <a:buNone/>
-            </a:pPr>
-            <a:endParaRPr lang="de-DE" sz="2600" dirty="0" smtClean="0">
-              <a:latin typeface="Arial" panose="020B0604020202020204" pitchFamily="34" charset="0"/>
-              <a:cs typeface="Arial" panose="020B0604020202020204" pitchFamily="34" charset="0"/>
-            </a:endParaRPr>
-          </a:p>
-          <a:p>
-            <a:pPr>
-              <a:buFont typeface="Symbol" panose="05050102010706020507" pitchFamily="18" charset="2"/>
-              <a:buChar char="-"/>
-            </a:pPr>
-            <a:r>
-              <a:rPr lang="de-DE" sz="2600" dirty="0" smtClean="0">
-                <a:latin typeface="Arial" panose="020B0604020202020204" pitchFamily="34" charset="0"/>
-                <a:cs typeface="Arial" panose="020B0604020202020204" pitchFamily="34" charset="0"/>
-              </a:rPr>
-              <a:t>Streichholzschachteln </a:t>
-            </a:r>
-            <a:r>
-              <a:rPr lang="de-DE" sz="2600" dirty="0">
-                <a:latin typeface="Arial" panose="020B0604020202020204" pitchFamily="34" charset="0"/>
-                <a:cs typeface="Arial" panose="020B0604020202020204" pitchFamily="34" charset="0"/>
-              </a:rPr>
-              <a:t>mit Logo &amp; Slogan (in Locations auslegen)</a:t>
-            </a:r>
-          </a:p>
-          <a:p>
-            <a:pPr>
-              <a:buFont typeface="Symbol" panose="05050102010706020507" pitchFamily="18" charset="2"/>
-              <a:buChar char="-"/>
-            </a:pPr>
-            <a:r>
-              <a:rPr lang="de-DE" sz="2600" dirty="0">
-                <a:latin typeface="Arial" panose="020B0604020202020204" pitchFamily="34" charset="0"/>
-                <a:cs typeface="Arial" panose="020B0604020202020204" pitchFamily="34" charset="0"/>
-              </a:rPr>
-              <a:t>Kugelschreiber mit Logo &amp; Slogan (in Locations auslegen)</a:t>
-            </a:r>
-          </a:p>
-          <a:p>
-            <a:pPr>
-              <a:buFont typeface="Symbol" panose="05050102010706020507" pitchFamily="18" charset="2"/>
-              <a:buChar char="-"/>
-            </a:pPr>
-            <a:r>
-              <a:rPr lang="de-DE" sz="2600" dirty="0">
-                <a:latin typeface="Arial" panose="020B0604020202020204" pitchFamily="34" charset="0"/>
-                <a:cs typeface="Arial" panose="020B0604020202020204" pitchFamily="34" charset="0"/>
-              </a:rPr>
-              <a:t>Kärtchen mit QR-Code zur Web-Applikation „Go Happy“ (Art Visitenkarte</a:t>
-            </a:r>
-            <a:r>
-              <a:rPr lang="de-DE" sz="2600" dirty="0" smtClean="0">
-                <a:latin typeface="Arial" panose="020B0604020202020204" pitchFamily="34" charset="0"/>
-                <a:cs typeface="Arial" panose="020B0604020202020204" pitchFamily="34" charset="0"/>
-              </a:rPr>
-              <a:t>)</a:t>
-            </a:r>
-          </a:p>
-          <a:p>
-            <a:pPr marL="457200" lvl="1" indent="0">
-              <a:buNone/>
-            </a:pPr>
-            <a:endParaRPr lang="de-DE" dirty="0"/>
-          </a:p>
-          <a:p>
-            <a:endParaRPr lang="de-DE" dirty="0"/>
-          </a:p>
-        </p:txBody>
-      </p:sp>
-      <p:sp>
-        <p:nvSpPr>
-          <p:cNvPr id="4" name="Foliennummernplatzhalter 3"/>
-          <p:cNvSpPr>
-            <a:spLocks noGrp="1"/>
-          </p:cNvSpPr>
-          <p:nvPr>
-            <p:ph type="sldNum" sz="quarter" idx="12"/>
-          </p:nvPr>
-        </p:nvSpPr>
-        <p:spPr/>
-        <p:txBody>
-          <a:bodyPr/>
-          <a:lstStyle/>
-          <a:p>
-            <a:fld id="{6C6AE60A-B69C-4790-82F7-3882EDF23186}" type="slidenum">
-              <a:rPr lang="de-DE" smtClean="0"/>
-              <a:t>19</a:t>
-            </a:fld>
-            <a:endParaRPr lang="de-DE"/>
-          </a:p>
-        </p:txBody>
-      </p:sp>
-    </p:spTree>
-    <p:extLst>
-      <p:ext uri="{BB962C8B-B14F-4D97-AF65-F5344CB8AC3E}">
-        <p14:creationId xmlns:p14="http://schemas.microsoft.com/office/powerpoint/2010/main" val="2036097863"/>
+        <p14:creationId xmlns:p14="http://schemas.microsoft.com/office/powerpoint/2010/main" val="2964199789"/>
       </p:ext>
     </p:extLst>
   </p:cSld>
@@ -6860,7 +6468,7 @@
                   <a:latin typeface="Arial" panose="020B0604020202020204" pitchFamily="34" charset="0"/>
                   <a:cs typeface="Arial" panose="020B0604020202020204" pitchFamily="34" charset="0"/>
                 </a:rPr>
-                <a:t>Marketinginstrumente</a:t>
+                <a:t>Social Media Strategie</a:t>
               </a:r>
               <a:endParaRPr lang="de-DE" sz="1600" b="1" dirty="0">
                 <a:solidFill>
@@ -7067,7 +6675,7 @@
                   <a:latin typeface="Arial" panose="020B0604020202020204" pitchFamily="34" charset="0"/>
                   <a:cs typeface="Arial" panose="020B0604020202020204" pitchFamily="34" charset="0"/>
                 </a:rPr>
-                <a:t>Preispolitik</a:t>
+                <a:t>Plattformen</a:t>
               </a:r>
               <a:endParaRPr lang="de-DE" dirty="0">
                 <a:latin typeface="Arial" panose="020B0604020202020204" pitchFamily="34" charset="0"/>
@@ -7271,7 +6879,7 @@
                   <a:latin typeface="Arial" panose="020B0604020202020204" pitchFamily="34" charset="0"/>
                   <a:cs typeface="Arial" panose="020B0604020202020204" pitchFamily="34" charset="0"/>
                 </a:rPr>
-                <a:t>Produktpolitik</a:t>
+                <a:t>Zielgruppe</a:t>
               </a:r>
               <a:endParaRPr lang="de-DE" b="1" dirty="0">
                 <a:solidFill>
@@ -7343,206 +6951,6 @@
         <p:sp>
           <p:nvSpPr>
             <p:cNvPr id="30" name="Rechteck 29"/>
-            <p:cNvSpPr/>
-            <p:nvPr/>
-          </p:nvSpPr>
-          <p:spPr>
-            <a:xfrm>
-              <a:off x="-22860" y="1655088"/>
-              <a:ext cx="8892480" cy="504056"/>
-            </a:xfrm>
-            <a:prstGeom prst="rect">
-              <a:avLst/>
-            </a:prstGeom>
-            <a:noFill/>
-            <a:ln w="9525">
-              <a:solidFill>
-                <a:srgbClr val="3F51B5"/>
-              </a:solidFill>
-            </a:ln>
-          </p:spPr>
-          <p:style>
-            <a:lnRef idx="2">
-              <a:schemeClr val="accent1">
-                <a:shade val="50000"/>
-              </a:schemeClr>
-            </a:lnRef>
-            <a:fillRef idx="1">
-              <a:schemeClr val="accent1"/>
-            </a:fillRef>
-            <a:effectRef idx="0">
-              <a:schemeClr val="accent1"/>
-            </a:effectRef>
-            <a:fontRef idx="minor">
-              <a:schemeClr val="lt1"/>
-            </a:fontRef>
-          </p:style>
-          <p:txBody>
-            <a:bodyPr rtlCol="0" anchor="ctr"/>
-            <a:lstStyle/>
-            <a:p>
-              <a:pPr algn="ctr"/>
-              <a:endParaRPr lang="de-DE"/>
-            </a:p>
-          </p:txBody>
-        </p:sp>
-      </p:grpSp>
-      <p:grpSp>
-        <p:nvGrpSpPr>
-          <p:cNvPr id="32" name="Gruppieren 31"/>
-          <p:cNvGrpSpPr/>
-          <p:nvPr/>
-        </p:nvGrpSpPr>
-        <p:grpSpPr>
-          <a:xfrm>
-            <a:off x="683568" y="5589240"/>
-            <a:ext cx="8196212" cy="504056"/>
-            <a:chOff x="-22860" y="1655088"/>
-            <a:chExt cx="8892480" cy="504056"/>
-          </a:xfrm>
-        </p:grpSpPr>
-        <p:sp>
-          <p:nvSpPr>
-            <p:cNvPr id="33" name="Rechteck 32"/>
-            <p:cNvSpPr/>
-            <p:nvPr/>
-          </p:nvSpPr>
-          <p:spPr>
-            <a:xfrm>
-              <a:off x="573405" y="1693188"/>
-              <a:ext cx="8256592" cy="432000"/>
-            </a:xfrm>
-            <a:prstGeom prst="rect">
-              <a:avLst/>
-            </a:prstGeom>
-            <a:gradFill flip="none" rotWithShape="1">
-              <a:gsLst>
-                <a:gs pos="0">
-                  <a:srgbClr val="3F51B5"/>
-                </a:gs>
-                <a:gs pos="48000">
-                  <a:schemeClr val="accent1">
-                    <a:tint val="44500"/>
-                    <a:satMod val="160000"/>
-                  </a:schemeClr>
-                </a:gs>
-                <a:gs pos="90000">
-                  <a:schemeClr val="bg1"/>
-                </a:gs>
-                <a:gs pos="70000">
-                  <a:schemeClr val="accent1">
-                    <a:tint val="23500"/>
-                    <a:satMod val="160000"/>
-                  </a:schemeClr>
-                </a:gs>
-              </a:gsLst>
-              <a:lin ang="10800000" scaled="1"/>
-              <a:tileRect/>
-            </a:gradFill>
-            <a:ln w="9525">
-              <a:noFill/>
-            </a:ln>
-          </p:spPr>
-          <p:style>
-            <a:lnRef idx="2">
-              <a:schemeClr val="accent1">
-                <a:shade val="50000"/>
-              </a:schemeClr>
-            </a:lnRef>
-            <a:fillRef idx="1">
-              <a:schemeClr val="accent1"/>
-            </a:fillRef>
-            <a:effectRef idx="0">
-              <a:schemeClr val="accent1"/>
-            </a:effectRef>
-            <a:fontRef idx="minor">
-              <a:schemeClr val="lt1"/>
-            </a:fontRef>
-          </p:style>
-          <p:txBody>
-            <a:bodyPr rtlCol="0" anchor="ctr"/>
-            <a:lstStyle/>
-            <a:p>
-              <a:r>
-                <a:rPr lang="de-DE" sz="1600" b="1" dirty="0" smtClean="0">
-                  <a:solidFill>
-                    <a:schemeClr val="tx1"/>
-                  </a:solidFill>
-                  <a:latin typeface="Arial" panose="020B0604020202020204" pitchFamily="34" charset="0"/>
-                  <a:cs typeface="Arial" panose="020B0604020202020204" pitchFamily="34" charset="0"/>
-                </a:rPr>
-                <a:t>Vertriebspolitik</a:t>
-              </a:r>
-              <a:endParaRPr lang="de-DE" b="1" dirty="0">
-                <a:solidFill>
-                  <a:schemeClr val="tx1"/>
-                </a:solidFill>
-                <a:latin typeface="Arial" panose="020B0604020202020204" pitchFamily="34" charset="0"/>
-                <a:cs typeface="Arial" panose="020B0604020202020204" pitchFamily="34" charset="0"/>
-              </a:endParaRPr>
-            </a:p>
-          </p:txBody>
-        </p:sp>
-        <p:sp>
-          <p:nvSpPr>
-            <p:cNvPr id="34" name="Flussdiagramm: Verzögerung 33"/>
-            <p:cNvSpPr/>
-            <p:nvPr/>
-          </p:nvSpPr>
-          <p:spPr>
-            <a:xfrm>
-              <a:off x="-11905" y="1665107"/>
-              <a:ext cx="504000" cy="486000"/>
-            </a:xfrm>
-            <a:prstGeom prst="flowChartDelay">
-              <a:avLst/>
-            </a:prstGeom>
-            <a:solidFill>
-              <a:srgbClr val="3F51B5"/>
-            </a:solidFill>
-            <a:ln>
-              <a:solidFill>
-                <a:srgbClr val="3F51B5"/>
-              </a:solidFill>
-            </a:ln>
-          </p:spPr>
-          <p:style>
-            <a:lnRef idx="2">
-              <a:schemeClr val="accent1">
-                <a:shade val="50000"/>
-              </a:schemeClr>
-            </a:lnRef>
-            <a:fillRef idx="1">
-              <a:schemeClr val="accent1"/>
-            </a:fillRef>
-            <a:effectRef idx="0">
-              <a:schemeClr val="accent1"/>
-            </a:effectRef>
-            <a:fontRef idx="minor">
-              <a:schemeClr val="lt1"/>
-            </a:fontRef>
-          </p:style>
-          <p:txBody>
-            <a:bodyPr rtlCol="0" anchor="ctr"/>
-            <a:lstStyle/>
-            <a:p>
-              <a:pPr algn="ctr"/>
-              <a:r>
-                <a:rPr lang="de-DE" b="1" dirty="0">
-                  <a:solidFill>
-                    <a:schemeClr val="bg1"/>
-                  </a:solidFill>
-                  <a:latin typeface="Arial" panose="020B0604020202020204" pitchFamily="34" charset="0"/>
-                  <a:cs typeface="Arial" panose="020B0604020202020204" pitchFamily="34" charset="0"/>
-                </a:rPr>
-                <a:t>d</a:t>
-              </a:r>
-            </a:p>
-          </p:txBody>
-        </p:sp>
-        <p:sp>
-          <p:nvSpPr>
-            <p:cNvPr id="35" name="Rechteck 34"/>
             <p:cNvSpPr/>
             <p:nvPr/>
           </p:nvSpPr>
@@ -7671,7 +7079,7 @@
                   <a:latin typeface="Arial" panose="020B0604020202020204" pitchFamily="34" charset="0"/>
                   <a:cs typeface="Arial" panose="020B0604020202020204" pitchFamily="34" charset="0"/>
                 </a:rPr>
-                <a:t>Kommunikationspolitik</a:t>
+                <a:t>Aktionen</a:t>
               </a:r>
               <a:endParaRPr lang="de-DE" sz="1600" b="1" dirty="0">
                 <a:solidFill>
@@ -7802,7 +7210,7 @@
         </p:nvGrpSpPr>
         <p:grpSpPr>
           <a:xfrm>
-            <a:off x="-11112" y="6237312"/>
+            <a:off x="-11112" y="5592668"/>
             <a:ext cx="8892480" cy="504056"/>
             <a:chOff x="-22860" y="1655088"/>
             <a:chExt cx="8892480" cy="504056"/>
@@ -8021,627 +7429,6 @@
 </p:sld>
 </file>
 
-<file path=ppt/slides/slide20.xml><?xml version="1.0" encoding="utf-8"?>
-<p:sld xmlns:a="http://schemas.openxmlformats.org/drawingml/2006/main" xmlns:r="http://schemas.openxmlformats.org/officeDocument/2006/relationships" xmlns:p="http://schemas.openxmlformats.org/presentationml/2006/main">
-  <p:cSld>
-    <p:spTree>
-      <p:nvGrpSpPr>
-        <p:cNvPr id="1" name=""/>
-        <p:cNvGrpSpPr/>
-        <p:nvPr/>
-      </p:nvGrpSpPr>
-      <p:grpSpPr>
-        <a:xfrm>
-          <a:off x="0" y="0"/>
-          <a:ext cx="0" cy="0"/>
-          <a:chOff x="0" y="0"/>
-          <a:chExt cx="0" cy="0"/>
-        </a:xfrm>
-      </p:grpSpPr>
-      <p:sp>
-        <p:nvSpPr>
-          <p:cNvPr id="2" name="Titel 1"/>
-          <p:cNvSpPr>
-            <a:spLocks noGrp="1"/>
-          </p:cNvSpPr>
-          <p:nvPr>
-            <p:ph type="title"/>
-          </p:nvPr>
-        </p:nvSpPr>
-        <p:spPr/>
-        <p:txBody>
-          <a:bodyPr>
-            <a:normAutofit/>
-          </a:bodyPr>
-          <a:lstStyle/>
-          <a:p>
-            <a:pPr algn="l"/>
-            <a:r>
-              <a:rPr lang="de-DE" sz="2800" b="1" dirty="0" smtClean="0"/>
-              <a:t>3 d) Vertriebspolitik</a:t>
-            </a:r>
-            <a:endParaRPr lang="de-DE" sz="2800" b="1" dirty="0"/>
-          </a:p>
-        </p:txBody>
-      </p:sp>
-      <p:sp>
-        <p:nvSpPr>
-          <p:cNvPr id="3" name="Inhaltsplatzhalter 2"/>
-          <p:cNvSpPr>
-            <a:spLocks noGrp="1"/>
-          </p:cNvSpPr>
-          <p:nvPr>
-            <p:ph idx="1"/>
-          </p:nvPr>
-        </p:nvSpPr>
-        <p:spPr>
-          <a:ln>
-            <a:solidFill>
-              <a:schemeClr val="accent1"/>
-            </a:solidFill>
-          </a:ln>
-        </p:spPr>
-        <p:txBody>
-          <a:bodyPr>
-            <a:normAutofit/>
-          </a:bodyPr>
-          <a:lstStyle/>
-          <a:p>
-            <a:pPr marL="0" indent="0">
-              <a:buNone/>
-            </a:pPr>
-            <a:r>
-              <a:rPr lang="de-DE" sz="2600" b="1" dirty="0">
-                <a:latin typeface="Arial" panose="020B0604020202020204" pitchFamily="34" charset="0"/>
-                <a:cs typeface="Arial" panose="020B0604020202020204" pitchFamily="34" charset="0"/>
-              </a:rPr>
-              <a:t>Zielgruppe: </a:t>
-            </a:r>
-          </a:p>
-          <a:p>
-            <a:pPr lvl="1"/>
-            <a:r>
-              <a:rPr lang="de-DE" sz="2600" dirty="0">
-                <a:latin typeface="Arial" panose="020B0604020202020204" pitchFamily="34" charset="0"/>
-                <a:cs typeface="Arial" panose="020B0604020202020204" pitchFamily="34" charset="0"/>
-              </a:rPr>
-              <a:t>Studenten</a:t>
-            </a:r>
-          </a:p>
-          <a:p>
-            <a:pPr lvl="1"/>
-            <a:r>
-              <a:rPr lang="de-DE" sz="2600" dirty="0">
-                <a:latin typeface="Arial" panose="020B0604020202020204" pitchFamily="34" charset="0"/>
-                <a:cs typeface="Arial" panose="020B0604020202020204" pitchFamily="34" charset="0"/>
-              </a:rPr>
-              <a:t>Schüler</a:t>
-            </a:r>
-          </a:p>
-          <a:p>
-            <a:pPr lvl="1"/>
-            <a:r>
-              <a:rPr lang="de-DE" sz="2600" dirty="0">
-                <a:latin typeface="Arial" panose="020B0604020202020204" pitchFamily="34" charset="0"/>
-                <a:cs typeface="Arial" panose="020B0604020202020204" pitchFamily="34" charset="0"/>
-              </a:rPr>
-              <a:t>junge Erwachsene</a:t>
-            </a:r>
-          </a:p>
-          <a:p>
-            <a:pPr lvl="1"/>
-            <a:r>
-              <a:rPr lang="de-DE" sz="2600" dirty="0">
-                <a:latin typeface="Arial" panose="020B0604020202020204" pitchFamily="34" charset="0"/>
-                <a:cs typeface="Arial" panose="020B0604020202020204" pitchFamily="34" charset="0"/>
-              </a:rPr>
-              <a:t>Sparsame Personen</a:t>
-            </a:r>
-          </a:p>
-          <a:p>
-            <a:pPr marL="57150" indent="0">
-              <a:buNone/>
-            </a:pPr>
-            <a:r>
-              <a:rPr lang="de-DE" sz="2600" b="1" dirty="0">
-                <a:latin typeface="Arial" panose="020B0604020202020204" pitchFamily="34" charset="0"/>
-                <a:cs typeface="Arial" panose="020B0604020202020204" pitchFamily="34" charset="0"/>
-              </a:rPr>
-              <a:t>Absatzkanal: </a:t>
-            </a:r>
-          </a:p>
-          <a:p>
-            <a:pPr lvl="1"/>
-            <a:r>
-              <a:rPr lang="de-DE" sz="2600" dirty="0">
-                <a:latin typeface="Arial" panose="020B0604020202020204" pitchFamily="34" charset="0"/>
-                <a:cs typeface="Arial" panose="020B0604020202020204" pitchFamily="34" charset="0"/>
-              </a:rPr>
-              <a:t>Persönlich </a:t>
-            </a:r>
-          </a:p>
-          <a:p>
-            <a:pPr lvl="1"/>
-            <a:r>
-              <a:rPr lang="de-DE" sz="2600" dirty="0">
-                <a:latin typeface="Arial" panose="020B0604020202020204" pitchFamily="34" charset="0"/>
-                <a:cs typeface="Arial" panose="020B0604020202020204" pitchFamily="34" charset="0"/>
-              </a:rPr>
-              <a:t>Internetgestützt </a:t>
-            </a:r>
-            <a:r>
-              <a:rPr lang="de-DE" sz="2600" dirty="0">
-                <a:latin typeface="Arial" panose="020B0604020202020204" pitchFamily="34" charset="0"/>
-                <a:cs typeface="Arial" panose="020B0604020202020204" pitchFamily="34" charset="0"/>
-                <a:sym typeface="Wingdings"/>
-              </a:rPr>
-              <a:t></a:t>
-            </a:r>
-            <a:r>
-              <a:rPr lang="de-DE" sz="2600" dirty="0">
-                <a:latin typeface="Arial" panose="020B0604020202020204" pitchFamily="34" charset="0"/>
-                <a:cs typeface="Arial" panose="020B0604020202020204" pitchFamily="34" charset="0"/>
-              </a:rPr>
-              <a:t> </a:t>
-            </a:r>
-            <a:r>
-              <a:rPr lang="de-DE" sz="2600" dirty="0" err="1">
-                <a:latin typeface="Arial" panose="020B0604020202020204" pitchFamily="34" charset="0"/>
-                <a:cs typeface="Arial" panose="020B0604020202020204" pitchFamily="34" charset="0"/>
-              </a:rPr>
-              <a:t>Social</a:t>
-            </a:r>
-            <a:r>
-              <a:rPr lang="de-DE" sz="2600" dirty="0">
-                <a:latin typeface="Arial" panose="020B0604020202020204" pitchFamily="34" charset="0"/>
-                <a:cs typeface="Arial" panose="020B0604020202020204" pitchFamily="34" charset="0"/>
-              </a:rPr>
-              <a:t> Media…</a:t>
-            </a:r>
-          </a:p>
-          <a:p>
-            <a:pPr lvl="1"/>
-            <a:r>
-              <a:rPr lang="de-DE" sz="2600" dirty="0">
-                <a:latin typeface="Arial" panose="020B0604020202020204" pitchFamily="34" charset="0"/>
-                <a:cs typeface="Arial" panose="020B0604020202020204" pitchFamily="34" charset="0"/>
-              </a:rPr>
-              <a:t>Locations mit Happy Hour</a:t>
-            </a:r>
-          </a:p>
-          <a:p>
-            <a:endParaRPr lang="de-DE" dirty="0">
-              <a:latin typeface="Arial" panose="020B0604020202020204" pitchFamily="34" charset="0"/>
-              <a:cs typeface="Arial" panose="020B0604020202020204" pitchFamily="34" charset="0"/>
-            </a:endParaRPr>
-          </a:p>
-        </p:txBody>
-      </p:sp>
-      <p:sp>
-        <p:nvSpPr>
-          <p:cNvPr id="4" name="Foliennummernplatzhalter 3"/>
-          <p:cNvSpPr>
-            <a:spLocks noGrp="1"/>
-          </p:cNvSpPr>
-          <p:nvPr>
-            <p:ph type="sldNum" sz="quarter" idx="12"/>
-          </p:nvPr>
-        </p:nvSpPr>
-        <p:spPr/>
-        <p:txBody>
-          <a:bodyPr/>
-          <a:lstStyle/>
-          <a:p>
-            <a:fld id="{6C6AE60A-B69C-4790-82F7-3882EDF23186}" type="slidenum">
-              <a:rPr lang="de-DE" smtClean="0"/>
-              <a:t>20</a:t>
-            </a:fld>
-            <a:endParaRPr lang="de-DE"/>
-          </a:p>
-        </p:txBody>
-      </p:sp>
-    </p:spTree>
-    <p:extLst>
-      <p:ext uri="{BB962C8B-B14F-4D97-AF65-F5344CB8AC3E}">
-        <p14:creationId xmlns:p14="http://schemas.microsoft.com/office/powerpoint/2010/main" val="3549776681"/>
-      </p:ext>
-    </p:extLst>
-  </p:cSld>
-  <p:clrMapOvr>
-    <a:masterClrMapping/>
-  </p:clrMapOvr>
-  <p:timing>
-    <p:tnLst>
-      <p:par>
-        <p:cTn id="1" dur="indefinite" restart="never" nodeType="tmRoot"/>
-      </p:par>
-    </p:tnLst>
-  </p:timing>
-</p:sld>
-</file>
-
-<file path=ppt/slides/slide21.xml><?xml version="1.0" encoding="utf-8"?>
-<p:sld xmlns:a="http://schemas.openxmlformats.org/drawingml/2006/main" xmlns:r="http://schemas.openxmlformats.org/officeDocument/2006/relationships" xmlns:p="http://schemas.openxmlformats.org/presentationml/2006/main">
-  <p:cSld>
-    <p:spTree>
-      <p:nvGrpSpPr>
-        <p:cNvPr id="1" name=""/>
-        <p:cNvGrpSpPr/>
-        <p:nvPr/>
-      </p:nvGrpSpPr>
-      <p:grpSpPr>
-        <a:xfrm>
-          <a:off x="0" y="0"/>
-          <a:ext cx="0" cy="0"/>
-          <a:chOff x="0" y="0"/>
-          <a:chExt cx="0" cy="0"/>
-        </a:xfrm>
-      </p:grpSpPr>
-      <p:sp>
-        <p:nvSpPr>
-          <p:cNvPr id="3" name="Inhaltsplatzhalter 2"/>
-          <p:cNvSpPr>
-            <a:spLocks noGrp="1"/>
-          </p:cNvSpPr>
-          <p:nvPr>
-            <p:ph idx="1"/>
-          </p:nvPr>
-        </p:nvSpPr>
-        <p:spPr>
-          <a:xfrm>
-            <a:off x="457200" y="1268760"/>
-            <a:ext cx="8003232" cy="5184576"/>
-          </a:xfrm>
-        </p:spPr>
-        <p:txBody>
-          <a:bodyPr>
-            <a:normAutofit/>
-          </a:bodyPr>
-          <a:lstStyle/>
-          <a:p>
-            <a:pPr>
-              <a:spcBef>
-                <a:spcPts val="0"/>
-              </a:spcBef>
-              <a:defRPr/>
-            </a:pPr>
-            <a:endParaRPr lang="de-DE" sz="1600" dirty="0" smtClean="0">
-              <a:latin typeface="Arial" panose="020B0604020202020204" pitchFamily="34" charset="0"/>
-              <a:cs typeface="Arial" panose="020B0604020202020204" pitchFamily="34" charset="0"/>
-            </a:endParaRPr>
-          </a:p>
-          <a:p>
-            <a:pPr>
-              <a:buFont typeface="Wingdings" panose="05000000000000000000" pitchFamily="2" charset="2"/>
-              <a:buChar char="Ø"/>
-            </a:pPr>
-            <a:r>
-              <a:rPr lang="de-DE" sz="2400" dirty="0" smtClean="0">
-                <a:latin typeface="Arial" panose="020B0604020202020204" pitchFamily="34" charset="0"/>
-                <a:cs typeface="Arial" panose="020B0604020202020204" pitchFamily="34" charset="0"/>
-              </a:rPr>
-              <a:t>Klassische </a:t>
-            </a:r>
-            <a:r>
-              <a:rPr lang="de-DE" sz="2400" dirty="0">
-                <a:latin typeface="Arial" panose="020B0604020202020204" pitchFamily="34" charset="0"/>
-                <a:cs typeface="Arial" panose="020B0604020202020204" pitchFamily="34" charset="0"/>
-              </a:rPr>
-              <a:t>Medien </a:t>
-            </a:r>
-            <a:r>
-              <a:rPr lang="de-DE" sz="2400" dirty="0" smtClean="0">
-                <a:latin typeface="Arial" panose="020B0604020202020204" pitchFamily="34" charset="0"/>
-                <a:cs typeface="Arial" panose="020B0604020202020204" pitchFamily="34" charset="0"/>
-              </a:rPr>
-              <a:t>für </a:t>
-            </a:r>
-            <a:r>
-              <a:rPr lang="de-DE" sz="2400" dirty="0">
-                <a:latin typeface="Arial" panose="020B0604020202020204" pitchFamily="34" charset="0"/>
-                <a:cs typeface="Arial" panose="020B0604020202020204" pitchFamily="34" charset="0"/>
-              </a:rPr>
-              <a:t>die Vermarktung von „</a:t>
-            </a:r>
-            <a:r>
-              <a:rPr lang="de-DE" sz="2400" dirty="0" err="1">
-                <a:latin typeface="Arial" panose="020B0604020202020204" pitchFamily="34" charset="0"/>
-                <a:cs typeface="Arial" panose="020B0604020202020204" pitchFamily="34" charset="0"/>
-              </a:rPr>
-              <a:t>GoHappy</a:t>
-            </a:r>
-            <a:r>
-              <a:rPr lang="de-DE" sz="2400" dirty="0">
-                <a:latin typeface="Arial" panose="020B0604020202020204" pitchFamily="34" charset="0"/>
-                <a:cs typeface="Arial" panose="020B0604020202020204" pitchFamily="34" charset="0"/>
-              </a:rPr>
-              <a:t>“ nur in geringem </a:t>
-            </a:r>
-            <a:r>
-              <a:rPr lang="de-DE" sz="2400" dirty="0" smtClean="0">
-                <a:latin typeface="Arial" panose="020B0604020202020204" pitchFamily="34" charset="0"/>
-                <a:cs typeface="Arial" panose="020B0604020202020204" pitchFamily="34" charset="0"/>
-              </a:rPr>
-              <a:t>Maß</a:t>
-            </a:r>
-            <a:endParaRPr lang="de-DE" sz="2400" dirty="0">
-              <a:latin typeface="Arial" panose="020B0604020202020204" pitchFamily="34" charset="0"/>
-              <a:cs typeface="Arial" panose="020B0604020202020204" pitchFamily="34" charset="0"/>
-            </a:endParaRPr>
-          </a:p>
-          <a:p>
-            <a:pPr>
-              <a:buFont typeface="Wingdings" panose="05000000000000000000" pitchFamily="2" charset="2"/>
-              <a:buChar char="Ø"/>
-            </a:pPr>
-            <a:r>
-              <a:rPr lang="de-DE" sz="2400" dirty="0" smtClean="0">
-                <a:latin typeface="Arial" panose="020B0604020202020204" pitchFamily="34" charset="0"/>
-                <a:cs typeface="Arial" panose="020B0604020202020204" pitchFamily="34" charset="0"/>
-              </a:rPr>
-              <a:t>Werbemittel sollen z.B. Flyer, Streichhölzer, Plakate genutzt werden</a:t>
-            </a:r>
-          </a:p>
-          <a:p>
-            <a:pPr>
-              <a:buFont typeface="Wingdings" panose="05000000000000000000" pitchFamily="2" charset="2"/>
-              <a:buChar char="Ø"/>
-            </a:pPr>
-            <a:r>
-              <a:rPr lang="de-DE" sz="2400" dirty="0" smtClean="0">
-                <a:latin typeface="Arial" panose="020B0604020202020204" pitchFamily="34" charset="0"/>
-                <a:cs typeface="Arial" panose="020B0604020202020204" pitchFamily="34" charset="0"/>
-              </a:rPr>
-              <a:t>Die Werbemittel müssen geschickt platziert werden, z.B. Plakat an Universität/Hochschule</a:t>
-            </a:r>
-          </a:p>
-          <a:p>
-            <a:pPr>
-              <a:buFont typeface="Wingdings" panose="05000000000000000000" pitchFamily="2" charset="2"/>
-              <a:buChar char="Ø"/>
-            </a:pPr>
-            <a:r>
-              <a:rPr lang="de-DE" sz="2400" dirty="0" smtClean="0">
-                <a:latin typeface="Arial" panose="020B0604020202020204" pitchFamily="34" charset="0"/>
-                <a:cs typeface="Arial" panose="020B0604020202020204" pitchFamily="34" charset="0"/>
-              </a:rPr>
-              <a:t>Bei der Gestaltung der Werbemittel sollte – wie durch die Befragten mehrmals bestätigt – darauf aufmerksam gemacht werden, dass mit Hilfe der Web-Anwendung „</a:t>
-            </a:r>
-            <a:r>
-              <a:rPr lang="de-DE" sz="2400" dirty="0" err="1" smtClean="0">
-                <a:latin typeface="Arial" panose="020B0604020202020204" pitchFamily="34" charset="0"/>
-                <a:cs typeface="Arial" panose="020B0604020202020204" pitchFamily="34" charset="0"/>
-              </a:rPr>
-              <a:t>GoHappy</a:t>
-            </a:r>
-            <a:r>
-              <a:rPr lang="de-DE" sz="2400" dirty="0" smtClean="0">
-                <a:latin typeface="Arial" panose="020B0604020202020204" pitchFamily="34" charset="0"/>
-                <a:cs typeface="Arial" panose="020B0604020202020204" pitchFamily="34" charset="0"/>
-              </a:rPr>
-              <a:t>“ ganz schnell eine Route für den Abend mit vielen </a:t>
-            </a:r>
-            <a:r>
-              <a:rPr lang="de-DE" sz="2400" dirty="0" err="1" smtClean="0">
-                <a:latin typeface="Arial" panose="020B0604020202020204" pitchFamily="34" charset="0"/>
-                <a:cs typeface="Arial" panose="020B0604020202020204" pitchFamily="34" charset="0"/>
-              </a:rPr>
-              <a:t>HappyHours</a:t>
-            </a:r>
-            <a:r>
-              <a:rPr lang="de-DE" sz="2400" dirty="0" smtClean="0">
-                <a:latin typeface="Arial" panose="020B0604020202020204" pitchFamily="34" charset="0"/>
-                <a:cs typeface="Arial" panose="020B0604020202020204" pitchFamily="34" charset="0"/>
-              </a:rPr>
-              <a:t> geplant werden kann</a:t>
-            </a:r>
-          </a:p>
-          <a:p>
-            <a:pPr>
-              <a:buFont typeface="Wingdings" panose="05000000000000000000" pitchFamily="2" charset="2"/>
-              <a:buChar char="Ø"/>
-            </a:pPr>
-            <a:endParaRPr lang="de-DE" sz="1600" dirty="0">
-              <a:latin typeface="Arial" panose="020B0604020202020204" pitchFamily="34" charset="0"/>
-              <a:cs typeface="Arial" panose="020B0604020202020204" pitchFamily="34" charset="0"/>
-            </a:endParaRPr>
-          </a:p>
-          <a:p>
-            <a:endParaRPr lang="de-DE" sz="1600" dirty="0">
-              <a:latin typeface="Arial" panose="020B0604020202020204" pitchFamily="34" charset="0"/>
-              <a:cs typeface="Arial" panose="020B0604020202020204" pitchFamily="34" charset="0"/>
-            </a:endParaRPr>
-          </a:p>
-          <a:p>
-            <a:endParaRPr lang="de-DE" sz="1600" dirty="0">
-              <a:latin typeface="Arial" panose="020B0604020202020204" pitchFamily="34" charset="0"/>
-              <a:cs typeface="Arial" panose="020B0604020202020204" pitchFamily="34" charset="0"/>
-            </a:endParaRPr>
-          </a:p>
-          <a:p>
-            <a:endParaRPr lang="de-DE" sz="1600" dirty="0">
-              <a:latin typeface="Arial" panose="020B0604020202020204" pitchFamily="34" charset="0"/>
-              <a:cs typeface="Arial" panose="020B0604020202020204" pitchFamily="34" charset="0"/>
-            </a:endParaRPr>
-          </a:p>
-          <a:p>
-            <a:pPr>
-              <a:spcBef>
-                <a:spcPts val="0"/>
-              </a:spcBef>
-              <a:defRPr/>
-            </a:pPr>
-            <a:endParaRPr lang="de-DE" sz="1600" dirty="0">
-              <a:latin typeface="Arial" panose="020B0604020202020204" pitchFamily="34" charset="0"/>
-              <a:cs typeface="Arial" panose="020B0604020202020204" pitchFamily="34" charset="0"/>
-            </a:endParaRPr>
-          </a:p>
-          <a:p>
-            <a:endParaRPr lang="de-DE" sz="1600" dirty="0">
-              <a:latin typeface="Arial" panose="020B0604020202020204" pitchFamily="34" charset="0"/>
-              <a:cs typeface="Arial" panose="020B0604020202020204" pitchFamily="34" charset="0"/>
-            </a:endParaRPr>
-          </a:p>
-          <a:p>
-            <a:pPr>
-              <a:spcBef>
-                <a:spcPts val="0"/>
-              </a:spcBef>
-              <a:defRPr/>
-            </a:pPr>
-            <a:endParaRPr lang="de-DE" sz="1600" dirty="0">
-              <a:latin typeface="Arial" panose="020B0604020202020204" pitchFamily="34" charset="0"/>
-              <a:cs typeface="Arial" panose="020B0604020202020204" pitchFamily="34" charset="0"/>
-            </a:endParaRPr>
-          </a:p>
-          <a:p>
-            <a:pPr>
-              <a:spcBef>
-                <a:spcPts val="0"/>
-              </a:spcBef>
-              <a:defRPr/>
-            </a:pPr>
-            <a:endParaRPr lang="de-DE" sz="1600" dirty="0">
-              <a:latin typeface="Arial" panose="020B0604020202020204" pitchFamily="34" charset="0"/>
-              <a:cs typeface="Arial" panose="020B0604020202020204" pitchFamily="34" charset="0"/>
-            </a:endParaRPr>
-          </a:p>
-          <a:p>
-            <a:pPr>
-              <a:spcBef>
-                <a:spcPts val="0"/>
-              </a:spcBef>
-              <a:defRPr/>
-            </a:pPr>
-            <a:endParaRPr lang="de-DE" sz="1600" dirty="0" smtClean="0">
-              <a:latin typeface="Arial" panose="020B0604020202020204" pitchFamily="34" charset="0"/>
-              <a:cs typeface="Arial" panose="020B0604020202020204" pitchFamily="34" charset="0"/>
-            </a:endParaRPr>
-          </a:p>
-          <a:p>
-            <a:pPr>
-              <a:spcBef>
-                <a:spcPts val="0"/>
-              </a:spcBef>
-              <a:defRPr/>
-            </a:pPr>
-            <a:endParaRPr lang="de-DE" sz="1600" dirty="0">
-              <a:latin typeface="Arial" panose="020B0604020202020204" pitchFamily="34" charset="0"/>
-              <a:cs typeface="Arial" panose="020B0604020202020204" pitchFamily="34" charset="0"/>
-            </a:endParaRPr>
-          </a:p>
-          <a:p>
-            <a:pPr>
-              <a:spcBef>
-                <a:spcPts val="0"/>
-              </a:spcBef>
-              <a:defRPr/>
-            </a:pPr>
-            <a:endParaRPr lang="de-DE" sz="1600" dirty="0" smtClean="0">
-              <a:latin typeface="Arial" panose="020B0604020202020204" pitchFamily="34" charset="0"/>
-              <a:cs typeface="Arial" panose="020B0604020202020204" pitchFamily="34" charset="0"/>
-            </a:endParaRPr>
-          </a:p>
-          <a:p>
-            <a:pPr>
-              <a:spcBef>
-                <a:spcPts val="0"/>
-              </a:spcBef>
-              <a:defRPr/>
-            </a:pPr>
-            <a:endParaRPr lang="de-DE" sz="1600" dirty="0">
-              <a:latin typeface="Arial" panose="020B0604020202020204" pitchFamily="34" charset="0"/>
-              <a:cs typeface="Arial" panose="020B0604020202020204" pitchFamily="34" charset="0"/>
-            </a:endParaRPr>
-          </a:p>
-          <a:p>
-            <a:pPr>
-              <a:spcBef>
-                <a:spcPts val="0"/>
-              </a:spcBef>
-              <a:defRPr/>
-            </a:pPr>
-            <a:endParaRPr lang="de-DE" sz="1600" dirty="0">
-              <a:latin typeface="Arial" panose="020B0604020202020204" pitchFamily="34" charset="0"/>
-              <a:cs typeface="Arial" panose="020B0604020202020204" pitchFamily="34" charset="0"/>
-            </a:endParaRPr>
-          </a:p>
-        </p:txBody>
-      </p:sp>
-      <p:sp>
-        <p:nvSpPr>
-          <p:cNvPr id="4" name="Foliennummernplatzhalter 3"/>
-          <p:cNvSpPr>
-            <a:spLocks noGrp="1"/>
-          </p:cNvSpPr>
-          <p:nvPr>
-            <p:ph type="sldNum" sz="quarter" idx="12"/>
-          </p:nvPr>
-        </p:nvSpPr>
-        <p:spPr/>
-        <p:txBody>
-          <a:bodyPr/>
-          <a:lstStyle/>
-          <a:p>
-            <a:fld id="{6C6AE60A-B69C-4790-82F7-3882EDF23186}" type="slidenum">
-              <a:rPr lang="de-DE" smtClean="0"/>
-              <a:t>21</a:t>
-            </a:fld>
-            <a:endParaRPr lang="de-DE"/>
-          </a:p>
-        </p:txBody>
-      </p:sp>
-      <p:sp>
-        <p:nvSpPr>
-          <p:cNvPr id="6" name="Titel 1"/>
-          <p:cNvSpPr>
-            <a:spLocks noGrp="1"/>
-          </p:cNvSpPr>
-          <p:nvPr>
-            <p:ph type="title"/>
-          </p:nvPr>
-        </p:nvSpPr>
-        <p:spPr>
-          <a:xfrm>
-            <a:off x="457200" y="274638"/>
-            <a:ext cx="8229600" cy="1143000"/>
-          </a:xfrm>
-        </p:spPr>
-        <p:txBody>
-          <a:bodyPr>
-            <a:normAutofit/>
-          </a:bodyPr>
-          <a:lstStyle/>
-          <a:p>
-            <a:pPr algn="l"/>
-            <a:r>
-              <a:rPr lang="de-DE" sz="2800" b="1" dirty="0" smtClean="0"/>
-              <a:t>4. Fazit</a:t>
-            </a:r>
-            <a:endParaRPr lang="de-DE" sz="2800" b="1" dirty="0"/>
-          </a:p>
-        </p:txBody>
-      </p:sp>
-    </p:spTree>
-    <p:extLst>
-      <p:ext uri="{BB962C8B-B14F-4D97-AF65-F5344CB8AC3E}">
-        <p14:creationId xmlns:p14="http://schemas.microsoft.com/office/powerpoint/2010/main" val="2964199789"/>
-      </p:ext>
-    </p:extLst>
-  </p:cSld>
-  <p:clrMapOvr>
-    <a:masterClrMapping/>
-  </p:clrMapOvr>
-  <p:timing>
-    <p:tnLst>
-      <p:par>
-        <p:cTn id="1" dur="indefinite" restart="never" nodeType="tmRoot"/>
-      </p:par>
-    </p:tnLst>
-  </p:timing>
-</p:sld>
-</file>
-
 <file path=ppt/slides/slide3.xml><?xml version="1.0" encoding="utf-8"?>
 <p:sld xmlns:a="http://schemas.openxmlformats.org/drawingml/2006/main" xmlns:r="http://schemas.openxmlformats.org/officeDocument/2006/relationships" xmlns:p="http://schemas.openxmlformats.org/presentationml/2006/main">
   <p:cSld>
@@ -9034,21 +7821,21 @@
               <a:buNone/>
             </a:pPr>
             <a:r>
-              <a:rPr lang="de-DE" sz="2600" b="1" dirty="0" smtClean="0">
+              <a:rPr lang="de-DE" sz="2400" b="1" dirty="0" smtClean="0">
                 <a:latin typeface="Arial" panose="020B0604020202020204" pitchFamily="34" charset="0"/>
                 <a:cs typeface="Arial" panose="020B0604020202020204" pitchFamily="34" charset="0"/>
               </a:rPr>
               <a:t>Marketing: </a:t>
             </a:r>
             <a:r>
-              <a:rPr lang="de-DE" sz="2600" dirty="0" smtClean="0">
+              <a:rPr lang="de-DE" sz="2400" dirty="0" smtClean="0">
                 <a:latin typeface="Arial" panose="020B0604020202020204" pitchFamily="34" charset="0"/>
                 <a:cs typeface="Arial" panose="020B0604020202020204" pitchFamily="34" charset="0"/>
               </a:rPr>
               <a:t/>
             </a:r>
             <a:br>
-              <a:rPr lang="de-DE" sz="2600" dirty="0" smtClean="0">
+              <a:rPr lang="de-DE" sz="2400" dirty="0" smtClean="0">
                 <a:latin typeface="Arial" panose="020B0604020202020204" pitchFamily="34" charset="0"/>
                 <a:cs typeface="Arial" panose="020B0604020202020204" pitchFamily="34" charset="0"/>
               </a:rPr>
@@ -9100,8 +7887,20 @@
                 <a:latin typeface="Arial" panose="020B0604020202020204" pitchFamily="34" charset="0"/>
                 <a:cs typeface="Arial" panose="020B0604020202020204" pitchFamily="34" charset="0"/>
               </a:rPr>
-              <a:t>erreichen.</a:t>
-            </a:r>
+              <a:t>erreichen</a:t>
+            </a:r>
+            <a:r>
+              <a:rPr lang="de-DE" sz="2400" dirty="0" smtClean="0">
+                <a:latin typeface="Arial" panose="020B0604020202020204" pitchFamily="34" charset="0"/>
+                <a:cs typeface="Arial" panose="020B0604020202020204" pitchFamily="34" charset="0"/>
+              </a:rPr>
+              <a:t>.</a:t>
+            </a:r>
+          </a:p>
+          <a:p>
+            <a:pPr marL="0" indent="0">
+              <a:buNone/>
+            </a:pPr>
             <a:endParaRPr lang="de-DE" sz="2400" dirty="0">
               <a:latin typeface="Arial" panose="020B0604020202020204" pitchFamily="34" charset="0"/>
               <a:cs typeface="Arial" panose="020B0604020202020204" pitchFamily="34" charset="0"/>
@@ -9112,21 +7911,21 @@
               <a:buNone/>
             </a:pPr>
             <a:r>
-              <a:rPr lang="de-DE" sz="2600" b="1" dirty="0" smtClean="0">
+              <a:rPr lang="de-DE" sz="2400" b="1" dirty="0" smtClean="0">
                 <a:latin typeface="Arial" panose="020B0604020202020204" pitchFamily="34" charset="0"/>
                 <a:cs typeface="Arial" panose="020B0604020202020204" pitchFamily="34" charset="0"/>
               </a:rPr>
               <a:t>Herausforderung: </a:t>
             </a:r>
             <a:r>
-              <a:rPr lang="de-DE" sz="2600" dirty="0" smtClean="0">
+              <a:rPr lang="de-DE" sz="2400" dirty="0" smtClean="0">
                 <a:latin typeface="Arial" panose="020B0604020202020204" pitchFamily="34" charset="0"/>
                 <a:cs typeface="Arial" panose="020B0604020202020204" pitchFamily="34" charset="0"/>
               </a:rPr>
               <a:t/>
             </a:r>
             <a:br>
-              <a:rPr lang="de-DE" sz="2600" dirty="0" smtClean="0">
+              <a:rPr lang="de-DE" sz="2400" dirty="0" smtClean="0">
                 <a:latin typeface="Arial" panose="020B0604020202020204" pitchFamily="34" charset="0"/>
                 <a:cs typeface="Arial" panose="020B0604020202020204" pitchFamily="34" charset="0"/>
               </a:rPr>
@@ -9136,7 +7935,14 @@
                 <a:latin typeface="Arial" panose="020B0604020202020204" pitchFamily="34" charset="0"/>
                 <a:cs typeface="Arial" panose="020B0604020202020204" pitchFamily="34" charset="0"/>
               </a:rPr>
-              <a:t>Marktveränderungen und Bedürfnisverschiebungen erkennen, um rechtzeitig Wettbewerbsvorteile aufzubauen. </a:t>
+              <a:t>Marktveränderungen und Bedürfnisverschiebungen erkennen, um rechtzeitig Wettbewerbsvorteile aufzubauen</a:t>
+            </a:r>
+            <a:r>
+              <a:rPr lang="de-DE" sz="2400" dirty="0" smtClean="0">
+                <a:latin typeface="Arial" panose="020B0604020202020204" pitchFamily="34" charset="0"/>
+                <a:cs typeface="Arial" panose="020B0604020202020204" pitchFamily="34" charset="0"/>
+              </a:rPr>
+              <a:t>.</a:t>
             </a:r>
           </a:p>
           <a:p>
@@ -9144,21 +7950,37 @@
               <a:buNone/>
             </a:pPr>
             <a:r>
-              <a:rPr lang="de-DE" sz="2600" b="1" dirty="0" smtClean="0">
+              <a:rPr lang="de-DE" sz="2400" dirty="0" smtClean="0">
+                <a:latin typeface="Arial" panose="020B0604020202020204" pitchFamily="34" charset="0"/>
+                <a:cs typeface="Arial" panose="020B0604020202020204" pitchFamily="34" charset="0"/>
+              </a:rPr>
+              <a:t> </a:t>
+            </a:r>
+            <a:endParaRPr lang="de-DE" sz="2400" dirty="0" smtClean="0">
+              <a:latin typeface="Arial" panose="020B0604020202020204" pitchFamily="34" charset="0"/>
+              <a:cs typeface="Arial" panose="020B0604020202020204" pitchFamily="34" charset="0"/>
+            </a:endParaRPr>
+          </a:p>
+          <a:p>
+            <a:pPr marL="0" indent="0">
+              <a:buNone/>
+            </a:pPr>
+            <a:r>
+              <a:rPr lang="de-DE" sz="2400" b="1" dirty="0" smtClean="0">
                 <a:latin typeface="Arial" panose="020B0604020202020204" pitchFamily="34" charset="0"/>
                 <a:cs typeface="Arial" panose="020B0604020202020204" pitchFamily="34" charset="0"/>
               </a:rPr>
               <a:t>Zentrale </a:t>
             </a:r>
             <a:r>
-              <a:rPr lang="de-DE" sz="2600" b="1" dirty="0">
+              <a:rPr lang="de-DE" sz="2400" b="1" dirty="0">
                 <a:latin typeface="Arial" panose="020B0604020202020204" pitchFamily="34" charset="0"/>
                 <a:cs typeface="Arial" panose="020B0604020202020204" pitchFamily="34" charset="0"/>
               </a:rPr>
               <a:t>Aufgabe des </a:t>
             </a:r>
             <a:r>
-              <a:rPr lang="de-DE" sz="2600" b="1" dirty="0" smtClean="0">
+              <a:rPr lang="de-DE" sz="2400" b="1" dirty="0" smtClean="0">
                 <a:latin typeface="Arial" panose="020B0604020202020204" pitchFamily="34" charset="0"/>
                 <a:cs typeface="Arial" panose="020B0604020202020204" pitchFamily="34" charset="0"/>
               </a:rPr>
@@ -9301,6 +8123,14 @@
   <p:clrMapOvr>
     <a:masterClrMapping/>
   </p:clrMapOvr>
+  <mc:AlternateContent xmlns:mc="http://schemas.openxmlformats.org/markup-compatibility/2006">
+    <mc:Choice xmlns:p14="http://schemas.microsoft.com/office/powerpoint/2010/main" Requires="p14">
+      <p:transition spd="slow" p14:dur="2000"/>
+    </mc:Choice>
+    <mc:Fallback>
+      <p:transition spd="slow"/>
+    </mc:Fallback>
+  </mc:AlternateContent>
   <p:timing>
     <p:tnLst>
       <p:par>
@@ -9347,20 +8177,20 @@
           <a:p>
             <a:pPr algn="l"/>
             <a:r>
-              <a:rPr lang="de-DE" sz="2800" b="1" dirty="0">
-                <a:latin typeface="Arial" panose="020B0604020202020204" pitchFamily="34" charset="0"/>
-                <a:cs typeface="Arial" panose="020B0604020202020204" pitchFamily="34" charset="0"/>
-              </a:rPr>
-              <a:t>2</a:t>
-            </a:r>
-            <a:r>
               <a:rPr lang="de-DE" sz="2800" b="1" dirty="0" smtClean="0">
                 <a:latin typeface="Arial" panose="020B0604020202020204" pitchFamily="34" charset="0"/>
                 <a:cs typeface="Arial" panose="020B0604020202020204" pitchFamily="34" charset="0"/>
               </a:rPr>
-              <a:t>. Theorie</a:t>
-            </a:r>
-            <a:endParaRPr lang="de-DE" sz="2800" dirty="0">
+              <a:t>2. </a:t>
+            </a:r>
+            <a:r>
+              <a:rPr lang="de-DE" sz="2800" b="1" dirty="0" smtClean="0">
+                <a:latin typeface="Arial" panose="020B0604020202020204" pitchFamily="34" charset="0"/>
+                <a:cs typeface="Arial" panose="020B0604020202020204" pitchFamily="34" charset="0"/>
+              </a:rPr>
+              <a:t>Theorie</a:t>
+            </a:r>
+            <a:endParaRPr lang="de-DE" sz="2000" dirty="0">
               <a:latin typeface="Arial" panose="020B0604020202020204" pitchFamily="34" charset="0"/>
               <a:cs typeface="Arial" panose="020B0604020202020204" pitchFamily="34" charset="0"/>
             </a:endParaRPr>
@@ -9369,7 +8199,7 @@
       </p:sp>
       <p:sp>
         <p:nvSpPr>
-          <p:cNvPr id="6" name="Inhaltsplatzhalter 5"/>
+          <p:cNvPr id="7" name="Inhaltsplatzhalter 6"/>
           <p:cNvSpPr>
             <a:spLocks noGrp="1"/>
           </p:cNvSpPr>
@@ -9386,74 +8216,71 @@
         </p:spPr>
         <p:txBody>
           <a:bodyPr>
-            <a:normAutofit/>
+            <a:noAutofit/>
           </a:bodyPr>
           <a:lstStyle/>
           <a:p>
-            <a:pPr marL="0" lvl="0" indent="0">
+            <a:pPr marL="0" indent="0">
               <a:buNone/>
             </a:pPr>
             <a:r>
-              <a:rPr lang="de-DE" sz="2800" b="1" dirty="0">
-                <a:latin typeface="Arial" panose="020B0604020202020204" pitchFamily="34" charset="0"/>
-                <a:cs typeface="Arial" panose="020B0604020202020204" pitchFamily="34" charset="0"/>
-              </a:rPr>
-              <a:t>Marketingstrategien</a:t>
-            </a:r>
-            <a:r>
-              <a:rPr lang="de-DE" sz="2800" dirty="0">
-                <a:latin typeface="Arial" panose="020B0604020202020204" pitchFamily="34" charset="0"/>
-                <a:cs typeface="Arial" panose="020B0604020202020204" pitchFamily="34" charset="0"/>
-              </a:rPr>
-              <a:t> mit Hilfe von Marketing-Instrumenten:  </a:t>
-            </a:r>
-          </a:p>
-          <a:p>
-            <a:pPr lvl="1"/>
-            <a:r>
-              <a:rPr lang="de-DE" dirty="0" smtClean="0">
-                <a:latin typeface="Arial" panose="020B0604020202020204" pitchFamily="34" charset="0"/>
-                <a:cs typeface="Arial" panose="020B0604020202020204" pitchFamily="34" charset="0"/>
-              </a:rPr>
-              <a:t>Produktpolitik</a:t>
-            </a:r>
-          </a:p>
-          <a:p>
-            <a:pPr lvl="1"/>
-            <a:r>
-              <a:rPr lang="de-DE" dirty="0" smtClean="0">
-                <a:latin typeface="Arial" panose="020B0604020202020204" pitchFamily="34" charset="0"/>
-                <a:cs typeface="Arial" panose="020B0604020202020204" pitchFamily="34" charset="0"/>
-              </a:rPr>
-              <a:t>Preispolitik</a:t>
-            </a:r>
-          </a:p>
-          <a:p>
-            <a:pPr lvl="1"/>
-            <a:r>
-              <a:rPr lang="de-DE" dirty="0" smtClean="0">
-                <a:latin typeface="Arial" panose="020B0604020202020204" pitchFamily="34" charset="0"/>
-                <a:cs typeface="Arial" panose="020B0604020202020204" pitchFamily="34" charset="0"/>
-              </a:rPr>
-              <a:t>Kommunikationspolitik</a:t>
-            </a:r>
-          </a:p>
-          <a:p>
-            <a:pPr lvl="1"/>
-            <a:r>
-              <a:rPr lang="de-DE" dirty="0" smtClean="0">
-                <a:latin typeface="Arial" panose="020B0604020202020204" pitchFamily="34" charset="0"/>
-                <a:cs typeface="Arial" panose="020B0604020202020204" pitchFamily="34" charset="0"/>
-              </a:rPr>
-              <a:t>Vertriebspolitik</a:t>
-            </a:r>
-          </a:p>
-          <a:p>
-            <a:pPr lvl="1"/>
-            <a:endParaRPr lang="de-DE" dirty="0" smtClean="0"/>
-          </a:p>
-          <a:p>
-            <a:endParaRPr lang="de-DE" dirty="0"/>
+              <a:rPr lang="de-DE" sz="2400" b="1" dirty="0" smtClean="0">
+                <a:latin typeface="Arial" panose="020B0604020202020204" pitchFamily="34" charset="0"/>
+                <a:cs typeface="Arial" panose="020B0604020202020204" pitchFamily="34" charset="0"/>
+              </a:rPr>
+              <a:t>Social Media:</a:t>
+            </a:r>
+          </a:p>
+          <a:p>
+            <a:pPr marL="0" indent="0">
+              <a:buNone/>
+            </a:pPr>
+            <a:r>
+              <a:rPr lang="de-DE" sz="2400" dirty="0">
+                <a:latin typeface="Arial" panose="020B0604020202020204" pitchFamily="34" charset="0"/>
+                <a:cs typeface="Arial" panose="020B0604020202020204" pitchFamily="34" charset="0"/>
+              </a:rPr>
+              <a:t>Social Media </a:t>
+            </a:r>
+            <a:r>
+              <a:rPr lang="de-DE" sz="2400" dirty="0" smtClean="0">
+                <a:latin typeface="Arial" panose="020B0604020202020204" pitchFamily="34" charset="0"/>
+                <a:cs typeface="Arial" panose="020B0604020202020204" pitchFamily="34" charset="0"/>
+              </a:rPr>
+              <a:t>bezeichnen </a:t>
+            </a:r>
+            <a:r>
+              <a:rPr lang="de-DE" sz="2400" dirty="0">
+                <a:latin typeface="Arial" panose="020B0604020202020204" pitchFamily="34" charset="0"/>
+                <a:cs typeface="Arial" panose="020B0604020202020204" pitchFamily="34" charset="0"/>
+              </a:rPr>
+              <a:t>digitale Medien und </a:t>
+            </a:r>
+            <a:r>
+              <a:rPr lang="de-DE" sz="2400" dirty="0" smtClean="0">
+                <a:latin typeface="Arial" panose="020B0604020202020204" pitchFamily="34" charset="0"/>
+                <a:cs typeface="Arial" panose="020B0604020202020204" pitchFamily="34" charset="0"/>
+              </a:rPr>
+              <a:t>Technologien, welche es den Nutzern </a:t>
+            </a:r>
+            <a:r>
+              <a:rPr lang="de-DE" sz="2400" dirty="0">
+                <a:latin typeface="Arial" panose="020B0604020202020204" pitchFamily="34" charset="0"/>
+                <a:cs typeface="Arial" panose="020B0604020202020204" pitchFamily="34" charset="0"/>
+              </a:rPr>
+              <a:t>ermöglichen, sich untereinander auszutauschen und mediale Inhalte einzeln oder in Gemeinschaft zu erstellen</a:t>
+            </a:r>
+            <a:r>
+              <a:rPr lang="de-DE" sz="2400" dirty="0" smtClean="0">
+                <a:latin typeface="Arial" panose="020B0604020202020204" pitchFamily="34" charset="0"/>
+                <a:cs typeface="Arial" panose="020B0604020202020204" pitchFamily="34" charset="0"/>
+              </a:rPr>
+              <a:t>. </a:t>
+            </a:r>
+            <a:endParaRPr lang="de-DE" sz="2400" dirty="0">
+              <a:latin typeface="Arial" panose="020B0604020202020204" pitchFamily="34" charset="0"/>
+              <a:cs typeface="Arial" panose="020B0604020202020204" pitchFamily="34" charset="0"/>
+            </a:endParaRPr>
           </a:p>
         </p:txBody>
       </p:sp>
@@ -9476,7 +8303,7 @@
               <a:rPr lang="de-DE" smtClean="0"/>
               <a:t>5</a:t>
             </a:fld>
-            <a:endParaRPr lang="de-DE"/>
+            <a:endParaRPr lang="de-DE" dirty="0"/>
           </a:p>
         </p:txBody>
       </p:sp>
@@ -9561,7 +8388,7 @@
     </p:spTree>
     <p:extLst>
       <p:ext uri="{BB962C8B-B14F-4D97-AF65-F5344CB8AC3E}">
-        <p14:creationId xmlns:p14="http://schemas.microsoft.com/office/powerpoint/2010/main" val="465360219"/>
+        <p14:creationId xmlns:p14="http://schemas.microsoft.com/office/powerpoint/2010/main" val="3615925546"/>
       </p:ext>
     </p:extLst>
   </p:cSld>
@@ -9614,20 +8441,20 @@
           <a:p>
             <a:pPr algn="l"/>
             <a:r>
-              <a:rPr lang="de-DE" sz="2800" b="1" dirty="0">
-                <a:latin typeface="Arial" panose="020B0604020202020204" pitchFamily="34" charset="0"/>
-                <a:cs typeface="Arial" panose="020B0604020202020204" pitchFamily="34" charset="0"/>
-              </a:rPr>
-              <a:t>2</a:t>
-            </a:r>
-            <a:r>
               <a:rPr lang="de-DE" sz="2800" b="1" dirty="0" smtClean="0">
                 <a:latin typeface="Arial" panose="020B0604020202020204" pitchFamily="34" charset="0"/>
                 <a:cs typeface="Arial" panose="020B0604020202020204" pitchFamily="34" charset="0"/>
               </a:rPr>
-              <a:t>. Theorie</a:t>
-            </a:r>
-            <a:endParaRPr lang="de-DE" sz="2800" dirty="0">
+              <a:t>2. </a:t>
+            </a:r>
+            <a:r>
+              <a:rPr lang="de-DE" sz="2800" b="1" dirty="0" smtClean="0">
+                <a:latin typeface="Arial" panose="020B0604020202020204" pitchFamily="34" charset="0"/>
+                <a:cs typeface="Arial" panose="020B0604020202020204" pitchFamily="34" charset="0"/>
+              </a:rPr>
+              <a:t>Theorie</a:t>
+            </a:r>
+            <a:endParaRPr lang="de-DE" sz="2000" dirty="0">
               <a:latin typeface="Arial" panose="020B0604020202020204" pitchFamily="34" charset="0"/>
               <a:cs typeface="Arial" panose="020B0604020202020204" pitchFamily="34" charset="0"/>
             </a:endParaRPr>
@@ -9636,7 +8463,7 @@
       </p:sp>
       <p:sp>
         <p:nvSpPr>
-          <p:cNvPr id="6" name="Inhaltsplatzhalter 5"/>
+          <p:cNvPr id="7" name="Inhaltsplatzhalter 6"/>
           <p:cNvSpPr>
             <a:spLocks noGrp="1"/>
           </p:cNvSpPr>
@@ -9653,43 +8480,218 @@
         </p:spPr>
         <p:txBody>
           <a:bodyPr>
-            <a:normAutofit/>
+            <a:noAutofit/>
           </a:bodyPr>
           <a:lstStyle/>
           <a:p>
-            <a:pPr marL="57150" indent="0">
+            <a:pPr marL="0" indent="0">
               <a:buNone/>
             </a:pPr>
             <a:r>
-              <a:rPr lang="de-DE" b="1" dirty="0" smtClean="0"/>
-              <a:t>Produktpolitik</a:t>
-            </a:r>
-            <a:r>
-              <a:rPr lang="de-DE" dirty="0"/>
-              <a:t>: </a:t>
-            </a:r>
-            <a:endParaRPr lang="de-DE" dirty="0" smtClean="0"/>
-          </a:p>
-          <a:p>
-            <a:pPr lvl="1"/>
-            <a:r>
-              <a:rPr lang="de-DE" dirty="0" smtClean="0"/>
-              <a:t>Entscheidungen</a:t>
-            </a:r>
-            <a:r>
-              <a:rPr lang="de-DE" dirty="0"/>
-              <a:t>, die die Gestaltung des Leistungsprogramms eines Unternehmens betreffen. </a:t>
-            </a:r>
-          </a:p>
-          <a:p>
-            <a:pPr lvl="1"/>
-            <a:r>
-              <a:rPr lang="de-DE" dirty="0"/>
-              <a:t>z.B. die Analyse, Planung und Umsetzung von Produktveränderungen und Serviceleistungen, die Markenpolitik, Namensgebung sowie die Verpackungsgestaltung.</a:t>
-            </a:r>
-          </a:p>
-          <a:p>
-            <a:endParaRPr lang="de-DE" dirty="0"/>
+              <a:rPr lang="de-DE" sz="2400" b="1" dirty="0" smtClean="0">
+                <a:latin typeface="Arial" panose="020B0604020202020204" pitchFamily="34" charset="0"/>
+                <a:cs typeface="Arial" panose="020B0604020202020204" pitchFamily="34" charset="0"/>
+              </a:rPr>
+              <a:t>Social Media:</a:t>
+            </a:r>
+          </a:p>
+          <a:p>
+            <a:pPr marL="0" indent="0">
+              <a:buNone/>
+            </a:pPr>
+            <a:r>
+              <a:rPr lang="de-DE" sz="2400" dirty="0" smtClean="0">
+                <a:latin typeface="Arial" panose="020B0604020202020204" pitchFamily="34" charset="0"/>
+                <a:cs typeface="Arial" panose="020B0604020202020204" pitchFamily="34" charset="0"/>
+              </a:rPr>
+              <a:t>Unterteilung in verschiedene Gebiete möglich: </a:t>
+            </a:r>
+          </a:p>
+          <a:p>
+            <a:pPr>
+              <a:buFont typeface="Symbol" panose="05050102010706020507" pitchFamily="18" charset="2"/>
+              <a:buChar char="-"/>
+            </a:pPr>
+            <a:r>
+              <a:rPr lang="de-DE" sz="2400" dirty="0" smtClean="0">
+                <a:latin typeface="Arial" panose="020B0604020202020204" pitchFamily="34" charset="0"/>
+                <a:cs typeface="Arial" panose="020B0604020202020204" pitchFamily="34" charset="0"/>
+              </a:rPr>
+              <a:t>Wissensvermittlung (Blog</a:t>
+            </a:r>
+            <a:r>
+              <a:rPr lang="de-DE" sz="2400" dirty="0">
+                <a:latin typeface="Arial" panose="020B0604020202020204" pitchFamily="34" charset="0"/>
+                <a:cs typeface="Arial" panose="020B0604020202020204" pitchFamily="34" charset="0"/>
+              </a:rPr>
+              <a:t>, </a:t>
+            </a:r>
+            <a:r>
+              <a:rPr lang="de-DE" sz="2400" dirty="0" smtClean="0">
+                <a:latin typeface="Arial" panose="020B0604020202020204" pitchFamily="34" charset="0"/>
+                <a:cs typeface="Arial" panose="020B0604020202020204" pitchFamily="34" charset="0"/>
+              </a:rPr>
+              <a:t>Wiki)</a:t>
+            </a:r>
+          </a:p>
+          <a:p>
+            <a:pPr>
+              <a:buFont typeface="Symbol" panose="05050102010706020507" pitchFamily="18" charset="2"/>
+              <a:buChar char="-"/>
+            </a:pPr>
+            <a:r>
+              <a:rPr lang="de-DE" sz="2400" dirty="0" smtClean="0">
+                <a:latin typeface="Arial" panose="020B0604020202020204" pitchFamily="34" charset="0"/>
+                <a:cs typeface="Arial" panose="020B0604020202020204" pitchFamily="34" charset="0"/>
+              </a:rPr>
+              <a:t>Kommunikation und Dialog (soziale </a:t>
+            </a:r>
+            <a:r>
+              <a:rPr lang="de-DE" sz="2400" dirty="0">
+                <a:latin typeface="Arial" panose="020B0604020202020204" pitchFamily="34" charset="0"/>
+                <a:cs typeface="Arial" panose="020B0604020202020204" pitchFamily="34" charset="0"/>
+              </a:rPr>
+              <a:t>Netzwerke, </a:t>
+            </a:r>
+            <a:r>
+              <a:rPr lang="de-DE" sz="2400" dirty="0" err="1">
+                <a:latin typeface="Arial" panose="020B0604020202020204" pitchFamily="34" charset="0"/>
+                <a:cs typeface="Arial" panose="020B0604020202020204" pitchFamily="34" charset="0"/>
+              </a:rPr>
+              <a:t>Microblog</a:t>
+            </a:r>
+            <a:r>
+              <a:rPr lang="de-DE" sz="2400" dirty="0">
+                <a:latin typeface="Arial" panose="020B0604020202020204" pitchFamily="34" charset="0"/>
+                <a:cs typeface="Arial" panose="020B0604020202020204" pitchFamily="34" charset="0"/>
+              </a:rPr>
+              <a:t>, </a:t>
+            </a:r>
+            <a:r>
+              <a:rPr lang="de-DE" sz="2400" dirty="0" smtClean="0">
+                <a:latin typeface="Arial" panose="020B0604020202020204" pitchFamily="34" charset="0"/>
+                <a:cs typeface="Arial" panose="020B0604020202020204" pitchFamily="34" charset="0"/>
+              </a:rPr>
+              <a:t>Video-Sharing)</a:t>
+            </a:r>
+          </a:p>
+          <a:p>
+            <a:pPr>
+              <a:buFont typeface="Symbol" panose="05050102010706020507" pitchFamily="18" charset="2"/>
+              <a:buChar char="-"/>
+            </a:pPr>
+            <a:r>
+              <a:rPr lang="de-DE" sz="2400" dirty="0">
+                <a:latin typeface="Arial" panose="020B0604020202020204" pitchFamily="34" charset="0"/>
+                <a:cs typeface="Arial" panose="020B0604020202020204" pitchFamily="34" charset="0"/>
+              </a:rPr>
+              <a:t>Service und </a:t>
+            </a:r>
+            <a:r>
+              <a:rPr lang="de-DE" sz="2400" dirty="0" smtClean="0">
+                <a:latin typeface="Arial" panose="020B0604020202020204" pitchFamily="34" charset="0"/>
+                <a:cs typeface="Arial" panose="020B0604020202020204" pitchFamily="34" charset="0"/>
+              </a:rPr>
+              <a:t>Dialog (Forum</a:t>
+            </a:r>
+            <a:r>
+              <a:rPr lang="de-DE" sz="2400" dirty="0">
+                <a:latin typeface="Arial" panose="020B0604020202020204" pitchFamily="34" charset="0"/>
+                <a:cs typeface="Arial" panose="020B0604020202020204" pitchFamily="34" charset="0"/>
+              </a:rPr>
+              <a:t>, Instant </a:t>
+            </a:r>
+            <a:r>
+              <a:rPr lang="de-DE" sz="2400" dirty="0" smtClean="0">
+                <a:latin typeface="Arial" panose="020B0604020202020204" pitchFamily="34" charset="0"/>
+                <a:cs typeface="Arial" panose="020B0604020202020204" pitchFamily="34" charset="0"/>
+              </a:rPr>
+              <a:t>Messaging)</a:t>
+            </a:r>
+          </a:p>
+          <a:p>
+            <a:pPr>
+              <a:buFont typeface="Symbol" panose="05050102010706020507" pitchFamily="18" charset="2"/>
+              <a:buChar char="-"/>
+            </a:pPr>
+            <a:r>
+              <a:rPr lang="de-DE" sz="2400" dirty="0" smtClean="0">
+                <a:latin typeface="Arial" panose="020B0604020202020204" pitchFamily="34" charset="0"/>
+                <a:cs typeface="Arial" panose="020B0604020202020204" pitchFamily="34" charset="0"/>
+              </a:rPr>
+              <a:t>Kundennähe (soziale Netzwerke</a:t>
+            </a:r>
+            <a:r>
+              <a:rPr lang="de-DE" sz="2400" dirty="0">
+                <a:latin typeface="Arial" panose="020B0604020202020204" pitchFamily="34" charset="0"/>
+                <a:cs typeface="Arial" panose="020B0604020202020204" pitchFamily="34" charset="0"/>
+              </a:rPr>
+              <a:t>, </a:t>
+            </a:r>
+            <a:r>
+              <a:rPr lang="de-DE" sz="2400" dirty="0" err="1">
+                <a:latin typeface="Arial" panose="020B0604020202020204" pitchFamily="34" charset="0"/>
+                <a:cs typeface="Arial" panose="020B0604020202020204" pitchFamily="34" charset="0"/>
+              </a:rPr>
+              <a:t>Microblog</a:t>
+            </a:r>
+            <a:r>
+              <a:rPr lang="de-DE" sz="2400" dirty="0">
+                <a:latin typeface="Arial" panose="020B0604020202020204" pitchFamily="34" charset="0"/>
+                <a:cs typeface="Arial" panose="020B0604020202020204" pitchFamily="34" charset="0"/>
+              </a:rPr>
+              <a:t>, </a:t>
+            </a:r>
+            <a:r>
+              <a:rPr lang="de-DE" sz="2400" dirty="0" smtClean="0">
+                <a:latin typeface="Arial" panose="020B0604020202020204" pitchFamily="34" charset="0"/>
+                <a:cs typeface="Arial" panose="020B0604020202020204" pitchFamily="34" charset="0"/>
+              </a:rPr>
+              <a:t>Video-</a:t>
+            </a:r>
+            <a:r>
+              <a:rPr lang="de-DE" sz="2400" dirty="0">
+                <a:latin typeface="Arial" panose="020B0604020202020204" pitchFamily="34" charset="0"/>
+                <a:cs typeface="Arial" panose="020B0604020202020204" pitchFamily="34" charset="0"/>
+              </a:rPr>
+              <a:t>/Foto-Sharing, </a:t>
+            </a:r>
+            <a:r>
+              <a:rPr lang="de-DE" sz="2400" dirty="0" smtClean="0">
+                <a:latin typeface="Arial" panose="020B0604020202020204" pitchFamily="34" charset="0"/>
+                <a:cs typeface="Arial" panose="020B0604020202020204" pitchFamily="34" charset="0"/>
+              </a:rPr>
+              <a:t>Bewertungsportale)</a:t>
+            </a:r>
+          </a:p>
+          <a:p>
+            <a:pPr marL="0" indent="0">
+              <a:buNone/>
+            </a:pPr>
+            <a:r>
+              <a:rPr lang="de-DE" sz="2400" dirty="0" smtClean="0">
+                <a:latin typeface="Arial" panose="020B0604020202020204" pitchFamily="34" charset="0"/>
+                <a:cs typeface="Arial" panose="020B0604020202020204" pitchFamily="34" charset="0"/>
+                <a:sym typeface="Wingdings" panose="05000000000000000000" pitchFamily="2" charset="2"/>
+              </a:rPr>
+              <a:t> </a:t>
+            </a:r>
+            <a:r>
+              <a:rPr lang="de-DE" sz="2400" dirty="0">
+                <a:latin typeface="Arial" panose="020B0604020202020204" pitchFamily="34" charset="0"/>
+                <a:cs typeface="Arial" panose="020B0604020202020204" pitchFamily="34" charset="0"/>
+              </a:rPr>
+              <a:t>Wichtigste Frage: Wo ist die Zielgruppe? Dort geht es hin!</a:t>
+            </a:r>
+          </a:p>
+          <a:p>
+            <a:pPr marL="0" indent="0">
+              <a:buNone/>
+            </a:pPr>
+            <a:endParaRPr lang="de-DE" sz="2400" dirty="0" smtClean="0">
+              <a:latin typeface="Arial" panose="020B0604020202020204" pitchFamily="34" charset="0"/>
+              <a:cs typeface="Arial" panose="020B0604020202020204" pitchFamily="34" charset="0"/>
+            </a:endParaRPr>
           </a:p>
         </p:txBody>
       </p:sp>
@@ -9712,7 +8714,7 @@
               <a:rPr lang="de-DE" smtClean="0"/>
               <a:t>6</a:t>
             </a:fld>
-            <a:endParaRPr lang="de-DE"/>
+            <a:endParaRPr lang="de-DE" dirty="0"/>
           </a:p>
         </p:txBody>
       </p:sp>
@@ -9797,7 +8799,7 @@
     </p:spTree>
     <p:extLst>
       <p:ext uri="{BB962C8B-B14F-4D97-AF65-F5344CB8AC3E}">
-        <p14:creationId xmlns:p14="http://schemas.microsoft.com/office/powerpoint/2010/main" val="3537560793"/>
+        <p14:creationId xmlns:p14="http://schemas.microsoft.com/office/powerpoint/2010/main" val="1615246086"/>
       </p:ext>
     </p:extLst>
   </p:cSld>
@@ -9850,20 +8852,20 @@
           <a:p>
             <a:pPr algn="l"/>
             <a:r>
-              <a:rPr lang="de-DE" sz="2800" b="1" dirty="0">
-                <a:latin typeface="Arial" panose="020B0604020202020204" pitchFamily="34" charset="0"/>
-                <a:cs typeface="Arial" panose="020B0604020202020204" pitchFamily="34" charset="0"/>
-              </a:rPr>
-              <a:t>2</a:t>
-            </a:r>
-            <a:r>
               <a:rPr lang="de-DE" sz="2800" b="1" dirty="0" smtClean="0">
                 <a:latin typeface="Arial" panose="020B0604020202020204" pitchFamily="34" charset="0"/>
                 <a:cs typeface="Arial" panose="020B0604020202020204" pitchFamily="34" charset="0"/>
               </a:rPr>
-              <a:t>. Theorie</a:t>
-            </a:r>
-            <a:endParaRPr lang="de-DE" sz="2800" dirty="0">
+              <a:t>2. </a:t>
+            </a:r>
+            <a:r>
+              <a:rPr lang="de-DE" sz="2800" b="1" dirty="0" smtClean="0">
+                <a:latin typeface="Arial" panose="020B0604020202020204" pitchFamily="34" charset="0"/>
+                <a:cs typeface="Arial" panose="020B0604020202020204" pitchFamily="34" charset="0"/>
+              </a:rPr>
+              <a:t>Theorie</a:t>
+            </a:r>
+            <a:endParaRPr lang="de-DE" sz="2000" dirty="0">
               <a:latin typeface="Arial" panose="020B0604020202020204" pitchFamily="34" charset="0"/>
               <a:cs typeface="Arial" panose="020B0604020202020204" pitchFamily="34" charset="0"/>
             </a:endParaRPr>
@@ -9872,7 +8874,7 @@
       </p:sp>
       <p:sp>
         <p:nvSpPr>
-          <p:cNvPr id="6" name="Inhaltsplatzhalter 5"/>
+          <p:cNvPr id="7" name="Inhaltsplatzhalter 6"/>
           <p:cNvSpPr>
             <a:spLocks noGrp="1"/>
           </p:cNvSpPr>
@@ -9888,60 +8890,60 @@
           </a:ln>
         </p:spPr>
         <p:txBody>
+          <a:bodyPr>
+            <a:noAutofit/>
+          </a:bodyPr>
+          <a:lstStyle/>
+          <a:p>
+            <a:pPr marL="0" indent="0">
+              <a:buNone/>
+            </a:pPr>
+            <a:r>
+              <a:rPr lang="de-DE" sz="2400" b="1" dirty="0" smtClean="0">
+                <a:latin typeface="Arial" panose="020B0604020202020204" pitchFamily="34" charset="0"/>
+                <a:cs typeface="Arial" panose="020B0604020202020204" pitchFamily="34" charset="0"/>
+              </a:rPr>
+              <a:t>Social Media:</a:t>
+            </a:r>
+          </a:p>
+          <a:p>
+            <a:pPr marL="0" indent="0">
+              <a:buNone/>
+            </a:pPr>
+            <a:r>
+              <a:rPr lang="de-DE" sz="2400" dirty="0">
+                <a:latin typeface="Arial" panose="020B0604020202020204" pitchFamily="34" charset="0"/>
+                <a:cs typeface="Arial" panose="020B0604020202020204" pitchFamily="34" charset="0"/>
+              </a:rPr>
+              <a:t>Social Media wirkt gegen das Sender-Empfänger-Prinzip und minimiert bzw. eliminiert so das bisherige Gefälle, welches eher zugunsten des Senders bestand. </a:t>
+            </a:r>
+            <a:endParaRPr lang="de-DE" sz="2400" dirty="0" smtClean="0">
+              <a:latin typeface="Arial" panose="020B0604020202020204" pitchFamily="34" charset="0"/>
+              <a:cs typeface="Arial" panose="020B0604020202020204" pitchFamily="34" charset="0"/>
+            </a:endParaRPr>
+          </a:p>
+        </p:txBody>
+      </p:sp>
+      <p:sp>
+        <p:nvSpPr>
+          <p:cNvPr id="13" name="Foliennummernplatzhalter 12"/>
+          <p:cNvSpPr>
+            <a:spLocks noGrp="1"/>
+          </p:cNvSpPr>
+          <p:nvPr>
+            <p:ph type="sldNum" sz="quarter" idx="12"/>
+          </p:nvPr>
+        </p:nvSpPr>
+        <p:spPr/>
+        <p:txBody>
           <a:bodyPr/>
           <a:lstStyle/>
           <a:p>
-            <a:pPr marL="57150" indent="0">
-              <a:buNone/>
-            </a:pPr>
-            <a:r>
-              <a:rPr lang="de-DE" b="1" dirty="0"/>
-              <a:t>Preispolitik</a:t>
-            </a:r>
-            <a:r>
-              <a:rPr lang="de-DE" dirty="0"/>
-              <a:t>: </a:t>
-            </a:r>
-          </a:p>
-          <a:p>
-            <a:pPr lvl="1"/>
-            <a:r>
-              <a:rPr lang="de-DE" dirty="0"/>
-              <a:t>Konditionen zu denen Produkte und Leistungen angeboten werden</a:t>
-            </a:r>
-          </a:p>
-          <a:p>
-            <a:pPr lvl="1"/>
-            <a:r>
-              <a:rPr lang="de-DE" dirty="0"/>
-              <a:t>Entscheidungsparameter sind z.B. der Grundpreis, Rabatte, Boni und Skonti.</a:t>
-            </a:r>
-          </a:p>
-          <a:p>
-            <a:endParaRPr lang="de-DE" dirty="0"/>
-          </a:p>
-        </p:txBody>
-      </p:sp>
-      <p:sp>
-        <p:nvSpPr>
-          <p:cNvPr id="13" name="Foliennummernplatzhalter 12"/>
-          <p:cNvSpPr>
-            <a:spLocks noGrp="1"/>
-          </p:cNvSpPr>
-          <p:nvPr>
-            <p:ph type="sldNum" sz="quarter" idx="12"/>
-          </p:nvPr>
-        </p:nvSpPr>
-        <p:spPr/>
-        <p:txBody>
-          <a:bodyPr/>
-          <a:lstStyle/>
-          <a:p>
             <a:fld id="{6C6AE60A-B69C-4790-82F7-3882EDF23186}" type="slidenum">
               <a:rPr lang="de-DE" smtClean="0"/>
               <a:t>7</a:t>
             </a:fld>
-            <a:endParaRPr lang="de-DE"/>
+            <a:endParaRPr lang="de-DE" dirty="0"/>
           </a:p>
         </p:txBody>
       </p:sp>
@@ -10023,34 +9025,10 @@
           </a:p>
         </p:txBody>
       </p:sp>
-      <p:graphicFrame>
-        <p:nvGraphicFramePr>
-          <p:cNvPr id="11" name="Diagramm 10"/>
-          <p:cNvGraphicFramePr>
-            <a:graphicFrameLocks/>
-          </p:cNvGraphicFramePr>
-          <p:nvPr>
-            <p:extLst>
-              <p:ext uri="{D42A27DB-BD31-4B8C-83A1-F6EECF244321}">
-                <p14:modId xmlns:p14="http://schemas.microsoft.com/office/powerpoint/2010/main" val="3164734162"/>
-              </p:ext>
-            </p:extLst>
-          </p:nvPr>
-        </p:nvGraphicFramePr>
-        <p:xfrm>
-          <a:off x="0" y="3166492"/>
-          <a:ext cx="4571999" cy="3024336"/>
-        </p:xfrm>
-        <a:graphic>
-          <a:graphicData uri="http://schemas.openxmlformats.org/drawingml/2006/chart">
-            <c:chart xmlns:c="http://schemas.openxmlformats.org/drawingml/2006/chart" xmlns:r="http://schemas.openxmlformats.org/officeDocument/2006/relationships" r:id="rId2"/>
-          </a:graphicData>
-        </a:graphic>
-      </p:graphicFrame>
     </p:spTree>
     <p:extLst>
       <p:ext uri="{BB962C8B-B14F-4D97-AF65-F5344CB8AC3E}">
-        <p14:creationId xmlns:p14="http://schemas.microsoft.com/office/powerpoint/2010/main" val="1840117674"/>
+        <p14:creationId xmlns:p14="http://schemas.microsoft.com/office/powerpoint/2010/main" val="187237658"/>
       </p:ext>
     </p:extLst>
   </p:cSld>
@@ -10107,9 +9085,16 @@
                 <a:latin typeface="Arial" panose="020B0604020202020204" pitchFamily="34" charset="0"/>
                 <a:cs typeface="Arial" panose="020B0604020202020204" pitchFamily="34" charset="0"/>
               </a:rPr>
-              <a:t>2. Theorie</a:t>
-            </a:r>
-            <a:endParaRPr lang="de-DE" sz="2800" dirty="0">
+              <a:t>2. </a:t>
+            </a:r>
+            <a:r>
+              <a:rPr lang="de-DE" sz="2800" b="1" dirty="0" smtClean="0">
+                <a:latin typeface="Arial" panose="020B0604020202020204" pitchFamily="34" charset="0"/>
+                <a:cs typeface="Arial" panose="020B0604020202020204" pitchFamily="34" charset="0"/>
+              </a:rPr>
+              <a:t>Theorie</a:t>
+            </a:r>
+            <a:endParaRPr lang="de-DE" sz="2000" dirty="0">
               <a:latin typeface="Arial" panose="020B0604020202020204" pitchFamily="34" charset="0"/>
               <a:cs typeface="Arial" panose="020B0604020202020204" pitchFamily="34" charset="0"/>
             </a:endParaRPr>
@@ -10118,7 +9103,7 @@
       </p:sp>
       <p:sp>
         <p:nvSpPr>
-          <p:cNvPr id="6" name="Inhaltsplatzhalter 5"/>
+          <p:cNvPr id="7" name="Inhaltsplatzhalter 6"/>
           <p:cNvSpPr>
             <a:spLocks noGrp="1"/>
           </p:cNvSpPr>
@@ -10135,56 +9120,148 @@
         </p:spPr>
         <p:txBody>
           <a:bodyPr>
-            <a:normAutofit/>
+            <a:noAutofit/>
           </a:bodyPr>
           <a:lstStyle/>
           <a:p>
-            <a:pPr marL="57150" indent="0">
+            <a:pPr marL="0" indent="0">
               <a:buNone/>
             </a:pPr>
             <a:r>
-              <a:rPr lang="de-DE" b="1" dirty="0"/>
-              <a:t>Kommunikationspolitik:  </a:t>
-            </a:r>
-            <a:endParaRPr lang="de-DE" dirty="0"/>
-          </a:p>
-          <a:p>
-            <a:pPr lvl="1"/>
-            <a:r>
-              <a:rPr lang="de-DE" dirty="0"/>
-              <a:t>alle Maßnahmen, die der Kommunikation zwischen Unternehmen und ihren aktuellen und potenziellen Kunden, Mitarbeitern und Bezugsgruppen dienen.</a:t>
-            </a:r>
-          </a:p>
-          <a:p>
-            <a:pPr lvl="1"/>
-            <a:r>
-              <a:rPr lang="de-DE" dirty="0" smtClean="0"/>
-              <a:t>Kommunikationsinstrumente </a:t>
-            </a:r>
-            <a:r>
-              <a:rPr lang="de-DE" dirty="0"/>
-              <a:t>der klassischen </a:t>
-            </a:r>
-            <a:r>
-              <a:rPr lang="de-DE" dirty="0" smtClean="0"/>
-              <a:t>Mediawerbung:</a:t>
-            </a:r>
-            <a:r>
-              <a:rPr lang="de-DE" dirty="0"/>
-              <a:t> </a:t>
-            </a:r>
-            <a:r>
-              <a:rPr lang="de-DE" dirty="0" err="1"/>
-              <a:t>Direct</a:t>
-            </a:r>
-            <a:r>
-              <a:rPr lang="de-DE" dirty="0"/>
-              <a:t> Marketing, Verkaufsförderung, Sponsoring, Public Relations, Messen und Events eingesetzt.</a:t>
-            </a:r>
-          </a:p>
-          <a:p>
-            <a:pPr lvl="2"/>
-            <a:endParaRPr lang="de-DE" dirty="0"/>
+              <a:rPr lang="de-DE" sz="2400" b="1" dirty="0" smtClean="0">
+                <a:latin typeface="Arial" panose="020B0604020202020204" pitchFamily="34" charset="0"/>
+                <a:cs typeface="Arial" panose="020B0604020202020204" pitchFamily="34" charset="0"/>
+              </a:rPr>
+              <a:t>Social Media Marketing (SMM):</a:t>
+            </a:r>
+          </a:p>
+          <a:p>
+            <a:pPr marL="0" indent="0">
+              <a:buNone/>
+            </a:pPr>
+            <a:r>
+              <a:rPr lang="de-DE" sz="2400" dirty="0">
+                <a:latin typeface="Arial" panose="020B0604020202020204" pitchFamily="34" charset="0"/>
+                <a:cs typeface="Arial" panose="020B0604020202020204" pitchFamily="34" charset="0"/>
+              </a:rPr>
+              <a:t>Social Media Marketing ist eine Form des Onlinemarketings, bei dem soziale Medien für die eigenen Zwecke genutzt werden. </a:t>
+            </a:r>
+            <a:endParaRPr lang="de-DE" sz="2400" dirty="0" smtClean="0">
+              <a:latin typeface="Arial" panose="020B0604020202020204" pitchFamily="34" charset="0"/>
+              <a:cs typeface="Arial" panose="020B0604020202020204" pitchFamily="34" charset="0"/>
+            </a:endParaRPr>
+          </a:p>
+          <a:p>
+            <a:pPr marL="0" indent="0">
+              <a:buNone/>
+            </a:pPr>
+            <a:r>
+              <a:rPr lang="de-DE" sz="2400" dirty="0" smtClean="0">
+                <a:latin typeface="Arial" panose="020B0604020202020204" pitchFamily="34" charset="0"/>
+                <a:cs typeface="Arial" panose="020B0604020202020204" pitchFamily="34" charset="0"/>
+              </a:rPr>
+              <a:t>Zu beachten</a:t>
+            </a:r>
+            <a:r>
+              <a:rPr lang="de-DE" sz="2400" dirty="0">
+                <a:latin typeface="Arial" panose="020B0604020202020204" pitchFamily="34" charset="0"/>
+                <a:cs typeface="Arial" panose="020B0604020202020204" pitchFamily="34" charset="0"/>
+              </a:rPr>
+              <a:t>:</a:t>
+            </a:r>
+          </a:p>
+          <a:p>
+            <a:pPr>
+              <a:buFont typeface="Symbol" panose="05050102010706020507" pitchFamily="18" charset="2"/>
+              <a:buChar char="-"/>
+            </a:pPr>
+            <a:r>
+              <a:rPr lang="de-DE" sz="2400" i="1" dirty="0" smtClean="0">
+                <a:latin typeface="Arial" panose="020B0604020202020204" pitchFamily="34" charset="0"/>
+                <a:cs typeface="Arial" panose="020B0604020202020204" pitchFamily="34" charset="0"/>
+              </a:rPr>
+              <a:t>Entweder machen </a:t>
+            </a:r>
+            <a:r>
+              <a:rPr lang="de-DE" sz="2400" i="1" dirty="0">
+                <a:latin typeface="Arial" panose="020B0604020202020204" pitchFamily="34" charset="0"/>
+                <a:cs typeface="Arial" panose="020B0604020202020204" pitchFamily="34" charset="0"/>
+              </a:rPr>
+              <a:t>oder </a:t>
+            </a:r>
+            <a:r>
+              <a:rPr lang="de-DE" sz="2400" i="1" dirty="0" smtClean="0">
+                <a:latin typeface="Arial" panose="020B0604020202020204" pitchFamily="34" charset="0"/>
+                <a:cs typeface="Arial" panose="020B0604020202020204" pitchFamily="34" charset="0"/>
+              </a:rPr>
+              <a:t>lassen. </a:t>
+            </a:r>
+            <a:r>
+              <a:rPr lang="de-DE" sz="2400" dirty="0" smtClean="0">
+                <a:latin typeface="Arial" panose="020B0604020202020204" pitchFamily="34" charset="0"/>
+                <a:cs typeface="Arial" panose="020B0604020202020204" pitchFamily="34" charset="0"/>
+              </a:rPr>
+              <a:t>Es gibt nichts dazwischen.</a:t>
+            </a:r>
+            <a:endParaRPr lang="de-DE" sz="2400" dirty="0">
+              <a:latin typeface="Arial" panose="020B0604020202020204" pitchFamily="34" charset="0"/>
+              <a:cs typeface="Arial" panose="020B0604020202020204" pitchFamily="34" charset="0"/>
+            </a:endParaRPr>
+          </a:p>
+          <a:p>
+            <a:pPr>
+              <a:buFont typeface="Symbol" panose="05050102010706020507" pitchFamily="18" charset="2"/>
+              <a:buChar char="-"/>
+            </a:pPr>
+            <a:r>
+              <a:rPr lang="de-DE" sz="2400" i="1" dirty="0" smtClean="0">
+                <a:latin typeface="Arial" panose="020B0604020202020204" pitchFamily="34" charset="0"/>
+                <a:cs typeface="Arial" panose="020B0604020202020204" pitchFamily="34" charset="0"/>
+              </a:rPr>
+              <a:t>Echt und authentisch sein</a:t>
+            </a:r>
+            <a:r>
+              <a:rPr lang="de-DE" sz="2400" dirty="0" smtClean="0">
+                <a:latin typeface="Arial" panose="020B0604020202020204" pitchFamily="34" charset="0"/>
+                <a:cs typeface="Arial" panose="020B0604020202020204" pitchFamily="34" charset="0"/>
+              </a:rPr>
+              <a:t>. Weg vom bisherigen Marketingansatz.</a:t>
+            </a:r>
+            <a:endParaRPr lang="de-DE" sz="2400" dirty="0">
+              <a:latin typeface="Arial" panose="020B0604020202020204" pitchFamily="34" charset="0"/>
+              <a:cs typeface="Arial" panose="020B0604020202020204" pitchFamily="34" charset="0"/>
+            </a:endParaRPr>
+          </a:p>
+          <a:p>
+            <a:pPr>
+              <a:buFont typeface="Symbol" panose="05050102010706020507" pitchFamily="18" charset="2"/>
+              <a:buChar char="-"/>
+            </a:pPr>
+            <a:r>
+              <a:rPr lang="de-DE" sz="2400" i="1" dirty="0">
+                <a:latin typeface="Arial" panose="020B0604020202020204" pitchFamily="34" charset="0"/>
+                <a:cs typeface="Arial" panose="020B0604020202020204" pitchFamily="34" charset="0"/>
+              </a:rPr>
+              <a:t>Erst konzipieren dann kommunizieren</a:t>
+            </a:r>
+            <a:r>
+              <a:rPr lang="de-DE" sz="2400" i="1" dirty="0" smtClean="0">
+                <a:latin typeface="Arial" panose="020B0604020202020204" pitchFamily="34" charset="0"/>
+                <a:cs typeface="Arial" panose="020B0604020202020204" pitchFamily="34" charset="0"/>
+              </a:rPr>
+              <a:t>. </a:t>
+            </a:r>
+            <a:r>
+              <a:rPr lang="de-DE" sz="2400" dirty="0" smtClean="0">
+                <a:latin typeface="Arial" panose="020B0604020202020204" pitchFamily="34" charset="0"/>
+                <a:cs typeface="Arial" panose="020B0604020202020204" pitchFamily="34" charset="0"/>
+              </a:rPr>
+              <a:t>Ohne Planung geht es nicht.</a:t>
+            </a:r>
+            <a:endParaRPr lang="de-DE" sz="2400" dirty="0">
+              <a:latin typeface="Arial" panose="020B0604020202020204" pitchFamily="34" charset="0"/>
+              <a:cs typeface="Arial" panose="020B0604020202020204" pitchFamily="34" charset="0"/>
+            </a:endParaRPr>
           </a:p>
         </p:txBody>
       </p:sp>
@@ -10207,7 +9284,7 @@
               <a:rPr lang="de-DE" smtClean="0"/>
               <a:t>8</a:t>
             </a:fld>
-            <a:endParaRPr lang="de-DE"/>
+            <a:endParaRPr lang="de-DE" dirty="0"/>
           </a:p>
         </p:txBody>
       </p:sp>
@@ -10292,7 +9369,7 @@
     </p:spTree>
     <p:extLst>
       <p:ext uri="{BB962C8B-B14F-4D97-AF65-F5344CB8AC3E}">
-        <p14:creationId xmlns:p14="http://schemas.microsoft.com/office/powerpoint/2010/main" val="3517338083"/>
+        <p14:creationId xmlns:p14="http://schemas.microsoft.com/office/powerpoint/2010/main" val="2301385817"/>
       </p:ext>
     </p:extLst>
   </p:cSld>
@@ -10376,10 +9453,6 @@
           </p:nvPr>
         </p:nvSpPr>
         <p:spPr>
-          <a:xfrm>
-            <a:off x="446856" y="1600200"/>
-            <a:ext cx="8229600" cy="4525963"/>
-          </a:xfrm>
           <a:ln>
             <a:solidFill>
               <a:schemeClr val="accent1"/>
@@ -10388,135 +9461,179 @@
         </p:spPr>
         <p:txBody>
           <a:bodyPr>
-            <a:normAutofit fontScale="85000" lnSpcReduction="10000"/>
+            <a:noAutofit/>
           </a:bodyPr>
           <a:lstStyle/>
           <a:p>
-            <a:pPr marL="114300" lvl="1" indent="0">
+            <a:pPr marL="0" indent="0">
               <a:buNone/>
             </a:pPr>
-            <a:endParaRPr lang="de-DE" sz="1100" b="1" dirty="0" smtClean="0">
-              <a:latin typeface="Arial" panose="020B0604020202020204" pitchFamily="34" charset="0"/>
-              <a:cs typeface="Arial" panose="020B0604020202020204" pitchFamily="34" charset="0"/>
-            </a:endParaRPr>
-          </a:p>
-          <a:p>
-            <a:pPr marL="114300" lvl="1" indent="0">
-              <a:buNone/>
-            </a:pPr>
-            <a:r>
-              <a:rPr lang="de-DE" sz="3000" b="1" dirty="0" smtClean="0">
-                <a:latin typeface="Arial" panose="020B0604020202020204" pitchFamily="34" charset="0"/>
-                <a:cs typeface="Arial" panose="020B0604020202020204" pitchFamily="34" charset="0"/>
-              </a:rPr>
-              <a:t>Klassische Mediawerbung</a:t>
-            </a:r>
-          </a:p>
-          <a:p>
-            <a:pPr marL="571500" lvl="1" indent="-457200">
-              <a:lnSpc>
-                <a:spcPct val="120000"/>
-              </a:lnSpc>
-            </a:pPr>
-            <a:r>
-              <a:rPr lang="de-DE" sz="2600" dirty="0" smtClean="0">
-                <a:latin typeface="Arial" panose="020B0604020202020204" pitchFamily="34" charset="0"/>
-                <a:cs typeface="Arial" panose="020B0604020202020204" pitchFamily="34" charset="0"/>
-              </a:rPr>
-              <a:t>Transport </a:t>
-            </a:r>
-            <a:r>
-              <a:rPr lang="de-DE" sz="2600" dirty="0">
-                <a:latin typeface="Arial" panose="020B0604020202020204" pitchFamily="34" charset="0"/>
-                <a:cs typeface="Arial" panose="020B0604020202020204" pitchFamily="34" charset="0"/>
-              </a:rPr>
-              <a:t>und Verbreitung werblicher Informationen über die Belegung von Werbeträgern mit Werbemitteln im Umfeld öffentlicher Kommunikation gegen ein Entgelt, um eine Realisierung unternehmensspezifischer Kommunikationsziele zu erreichen.</a:t>
-            </a:r>
-          </a:p>
-          <a:p>
-            <a:pPr marL="114300" indent="0">
-              <a:buNone/>
-            </a:pPr>
-            <a:r>
-              <a:rPr lang="de-DE" sz="3000" b="1" dirty="0" smtClean="0">
-                <a:latin typeface="Arial" panose="020B0604020202020204" pitchFamily="34" charset="0"/>
-                <a:cs typeface="Arial" panose="020B0604020202020204" pitchFamily="34" charset="0"/>
-              </a:rPr>
-              <a:t>Arten:</a:t>
-            </a:r>
-            <a:endParaRPr lang="de-DE" sz="3000" dirty="0">
-              <a:latin typeface="Arial" panose="020B0604020202020204" pitchFamily="34" charset="0"/>
-              <a:cs typeface="Arial" panose="020B0604020202020204" pitchFamily="34" charset="0"/>
-            </a:endParaRPr>
+            <a:r>
+              <a:rPr lang="de-DE" sz="2400" b="1" dirty="0">
+                <a:latin typeface="Arial" panose="020B0604020202020204" pitchFamily="34" charset="0"/>
+                <a:cs typeface="Arial" panose="020B0604020202020204" pitchFamily="34" charset="0"/>
+              </a:rPr>
+              <a:t>Social Media Marketing (SMM):</a:t>
+            </a:r>
+          </a:p>
+          <a:p>
+            <a:r>
+              <a:rPr lang="de-DE" sz="2400" dirty="0" smtClean="0">
+                <a:latin typeface="Arial" panose="020B0604020202020204" pitchFamily="34" charset="0"/>
+                <a:cs typeface="Arial" panose="020B0604020202020204" pitchFamily="34" charset="0"/>
+              </a:rPr>
+              <a:t>Klassisches Marketing:</a:t>
+            </a:r>
           </a:p>
           <a:p>
             <a:pPr lvl="1"/>
             <a:r>
-              <a:rPr lang="de-DE" sz="2600" dirty="0">
-                <a:latin typeface="Arial" panose="020B0604020202020204" pitchFamily="34" charset="0"/>
-                <a:cs typeface="Arial" panose="020B0604020202020204" pitchFamily="34" charset="0"/>
-              </a:rPr>
-              <a:t>Werbung in Insertions- bzw. Printmedien </a:t>
-            </a:r>
-            <a:endParaRPr lang="de-DE" sz="2600" dirty="0" smtClean="0">
-              <a:latin typeface="Arial" panose="020B0604020202020204" pitchFamily="34" charset="0"/>
-              <a:cs typeface="Arial" panose="020B0604020202020204" pitchFamily="34" charset="0"/>
-            </a:endParaRPr>
+              <a:rPr lang="de-DE" sz="2400" dirty="0" smtClean="0">
+                <a:latin typeface="Arial" panose="020B0604020202020204" pitchFamily="34" charset="0"/>
+                <a:cs typeface="Arial" panose="020B0604020202020204" pitchFamily="34" charset="0"/>
+              </a:rPr>
+              <a:t>Die </a:t>
+            </a:r>
+            <a:r>
+              <a:rPr lang="de-DE" sz="2400" dirty="0">
+                <a:latin typeface="Arial" panose="020B0604020202020204" pitchFamily="34" charset="0"/>
+                <a:cs typeface="Arial" panose="020B0604020202020204" pitchFamily="34" charset="0"/>
+              </a:rPr>
+              <a:t>Zielgruppe soll erfahren (Promotion), dass das Angebot (</a:t>
+            </a:r>
+            <a:r>
+              <a:rPr lang="de-DE" sz="2400" dirty="0" err="1">
+                <a:latin typeface="Arial" panose="020B0604020202020204" pitchFamily="34" charset="0"/>
+                <a:cs typeface="Arial" panose="020B0604020202020204" pitchFamily="34" charset="0"/>
+              </a:rPr>
+              <a:t>Product</a:t>
+            </a:r>
+            <a:r>
+              <a:rPr lang="de-DE" sz="2400" dirty="0">
+                <a:latin typeface="Arial" panose="020B0604020202020204" pitchFamily="34" charset="0"/>
+                <a:cs typeface="Arial" panose="020B0604020202020204" pitchFamily="34" charset="0"/>
+              </a:rPr>
+              <a:t>) zum angemessenen Preis (Price) über diese Vertriebskanäle (Place) erhältlich </a:t>
+            </a:r>
+            <a:r>
+              <a:rPr lang="de-DE" sz="2400" dirty="0" smtClean="0">
+                <a:latin typeface="Arial" panose="020B0604020202020204" pitchFamily="34" charset="0"/>
+                <a:cs typeface="Arial" panose="020B0604020202020204" pitchFamily="34" charset="0"/>
+              </a:rPr>
+              <a:t>ist</a:t>
+            </a:r>
+          </a:p>
+          <a:p>
+            <a:r>
+              <a:rPr lang="de-DE" sz="2400" dirty="0" smtClean="0">
+                <a:latin typeface="Arial" panose="020B0604020202020204" pitchFamily="34" charset="0"/>
+                <a:cs typeface="Arial" panose="020B0604020202020204" pitchFamily="34" charset="0"/>
+              </a:rPr>
+              <a:t>Beim SMM gibt es weitere </a:t>
+            </a:r>
+            <a:r>
+              <a:rPr lang="de-DE" sz="2400" dirty="0" err="1" smtClean="0">
+                <a:latin typeface="Arial" panose="020B0604020202020204" pitchFamily="34" charset="0"/>
+                <a:cs typeface="Arial" panose="020B0604020202020204" pitchFamily="34" charset="0"/>
+              </a:rPr>
+              <a:t>Ps</a:t>
+            </a:r>
+            <a:r>
+              <a:rPr lang="de-DE" sz="2400" dirty="0" smtClean="0">
+                <a:latin typeface="Arial" panose="020B0604020202020204" pitchFamily="34" charset="0"/>
+                <a:cs typeface="Arial" panose="020B0604020202020204" pitchFamily="34" charset="0"/>
+              </a:rPr>
+              <a:t>:</a:t>
+            </a:r>
           </a:p>
           <a:p>
             <a:pPr lvl="1"/>
             <a:r>
-              <a:rPr lang="de-DE" sz="2600" dirty="0" smtClean="0">
-                <a:latin typeface="Arial" panose="020B0604020202020204" pitchFamily="34" charset="0"/>
-                <a:cs typeface="Arial" panose="020B0604020202020204" pitchFamily="34" charset="0"/>
-              </a:rPr>
-              <a:t>Fernseh- </a:t>
-            </a:r>
-            <a:r>
-              <a:rPr lang="de-DE" sz="2600" dirty="0">
-                <a:latin typeface="Arial" panose="020B0604020202020204" pitchFamily="34" charset="0"/>
-                <a:cs typeface="Arial" panose="020B0604020202020204" pitchFamily="34" charset="0"/>
-              </a:rPr>
-              <a:t>und Kinowerbung</a:t>
-            </a:r>
-            <a:endParaRPr lang="de-DE" sz="1500" dirty="0">
-              <a:latin typeface="Arial" panose="020B0604020202020204" pitchFamily="34" charset="0"/>
-              <a:cs typeface="Arial" panose="020B0604020202020204" pitchFamily="34" charset="0"/>
-            </a:endParaRPr>
+              <a:rPr lang="de-DE" sz="2400" dirty="0" err="1" smtClean="0">
+                <a:latin typeface="Arial" panose="020B0604020202020204" pitchFamily="34" charset="0"/>
+                <a:cs typeface="Arial" panose="020B0604020202020204" pitchFamily="34" charset="0"/>
+              </a:rPr>
+              <a:t>Physical</a:t>
+            </a:r>
+            <a:r>
+              <a:rPr lang="de-DE" sz="2400" dirty="0" smtClean="0">
+                <a:latin typeface="Arial" panose="020B0604020202020204" pitchFamily="34" charset="0"/>
+                <a:cs typeface="Arial" panose="020B0604020202020204" pitchFamily="34" charset="0"/>
+              </a:rPr>
+              <a:t> </a:t>
+            </a:r>
+            <a:r>
+              <a:rPr lang="de-DE" sz="2400" dirty="0" err="1" smtClean="0">
+                <a:latin typeface="Arial" panose="020B0604020202020204" pitchFamily="34" charset="0"/>
+                <a:cs typeface="Arial" panose="020B0604020202020204" pitchFamily="34" charset="0"/>
+              </a:rPr>
+              <a:t>Evidence</a:t>
+            </a:r>
+            <a:r>
+              <a:rPr lang="de-DE" sz="2400" dirty="0" smtClean="0">
+                <a:latin typeface="Arial" panose="020B0604020202020204" pitchFamily="34" charset="0"/>
+                <a:cs typeface="Arial" panose="020B0604020202020204" pitchFamily="34" charset="0"/>
+              </a:rPr>
+              <a:t> (Beleg/</a:t>
+            </a:r>
+            <a:r>
+              <a:rPr lang="de-DE" sz="2400" dirty="0" err="1" smtClean="0">
+                <a:latin typeface="Arial" panose="020B0604020202020204" pitchFamily="34" charset="0"/>
+                <a:cs typeface="Arial" panose="020B0604020202020204" pitchFamily="34" charset="0"/>
+              </a:rPr>
+              <a:t>Authenzität</a:t>
+            </a:r>
+            <a:r>
+              <a:rPr lang="de-DE" sz="2400" dirty="0" smtClean="0">
+                <a:latin typeface="Arial" panose="020B0604020202020204" pitchFamily="34" charset="0"/>
+                <a:cs typeface="Arial" panose="020B0604020202020204" pitchFamily="34" charset="0"/>
+              </a:rPr>
+              <a:t>)</a:t>
+            </a:r>
           </a:p>
           <a:p>
             <a:pPr lvl="1"/>
             <a:r>
-              <a:rPr lang="de-DE" sz="2600" dirty="0">
-                <a:latin typeface="Arial" panose="020B0604020202020204" pitchFamily="34" charset="0"/>
-                <a:cs typeface="Arial" panose="020B0604020202020204" pitchFamily="34" charset="0"/>
-              </a:rPr>
-              <a:t>Radiowerbung</a:t>
-            </a:r>
-            <a:endParaRPr lang="de-DE" sz="1500" dirty="0">
-              <a:latin typeface="Arial" panose="020B0604020202020204" pitchFamily="34" charset="0"/>
-              <a:cs typeface="Arial" panose="020B0604020202020204" pitchFamily="34" charset="0"/>
-            </a:endParaRPr>
+              <a:rPr lang="de-DE" sz="2400" dirty="0" err="1" smtClean="0">
+                <a:latin typeface="Arial" panose="020B0604020202020204" pitchFamily="34" charset="0"/>
+                <a:cs typeface="Arial" panose="020B0604020202020204" pitchFamily="34" charset="0"/>
+              </a:rPr>
+              <a:t>Processes</a:t>
+            </a:r>
+            <a:r>
+              <a:rPr lang="de-DE" sz="2400" dirty="0" smtClean="0">
+                <a:latin typeface="Arial" panose="020B0604020202020204" pitchFamily="34" charset="0"/>
+                <a:cs typeface="Arial" panose="020B0604020202020204" pitchFamily="34" charset="0"/>
+              </a:rPr>
+              <a:t> (Prozessmanagement)</a:t>
+            </a:r>
           </a:p>
           <a:p>
             <a:pPr lvl="1"/>
             <a:r>
-              <a:rPr lang="de-DE" sz="2600" dirty="0">
-                <a:latin typeface="Arial" panose="020B0604020202020204" pitchFamily="34" charset="0"/>
-                <a:cs typeface="Arial" panose="020B0604020202020204" pitchFamily="34" charset="0"/>
-              </a:rPr>
-              <a:t>Außenwerbung</a:t>
-            </a:r>
-            <a:endParaRPr lang="de-DE" sz="1500" dirty="0">
-              <a:latin typeface="Arial" panose="020B0604020202020204" pitchFamily="34" charset="0"/>
-              <a:cs typeface="Arial" panose="020B0604020202020204" pitchFamily="34" charset="0"/>
-            </a:endParaRPr>
-          </a:p>
-          <a:p>
-            <a:pPr marL="457200" lvl="1" indent="0">
-              <a:buNone/>
-            </a:pPr>
-            <a:endParaRPr lang="de-DE" sz="1600" dirty="0"/>
+              <a:rPr lang="de-DE" sz="2400" dirty="0" smtClean="0">
+                <a:latin typeface="Arial" panose="020B0604020202020204" pitchFamily="34" charset="0"/>
+                <a:cs typeface="Arial" panose="020B0604020202020204" pitchFamily="34" charset="0"/>
+              </a:rPr>
+              <a:t>People (Mitarbeiter im Kundenkontakt)</a:t>
+            </a:r>
+          </a:p>
+          <a:p>
+            <a:pPr lvl="1"/>
+            <a:r>
+              <a:rPr lang="de-DE" sz="2400" dirty="0" smtClean="0">
+                <a:latin typeface="Arial" panose="020B0604020202020204" pitchFamily="34" charset="0"/>
+                <a:cs typeface="Arial" panose="020B0604020202020204" pitchFamily="34" charset="0"/>
+              </a:rPr>
+              <a:t>Public Voice (auch: Influencer) (Multiplikation, PR, Reputation)</a:t>
+            </a:r>
+          </a:p>
+          <a:p>
+            <a:pPr lvl="1"/>
+            <a:endParaRPr lang="de-DE" sz="2400" dirty="0" smtClean="0"/>
+          </a:p>
+          <a:p>
+            <a:endParaRPr lang="de-DE" sz="2400" dirty="0"/>
           </a:p>
         </p:txBody>
       </p:sp>
@@ -10624,13 +9741,21 @@
     </p:spTree>
     <p:extLst>
       <p:ext uri="{BB962C8B-B14F-4D97-AF65-F5344CB8AC3E}">
-        <p14:creationId xmlns:p14="http://schemas.microsoft.com/office/powerpoint/2010/main" val="1655711653"/>
+        <p14:creationId xmlns:p14="http://schemas.microsoft.com/office/powerpoint/2010/main" val="465360219"/>
       </p:ext>
     </p:extLst>
   </p:cSld>
   <p:clrMapOvr>
     <a:masterClrMapping/>
   </p:clrMapOvr>
+  <mc:AlternateContent xmlns:mc="http://schemas.openxmlformats.org/markup-compatibility/2006">
+    <mc:Choice xmlns:p14="http://schemas.microsoft.com/office/powerpoint/2010/main" Requires="p14">
+      <p:transition spd="slow" p14:dur="2000"/>
+    </mc:Choice>
+    <mc:Fallback>
+      <p:transition spd="slow"/>
+    </mc:Fallback>
+  </mc:AlternateContent>
   <p:timing>
     <p:tnLst>
       <p:par>

--- a/documents/marketing/Social Media Marketingkonzept/Marketingstrategie - Social Media (5.7).pptx
+++ b/documents/marketing/Social Media Marketingkonzept/Marketingstrategie - Social Media (5.7).pptx
@@ -4771,7 +4771,7 @@
         <p:spPr>
           <a:xfrm>
             <a:off x="457200" y="1608460"/>
-            <a:ext cx="8931820" cy="1200329"/>
+            <a:ext cx="8931820" cy="3046988"/>
           </a:xfrm>
           <a:prstGeom prst="rect">
             <a:avLst/>
@@ -4792,10 +4792,52 @@
             </a:r>
           </a:p>
           <a:p>
-            <a:endParaRPr lang="de-DE" sz="2400" dirty="0" smtClean="0">
+            <a:endParaRPr lang="de-DE" sz="2400" b="1" dirty="0" smtClean="0">
               <a:latin typeface="Arial" panose="020B0604020202020204" pitchFamily="34" charset="0"/>
               <a:cs typeface="Arial" panose="020B0604020202020204" pitchFamily="34" charset="0"/>
             </a:endParaRPr>
+          </a:p>
+          <a:p>
+            <a:r>
+              <a:rPr lang="de-DE" sz="2400" dirty="0" smtClean="0">
+                <a:latin typeface="Arial" panose="020B0604020202020204" pitchFamily="34" charset="0"/>
+                <a:cs typeface="Arial" panose="020B0604020202020204" pitchFamily="34" charset="0"/>
+              </a:rPr>
+              <a:t>Menschen aus Stuttgart und der Umgebung, </a:t>
+            </a:r>
+          </a:p>
+          <a:p>
+            <a:endParaRPr lang="de-DE" sz="2400" dirty="0">
+              <a:latin typeface="Arial" panose="020B0604020202020204" pitchFamily="34" charset="0"/>
+              <a:cs typeface="Arial" panose="020B0604020202020204" pitchFamily="34" charset="0"/>
+            </a:endParaRPr>
+          </a:p>
+          <a:p>
+            <a:r>
+              <a:rPr lang="de-DE" sz="2400" dirty="0" smtClean="0">
+                <a:latin typeface="Arial" panose="020B0604020202020204" pitchFamily="34" charset="0"/>
+                <a:cs typeface="Arial" panose="020B0604020202020204" pitchFamily="34" charset="0"/>
+              </a:rPr>
+              <a:t>Aktiv auf mindestens einem sozialen Netzwerk</a:t>
+            </a:r>
+          </a:p>
+          <a:p>
+            <a:r>
+              <a:rPr lang="de-DE" sz="2400" dirty="0" smtClean="0">
+                <a:latin typeface="Arial" panose="020B0604020202020204" pitchFamily="34" charset="0"/>
+                <a:cs typeface="Arial" panose="020B0604020202020204" pitchFamily="34" charset="0"/>
+              </a:rPr>
+              <a:t> </a:t>
+            </a:r>
+          </a:p>
+          <a:p>
+            <a:r>
+              <a:rPr lang="de-DE" sz="2400" dirty="0" smtClean="0">
+                <a:latin typeface="Arial" panose="020B0604020202020204" pitchFamily="34" charset="0"/>
+                <a:cs typeface="Arial" panose="020B0604020202020204" pitchFamily="34" charset="0"/>
+              </a:rPr>
+              <a:t>Altersgruppe 18 - 30</a:t>
+            </a:r>
           </a:p>
           <a:p>
             <a:endParaRPr lang="de-DE" sz="2400" dirty="0"/>
@@ -5118,7 +5160,7 @@
         <p:spPr>
           <a:xfrm>
             <a:off x="457200" y="1608460"/>
-            <a:ext cx="8931820" cy="1200329"/>
+            <a:ext cx="8229600" cy="4524315"/>
           </a:xfrm>
           <a:prstGeom prst="rect">
             <a:avLst/>
@@ -5139,6 +5181,101 @@
             </a:r>
           </a:p>
           <a:p>
+            <a:endParaRPr lang="de-DE" sz="2400" dirty="0" smtClean="0">
+              <a:latin typeface="Arial" panose="020B0604020202020204" pitchFamily="34" charset="0"/>
+              <a:cs typeface="Arial" panose="020B0604020202020204" pitchFamily="34" charset="0"/>
+            </a:endParaRPr>
+          </a:p>
+          <a:p>
+            <a:r>
+              <a:rPr lang="de-DE" sz="2400" dirty="0" smtClean="0">
+                <a:latin typeface="Arial" panose="020B0604020202020204" pitchFamily="34" charset="0"/>
+                <a:cs typeface="Arial" panose="020B0604020202020204" pitchFamily="34" charset="0"/>
+              </a:rPr>
+              <a:t>Facebook</a:t>
+            </a:r>
+          </a:p>
+          <a:p>
+            <a:pPr marL="342900" indent="-342900">
+              <a:buFont typeface="Symbol" panose="05050102010706020507" pitchFamily="18" charset="2"/>
+              <a:buChar char="-"/>
+            </a:pPr>
+            <a:r>
+              <a:rPr lang="de-DE" sz="2400" dirty="0" smtClean="0">
+                <a:latin typeface="Arial" panose="020B0604020202020204" pitchFamily="34" charset="0"/>
+                <a:cs typeface="Arial" panose="020B0604020202020204" pitchFamily="34" charset="0"/>
+              </a:rPr>
+              <a:t>Mit 1,39 Milliarden aktiven Nutzern weltweit und 28 Millionen aktiven Nutzern in Deutschland, ist </a:t>
+            </a:r>
+            <a:r>
+              <a:rPr lang="de-DE" sz="2400" dirty="0" err="1" smtClean="0">
+                <a:latin typeface="Arial" panose="020B0604020202020204" pitchFamily="34" charset="0"/>
+                <a:cs typeface="Arial" panose="020B0604020202020204" pitchFamily="34" charset="0"/>
+              </a:rPr>
+              <a:t>facebook</a:t>
+            </a:r>
+            <a:r>
+              <a:rPr lang="de-DE" sz="2400" dirty="0" smtClean="0">
+                <a:latin typeface="Arial" panose="020B0604020202020204" pitchFamily="34" charset="0"/>
+                <a:cs typeface="Arial" panose="020B0604020202020204" pitchFamily="34" charset="0"/>
+              </a:rPr>
+              <a:t> das größte soziale Netzwerk</a:t>
+            </a:r>
+          </a:p>
+          <a:p>
+            <a:endParaRPr lang="de-DE" sz="2400" dirty="0">
+              <a:latin typeface="Arial" panose="020B0604020202020204" pitchFamily="34" charset="0"/>
+              <a:cs typeface="Arial" panose="020B0604020202020204" pitchFamily="34" charset="0"/>
+            </a:endParaRPr>
+          </a:p>
+          <a:p>
+            <a:r>
+              <a:rPr lang="de-DE" sz="2400" dirty="0" smtClean="0">
+                <a:latin typeface="Arial" panose="020B0604020202020204" pitchFamily="34" charset="0"/>
+                <a:cs typeface="Arial" panose="020B0604020202020204" pitchFamily="34" charset="0"/>
+              </a:rPr>
+              <a:t>Instagram</a:t>
+            </a:r>
+          </a:p>
+          <a:p>
+            <a:pPr marL="342900" indent="-342900">
+              <a:buFont typeface="Symbol" panose="05050102010706020507" pitchFamily="18" charset="2"/>
+              <a:buChar char="-"/>
+            </a:pPr>
+            <a:r>
+              <a:rPr lang="de-DE" sz="2400" dirty="0" smtClean="0">
+                <a:latin typeface="Arial" panose="020B0604020202020204" pitchFamily="34" charset="0"/>
+                <a:cs typeface="Arial" panose="020B0604020202020204" pitchFamily="34" charset="0"/>
+              </a:rPr>
+              <a:t>Die </a:t>
+            </a:r>
+            <a:r>
+              <a:rPr lang="de-DE" sz="2400" dirty="0" smtClean="0">
+                <a:latin typeface="Arial" panose="020B0604020202020204" pitchFamily="34" charset="0"/>
+                <a:cs typeface="Arial" panose="020B0604020202020204" pitchFamily="34" charset="0"/>
+              </a:rPr>
+              <a:t>auf das Teilen von Bildern basierende Plattform e</a:t>
+            </a:r>
+            <a:r>
+              <a:rPr lang="de-DE" sz="2400" dirty="0" smtClean="0">
+                <a:latin typeface="Arial" panose="020B0604020202020204" pitchFamily="34" charset="0"/>
+                <a:cs typeface="Arial" panose="020B0604020202020204" pitchFamily="34" charset="0"/>
+              </a:rPr>
+              <a:t>rfreut sich in den letzten Jahren einem großen Zulauf.</a:t>
+            </a:r>
+          </a:p>
+          <a:p>
+            <a:pPr marL="342900" indent="-342900">
+              <a:buFont typeface="Symbol" panose="05050102010706020507" pitchFamily="18" charset="2"/>
+              <a:buChar char="-"/>
+            </a:pPr>
+            <a:r>
+              <a:rPr lang="de-DE" sz="2400" dirty="0" smtClean="0">
+                <a:latin typeface="Arial" panose="020B0604020202020204" pitchFamily="34" charset="0"/>
+                <a:cs typeface="Arial" panose="020B0604020202020204" pitchFamily="34" charset="0"/>
+              </a:rPr>
+              <a:t>Aktuell 3,1 Millionen aktive Nutzer in Deutschland</a:t>
+            </a:r>
             <a:endParaRPr lang="de-DE" sz="2400" dirty="0" smtClean="0">
               <a:latin typeface="Arial" panose="020B0604020202020204" pitchFamily="34" charset="0"/>
               <a:cs typeface="Arial" panose="020B0604020202020204" pitchFamily="34" charset="0"/>

--- a/documents/marketing/Social Media Marketingkonzept/Marketingstrategie - Social Media (5.7).pptx
+++ b/documents/marketing/Social Media Marketingkonzept/Marketingstrategie - Social Media (5.7).pptx
@@ -5,7 +5,7 @@
     <p:sldMasterId id="2147483648" r:id="rId1"/>
   </p:sldMasterIdLst>
   <p:notesMasterIdLst>
-    <p:notesMasterId r:id="rId17"/>
+    <p:notesMasterId r:id="rId20"/>
   </p:notesMasterIdLst>
   <p:sldIdLst>
     <p:sldId id="256" r:id="rId2"/>
@@ -20,9 +20,12 @@
     <p:sldId id="338" r:id="rId11"/>
     <p:sldId id="341" r:id="rId12"/>
     <p:sldId id="342" r:id="rId13"/>
-    <p:sldId id="345" r:id="rId14"/>
-    <p:sldId id="344" r:id="rId15"/>
-    <p:sldId id="319" r:id="rId16"/>
+    <p:sldId id="348" r:id="rId14"/>
+    <p:sldId id="345" r:id="rId15"/>
+    <p:sldId id="344" r:id="rId16"/>
+    <p:sldId id="346" r:id="rId17"/>
+    <p:sldId id="347" r:id="rId18"/>
+    <p:sldId id="319" r:id="rId19"/>
   </p:sldIdLst>
   <p:sldSz cx="9144000" cy="6858000" type="screen4x3"/>
   <p:notesSz cx="6858000" cy="9144000"/>
@@ -150,8 +153,11 @@
         <p14:section name="Strategie" id="{2302A5A9-BB0B-47F5-82D4-9DF1CCDF2637}">
           <p14:sldIdLst>
             <p14:sldId id="342"/>
+            <p14:sldId id="348"/>
             <p14:sldId id="345"/>
             <p14:sldId id="344"/>
+            <p14:sldId id="346"/>
+            <p14:sldId id="347"/>
           </p14:sldIdLst>
         </p14:section>
         <p14:section name="Erkenntnisse" id="{1F5D3F0E-2E10-417D-B3B3-F875A4E86560}">
@@ -4771,7 +4777,7 @@
         <p:spPr>
           <a:xfrm>
             <a:off x="457200" y="1608460"/>
-            <a:ext cx="8931820" cy="3046988"/>
+            <a:ext cx="8229600" cy="4524315"/>
           </a:xfrm>
           <a:prstGeom prst="rect">
             <a:avLst/>
@@ -4788,6 +4794,34 @@
                 <a:latin typeface="Arial" panose="020B0604020202020204" pitchFamily="34" charset="0"/>
                 <a:cs typeface="Arial" panose="020B0604020202020204" pitchFamily="34" charset="0"/>
               </a:rPr>
+              <a:t>Ziele der Strategie:</a:t>
+            </a:r>
+          </a:p>
+          <a:p>
+            <a:r>
+              <a:rPr lang="de-DE" sz="2400" dirty="0" smtClean="0">
+                <a:latin typeface="Arial" panose="020B0604020202020204" pitchFamily="34" charset="0"/>
+                <a:cs typeface="Arial" panose="020B0604020202020204" pitchFamily="34" charset="0"/>
+              </a:rPr>
+              <a:t>Multiplikation der Bekanntheit der Anwendung und Dialog mit den bestehenden Nutzern.</a:t>
+            </a:r>
+            <a:endParaRPr lang="de-DE" sz="2400" dirty="0" smtClean="0">
+              <a:latin typeface="Arial" panose="020B0604020202020204" pitchFamily="34" charset="0"/>
+              <a:cs typeface="Arial" panose="020B0604020202020204" pitchFamily="34" charset="0"/>
+            </a:endParaRPr>
+          </a:p>
+          <a:p>
+            <a:endParaRPr lang="de-DE" sz="2400" b="1" dirty="0">
+              <a:latin typeface="Arial" panose="020B0604020202020204" pitchFamily="34" charset="0"/>
+              <a:cs typeface="Arial" panose="020B0604020202020204" pitchFamily="34" charset="0"/>
+            </a:endParaRPr>
+          </a:p>
+          <a:p>
+            <a:r>
+              <a:rPr lang="de-DE" sz="2400" b="1" dirty="0" smtClean="0">
+                <a:latin typeface="Arial" panose="020B0604020202020204" pitchFamily="34" charset="0"/>
+                <a:cs typeface="Arial" panose="020B0604020202020204" pitchFamily="34" charset="0"/>
+              </a:rPr>
               <a:t>Zielgruppe:</a:t>
             </a:r>
           </a:p>
@@ -4803,7 +4837,7 @@
                 <a:latin typeface="Arial" panose="020B0604020202020204" pitchFamily="34" charset="0"/>
                 <a:cs typeface="Arial" panose="020B0604020202020204" pitchFamily="34" charset="0"/>
               </a:rPr>
-              <a:t>Menschen aus Stuttgart und der Umgebung, </a:t>
+              <a:t>Frauen und Männer aus Stuttgart und der Umgebung</a:t>
             </a:r>
           </a:p>
           <a:p>
@@ -5160,7 +5194,7 @@
         <p:spPr>
           <a:xfrm>
             <a:off x="457200" y="1608460"/>
-            <a:ext cx="8229600" cy="4524315"/>
+            <a:ext cx="8229600" cy="3046988"/>
           </a:xfrm>
           <a:prstGeom prst="rect">
             <a:avLst/>
@@ -5181,7 +5215,7 @@
             </a:r>
           </a:p>
           <a:p>
-            <a:endParaRPr lang="de-DE" sz="2400" dirty="0" smtClean="0">
+            <a:endParaRPr lang="de-DE" sz="2400" b="1" dirty="0" smtClean="0">
               <a:latin typeface="Arial" panose="020B0604020202020204" pitchFamily="34" charset="0"/>
               <a:cs typeface="Arial" panose="020B0604020202020204" pitchFamily="34" charset="0"/>
             </a:endParaRPr>
@@ -5205,36 +5239,7 @@
                 <a:latin typeface="Arial" panose="020B0604020202020204" pitchFamily="34" charset="0"/>
                 <a:cs typeface="Arial" panose="020B0604020202020204" pitchFamily="34" charset="0"/>
               </a:rPr>
-              <a:t>Mit 1,39 Milliarden aktiven Nutzern weltweit und 28 Millionen aktiven Nutzern in Deutschland, ist </a:t>
-            </a:r>
-            <a:r>
-              <a:rPr lang="de-DE" sz="2400" dirty="0" err="1" smtClean="0">
-                <a:latin typeface="Arial" panose="020B0604020202020204" pitchFamily="34" charset="0"/>
-                <a:cs typeface="Arial" panose="020B0604020202020204" pitchFamily="34" charset="0"/>
-              </a:rPr>
-              <a:t>facebook</a:t>
-            </a:r>
-            <a:r>
-              <a:rPr lang="de-DE" sz="2400" dirty="0" smtClean="0">
-                <a:latin typeface="Arial" panose="020B0604020202020204" pitchFamily="34" charset="0"/>
-                <a:cs typeface="Arial" panose="020B0604020202020204" pitchFamily="34" charset="0"/>
-              </a:rPr>
-              <a:t> das größte soziale Netzwerk</a:t>
-            </a:r>
-          </a:p>
-          <a:p>
-            <a:endParaRPr lang="de-DE" sz="2400" dirty="0">
-              <a:latin typeface="Arial" panose="020B0604020202020204" pitchFamily="34" charset="0"/>
-              <a:cs typeface="Arial" panose="020B0604020202020204" pitchFamily="34" charset="0"/>
-            </a:endParaRPr>
-          </a:p>
-          <a:p>
-            <a:r>
-              <a:rPr lang="de-DE" sz="2400" dirty="0" smtClean="0">
-                <a:latin typeface="Arial" panose="020B0604020202020204" pitchFamily="34" charset="0"/>
-                <a:cs typeface="Arial" panose="020B0604020202020204" pitchFamily="34" charset="0"/>
-              </a:rPr>
-              <a:t>Instagram</a:t>
+              <a:t>Mit 1,39 Milliarden aktiven Nutzern weltweit und 28 Millionen aktiven Nutzern in Deutschland, ist Facebook das aktuell größte soziale Netzwerk</a:t>
             </a:r>
           </a:p>
           <a:p>
@@ -5247,49 +5252,15 @@
                 <a:latin typeface="Arial" panose="020B0604020202020204" pitchFamily="34" charset="0"/>
                 <a:cs typeface="Arial" panose="020B0604020202020204" pitchFamily="34" charset="0"/>
               </a:rPr>
-              <a:t>Die </a:t>
-            </a:r>
-            <a:r>
-              <a:rPr lang="de-DE" sz="2400" dirty="0" smtClean="0">
-                <a:latin typeface="Arial" panose="020B0604020202020204" pitchFamily="34" charset="0"/>
-                <a:cs typeface="Arial" panose="020B0604020202020204" pitchFamily="34" charset="0"/>
-              </a:rPr>
-              <a:t>auf das Teilen von Bildern basierende Plattform e</a:t>
-            </a:r>
-            <a:r>
-              <a:rPr lang="de-DE" sz="2400" dirty="0" smtClean="0">
-                <a:latin typeface="Arial" panose="020B0604020202020204" pitchFamily="34" charset="0"/>
-                <a:cs typeface="Arial" panose="020B0604020202020204" pitchFamily="34" charset="0"/>
-              </a:rPr>
-              <a:t>rfreut sich in den letzten Jahren einem großen Zulauf.</a:t>
-            </a:r>
-          </a:p>
-          <a:p>
-            <a:pPr marL="342900" indent="-342900">
-              <a:buFont typeface="Symbol" panose="05050102010706020507" pitchFamily="18" charset="2"/>
-              <a:buChar char="-"/>
-            </a:pPr>
-            <a:r>
-              <a:rPr lang="de-DE" sz="2400" dirty="0" smtClean="0">
-                <a:latin typeface="Arial" panose="020B0604020202020204" pitchFamily="34" charset="0"/>
-                <a:cs typeface="Arial" panose="020B0604020202020204" pitchFamily="34" charset="0"/>
-              </a:rPr>
-              <a:t>Aktuell 3,1 Millionen aktive Nutzer in Deutschland</a:t>
-            </a:r>
-            <a:endParaRPr lang="de-DE" sz="2400" dirty="0" smtClean="0">
-              <a:latin typeface="Arial" panose="020B0604020202020204" pitchFamily="34" charset="0"/>
-              <a:cs typeface="Arial" panose="020B0604020202020204" pitchFamily="34" charset="0"/>
-            </a:endParaRPr>
-          </a:p>
-          <a:p>
-            <a:endParaRPr lang="de-DE" sz="2400" dirty="0"/>
+              <a:t>Es bietet die Möglichkeit Hashtags zu benutzen, Freunde zu verlinken und sich bei Orten einzuchecken</a:t>
+            </a:r>
           </a:p>
         </p:txBody>
       </p:sp>
     </p:spTree>
     <p:extLst>
       <p:ext uri="{BB962C8B-B14F-4D97-AF65-F5344CB8AC3E}">
-        <p14:creationId xmlns:p14="http://schemas.microsoft.com/office/powerpoint/2010/main" val="3531306027"/>
+        <p14:creationId xmlns:p14="http://schemas.microsoft.com/office/powerpoint/2010/main" val="3225485694"/>
       </p:ext>
     </p:extLst>
   </p:cSld>
@@ -5602,7 +5573,7 @@
         <p:spPr>
           <a:xfrm>
             <a:off x="457200" y="1608460"/>
-            <a:ext cx="8931820" cy="3785652"/>
+            <a:ext cx="8229600" cy="3785652"/>
           </a:xfrm>
           <a:prstGeom prst="rect">
             <a:avLst/>
@@ -5619,7 +5590,7 @@
                 <a:latin typeface="Arial" panose="020B0604020202020204" pitchFamily="34" charset="0"/>
                 <a:cs typeface="Arial" panose="020B0604020202020204" pitchFamily="34" charset="0"/>
               </a:rPr>
-              <a:t>Aktionen:</a:t>
+              <a:t>Plattformen:</a:t>
             </a:r>
           </a:p>
           <a:p>
@@ -5634,73 +5605,75 @@
                 <a:latin typeface="Arial" panose="020B0604020202020204" pitchFamily="34" charset="0"/>
                 <a:cs typeface="Arial" panose="020B0604020202020204" pitchFamily="34" charset="0"/>
               </a:rPr>
-              <a:t>#</a:t>
-            </a:r>
-            <a:r>
-              <a:rPr lang="de-DE" sz="2400" dirty="0" err="1" smtClean="0">
-                <a:latin typeface="Arial" panose="020B0604020202020204" pitchFamily="34" charset="0"/>
-                <a:cs typeface="Arial" panose="020B0604020202020204" pitchFamily="34" charset="0"/>
-              </a:rPr>
-              <a:t>goHappy</a:t>
-            </a:r>
-            <a:endParaRPr lang="de-DE" sz="2400" dirty="0" smtClean="0">
-              <a:latin typeface="Arial" panose="020B0604020202020204" pitchFamily="34" charset="0"/>
-              <a:cs typeface="Arial" panose="020B0604020202020204" pitchFamily="34" charset="0"/>
-            </a:endParaRPr>
-          </a:p>
-          <a:p>
-            <a:endParaRPr lang="de-DE" sz="2400" dirty="0" smtClean="0">
-              <a:latin typeface="Arial" panose="020B0604020202020204" pitchFamily="34" charset="0"/>
-              <a:cs typeface="Arial" panose="020B0604020202020204" pitchFamily="34" charset="0"/>
-            </a:endParaRPr>
-          </a:p>
-          <a:p>
+              <a:t>Instagram</a:t>
+            </a:r>
+          </a:p>
+          <a:p>
+            <a:pPr marL="342900" indent="-342900">
+              <a:buFont typeface="Symbol" panose="05050102010706020507" pitchFamily="18" charset="2"/>
+              <a:buChar char="-"/>
+            </a:pPr>
+            <a:r>
+              <a:rPr lang="de-DE" sz="2400" dirty="0" smtClean="0">
+                <a:latin typeface="Arial" panose="020B0604020202020204" pitchFamily="34" charset="0"/>
+                <a:cs typeface="Arial" panose="020B0604020202020204" pitchFamily="34" charset="0"/>
+              </a:rPr>
+              <a:t>Die </a:t>
+            </a:r>
+            <a:r>
+              <a:rPr lang="de-DE" sz="2400" dirty="0" smtClean="0">
+                <a:latin typeface="Arial" panose="020B0604020202020204" pitchFamily="34" charset="0"/>
+                <a:cs typeface="Arial" panose="020B0604020202020204" pitchFamily="34" charset="0"/>
+              </a:rPr>
+              <a:t>auf dem Teilen von Bildern basierende Plattform e</a:t>
+            </a:r>
+            <a:r>
+              <a:rPr lang="de-DE" sz="2400" dirty="0" smtClean="0">
+                <a:latin typeface="Arial" panose="020B0604020202020204" pitchFamily="34" charset="0"/>
+                <a:cs typeface="Arial" panose="020B0604020202020204" pitchFamily="34" charset="0"/>
+              </a:rPr>
+              <a:t>rfreut sich in den letzten Jahren einem immer größeren Zulauf</a:t>
+            </a:r>
+          </a:p>
+          <a:p>
+            <a:pPr marL="342900" indent="-342900">
+              <a:buFont typeface="Symbol" panose="05050102010706020507" pitchFamily="18" charset="2"/>
+              <a:buChar char="-"/>
+            </a:pPr>
+            <a:r>
+              <a:rPr lang="de-DE" sz="2400" dirty="0" smtClean="0">
+                <a:latin typeface="Arial" panose="020B0604020202020204" pitchFamily="34" charset="0"/>
+                <a:cs typeface="Arial" panose="020B0604020202020204" pitchFamily="34" charset="0"/>
+              </a:rPr>
+              <a:t>Aktuell hat Instagram 3,1 Millionen aktive Nutzer in Deutschland</a:t>
+            </a:r>
+          </a:p>
+          <a:p>
+            <a:pPr marL="342900" indent="-342900">
+              <a:buFont typeface="Symbol" panose="05050102010706020507" pitchFamily="18" charset="2"/>
+              <a:buChar char="-"/>
+            </a:pPr>
+            <a:r>
+              <a:rPr lang="de-DE" sz="2400" dirty="0" smtClean="0">
+                <a:latin typeface="Arial" panose="020B0604020202020204" pitchFamily="34" charset="0"/>
+                <a:cs typeface="Arial" panose="020B0604020202020204" pitchFamily="34" charset="0"/>
+              </a:rPr>
+              <a:t>Die Plattform bietet die Möglichkeit </a:t>
+            </a:r>
             <a:r>
               <a:rPr lang="de-DE" sz="2400" dirty="0">
                 <a:latin typeface="Arial" panose="020B0604020202020204" pitchFamily="34" charset="0"/>
                 <a:cs typeface="Arial" panose="020B0604020202020204" pitchFamily="34" charset="0"/>
               </a:rPr>
-              <a:t>Was macht dich happy? Schreib uns auf FB &amp; Twitter mit dem Hashtag #</a:t>
-            </a:r>
-            <a:r>
-              <a:rPr lang="de-DE" sz="2400" dirty="0" err="1" smtClean="0">
-                <a:latin typeface="Arial" panose="020B0604020202020204" pitchFamily="34" charset="0"/>
-                <a:cs typeface="Arial" panose="020B0604020202020204" pitchFamily="34" charset="0"/>
-              </a:rPr>
-              <a:t>GoHappy</a:t>
-            </a:r>
-            <a:endParaRPr lang="de-DE" sz="2400" dirty="0" smtClean="0">
-              <a:latin typeface="Arial" panose="020B0604020202020204" pitchFamily="34" charset="0"/>
-              <a:cs typeface="Arial" panose="020B0604020202020204" pitchFamily="34" charset="0"/>
-            </a:endParaRPr>
-          </a:p>
-          <a:p>
-            <a:endParaRPr lang="de-DE" sz="2400" dirty="0">
-              <a:latin typeface="Arial" panose="020B0604020202020204" pitchFamily="34" charset="0"/>
-              <a:cs typeface="Arial" panose="020B0604020202020204" pitchFamily="34" charset="0"/>
-            </a:endParaRPr>
-          </a:p>
-          <a:p>
-            <a:r>
-              <a:rPr lang="de-DE" sz="2400" dirty="0">
-                <a:latin typeface="Arial" panose="020B0604020202020204" pitchFamily="34" charset="0"/>
-                <a:cs typeface="Arial" panose="020B0604020202020204" pitchFamily="34" charset="0"/>
-              </a:rPr>
-              <a:t>Du bist mit unserem Dienst unterwegs? Teile deine Erlebnisse und Fotos mit uns unter dem #</a:t>
-            </a:r>
-            <a:r>
-              <a:rPr lang="de-DE" sz="2400" dirty="0" err="1">
-                <a:latin typeface="Arial" panose="020B0604020202020204" pitchFamily="34" charset="0"/>
-                <a:cs typeface="Arial" panose="020B0604020202020204" pitchFamily="34" charset="0"/>
-              </a:rPr>
-              <a:t>GoHappy</a:t>
-            </a:r>
-            <a:endParaRPr lang="de-DE" sz="2400" dirty="0">
-              <a:latin typeface="Arial" panose="020B0604020202020204" pitchFamily="34" charset="0"/>
-              <a:cs typeface="Arial" panose="020B0604020202020204" pitchFamily="34" charset="0"/>
-            </a:endParaRPr>
-          </a:p>
-          <a:p>
+              <a:t>Hashtags zu </a:t>
+            </a:r>
+            <a:r>
+              <a:rPr lang="de-DE" sz="2400" dirty="0" smtClean="0">
+                <a:latin typeface="Arial" panose="020B0604020202020204" pitchFamily="34" charset="0"/>
+                <a:cs typeface="Arial" panose="020B0604020202020204" pitchFamily="34" charset="0"/>
+              </a:rPr>
+              <a:t>benutzen</a:t>
+            </a:r>
             <a:endParaRPr lang="de-DE" sz="2400" dirty="0"/>
           </a:p>
         </p:txBody>
@@ -5708,7 +5681,7 @@
     </p:spTree>
     <p:extLst>
       <p:ext uri="{BB962C8B-B14F-4D97-AF65-F5344CB8AC3E}">
-        <p14:creationId xmlns:p14="http://schemas.microsoft.com/office/powerpoint/2010/main" val="3224938422"/>
+        <p14:creationId xmlns:p14="http://schemas.microsoft.com/office/powerpoint/2010/main" val="3531306027"/>
       </p:ext>
     </p:extLst>
   </p:cSld>
@@ -5744,6 +5717,1290 @@
       </p:grpSpPr>
       <p:sp>
         <p:nvSpPr>
+          <p:cNvPr id="4" name="Foliennummernplatzhalter 3"/>
+          <p:cNvSpPr>
+            <a:spLocks noGrp="1"/>
+          </p:cNvSpPr>
+          <p:nvPr>
+            <p:ph type="sldNum" sz="quarter" idx="12"/>
+          </p:nvPr>
+        </p:nvSpPr>
+        <p:spPr/>
+        <p:txBody>
+          <a:bodyPr/>
+          <a:lstStyle/>
+          <a:p>
+            <a:fld id="{6C6AE60A-B69C-4790-82F7-3882EDF23186}" type="slidenum">
+              <a:rPr lang="de-DE" smtClean="0"/>
+              <a:t>15</a:t>
+            </a:fld>
+            <a:endParaRPr lang="de-DE"/>
+          </a:p>
+        </p:txBody>
+      </p:sp>
+      <p:sp>
+        <p:nvSpPr>
+          <p:cNvPr id="5" name="Titel 1"/>
+          <p:cNvSpPr txBox="1">
+            <a:spLocks/>
+          </p:cNvSpPr>
+          <p:nvPr/>
+        </p:nvSpPr>
+        <p:spPr>
+          <a:xfrm>
+            <a:off x="457200" y="274638"/>
+            <a:ext cx="8229600" cy="1143000"/>
+          </a:xfrm>
+          <a:prstGeom prst="rect">
+            <a:avLst/>
+          </a:prstGeom>
+        </p:spPr>
+        <p:txBody>
+          <a:bodyPr vert="horz" lIns="91440" tIns="45720" rIns="91440" bIns="45720" rtlCol="0" anchor="ctr">
+            <a:normAutofit/>
+          </a:bodyPr>
+          <a:lstStyle>
+            <a:lvl1pPr algn="ctr" defTabSz="914400" rtl="0" eaLnBrk="1" latinLnBrk="0" hangingPunct="1">
+              <a:spcBef>
+                <a:spcPct val="0"/>
+              </a:spcBef>
+              <a:buNone/>
+              <a:defRPr sz="4400" kern="1200">
+                <a:solidFill>
+                  <a:schemeClr val="tx1"/>
+                </a:solidFill>
+                <a:latin typeface="+mj-lt"/>
+                <a:ea typeface="+mj-ea"/>
+                <a:cs typeface="+mj-cs"/>
+              </a:defRPr>
+            </a:lvl1pPr>
+          </a:lstStyle>
+          <a:p>
+            <a:pPr algn="l"/>
+            <a:r>
+              <a:rPr lang="de-DE" sz="2800" b="1" dirty="0" smtClean="0">
+                <a:latin typeface="Arial" panose="020B0604020202020204" pitchFamily="34" charset="0"/>
+                <a:cs typeface="Arial" panose="020B0604020202020204" pitchFamily="34" charset="0"/>
+              </a:rPr>
+              <a:t>3. </a:t>
+            </a:r>
+            <a:r>
+              <a:rPr lang="de-DE" sz="2800" b="1" dirty="0" smtClean="0">
+                <a:latin typeface="Arial" panose="020B0604020202020204" pitchFamily="34" charset="0"/>
+                <a:cs typeface="Arial" panose="020B0604020202020204" pitchFamily="34" charset="0"/>
+              </a:rPr>
+              <a:t>Social Media Strategie</a:t>
+            </a:r>
+            <a:endParaRPr lang="de-DE" sz="2800" dirty="0">
+              <a:latin typeface="Arial" panose="020B0604020202020204" pitchFamily="34" charset="0"/>
+              <a:cs typeface="Arial" panose="020B0604020202020204" pitchFamily="34" charset="0"/>
+            </a:endParaRPr>
+          </a:p>
+        </p:txBody>
+      </p:sp>
+      <p:sp>
+        <p:nvSpPr>
+          <p:cNvPr id="8" name="Inhaltsplatzhalter 5"/>
+          <p:cNvSpPr txBox="1">
+            <a:spLocks/>
+          </p:cNvSpPr>
+          <p:nvPr/>
+        </p:nvSpPr>
+        <p:spPr>
+          <a:xfrm>
+            <a:off x="457200" y="1600200"/>
+            <a:ext cx="8229600" cy="4525963"/>
+          </a:xfrm>
+          <a:prstGeom prst="rect">
+            <a:avLst/>
+          </a:prstGeom>
+          <a:ln>
+            <a:solidFill>
+              <a:schemeClr val="accent1"/>
+            </a:solidFill>
+          </a:ln>
+        </p:spPr>
+        <p:txBody>
+          <a:bodyPr vert="horz" lIns="91440" tIns="45720" rIns="91440" bIns="45720" rtlCol="0">
+            <a:normAutofit/>
+          </a:bodyPr>
+          <a:lstStyle>
+            <a:lvl1pPr marL="0" indent="0" algn="ctr" defTabSz="914400" rtl="0" eaLnBrk="1" latinLnBrk="0" hangingPunct="1">
+              <a:spcBef>
+                <a:spcPct val="20000"/>
+              </a:spcBef>
+              <a:buFont typeface="Arial" pitchFamily="34" charset="0"/>
+              <a:buNone/>
+              <a:defRPr sz="3200" kern="1200">
+                <a:solidFill>
+                  <a:schemeClr val="tx1">
+                    <a:tint val="75000"/>
+                  </a:schemeClr>
+                </a:solidFill>
+                <a:latin typeface="+mn-lt"/>
+                <a:ea typeface="+mn-ea"/>
+                <a:cs typeface="+mn-cs"/>
+              </a:defRPr>
+            </a:lvl1pPr>
+            <a:lvl2pPr marL="457200" indent="0" algn="ctr" defTabSz="914400" rtl="0" eaLnBrk="1" latinLnBrk="0" hangingPunct="1">
+              <a:spcBef>
+                <a:spcPct val="20000"/>
+              </a:spcBef>
+              <a:buFont typeface="Arial" pitchFamily="34" charset="0"/>
+              <a:buNone/>
+              <a:defRPr sz="2800" kern="1200">
+                <a:solidFill>
+                  <a:schemeClr val="tx1">
+                    <a:tint val="75000"/>
+                  </a:schemeClr>
+                </a:solidFill>
+                <a:latin typeface="+mn-lt"/>
+                <a:ea typeface="+mn-ea"/>
+                <a:cs typeface="+mn-cs"/>
+              </a:defRPr>
+            </a:lvl2pPr>
+            <a:lvl3pPr marL="914400" indent="0" algn="ctr" defTabSz="914400" rtl="0" eaLnBrk="1" latinLnBrk="0" hangingPunct="1">
+              <a:spcBef>
+                <a:spcPct val="20000"/>
+              </a:spcBef>
+              <a:buFont typeface="Arial" pitchFamily="34" charset="0"/>
+              <a:buNone/>
+              <a:defRPr sz="2400" kern="1200">
+                <a:solidFill>
+                  <a:schemeClr val="tx1">
+                    <a:tint val="75000"/>
+                  </a:schemeClr>
+                </a:solidFill>
+                <a:latin typeface="+mn-lt"/>
+                <a:ea typeface="+mn-ea"/>
+                <a:cs typeface="+mn-cs"/>
+              </a:defRPr>
+            </a:lvl3pPr>
+            <a:lvl4pPr marL="1371600" indent="0" algn="ctr" defTabSz="914400" rtl="0" eaLnBrk="1" latinLnBrk="0" hangingPunct="1">
+              <a:spcBef>
+                <a:spcPct val="20000"/>
+              </a:spcBef>
+              <a:buFont typeface="Arial" pitchFamily="34" charset="0"/>
+              <a:buNone/>
+              <a:defRPr sz="2000" kern="1200">
+                <a:solidFill>
+                  <a:schemeClr val="tx1">
+                    <a:tint val="75000"/>
+                  </a:schemeClr>
+                </a:solidFill>
+                <a:latin typeface="+mn-lt"/>
+                <a:ea typeface="+mn-ea"/>
+                <a:cs typeface="+mn-cs"/>
+              </a:defRPr>
+            </a:lvl4pPr>
+            <a:lvl5pPr marL="1828800" indent="0" algn="ctr" defTabSz="914400" rtl="0" eaLnBrk="1" latinLnBrk="0" hangingPunct="1">
+              <a:spcBef>
+                <a:spcPct val="20000"/>
+              </a:spcBef>
+              <a:buFont typeface="Arial" pitchFamily="34" charset="0"/>
+              <a:buNone/>
+              <a:defRPr sz="2000" kern="1200">
+                <a:solidFill>
+                  <a:schemeClr val="tx1">
+                    <a:tint val="75000"/>
+                  </a:schemeClr>
+                </a:solidFill>
+                <a:latin typeface="+mn-lt"/>
+                <a:ea typeface="+mn-ea"/>
+                <a:cs typeface="+mn-cs"/>
+              </a:defRPr>
+            </a:lvl5pPr>
+            <a:lvl6pPr marL="2286000" indent="0" algn="ctr" defTabSz="914400" rtl="0" eaLnBrk="1" latinLnBrk="0" hangingPunct="1">
+              <a:spcBef>
+                <a:spcPct val="20000"/>
+              </a:spcBef>
+              <a:buFont typeface="Arial" pitchFamily="34" charset="0"/>
+              <a:buNone/>
+              <a:defRPr sz="2000" kern="1200">
+                <a:solidFill>
+                  <a:schemeClr val="tx1">
+                    <a:tint val="75000"/>
+                  </a:schemeClr>
+                </a:solidFill>
+                <a:latin typeface="+mn-lt"/>
+                <a:ea typeface="+mn-ea"/>
+                <a:cs typeface="+mn-cs"/>
+              </a:defRPr>
+            </a:lvl6pPr>
+            <a:lvl7pPr marL="2743200" indent="0" algn="ctr" defTabSz="914400" rtl="0" eaLnBrk="1" latinLnBrk="0" hangingPunct="1">
+              <a:spcBef>
+                <a:spcPct val="20000"/>
+              </a:spcBef>
+              <a:buFont typeface="Arial" pitchFamily="34" charset="0"/>
+              <a:buNone/>
+              <a:defRPr sz="2000" kern="1200">
+                <a:solidFill>
+                  <a:schemeClr val="tx1">
+                    <a:tint val="75000"/>
+                  </a:schemeClr>
+                </a:solidFill>
+                <a:latin typeface="+mn-lt"/>
+                <a:ea typeface="+mn-ea"/>
+                <a:cs typeface="+mn-cs"/>
+              </a:defRPr>
+            </a:lvl7pPr>
+            <a:lvl8pPr marL="3200400" indent="0" algn="ctr" defTabSz="914400" rtl="0" eaLnBrk="1" latinLnBrk="0" hangingPunct="1">
+              <a:spcBef>
+                <a:spcPct val="20000"/>
+              </a:spcBef>
+              <a:buFont typeface="Arial" pitchFamily="34" charset="0"/>
+              <a:buNone/>
+              <a:defRPr sz="2000" kern="1200">
+                <a:solidFill>
+                  <a:schemeClr val="tx1">
+                    <a:tint val="75000"/>
+                  </a:schemeClr>
+                </a:solidFill>
+                <a:latin typeface="+mn-lt"/>
+                <a:ea typeface="+mn-ea"/>
+                <a:cs typeface="+mn-cs"/>
+              </a:defRPr>
+            </a:lvl8pPr>
+            <a:lvl9pPr marL="3657600" indent="0" algn="ctr" defTabSz="914400" rtl="0" eaLnBrk="1" latinLnBrk="0" hangingPunct="1">
+              <a:spcBef>
+                <a:spcPct val="20000"/>
+              </a:spcBef>
+              <a:buFont typeface="Arial" pitchFamily="34" charset="0"/>
+              <a:buNone/>
+              <a:defRPr sz="2000" kern="1200">
+                <a:solidFill>
+                  <a:schemeClr val="tx1">
+                    <a:tint val="75000"/>
+                  </a:schemeClr>
+                </a:solidFill>
+                <a:latin typeface="+mn-lt"/>
+                <a:ea typeface="+mn-ea"/>
+                <a:cs typeface="+mn-cs"/>
+              </a:defRPr>
+            </a:lvl9pPr>
+          </a:lstStyle>
+          <a:p>
+            <a:pPr lvl="1"/>
+            <a:endParaRPr lang="de-DE" sz="1600" dirty="0"/>
+          </a:p>
+        </p:txBody>
+      </p:sp>
+      <p:sp>
+        <p:nvSpPr>
+          <p:cNvPr id="9" name="Rechteck 8"/>
+          <p:cNvSpPr/>
+          <p:nvPr/>
+        </p:nvSpPr>
+        <p:spPr>
+          <a:xfrm>
+            <a:off x="457200" y="1608460"/>
+            <a:ext cx="8229600" cy="4524315"/>
+          </a:xfrm>
+          <a:prstGeom prst="rect">
+            <a:avLst/>
+          </a:prstGeom>
+        </p:spPr>
+        <p:txBody>
+          <a:bodyPr wrap="square">
+            <a:spAutoFit/>
+          </a:bodyPr>
+          <a:lstStyle/>
+          <a:p>
+            <a:r>
+              <a:rPr lang="de-DE" sz="2400" b="1" dirty="0" smtClean="0">
+                <a:latin typeface="Arial" panose="020B0604020202020204" pitchFamily="34" charset="0"/>
+                <a:cs typeface="Arial" panose="020B0604020202020204" pitchFamily="34" charset="0"/>
+              </a:rPr>
+              <a:t>Herausforderungen:</a:t>
+            </a:r>
+          </a:p>
+          <a:p>
+            <a:endParaRPr lang="de-DE" sz="2400" dirty="0" smtClean="0">
+              <a:latin typeface="Arial" panose="020B0604020202020204" pitchFamily="34" charset="0"/>
+              <a:cs typeface="Arial" panose="020B0604020202020204" pitchFamily="34" charset="0"/>
+            </a:endParaRPr>
+          </a:p>
+          <a:p>
+            <a:pPr marL="342900" indent="-342900">
+              <a:buFont typeface="Symbol" panose="05050102010706020507" pitchFamily="18" charset="2"/>
+              <a:buChar char="-"/>
+            </a:pPr>
+            <a:r>
+              <a:rPr lang="de-DE" sz="2400" dirty="0" smtClean="0">
+                <a:latin typeface="Arial" panose="020B0604020202020204" pitchFamily="34" charset="0"/>
+                <a:cs typeface="Arial" panose="020B0604020202020204" pitchFamily="34" charset="0"/>
+              </a:rPr>
+              <a:t>In Umfrage I haben nur knapp 20% der Teilnehmer angegeben, das sie mehr als eine Happy Hour pro Abend besuchen </a:t>
+            </a:r>
+          </a:p>
+          <a:p>
+            <a:pPr lvl="1"/>
+            <a:r>
+              <a:rPr lang="de-DE" sz="2400" dirty="0" smtClean="0">
+                <a:latin typeface="Arial" panose="020B0604020202020204" pitchFamily="34" charset="0"/>
+                <a:cs typeface="Arial" panose="020B0604020202020204" pitchFamily="34" charset="0"/>
+                <a:sym typeface="Wingdings" panose="05000000000000000000" pitchFamily="2" charset="2"/>
+              </a:rPr>
+              <a:t> Unserer Marketingaktivitäten müssen dazu animieren mehr als eine Happy-Hour zu besuchen</a:t>
+            </a:r>
+          </a:p>
+          <a:p>
+            <a:endParaRPr lang="de-DE" sz="2400" dirty="0">
+              <a:latin typeface="Arial" panose="020B0604020202020204" pitchFamily="34" charset="0"/>
+              <a:cs typeface="Arial" panose="020B0604020202020204" pitchFamily="34" charset="0"/>
+              <a:sym typeface="Wingdings" panose="05000000000000000000" pitchFamily="2" charset="2"/>
+            </a:endParaRPr>
+          </a:p>
+          <a:p>
+            <a:pPr marL="342900" indent="-342900">
+              <a:buFont typeface="Symbol" panose="05050102010706020507" pitchFamily="18" charset="2"/>
+              <a:buChar char="-"/>
+            </a:pPr>
+            <a:r>
+              <a:rPr lang="de-DE" sz="2400" dirty="0" smtClean="0">
+                <a:latin typeface="Arial" panose="020B0604020202020204" pitchFamily="34" charset="0"/>
+                <a:cs typeface="Arial" panose="020B0604020202020204" pitchFamily="34" charset="0"/>
+                <a:sym typeface="Wingdings" panose="05000000000000000000" pitchFamily="2" charset="2"/>
+              </a:rPr>
+              <a:t>Vordefinierte Routen sind sehr beliebt, das erstellen von eigenen Routen nach Umfrage I nicht</a:t>
+            </a:r>
+          </a:p>
+          <a:p>
+            <a:pPr lvl="1"/>
+            <a:r>
+              <a:rPr lang="de-DE" sz="2400" dirty="0" smtClean="0">
+                <a:latin typeface="Arial" panose="020B0604020202020204" pitchFamily="34" charset="0"/>
+                <a:cs typeface="Arial" panose="020B0604020202020204" pitchFamily="34" charset="0"/>
+                <a:sym typeface="Wingdings" panose="05000000000000000000" pitchFamily="2" charset="2"/>
+              </a:rPr>
+              <a:t> Die Vorteile der eigenen Routen und der Sharing Funktion müssen den Nutzern aufgezeigt werden</a:t>
+            </a:r>
+            <a:endParaRPr lang="de-DE" sz="2400" dirty="0"/>
+          </a:p>
+        </p:txBody>
+      </p:sp>
+    </p:spTree>
+    <p:extLst>
+      <p:ext uri="{BB962C8B-B14F-4D97-AF65-F5344CB8AC3E}">
+        <p14:creationId xmlns:p14="http://schemas.microsoft.com/office/powerpoint/2010/main" val="3224938422"/>
+      </p:ext>
+    </p:extLst>
+  </p:cSld>
+  <p:clrMapOvr>
+    <a:masterClrMapping/>
+  </p:clrMapOvr>
+  <p:timing>
+    <p:tnLst>
+      <p:par>
+        <p:cTn id="1" dur="indefinite" restart="never" nodeType="tmRoot"/>
+      </p:par>
+    </p:tnLst>
+  </p:timing>
+</p:sld>
+</file>
+
+<file path=ppt/slides/slide16.xml><?xml version="1.0" encoding="utf-8"?>
+<p:sld xmlns:a="http://schemas.openxmlformats.org/drawingml/2006/main" xmlns:r="http://schemas.openxmlformats.org/officeDocument/2006/relationships" xmlns:p="http://schemas.openxmlformats.org/presentationml/2006/main">
+  <p:cSld>
+    <p:spTree>
+      <p:nvGrpSpPr>
+        <p:cNvPr id="1" name=""/>
+        <p:cNvGrpSpPr/>
+        <p:nvPr/>
+      </p:nvGrpSpPr>
+      <p:grpSpPr>
+        <a:xfrm>
+          <a:off x="0" y="0"/>
+          <a:ext cx="0" cy="0"/>
+          <a:chOff x="0" y="0"/>
+          <a:chExt cx="0" cy="0"/>
+        </a:xfrm>
+      </p:grpSpPr>
+      <p:sp>
+        <p:nvSpPr>
+          <p:cNvPr id="4" name="Foliennummernplatzhalter 3"/>
+          <p:cNvSpPr>
+            <a:spLocks noGrp="1"/>
+          </p:cNvSpPr>
+          <p:nvPr>
+            <p:ph type="sldNum" sz="quarter" idx="12"/>
+          </p:nvPr>
+        </p:nvSpPr>
+        <p:spPr/>
+        <p:txBody>
+          <a:bodyPr/>
+          <a:lstStyle/>
+          <a:p>
+            <a:fld id="{6C6AE60A-B69C-4790-82F7-3882EDF23186}" type="slidenum">
+              <a:rPr lang="de-DE" smtClean="0"/>
+              <a:t>16</a:t>
+            </a:fld>
+            <a:endParaRPr lang="de-DE"/>
+          </a:p>
+        </p:txBody>
+      </p:sp>
+      <p:sp>
+        <p:nvSpPr>
+          <p:cNvPr id="5" name="Titel 1"/>
+          <p:cNvSpPr txBox="1">
+            <a:spLocks/>
+          </p:cNvSpPr>
+          <p:nvPr/>
+        </p:nvSpPr>
+        <p:spPr>
+          <a:xfrm>
+            <a:off x="457200" y="274638"/>
+            <a:ext cx="8229600" cy="1143000"/>
+          </a:xfrm>
+          <a:prstGeom prst="rect">
+            <a:avLst/>
+          </a:prstGeom>
+        </p:spPr>
+        <p:txBody>
+          <a:bodyPr vert="horz" lIns="91440" tIns="45720" rIns="91440" bIns="45720" rtlCol="0" anchor="ctr">
+            <a:normAutofit/>
+          </a:bodyPr>
+          <a:lstStyle>
+            <a:lvl1pPr algn="ctr" defTabSz="914400" rtl="0" eaLnBrk="1" latinLnBrk="0" hangingPunct="1">
+              <a:spcBef>
+                <a:spcPct val="0"/>
+              </a:spcBef>
+              <a:buNone/>
+              <a:defRPr sz="4400" kern="1200">
+                <a:solidFill>
+                  <a:schemeClr val="tx1"/>
+                </a:solidFill>
+                <a:latin typeface="+mj-lt"/>
+                <a:ea typeface="+mj-ea"/>
+                <a:cs typeface="+mj-cs"/>
+              </a:defRPr>
+            </a:lvl1pPr>
+          </a:lstStyle>
+          <a:p>
+            <a:pPr algn="l"/>
+            <a:r>
+              <a:rPr lang="de-DE" sz="2800" b="1" dirty="0" smtClean="0">
+                <a:latin typeface="Arial" panose="020B0604020202020204" pitchFamily="34" charset="0"/>
+                <a:cs typeface="Arial" panose="020B0604020202020204" pitchFamily="34" charset="0"/>
+              </a:rPr>
+              <a:t>3. </a:t>
+            </a:r>
+            <a:r>
+              <a:rPr lang="de-DE" sz="2800" b="1" dirty="0" smtClean="0">
+                <a:latin typeface="Arial" panose="020B0604020202020204" pitchFamily="34" charset="0"/>
+                <a:cs typeface="Arial" panose="020B0604020202020204" pitchFamily="34" charset="0"/>
+              </a:rPr>
+              <a:t>Social Media Strategie</a:t>
+            </a:r>
+            <a:endParaRPr lang="de-DE" sz="2800" dirty="0">
+              <a:latin typeface="Arial" panose="020B0604020202020204" pitchFamily="34" charset="0"/>
+              <a:cs typeface="Arial" panose="020B0604020202020204" pitchFamily="34" charset="0"/>
+            </a:endParaRPr>
+          </a:p>
+        </p:txBody>
+      </p:sp>
+      <p:sp>
+        <p:nvSpPr>
+          <p:cNvPr id="8" name="Inhaltsplatzhalter 5"/>
+          <p:cNvSpPr txBox="1">
+            <a:spLocks/>
+          </p:cNvSpPr>
+          <p:nvPr/>
+        </p:nvSpPr>
+        <p:spPr>
+          <a:xfrm>
+            <a:off x="457200" y="1600200"/>
+            <a:ext cx="8229600" cy="4525963"/>
+          </a:xfrm>
+          <a:prstGeom prst="rect">
+            <a:avLst/>
+          </a:prstGeom>
+          <a:ln>
+            <a:solidFill>
+              <a:schemeClr val="accent1"/>
+            </a:solidFill>
+          </a:ln>
+        </p:spPr>
+        <p:txBody>
+          <a:bodyPr vert="horz" lIns="91440" tIns="45720" rIns="91440" bIns="45720" rtlCol="0">
+            <a:normAutofit/>
+          </a:bodyPr>
+          <a:lstStyle>
+            <a:lvl1pPr marL="0" indent="0" algn="ctr" defTabSz="914400" rtl="0" eaLnBrk="1" latinLnBrk="0" hangingPunct="1">
+              <a:spcBef>
+                <a:spcPct val="20000"/>
+              </a:spcBef>
+              <a:buFont typeface="Arial" pitchFamily="34" charset="0"/>
+              <a:buNone/>
+              <a:defRPr sz="3200" kern="1200">
+                <a:solidFill>
+                  <a:schemeClr val="tx1">
+                    <a:tint val="75000"/>
+                  </a:schemeClr>
+                </a:solidFill>
+                <a:latin typeface="+mn-lt"/>
+                <a:ea typeface="+mn-ea"/>
+                <a:cs typeface="+mn-cs"/>
+              </a:defRPr>
+            </a:lvl1pPr>
+            <a:lvl2pPr marL="457200" indent="0" algn="ctr" defTabSz="914400" rtl="0" eaLnBrk="1" latinLnBrk="0" hangingPunct="1">
+              <a:spcBef>
+                <a:spcPct val="20000"/>
+              </a:spcBef>
+              <a:buFont typeface="Arial" pitchFamily="34" charset="0"/>
+              <a:buNone/>
+              <a:defRPr sz="2800" kern="1200">
+                <a:solidFill>
+                  <a:schemeClr val="tx1">
+                    <a:tint val="75000"/>
+                  </a:schemeClr>
+                </a:solidFill>
+                <a:latin typeface="+mn-lt"/>
+                <a:ea typeface="+mn-ea"/>
+                <a:cs typeface="+mn-cs"/>
+              </a:defRPr>
+            </a:lvl2pPr>
+            <a:lvl3pPr marL="914400" indent="0" algn="ctr" defTabSz="914400" rtl="0" eaLnBrk="1" latinLnBrk="0" hangingPunct="1">
+              <a:spcBef>
+                <a:spcPct val="20000"/>
+              </a:spcBef>
+              <a:buFont typeface="Arial" pitchFamily="34" charset="0"/>
+              <a:buNone/>
+              <a:defRPr sz="2400" kern="1200">
+                <a:solidFill>
+                  <a:schemeClr val="tx1">
+                    <a:tint val="75000"/>
+                  </a:schemeClr>
+                </a:solidFill>
+                <a:latin typeface="+mn-lt"/>
+                <a:ea typeface="+mn-ea"/>
+                <a:cs typeface="+mn-cs"/>
+              </a:defRPr>
+            </a:lvl3pPr>
+            <a:lvl4pPr marL="1371600" indent="0" algn="ctr" defTabSz="914400" rtl="0" eaLnBrk="1" latinLnBrk="0" hangingPunct="1">
+              <a:spcBef>
+                <a:spcPct val="20000"/>
+              </a:spcBef>
+              <a:buFont typeface="Arial" pitchFamily="34" charset="0"/>
+              <a:buNone/>
+              <a:defRPr sz="2000" kern="1200">
+                <a:solidFill>
+                  <a:schemeClr val="tx1">
+                    <a:tint val="75000"/>
+                  </a:schemeClr>
+                </a:solidFill>
+                <a:latin typeface="+mn-lt"/>
+                <a:ea typeface="+mn-ea"/>
+                <a:cs typeface="+mn-cs"/>
+              </a:defRPr>
+            </a:lvl4pPr>
+            <a:lvl5pPr marL="1828800" indent="0" algn="ctr" defTabSz="914400" rtl="0" eaLnBrk="1" latinLnBrk="0" hangingPunct="1">
+              <a:spcBef>
+                <a:spcPct val="20000"/>
+              </a:spcBef>
+              <a:buFont typeface="Arial" pitchFamily="34" charset="0"/>
+              <a:buNone/>
+              <a:defRPr sz="2000" kern="1200">
+                <a:solidFill>
+                  <a:schemeClr val="tx1">
+                    <a:tint val="75000"/>
+                  </a:schemeClr>
+                </a:solidFill>
+                <a:latin typeface="+mn-lt"/>
+                <a:ea typeface="+mn-ea"/>
+                <a:cs typeface="+mn-cs"/>
+              </a:defRPr>
+            </a:lvl5pPr>
+            <a:lvl6pPr marL="2286000" indent="0" algn="ctr" defTabSz="914400" rtl="0" eaLnBrk="1" latinLnBrk="0" hangingPunct="1">
+              <a:spcBef>
+                <a:spcPct val="20000"/>
+              </a:spcBef>
+              <a:buFont typeface="Arial" pitchFamily="34" charset="0"/>
+              <a:buNone/>
+              <a:defRPr sz="2000" kern="1200">
+                <a:solidFill>
+                  <a:schemeClr val="tx1">
+                    <a:tint val="75000"/>
+                  </a:schemeClr>
+                </a:solidFill>
+                <a:latin typeface="+mn-lt"/>
+                <a:ea typeface="+mn-ea"/>
+                <a:cs typeface="+mn-cs"/>
+              </a:defRPr>
+            </a:lvl6pPr>
+            <a:lvl7pPr marL="2743200" indent="0" algn="ctr" defTabSz="914400" rtl="0" eaLnBrk="1" latinLnBrk="0" hangingPunct="1">
+              <a:spcBef>
+                <a:spcPct val="20000"/>
+              </a:spcBef>
+              <a:buFont typeface="Arial" pitchFamily="34" charset="0"/>
+              <a:buNone/>
+              <a:defRPr sz="2000" kern="1200">
+                <a:solidFill>
+                  <a:schemeClr val="tx1">
+                    <a:tint val="75000"/>
+                  </a:schemeClr>
+                </a:solidFill>
+                <a:latin typeface="+mn-lt"/>
+                <a:ea typeface="+mn-ea"/>
+                <a:cs typeface="+mn-cs"/>
+              </a:defRPr>
+            </a:lvl7pPr>
+            <a:lvl8pPr marL="3200400" indent="0" algn="ctr" defTabSz="914400" rtl="0" eaLnBrk="1" latinLnBrk="0" hangingPunct="1">
+              <a:spcBef>
+                <a:spcPct val="20000"/>
+              </a:spcBef>
+              <a:buFont typeface="Arial" pitchFamily="34" charset="0"/>
+              <a:buNone/>
+              <a:defRPr sz="2000" kern="1200">
+                <a:solidFill>
+                  <a:schemeClr val="tx1">
+                    <a:tint val="75000"/>
+                  </a:schemeClr>
+                </a:solidFill>
+                <a:latin typeface="+mn-lt"/>
+                <a:ea typeface="+mn-ea"/>
+                <a:cs typeface="+mn-cs"/>
+              </a:defRPr>
+            </a:lvl8pPr>
+            <a:lvl9pPr marL="3657600" indent="0" algn="ctr" defTabSz="914400" rtl="0" eaLnBrk="1" latinLnBrk="0" hangingPunct="1">
+              <a:spcBef>
+                <a:spcPct val="20000"/>
+              </a:spcBef>
+              <a:buFont typeface="Arial" pitchFamily="34" charset="0"/>
+              <a:buNone/>
+              <a:defRPr sz="2000" kern="1200">
+                <a:solidFill>
+                  <a:schemeClr val="tx1">
+                    <a:tint val="75000"/>
+                  </a:schemeClr>
+                </a:solidFill>
+                <a:latin typeface="+mn-lt"/>
+                <a:ea typeface="+mn-ea"/>
+                <a:cs typeface="+mn-cs"/>
+              </a:defRPr>
+            </a:lvl9pPr>
+          </a:lstStyle>
+          <a:p>
+            <a:pPr lvl="1"/>
+            <a:endParaRPr lang="de-DE" sz="1600" dirty="0"/>
+          </a:p>
+        </p:txBody>
+      </p:sp>
+      <p:sp>
+        <p:nvSpPr>
+          <p:cNvPr id="9" name="Rechteck 8"/>
+          <p:cNvSpPr/>
+          <p:nvPr/>
+        </p:nvSpPr>
+        <p:spPr>
+          <a:xfrm>
+            <a:off x="457200" y="1608460"/>
+            <a:ext cx="8229600" cy="4524315"/>
+          </a:xfrm>
+          <a:prstGeom prst="rect">
+            <a:avLst/>
+          </a:prstGeom>
+        </p:spPr>
+        <p:txBody>
+          <a:bodyPr wrap="square">
+            <a:spAutoFit/>
+          </a:bodyPr>
+          <a:lstStyle/>
+          <a:p>
+            <a:r>
+              <a:rPr lang="de-DE" sz="2400" b="1" dirty="0" smtClean="0">
+                <a:latin typeface="Arial" panose="020B0604020202020204" pitchFamily="34" charset="0"/>
+                <a:cs typeface="Arial" panose="020B0604020202020204" pitchFamily="34" charset="0"/>
+              </a:rPr>
+              <a:t>Aktionen:</a:t>
+            </a:r>
+          </a:p>
+          <a:p>
+            <a:endParaRPr lang="de-DE" sz="2400" b="1" dirty="0" smtClean="0">
+              <a:latin typeface="Arial" panose="020B0604020202020204" pitchFamily="34" charset="0"/>
+              <a:cs typeface="Arial" panose="020B0604020202020204" pitchFamily="34" charset="0"/>
+            </a:endParaRPr>
+          </a:p>
+          <a:p>
+            <a:pPr marL="342900" indent="-342900">
+              <a:buFont typeface="Symbol" panose="05050102010706020507" pitchFamily="18" charset="2"/>
+              <a:buChar char="-"/>
+            </a:pPr>
+            <a:r>
+              <a:rPr lang="de-DE" sz="2400" dirty="0" smtClean="0">
+                <a:latin typeface="Arial" panose="020B0604020202020204" pitchFamily="34" charset="0"/>
+                <a:cs typeface="Arial" panose="020B0604020202020204" pitchFamily="34" charset="0"/>
+              </a:rPr>
+              <a:t>Alle Social Media Aktionen werden unter dem #</a:t>
+            </a:r>
+            <a:r>
+              <a:rPr lang="de-DE" sz="2400" dirty="0" err="1" smtClean="0">
+                <a:latin typeface="Arial" panose="020B0604020202020204" pitchFamily="34" charset="0"/>
+                <a:cs typeface="Arial" panose="020B0604020202020204" pitchFamily="34" charset="0"/>
+              </a:rPr>
+              <a:t>goHappy</a:t>
+            </a:r>
+            <a:r>
+              <a:rPr lang="de-DE" sz="2400" dirty="0" smtClean="0">
+                <a:latin typeface="Arial" panose="020B0604020202020204" pitchFamily="34" charset="0"/>
+                <a:cs typeface="Arial" panose="020B0604020202020204" pitchFamily="34" charset="0"/>
+              </a:rPr>
+              <a:t> zusammengefasst und auf den Plattformen </a:t>
+            </a:r>
+            <a:r>
+              <a:rPr lang="de-DE" sz="2400" dirty="0" err="1" smtClean="0">
+                <a:latin typeface="Arial" panose="020B0604020202020204" pitchFamily="34" charset="0"/>
+                <a:cs typeface="Arial" panose="020B0604020202020204" pitchFamily="34" charset="0"/>
+              </a:rPr>
+              <a:t>Facbeook</a:t>
+            </a:r>
+            <a:r>
+              <a:rPr lang="de-DE" sz="2400" dirty="0" smtClean="0">
+                <a:latin typeface="Arial" panose="020B0604020202020204" pitchFamily="34" charset="0"/>
+                <a:cs typeface="Arial" panose="020B0604020202020204" pitchFamily="34" charset="0"/>
+              </a:rPr>
+              <a:t> und Instagram parallel durchgeführt.</a:t>
+            </a:r>
+          </a:p>
+          <a:p>
+            <a:endParaRPr lang="de-DE" sz="2400" dirty="0" smtClean="0">
+              <a:latin typeface="Arial" panose="020B0604020202020204" pitchFamily="34" charset="0"/>
+              <a:cs typeface="Arial" panose="020B0604020202020204" pitchFamily="34" charset="0"/>
+            </a:endParaRPr>
+          </a:p>
+          <a:p>
+            <a:pPr marL="457200" indent="-457200">
+              <a:buFont typeface="Symbol" panose="05050102010706020507" pitchFamily="18" charset="2"/>
+              <a:buChar char="-"/>
+            </a:pPr>
+            <a:r>
+              <a:rPr lang="de-DE" sz="2400" i="1" dirty="0">
+                <a:latin typeface="Arial" panose="020B0604020202020204" pitchFamily="34" charset="0"/>
+                <a:cs typeface="Arial" panose="020B0604020202020204" pitchFamily="34" charset="0"/>
+              </a:rPr>
+              <a:t>Was macht dich happy? Schreib uns auf </a:t>
+            </a:r>
+            <a:r>
+              <a:rPr lang="de-DE" sz="2400" i="1" dirty="0" smtClean="0">
+                <a:latin typeface="Arial" panose="020B0604020202020204" pitchFamily="34" charset="0"/>
+                <a:cs typeface="Arial" panose="020B0604020202020204" pitchFamily="34" charset="0"/>
+              </a:rPr>
+              <a:t>Facebook oder Instagram unter </a:t>
+            </a:r>
+            <a:r>
+              <a:rPr lang="de-DE" sz="2400" i="1" dirty="0">
+                <a:latin typeface="Arial" panose="020B0604020202020204" pitchFamily="34" charset="0"/>
+                <a:cs typeface="Arial" panose="020B0604020202020204" pitchFamily="34" charset="0"/>
+              </a:rPr>
+              <a:t>dem Hashtag </a:t>
+            </a:r>
+            <a:r>
+              <a:rPr lang="de-DE" sz="2400" i="1" dirty="0" smtClean="0">
+                <a:latin typeface="Arial" panose="020B0604020202020204" pitchFamily="34" charset="0"/>
+                <a:cs typeface="Arial" panose="020B0604020202020204" pitchFamily="34" charset="0"/>
+              </a:rPr>
+              <a:t>#</a:t>
+            </a:r>
+            <a:r>
+              <a:rPr lang="de-DE" sz="2400" i="1" dirty="0" err="1" smtClean="0">
+                <a:latin typeface="Arial" panose="020B0604020202020204" pitchFamily="34" charset="0"/>
+                <a:cs typeface="Arial" panose="020B0604020202020204" pitchFamily="34" charset="0"/>
+              </a:rPr>
+              <a:t>goHappy</a:t>
+            </a:r>
+            <a:endParaRPr lang="de-DE" sz="2400" i="1" dirty="0" smtClean="0">
+              <a:latin typeface="Arial" panose="020B0604020202020204" pitchFamily="34" charset="0"/>
+              <a:cs typeface="Arial" panose="020B0604020202020204" pitchFamily="34" charset="0"/>
+            </a:endParaRPr>
+          </a:p>
+          <a:p>
+            <a:endParaRPr lang="de-DE" sz="2400" dirty="0">
+              <a:latin typeface="Arial" panose="020B0604020202020204" pitchFamily="34" charset="0"/>
+              <a:cs typeface="Arial" panose="020B0604020202020204" pitchFamily="34" charset="0"/>
+            </a:endParaRPr>
+          </a:p>
+          <a:p>
+            <a:pPr marL="342900" indent="-342900">
+              <a:buFont typeface="Symbol" panose="05050102010706020507" pitchFamily="18" charset="2"/>
+              <a:buChar char="-"/>
+            </a:pPr>
+            <a:r>
+              <a:rPr lang="de-DE" sz="2400" i="1" dirty="0">
+                <a:latin typeface="Arial" panose="020B0604020202020204" pitchFamily="34" charset="0"/>
+                <a:cs typeface="Arial" panose="020B0604020202020204" pitchFamily="34" charset="0"/>
+              </a:rPr>
+              <a:t>Du bist mit </a:t>
+            </a:r>
+            <a:r>
+              <a:rPr lang="de-DE" sz="2400" i="1" dirty="0" err="1" smtClean="0">
+                <a:latin typeface="Arial" panose="020B0604020202020204" pitchFamily="34" charset="0"/>
+                <a:cs typeface="Arial" panose="020B0604020202020204" pitchFamily="34" charset="0"/>
+              </a:rPr>
+              <a:t>GoHappy</a:t>
+            </a:r>
+            <a:r>
+              <a:rPr lang="de-DE" sz="2400" i="1" dirty="0" smtClean="0">
+                <a:latin typeface="Arial" panose="020B0604020202020204" pitchFamily="34" charset="0"/>
+                <a:cs typeface="Arial" panose="020B0604020202020204" pitchFamily="34" charset="0"/>
+              </a:rPr>
+              <a:t> </a:t>
+            </a:r>
+            <a:r>
+              <a:rPr lang="de-DE" sz="2400" i="1" dirty="0">
+                <a:latin typeface="Arial" panose="020B0604020202020204" pitchFamily="34" charset="0"/>
+                <a:cs typeface="Arial" panose="020B0604020202020204" pitchFamily="34" charset="0"/>
+              </a:rPr>
+              <a:t>unterwegs? Teile deine Erlebnisse und Fotos mit </a:t>
+            </a:r>
+            <a:r>
+              <a:rPr lang="de-DE" sz="2400" i="1" dirty="0" smtClean="0">
+                <a:latin typeface="Arial" panose="020B0604020202020204" pitchFamily="34" charset="0"/>
+                <a:cs typeface="Arial" panose="020B0604020202020204" pitchFamily="34" charset="0"/>
+              </a:rPr>
+              <a:t>deinen Freunden unter dem #</a:t>
+            </a:r>
+            <a:r>
+              <a:rPr lang="de-DE" sz="2400" i="1" dirty="0" err="1" smtClean="0">
+                <a:latin typeface="Arial" panose="020B0604020202020204" pitchFamily="34" charset="0"/>
+                <a:cs typeface="Arial" panose="020B0604020202020204" pitchFamily="34" charset="0"/>
+              </a:rPr>
+              <a:t>goHappy</a:t>
+            </a:r>
+            <a:endParaRPr lang="de-DE" sz="2400" i="1" dirty="0">
+              <a:latin typeface="Arial" panose="020B0604020202020204" pitchFamily="34" charset="0"/>
+              <a:cs typeface="Arial" panose="020B0604020202020204" pitchFamily="34" charset="0"/>
+            </a:endParaRPr>
+          </a:p>
+          <a:p>
+            <a:pPr marL="342900" indent="-342900">
+              <a:buFont typeface="Symbol" panose="05050102010706020507" pitchFamily="18" charset="2"/>
+              <a:buChar char="-"/>
+            </a:pPr>
+            <a:endParaRPr lang="de-DE" sz="2400" dirty="0"/>
+          </a:p>
+        </p:txBody>
+      </p:sp>
+    </p:spTree>
+    <p:extLst>
+      <p:ext uri="{BB962C8B-B14F-4D97-AF65-F5344CB8AC3E}">
+        <p14:creationId xmlns:p14="http://schemas.microsoft.com/office/powerpoint/2010/main" val="3096465287"/>
+      </p:ext>
+    </p:extLst>
+  </p:cSld>
+  <p:clrMapOvr>
+    <a:masterClrMapping/>
+  </p:clrMapOvr>
+  <p:timing>
+    <p:tnLst>
+      <p:par>
+        <p:cTn id="1" dur="indefinite" restart="never" nodeType="tmRoot"/>
+      </p:par>
+    </p:tnLst>
+  </p:timing>
+</p:sld>
+</file>
+
+<file path=ppt/slides/slide17.xml><?xml version="1.0" encoding="utf-8"?>
+<p:sld xmlns:a="http://schemas.openxmlformats.org/drawingml/2006/main" xmlns:r="http://schemas.openxmlformats.org/officeDocument/2006/relationships" xmlns:p="http://schemas.openxmlformats.org/presentationml/2006/main">
+  <p:cSld>
+    <p:spTree>
+      <p:nvGrpSpPr>
+        <p:cNvPr id="1" name=""/>
+        <p:cNvGrpSpPr/>
+        <p:nvPr/>
+      </p:nvGrpSpPr>
+      <p:grpSpPr>
+        <a:xfrm>
+          <a:off x="0" y="0"/>
+          <a:ext cx="0" cy="0"/>
+          <a:chOff x="0" y="0"/>
+          <a:chExt cx="0" cy="0"/>
+        </a:xfrm>
+      </p:grpSpPr>
+      <p:sp>
+        <p:nvSpPr>
+          <p:cNvPr id="4" name="Foliennummernplatzhalter 3"/>
+          <p:cNvSpPr>
+            <a:spLocks noGrp="1"/>
+          </p:cNvSpPr>
+          <p:nvPr>
+            <p:ph type="sldNum" sz="quarter" idx="12"/>
+          </p:nvPr>
+        </p:nvSpPr>
+        <p:spPr/>
+        <p:txBody>
+          <a:bodyPr/>
+          <a:lstStyle/>
+          <a:p>
+            <a:fld id="{6C6AE60A-B69C-4790-82F7-3882EDF23186}" type="slidenum">
+              <a:rPr lang="de-DE" smtClean="0"/>
+              <a:t>17</a:t>
+            </a:fld>
+            <a:endParaRPr lang="de-DE"/>
+          </a:p>
+        </p:txBody>
+      </p:sp>
+      <p:sp>
+        <p:nvSpPr>
+          <p:cNvPr id="5" name="Titel 1"/>
+          <p:cNvSpPr txBox="1">
+            <a:spLocks/>
+          </p:cNvSpPr>
+          <p:nvPr/>
+        </p:nvSpPr>
+        <p:spPr>
+          <a:xfrm>
+            <a:off x="457200" y="274638"/>
+            <a:ext cx="8229600" cy="1143000"/>
+          </a:xfrm>
+          <a:prstGeom prst="rect">
+            <a:avLst/>
+          </a:prstGeom>
+        </p:spPr>
+        <p:txBody>
+          <a:bodyPr vert="horz" lIns="91440" tIns="45720" rIns="91440" bIns="45720" rtlCol="0" anchor="ctr">
+            <a:normAutofit/>
+          </a:bodyPr>
+          <a:lstStyle>
+            <a:lvl1pPr algn="ctr" defTabSz="914400" rtl="0" eaLnBrk="1" latinLnBrk="0" hangingPunct="1">
+              <a:spcBef>
+                <a:spcPct val="0"/>
+              </a:spcBef>
+              <a:buNone/>
+              <a:defRPr sz="4400" kern="1200">
+                <a:solidFill>
+                  <a:schemeClr val="tx1"/>
+                </a:solidFill>
+                <a:latin typeface="+mj-lt"/>
+                <a:ea typeface="+mj-ea"/>
+                <a:cs typeface="+mj-cs"/>
+              </a:defRPr>
+            </a:lvl1pPr>
+          </a:lstStyle>
+          <a:p>
+            <a:pPr algn="l"/>
+            <a:r>
+              <a:rPr lang="de-DE" sz="2800" b="1" dirty="0" smtClean="0">
+                <a:latin typeface="Arial" panose="020B0604020202020204" pitchFamily="34" charset="0"/>
+                <a:cs typeface="Arial" panose="020B0604020202020204" pitchFamily="34" charset="0"/>
+              </a:rPr>
+              <a:t>3. </a:t>
+            </a:r>
+            <a:r>
+              <a:rPr lang="de-DE" sz="2800" b="1" dirty="0" smtClean="0">
+                <a:latin typeface="Arial" panose="020B0604020202020204" pitchFamily="34" charset="0"/>
+                <a:cs typeface="Arial" panose="020B0604020202020204" pitchFamily="34" charset="0"/>
+              </a:rPr>
+              <a:t>Social Media Strategie</a:t>
+            </a:r>
+            <a:endParaRPr lang="de-DE" sz="2800" dirty="0">
+              <a:latin typeface="Arial" panose="020B0604020202020204" pitchFamily="34" charset="0"/>
+              <a:cs typeface="Arial" panose="020B0604020202020204" pitchFamily="34" charset="0"/>
+            </a:endParaRPr>
+          </a:p>
+        </p:txBody>
+      </p:sp>
+      <p:sp>
+        <p:nvSpPr>
+          <p:cNvPr id="8" name="Inhaltsplatzhalter 5"/>
+          <p:cNvSpPr txBox="1">
+            <a:spLocks/>
+          </p:cNvSpPr>
+          <p:nvPr/>
+        </p:nvSpPr>
+        <p:spPr>
+          <a:xfrm>
+            <a:off x="457200" y="1600200"/>
+            <a:ext cx="8229600" cy="4525963"/>
+          </a:xfrm>
+          <a:prstGeom prst="rect">
+            <a:avLst/>
+          </a:prstGeom>
+          <a:ln>
+            <a:solidFill>
+              <a:schemeClr val="accent1"/>
+            </a:solidFill>
+          </a:ln>
+        </p:spPr>
+        <p:txBody>
+          <a:bodyPr vert="horz" lIns="91440" tIns="45720" rIns="91440" bIns="45720" rtlCol="0">
+            <a:normAutofit/>
+          </a:bodyPr>
+          <a:lstStyle>
+            <a:lvl1pPr marL="0" indent="0" algn="ctr" defTabSz="914400" rtl="0" eaLnBrk="1" latinLnBrk="0" hangingPunct="1">
+              <a:spcBef>
+                <a:spcPct val="20000"/>
+              </a:spcBef>
+              <a:buFont typeface="Arial" pitchFamily="34" charset="0"/>
+              <a:buNone/>
+              <a:defRPr sz="3200" kern="1200">
+                <a:solidFill>
+                  <a:schemeClr val="tx1">
+                    <a:tint val="75000"/>
+                  </a:schemeClr>
+                </a:solidFill>
+                <a:latin typeface="+mn-lt"/>
+                <a:ea typeface="+mn-ea"/>
+                <a:cs typeface="+mn-cs"/>
+              </a:defRPr>
+            </a:lvl1pPr>
+            <a:lvl2pPr marL="457200" indent="0" algn="ctr" defTabSz="914400" rtl="0" eaLnBrk="1" latinLnBrk="0" hangingPunct="1">
+              <a:spcBef>
+                <a:spcPct val="20000"/>
+              </a:spcBef>
+              <a:buFont typeface="Arial" pitchFamily="34" charset="0"/>
+              <a:buNone/>
+              <a:defRPr sz="2800" kern="1200">
+                <a:solidFill>
+                  <a:schemeClr val="tx1">
+                    <a:tint val="75000"/>
+                  </a:schemeClr>
+                </a:solidFill>
+                <a:latin typeface="+mn-lt"/>
+                <a:ea typeface="+mn-ea"/>
+                <a:cs typeface="+mn-cs"/>
+              </a:defRPr>
+            </a:lvl2pPr>
+            <a:lvl3pPr marL="914400" indent="0" algn="ctr" defTabSz="914400" rtl="0" eaLnBrk="1" latinLnBrk="0" hangingPunct="1">
+              <a:spcBef>
+                <a:spcPct val="20000"/>
+              </a:spcBef>
+              <a:buFont typeface="Arial" pitchFamily="34" charset="0"/>
+              <a:buNone/>
+              <a:defRPr sz="2400" kern="1200">
+                <a:solidFill>
+                  <a:schemeClr val="tx1">
+                    <a:tint val="75000"/>
+                  </a:schemeClr>
+                </a:solidFill>
+                <a:latin typeface="+mn-lt"/>
+                <a:ea typeface="+mn-ea"/>
+                <a:cs typeface="+mn-cs"/>
+              </a:defRPr>
+            </a:lvl3pPr>
+            <a:lvl4pPr marL="1371600" indent="0" algn="ctr" defTabSz="914400" rtl="0" eaLnBrk="1" latinLnBrk="0" hangingPunct="1">
+              <a:spcBef>
+                <a:spcPct val="20000"/>
+              </a:spcBef>
+              <a:buFont typeface="Arial" pitchFamily="34" charset="0"/>
+              <a:buNone/>
+              <a:defRPr sz="2000" kern="1200">
+                <a:solidFill>
+                  <a:schemeClr val="tx1">
+                    <a:tint val="75000"/>
+                  </a:schemeClr>
+                </a:solidFill>
+                <a:latin typeface="+mn-lt"/>
+                <a:ea typeface="+mn-ea"/>
+                <a:cs typeface="+mn-cs"/>
+              </a:defRPr>
+            </a:lvl4pPr>
+            <a:lvl5pPr marL="1828800" indent="0" algn="ctr" defTabSz="914400" rtl="0" eaLnBrk="1" latinLnBrk="0" hangingPunct="1">
+              <a:spcBef>
+                <a:spcPct val="20000"/>
+              </a:spcBef>
+              <a:buFont typeface="Arial" pitchFamily="34" charset="0"/>
+              <a:buNone/>
+              <a:defRPr sz="2000" kern="1200">
+                <a:solidFill>
+                  <a:schemeClr val="tx1">
+                    <a:tint val="75000"/>
+                  </a:schemeClr>
+                </a:solidFill>
+                <a:latin typeface="+mn-lt"/>
+                <a:ea typeface="+mn-ea"/>
+                <a:cs typeface="+mn-cs"/>
+              </a:defRPr>
+            </a:lvl5pPr>
+            <a:lvl6pPr marL="2286000" indent="0" algn="ctr" defTabSz="914400" rtl="0" eaLnBrk="1" latinLnBrk="0" hangingPunct="1">
+              <a:spcBef>
+                <a:spcPct val="20000"/>
+              </a:spcBef>
+              <a:buFont typeface="Arial" pitchFamily="34" charset="0"/>
+              <a:buNone/>
+              <a:defRPr sz="2000" kern="1200">
+                <a:solidFill>
+                  <a:schemeClr val="tx1">
+                    <a:tint val="75000"/>
+                  </a:schemeClr>
+                </a:solidFill>
+                <a:latin typeface="+mn-lt"/>
+                <a:ea typeface="+mn-ea"/>
+                <a:cs typeface="+mn-cs"/>
+              </a:defRPr>
+            </a:lvl6pPr>
+            <a:lvl7pPr marL="2743200" indent="0" algn="ctr" defTabSz="914400" rtl="0" eaLnBrk="1" latinLnBrk="0" hangingPunct="1">
+              <a:spcBef>
+                <a:spcPct val="20000"/>
+              </a:spcBef>
+              <a:buFont typeface="Arial" pitchFamily="34" charset="0"/>
+              <a:buNone/>
+              <a:defRPr sz="2000" kern="1200">
+                <a:solidFill>
+                  <a:schemeClr val="tx1">
+                    <a:tint val="75000"/>
+                  </a:schemeClr>
+                </a:solidFill>
+                <a:latin typeface="+mn-lt"/>
+                <a:ea typeface="+mn-ea"/>
+                <a:cs typeface="+mn-cs"/>
+              </a:defRPr>
+            </a:lvl7pPr>
+            <a:lvl8pPr marL="3200400" indent="0" algn="ctr" defTabSz="914400" rtl="0" eaLnBrk="1" latinLnBrk="0" hangingPunct="1">
+              <a:spcBef>
+                <a:spcPct val="20000"/>
+              </a:spcBef>
+              <a:buFont typeface="Arial" pitchFamily="34" charset="0"/>
+              <a:buNone/>
+              <a:defRPr sz="2000" kern="1200">
+                <a:solidFill>
+                  <a:schemeClr val="tx1">
+                    <a:tint val="75000"/>
+                  </a:schemeClr>
+                </a:solidFill>
+                <a:latin typeface="+mn-lt"/>
+                <a:ea typeface="+mn-ea"/>
+                <a:cs typeface="+mn-cs"/>
+              </a:defRPr>
+            </a:lvl8pPr>
+            <a:lvl9pPr marL="3657600" indent="0" algn="ctr" defTabSz="914400" rtl="0" eaLnBrk="1" latinLnBrk="0" hangingPunct="1">
+              <a:spcBef>
+                <a:spcPct val="20000"/>
+              </a:spcBef>
+              <a:buFont typeface="Arial" pitchFamily="34" charset="0"/>
+              <a:buNone/>
+              <a:defRPr sz="2000" kern="1200">
+                <a:solidFill>
+                  <a:schemeClr val="tx1">
+                    <a:tint val="75000"/>
+                  </a:schemeClr>
+                </a:solidFill>
+                <a:latin typeface="+mn-lt"/>
+                <a:ea typeface="+mn-ea"/>
+                <a:cs typeface="+mn-cs"/>
+              </a:defRPr>
+            </a:lvl9pPr>
+          </a:lstStyle>
+          <a:p>
+            <a:pPr lvl="1"/>
+            <a:endParaRPr lang="de-DE" sz="1600" dirty="0"/>
+          </a:p>
+        </p:txBody>
+      </p:sp>
+      <p:sp>
+        <p:nvSpPr>
+          <p:cNvPr id="9" name="Rechteck 8"/>
+          <p:cNvSpPr/>
+          <p:nvPr/>
+        </p:nvSpPr>
+        <p:spPr>
+          <a:xfrm>
+            <a:off x="457200" y="1608460"/>
+            <a:ext cx="8229600" cy="3046988"/>
+          </a:xfrm>
+          <a:prstGeom prst="rect">
+            <a:avLst/>
+          </a:prstGeom>
+        </p:spPr>
+        <p:txBody>
+          <a:bodyPr wrap="square">
+            <a:spAutoFit/>
+          </a:bodyPr>
+          <a:lstStyle/>
+          <a:p>
+            <a:r>
+              <a:rPr lang="de-DE" sz="2400" b="1" dirty="0" smtClean="0">
+                <a:latin typeface="Arial" panose="020B0604020202020204" pitchFamily="34" charset="0"/>
+                <a:cs typeface="Arial" panose="020B0604020202020204" pitchFamily="34" charset="0"/>
+              </a:rPr>
+              <a:t>Aktionen:</a:t>
+            </a:r>
+          </a:p>
+          <a:p>
+            <a:endParaRPr lang="de-DE" sz="2400" dirty="0" smtClean="0">
+              <a:latin typeface="Arial" panose="020B0604020202020204" pitchFamily="34" charset="0"/>
+              <a:cs typeface="Arial" panose="020B0604020202020204" pitchFamily="34" charset="0"/>
+            </a:endParaRPr>
+          </a:p>
+          <a:p>
+            <a:pPr marL="342900" indent="-342900">
+              <a:buFont typeface="Symbol" panose="05050102010706020507" pitchFamily="18" charset="2"/>
+              <a:buChar char="-"/>
+            </a:pPr>
+            <a:r>
+              <a:rPr lang="de-DE" sz="2400" dirty="0" smtClean="0">
+                <a:latin typeface="Arial" panose="020B0604020202020204" pitchFamily="34" charset="0"/>
+                <a:cs typeface="Arial" panose="020B0604020202020204" pitchFamily="34" charset="0"/>
+              </a:rPr>
+              <a:t>Kooperationen mit Barbesitzern, welche auf Facebook oder Instagram aktiv sind mit </a:t>
+            </a:r>
+            <a:r>
+              <a:rPr lang="de-DE" sz="2400" dirty="0" smtClean="0">
+                <a:latin typeface="Arial" panose="020B0604020202020204" pitchFamily="34" charset="0"/>
+                <a:cs typeface="Arial" panose="020B0604020202020204" pitchFamily="34" charset="0"/>
+              </a:rPr>
+              <a:t>Spezialangeboten in den Bars für die Nutzer der Anwendung.</a:t>
+            </a:r>
+          </a:p>
+          <a:p>
+            <a:endParaRPr lang="de-DE" sz="2400" dirty="0">
+              <a:latin typeface="Arial" panose="020B0604020202020204" pitchFamily="34" charset="0"/>
+              <a:cs typeface="Arial" panose="020B0604020202020204" pitchFamily="34" charset="0"/>
+            </a:endParaRPr>
+          </a:p>
+          <a:p>
+            <a:endParaRPr lang="de-DE" sz="2400" dirty="0" smtClean="0">
+              <a:latin typeface="Arial" panose="020B0604020202020204" pitchFamily="34" charset="0"/>
+              <a:cs typeface="Arial" panose="020B0604020202020204" pitchFamily="34" charset="0"/>
+            </a:endParaRPr>
+          </a:p>
+          <a:p>
+            <a:endParaRPr lang="de-DE" sz="2400" dirty="0">
+              <a:latin typeface="Arial" panose="020B0604020202020204" pitchFamily="34" charset="0"/>
+              <a:cs typeface="Arial" panose="020B0604020202020204" pitchFamily="34" charset="0"/>
+            </a:endParaRPr>
+          </a:p>
+        </p:txBody>
+      </p:sp>
+    </p:spTree>
+    <p:extLst>
+      <p:ext uri="{BB962C8B-B14F-4D97-AF65-F5344CB8AC3E}">
+        <p14:creationId xmlns:p14="http://schemas.microsoft.com/office/powerpoint/2010/main" val="1092697275"/>
+      </p:ext>
+    </p:extLst>
+  </p:cSld>
+  <p:clrMapOvr>
+    <a:masterClrMapping/>
+  </p:clrMapOvr>
+  <p:timing>
+    <p:tnLst>
+      <p:par>
+        <p:cTn id="1" dur="indefinite" restart="never" nodeType="tmRoot"/>
+      </p:par>
+    </p:tnLst>
+  </p:timing>
+</p:sld>
+</file>
+
+<file path=ppt/slides/slide18.xml><?xml version="1.0" encoding="utf-8"?>
+<p:sld xmlns:a="http://schemas.openxmlformats.org/drawingml/2006/main" xmlns:r="http://schemas.openxmlformats.org/officeDocument/2006/relationships" xmlns:p="http://schemas.openxmlformats.org/presentationml/2006/main">
+  <p:cSld>
+    <p:spTree>
+      <p:nvGrpSpPr>
+        <p:cNvPr id="1" name=""/>
+        <p:cNvGrpSpPr/>
+        <p:nvPr/>
+      </p:nvGrpSpPr>
+      <p:grpSpPr>
+        <a:xfrm>
+          <a:off x="0" y="0"/>
+          <a:ext cx="0" cy="0"/>
+          <a:chOff x="0" y="0"/>
+          <a:chExt cx="0" cy="0"/>
+        </a:xfrm>
+      </p:grpSpPr>
+      <p:sp>
+        <p:nvSpPr>
           <p:cNvPr id="3" name="Inhaltsplatzhalter 2"/>
           <p:cNvSpPr>
             <a:spLocks noGrp="1"/>
@@ -5773,8 +7030,102 @@
                 <a:latin typeface="Arial" panose="020B0604020202020204" pitchFamily="34" charset="0"/>
                 <a:cs typeface="Arial" panose="020B0604020202020204" pitchFamily="34" charset="0"/>
               </a:rPr>
-              <a:t>???</a:t>
-            </a:r>
+              <a:t>Social Media Marketing für „</a:t>
+            </a:r>
+            <a:r>
+              <a:rPr lang="de-DE" sz="2400" dirty="0" err="1" smtClean="0">
+                <a:latin typeface="Arial" panose="020B0604020202020204" pitchFamily="34" charset="0"/>
+                <a:cs typeface="Arial" panose="020B0604020202020204" pitchFamily="34" charset="0"/>
+              </a:rPr>
+              <a:t>GoHappy</a:t>
+            </a:r>
+            <a:r>
+              <a:rPr lang="de-DE" sz="2400" dirty="0" smtClean="0">
+                <a:latin typeface="Arial" panose="020B0604020202020204" pitchFamily="34" charset="0"/>
+                <a:cs typeface="Arial" panose="020B0604020202020204" pitchFamily="34" charset="0"/>
+              </a:rPr>
+              <a:t>“ soll vor allem eine junge Zielgruppe ansprechen.</a:t>
+            </a:r>
+          </a:p>
+          <a:p>
+            <a:pPr>
+              <a:buFont typeface="Symbol" panose="05050102010706020507" pitchFamily="18" charset="2"/>
+              <a:buChar char="-"/>
+            </a:pPr>
+            <a:r>
+              <a:rPr lang="de-DE" sz="2400" dirty="0">
+                <a:latin typeface="Arial" panose="020B0604020202020204" pitchFamily="34" charset="0"/>
+                <a:cs typeface="Arial" panose="020B0604020202020204" pitchFamily="34" charset="0"/>
+              </a:rPr>
+              <a:t>Es soll eine eigenständige Facebook und Instagram Präsenz von „</a:t>
+            </a:r>
+            <a:r>
+              <a:rPr lang="de-DE" sz="2400" dirty="0" err="1">
+                <a:latin typeface="Arial" panose="020B0604020202020204" pitchFamily="34" charset="0"/>
+                <a:cs typeface="Arial" panose="020B0604020202020204" pitchFamily="34" charset="0"/>
+              </a:rPr>
+              <a:t>GoHappy</a:t>
+            </a:r>
+            <a:r>
+              <a:rPr lang="de-DE" sz="2400" dirty="0">
+                <a:latin typeface="Arial" panose="020B0604020202020204" pitchFamily="34" charset="0"/>
+                <a:cs typeface="Arial" panose="020B0604020202020204" pitchFamily="34" charset="0"/>
+              </a:rPr>
+              <a:t>“ </a:t>
+            </a:r>
+            <a:r>
+              <a:rPr lang="de-DE" sz="2400" dirty="0" smtClean="0">
+                <a:latin typeface="Arial" panose="020B0604020202020204" pitchFamily="34" charset="0"/>
+                <a:cs typeface="Arial" panose="020B0604020202020204" pitchFamily="34" charset="0"/>
+              </a:rPr>
+              <a:t>geben.</a:t>
+            </a:r>
+            <a:endParaRPr lang="de-DE" sz="2400" dirty="0">
+              <a:latin typeface="Arial" panose="020B0604020202020204" pitchFamily="34" charset="0"/>
+              <a:cs typeface="Arial" panose="020B0604020202020204" pitchFamily="34" charset="0"/>
+            </a:endParaRPr>
+          </a:p>
+          <a:p>
+            <a:pPr>
+              <a:buFont typeface="Symbol" panose="05050102010706020507" pitchFamily="18" charset="2"/>
+              <a:buChar char="-"/>
+            </a:pPr>
+            <a:r>
+              <a:rPr lang="de-DE" sz="2400" dirty="0" smtClean="0">
+                <a:latin typeface="Arial" panose="020B0604020202020204" pitchFamily="34" charset="0"/>
+                <a:cs typeface="Arial" panose="020B0604020202020204" pitchFamily="34" charset="0"/>
+              </a:rPr>
+              <a:t>Der Dialog mit und zwischen den Nutzern steht ganz im Vordergrund und bedient sich der Eigenheiten der gewählten sozialen Netzwerke.</a:t>
+            </a:r>
+          </a:p>
+          <a:p>
+            <a:pPr>
+              <a:buFont typeface="Symbol" panose="05050102010706020507" pitchFamily="18" charset="2"/>
+              <a:buChar char="-"/>
+            </a:pPr>
+            <a:r>
+              <a:rPr lang="de-DE" sz="2400" dirty="0" smtClean="0">
+                <a:latin typeface="Arial" panose="020B0604020202020204" pitchFamily="34" charset="0"/>
+                <a:cs typeface="Arial" panose="020B0604020202020204" pitchFamily="34" charset="0"/>
+              </a:rPr>
+              <a:t>Nutzer sollen animiert werden ihre Erlebnisse auf den Happy Hour Touren zu teilen. Dies dient gerade auf Social Media als Multiplikator.</a:t>
+            </a:r>
+          </a:p>
+          <a:p>
+            <a:pPr>
+              <a:buFont typeface="Symbol" panose="05050102010706020507" pitchFamily="18" charset="2"/>
+              <a:buChar char="-"/>
+            </a:pPr>
+            <a:endParaRPr lang="de-DE" sz="2400" dirty="0" smtClean="0">
+              <a:latin typeface="Arial" panose="020B0604020202020204" pitchFamily="34" charset="0"/>
+              <a:cs typeface="Arial" panose="020B0604020202020204" pitchFamily="34" charset="0"/>
+            </a:endParaRPr>
+          </a:p>
+          <a:p>
+            <a:pPr>
+              <a:buFont typeface="Symbol" panose="05050102010706020507" pitchFamily="18" charset="2"/>
+              <a:buChar char="-"/>
+            </a:pPr>
             <a:endParaRPr lang="de-DE" sz="2400" dirty="0">
               <a:latin typeface="Arial" panose="020B0604020202020204" pitchFamily="34" charset="0"/>
               <a:cs typeface="Arial" panose="020B0604020202020204" pitchFamily="34" charset="0"/>
@@ -5951,7 +7302,7 @@
           <a:p>
             <a:fld id="{6C6AE60A-B69C-4790-82F7-3882EDF23186}" type="slidenum">
               <a:rPr lang="de-DE" smtClean="0"/>
-              <a:t>15</a:t>
+              <a:t>18</a:t>
             </a:fld>
             <a:endParaRPr lang="de-DE"/>
           </a:p>
@@ -7760,7 +9111,7 @@
           </a:p>
           <a:p>
             <a:r>
-              <a:rPr lang="de-DE" sz="2400" smtClean="0">
+              <a:rPr lang="de-DE" sz="2400" dirty="0" smtClean="0">
                 <a:latin typeface="Arial" panose="020B0604020202020204" pitchFamily="34" charset="0"/>
                 <a:cs typeface="Arial" panose="020B0604020202020204" pitchFamily="34" charset="0"/>
               </a:rPr>
@@ -7963,6 +9314,13 @@
                 <a:cs typeface="Arial" panose="020B0604020202020204" pitchFamily="34" charset="0"/>
               </a:rPr>
               <a:t>Marketing: </a:t>
+            </a:r>
+            <a:r>
+              <a:rPr lang="de-DE" sz="2400" b="1" dirty="0" smtClean="0">
+                <a:latin typeface="Arial" panose="020B0604020202020204" pitchFamily="34" charset="0"/>
+                <a:cs typeface="Arial" panose="020B0604020202020204" pitchFamily="34" charset="0"/>
+              </a:rPr>
+              <a:t> </a:t>
             </a:r>
             <a:r>
               <a:rPr lang="de-DE" sz="2400" dirty="0" smtClean="0">
@@ -8384,7 +9742,7 @@
                 <a:latin typeface="Arial" panose="020B0604020202020204" pitchFamily="34" charset="0"/>
                 <a:cs typeface="Arial" panose="020B0604020202020204" pitchFamily="34" charset="0"/>
               </a:rPr>
-              <a:t>bezeichnen </a:t>
+              <a:t>bezeichnet </a:t>
             </a:r>
             <a:r>
               <a:rPr lang="de-DE" sz="2400" dirty="0">
@@ -8802,24 +10160,14 @@
             </a:r>
           </a:p>
           <a:p>
-            <a:pPr marL="0" indent="0">
-              <a:buNone/>
+            <a:pPr>
+              <a:buFont typeface="Symbol" panose="05050102010706020507" pitchFamily="18" charset="2"/>
+              <a:buChar char="-"/>
             </a:pPr>
-            <a:r>
-              <a:rPr lang="de-DE" sz="2400" dirty="0" smtClean="0">
-                <a:latin typeface="Arial" panose="020B0604020202020204" pitchFamily="34" charset="0"/>
-                <a:cs typeface="Arial" panose="020B0604020202020204" pitchFamily="34" charset="0"/>
-                <a:sym typeface="Wingdings" panose="05000000000000000000" pitchFamily="2" charset="2"/>
-              </a:rPr>
-              <a:t> </a:t>
-            </a:r>
-            <a:r>
-              <a:rPr lang="de-DE" sz="2400" dirty="0">
-                <a:latin typeface="Arial" panose="020B0604020202020204" pitchFamily="34" charset="0"/>
-                <a:cs typeface="Arial" panose="020B0604020202020204" pitchFamily="34" charset="0"/>
-              </a:rPr>
-              <a:t>Wichtigste Frage: Wo ist die Zielgruppe? Dort geht es hin!</a:t>
-            </a:r>
+            <a:endParaRPr lang="de-DE" sz="2400" dirty="0" smtClean="0">
+              <a:latin typeface="Arial" panose="020B0604020202020204" pitchFamily="34" charset="0"/>
+              <a:cs typeface="Arial" panose="020B0604020202020204" pitchFamily="34" charset="0"/>
+            </a:endParaRPr>
           </a:p>
           <a:p>
             <a:pPr marL="0" indent="0">
@@ -9297,14 +10645,7 @@
                 <a:latin typeface="Arial" panose="020B0604020202020204" pitchFamily="34" charset="0"/>
                 <a:cs typeface="Arial" panose="020B0604020202020204" pitchFamily="34" charset="0"/>
               </a:rPr>
-              <a:t>Zu beachten</a:t>
-            </a:r>
-            <a:r>
-              <a:rPr lang="de-DE" sz="2400" dirty="0">
-                <a:latin typeface="Arial" panose="020B0604020202020204" pitchFamily="34" charset="0"/>
-                <a:cs typeface="Arial" panose="020B0604020202020204" pitchFamily="34" charset="0"/>
-              </a:rPr>
-              <a:t>:</a:t>
+              <a:t>Zu beachten:</a:t>
             </a:r>
           </a:p>
           <a:p>
@@ -9614,6 +10955,9 @@
             </a:r>
           </a:p>
           <a:p>
+            <a:pPr marL="0" indent="0">
+              <a:buNone/>
+            </a:pPr>
             <a:r>
               <a:rPr lang="de-DE" sz="2400" dirty="0" smtClean="0">
                 <a:latin typeface="Arial" panose="020B0604020202020204" pitchFamily="34" charset="0"/>
@@ -9623,7 +10967,10 @@
             </a:r>
           </a:p>
           <a:p>
-            <a:pPr lvl="1"/>
+            <a:pPr>
+              <a:buFont typeface="Symbol" panose="05050102010706020507" pitchFamily="18" charset="2"/>
+              <a:buChar char="-"/>
+            </a:pPr>
             <a:r>
               <a:rPr lang="de-DE" sz="2400" dirty="0" smtClean="0">
                 <a:latin typeface="Arial" panose="020B0604020202020204" pitchFamily="34" charset="0"/>
@@ -9661,12 +11008,15 @@
             </a:r>
           </a:p>
           <a:p>
+            <a:pPr marL="0" indent="0">
+              <a:buNone/>
+            </a:pPr>
             <a:r>
               <a:rPr lang="de-DE" sz="2400" dirty="0" smtClean="0">
                 <a:latin typeface="Arial" panose="020B0604020202020204" pitchFamily="34" charset="0"/>
                 <a:cs typeface="Arial" panose="020B0604020202020204" pitchFamily="34" charset="0"/>
               </a:rPr>
-              <a:t>Beim SMM gibt es weitere </a:t>
+              <a:t>Beim SMM kommen weitere </a:t>
             </a:r>
             <a:r>
               <a:rPr lang="de-DE" sz="2400" dirty="0" err="1" smtClean="0">
@@ -9680,11 +11030,14 @@
                 <a:latin typeface="Arial" panose="020B0604020202020204" pitchFamily="34" charset="0"/>
                 <a:cs typeface="Arial" panose="020B0604020202020204" pitchFamily="34" charset="0"/>
               </a:rPr>
-              <a:t>:</a:t>
-            </a:r>
-          </a:p>
-          <a:p>
-            <a:pPr lvl="1"/>
+              <a:t> dazu:</a:t>
+            </a:r>
+          </a:p>
+          <a:p>
+            <a:pPr>
+              <a:buFont typeface="Symbol" panose="05050102010706020507" pitchFamily="18" charset="2"/>
+              <a:buChar char="-"/>
+            </a:pPr>
             <a:r>
               <a:rPr lang="de-DE" sz="2400" dirty="0" err="1" smtClean="0">
                 <a:latin typeface="Arial" panose="020B0604020202020204" pitchFamily="34" charset="0"/>
@@ -9729,7 +11082,10 @@
             </a:r>
           </a:p>
           <a:p>
-            <a:pPr lvl="1"/>
+            <a:pPr>
+              <a:buFont typeface="Symbol" panose="05050102010706020507" pitchFamily="18" charset="2"/>
+              <a:buChar char="-"/>
+            </a:pPr>
             <a:r>
               <a:rPr lang="de-DE" sz="2400" dirty="0" err="1" smtClean="0">
                 <a:latin typeface="Arial" panose="020B0604020202020204" pitchFamily="34" charset="0"/>
@@ -9746,7 +11102,10 @@
             </a:r>
           </a:p>
           <a:p>
-            <a:pPr lvl="1"/>
+            <a:pPr>
+              <a:buFont typeface="Symbol" panose="05050102010706020507" pitchFamily="18" charset="2"/>
+              <a:buChar char="-"/>
+            </a:pPr>
             <a:r>
               <a:rPr lang="de-DE" sz="2400" dirty="0" smtClean="0">
                 <a:latin typeface="Arial" panose="020B0604020202020204" pitchFamily="34" charset="0"/>
@@ -9756,13 +11115,16 @@
             </a:r>
           </a:p>
           <a:p>
-            <a:pPr lvl="1"/>
+            <a:pPr>
+              <a:buFont typeface="Symbol" panose="05050102010706020507" pitchFamily="18" charset="2"/>
+              <a:buChar char="-"/>
+            </a:pPr>
             <a:r>
               <a:rPr lang="de-DE" sz="2400" dirty="0" smtClean="0">
                 <a:latin typeface="Arial" panose="020B0604020202020204" pitchFamily="34" charset="0"/>
                 <a:cs typeface="Arial" panose="020B0604020202020204" pitchFamily="34" charset="0"/>
               </a:rPr>
-              <a:t>Public Voice (auch: Influencer) (Multiplikation, PR, Reputation)</a:t>
+              <a:t>Public Voice (auch: Influencer) (Multiplikation, PR)</a:t>
             </a:r>
           </a:p>
           <a:p>

--- a/documents/marketing/Social Media Marketingkonzept/Marketingstrategie - Social Media (5.7).pptx
+++ b/documents/marketing/Social Media Marketingkonzept/Marketingstrategie - Social Media (5.7).pptx
@@ -6395,7 +6395,7 @@
         <p:spPr>
           <a:xfrm>
             <a:off x="457200" y="1608460"/>
-            <a:ext cx="8229600" cy="4524315"/>
+            <a:ext cx="8229600" cy="4154984"/>
           </a:xfrm>
           <a:prstGeom prst="rect">
             <a:avLst/>
@@ -6463,120 +6463,43 @@
             </a:r>
           </a:p>
           <a:p>
+            <a:pPr marL="342900" indent="-342900">
+              <a:buFont typeface="Symbol" panose="05050102010706020507" pitchFamily="18" charset="2"/>
+              <a:buChar char="-"/>
+            </a:pPr>
+            <a:endParaRPr lang="de-DE" sz="2400" dirty="0">
+              <a:latin typeface="Arial" panose="020B0604020202020204" pitchFamily="34" charset="0"/>
+              <a:cs typeface="Arial" panose="020B0604020202020204" pitchFamily="34" charset="0"/>
+            </a:endParaRPr>
+          </a:p>
+          <a:p>
+            <a:pPr marL="342900" indent="-342900">
+              <a:buFont typeface="Symbol" panose="05050102010706020507" pitchFamily="18" charset="2"/>
+              <a:buChar char="-"/>
+            </a:pPr>
+            <a:r>
+              <a:rPr lang="de-DE" sz="2400" dirty="0">
+                <a:latin typeface="Arial" panose="020B0604020202020204" pitchFamily="34" charset="0"/>
+                <a:cs typeface="Arial" panose="020B0604020202020204" pitchFamily="34" charset="0"/>
+              </a:rPr>
+              <a:t>Kooperationen mit Barbesitzern, welche auf Facebook oder Instagram aktiv sind mit Spezialangeboten in den Bars für die Nutzer der Anwendung.</a:t>
+            </a:r>
+          </a:p>
+          <a:p>
+            <a:pPr marL="342900" indent="-342900">
+              <a:buFont typeface="Symbol" panose="05050102010706020507" pitchFamily="18" charset="2"/>
+              <a:buChar char="-"/>
+            </a:pPr>
             <a:endParaRPr lang="de-DE" sz="2400" dirty="0" smtClean="0">
               <a:latin typeface="Arial" panose="020B0604020202020204" pitchFamily="34" charset="0"/>
               <a:cs typeface="Arial" panose="020B0604020202020204" pitchFamily="34" charset="0"/>
             </a:endParaRPr>
           </a:p>
           <a:p>
-            <a:pPr marL="457200" indent="-457200">
-              <a:buFont typeface="Symbol" panose="05050102010706020507" pitchFamily="18" charset="2"/>
-              <a:buChar char="-"/>
-            </a:pPr>
-            <a:r>
-              <a:rPr lang="de-DE" sz="2400" i="1" dirty="0">
-                <a:latin typeface="Arial" panose="020B0604020202020204" pitchFamily="34" charset="0"/>
-                <a:cs typeface="Arial" panose="020B0604020202020204" pitchFamily="34" charset="0"/>
-              </a:rPr>
-              <a:t>Was macht dich happy? Schreib uns auf </a:t>
-            </a:r>
-            <a:r>
-              <a:rPr lang="de-DE" sz="2400" i="1" dirty="0" smtClean="0">
-                <a:latin typeface="Arial" panose="020B0604020202020204" pitchFamily="34" charset="0"/>
-                <a:cs typeface="Arial" panose="020B0604020202020204" pitchFamily="34" charset="0"/>
-              </a:rPr>
-              <a:t>Facebook oder Instagram unter </a:t>
-            </a:r>
-            <a:r>
-              <a:rPr lang="de-DE" sz="2400" i="1" dirty="0">
-                <a:latin typeface="Arial" panose="020B0604020202020204" pitchFamily="34" charset="0"/>
-                <a:cs typeface="Arial" panose="020B0604020202020204" pitchFamily="34" charset="0"/>
-              </a:rPr>
-              <a:t>dem Hashtag </a:t>
-            </a:r>
-            <a:r>
-              <a:rPr lang="de-DE" sz="2400" i="1" dirty="0" smtClean="0">
-                <a:latin typeface="Arial" panose="020B0604020202020204" pitchFamily="34" charset="0"/>
-                <a:cs typeface="Arial" panose="020B0604020202020204" pitchFamily="34" charset="0"/>
-              </a:rPr>
-              <a:t>#</a:t>
-            </a:r>
-            <a:r>
-              <a:rPr lang="de-DE" sz="2400" i="1" dirty="0" err="1" smtClean="0">
-                <a:latin typeface="Arial" panose="020B0604020202020204" pitchFamily="34" charset="0"/>
-                <a:cs typeface="Arial" panose="020B0604020202020204" pitchFamily="34" charset="0"/>
-              </a:rPr>
-              <a:t>goHappy</a:t>
-            </a:r>
-            <a:endParaRPr lang="de-DE" sz="2400" i="1" dirty="0" smtClean="0">
+            <a:endParaRPr lang="de-DE" sz="2400" dirty="0" smtClean="0">
               <a:latin typeface="Arial" panose="020B0604020202020204" pitchFamily="34" charset="0"/>
               <a:cs typeface="Arial" panose="020B0604020202020204" pitchFamily="34" charset="0"/>
             </a:endParaRPr>
-          </a:p>
-          <a:p>
-            <a:endParaRPr lang="de-DE" sz="2400" dirty="0">
-              <a:latin typeface="Arial" panose="020B0604020202020204" pitchFamily="34" charset="0"/>
-              <a:cs typeface="Arial" panose="020B0604020202020204" pitchFamily="34" charset="0"/>
-            </a:endParaRPr>
-          </a:p>
-          <a:p>
-            <a:pPr marL="342900" indent="-342900">
-              <a:buFont typeface="Symbol" panose="05050102010706020507" pitchFamily="18" charset="2"/>
-              <a:buChar char="-"/>
-            </a:pPr>
-            <a:r>
-              <a:rPr lang="de-DE" sz="2400" i="1" dirty="0">
-                <a:latin typeface="Arial" panose="020B0604020202020204" pitchFamily="34" charset="0"/>
-                <a:cs typeface="Arial" panose="020B0604020202020204" pitchFamily="34" charset="0"/>
-              </a:rPr>
-              <a:t>Du bist mit </a:t>
-            </a:r>
-            <a:r>
-              <a:rPr lang="de-DE" sz="2400" i="1" dirty="0" err="1" smtClean="0">
-                <a:latin typeface="Arial" panose="020B0604020202020204" pitchFamily="34" charset="0"/>
-                <a:cs typeface="Arial" panose="020B0604020202020204" pitchFamily="34" charset="0"/>
-              </a:rPr>
-              <a:t>GoHappy</a:t>
-            </a:r>
-            <a:r>
-              <a:rPr lang="de-DE" sz="2400" i="1" dirty="0" smtClean="0">
-                <a:latin typeface="Arial" panose="020B0604020202020204" pitchFamily="34" charset="0"/>
-                <a:cs typeface="Arial" panose="020B0604020202020204" pitchFamily="34" charset="0"/>
-              </a:rPr>
-              <a:t> </a:t>
-            </a:r>
-            <a:r>
-              <a:rPr lang="de-DE" sz="2400" i="1" dirty="0">
-                <a:latin typeface="Arial" panose="020B0604020202020204" pitchFamily="34" charset="0"/>
-                <a:cs typeface="Arial" panose="020B0604020202020204" pitchFamily="34" charset="0"/>
-              </a:rPr>
-              <a:t>unterwegs? Teile deine Erlebnisse und Fotos mit </a:t>
-            </a:r>
-            <a:r>
-              <a:rPr lang="de-DE" sz="2400" i="1" dirty="0" smtClean="0">
-                <a:latin typeface="Arial" panose="020B0604020202020204" pitchFamily="34" charset="0"/>
-                <a:cs typeface="Arial" panose="020B0604020202020204" pitchFamily="34" charset="0"/>
-              </a:rPr>
-              <a:t>deinen Freunden unter dem #</a:t>
-            </a:r>
-            <a:r>
-              <a:rPr lang="de-DE" sz="2400" i="1" dirty="0" err="1" smtClean="0">
-                <a:latin typeface="Arial" panose="020B0604020202020204" pitchFamily="34" charset="0"/>
-                <a:cs typeface="Arial" panose="020B0604020202020204" pitchFamily="34" charset="0"/>
-              </a:rPr>
-              <a:t>goHappy</a:t>
-            </a:r>
-            <a:endParaRPr lang="de-DE" sz="2400" i="1" dirty="0">
-              <a:latin typeface="Arial" panose="020B0604020202020204" pitchFamily="34" charset="0"/>
-              <a:cs typeface="Arial" panose="020B0604020202020204" pitchFamily="34" charset="0"/>
-            </a:endParaRPr>
-          </a:p>
-          <a:p>
-            <a:pPr marL="342900" indent="-342900">
-              <a:buFont typeface="Symbol" panose="05050102010706020507" pitchFamily="18" charset="2"/>
-              <a:buChar char="-"/>
-            </a:pPr>
-            <a:endParaRPr lang="de-DE" sz="2400" dirty="0"/>
           </a:p>
         </p:txBody>
       </p:sp>
@@ -6896,7 +6819,7 @@
         <p:spPr>
           <a:xfrm>
             <a:off x="457200" y="1608460"/>
-            <a:ext cx="8229600" cy="3046988"/>
+            <a:ext cx="8229600" cy="4893647"/>
           </a:xfrm>
           <a:prstGeom prst="rect">
             <a:avLst/>
@@ -6923,24 +6846,123 @@
             </a:endParaRPr>
           </a:p>
           <a:p>
+            <a:r>
+              <a:rPr lang="de-DE" sz="2400" dirty="0" smtClean="0">
+                <a:latin typeface="Arial" panose="020B0604020202020204" pitchFamily="34" charset="0"/>
+                <a:cs typeface="Arial" panose="020B0604020202020204" pitchFamily="34" charset="0"/>
+              </a:rPr>
+              <a:t>Potentielle </a:t>
+            </a:r>
+            <a:r>
+              <a:rPr lang="de-DE" sz="2400" dirty="0" err="1" smtClean="0">
+                <a:latin typeface="Arial" panose="020B0604020202020204" pitchFamily="34" charset="0"/>
+                <a:cs typeface="Arial" panose="020B0604020202020204" pitchFamily="34" charset="0"/>
+              </a:rPr>
+              <a:t>Postings</a:t>
+            </a:r>
+            <a:r>
+              <a:rPr lang="de-DE" sz="2400" dirty="0" smtClean="0">
+                <a:latin typeface="Arial" panose="020B0604020202020204" pitchFamily="34" charset="0"/>
+                <a:cs typeface="Arial" panose="020B0604020202020204" pitchFamily="34" charset="0"/>
+              </a:rPr>
+              <a:t>:</a:t>
+            </a:r>
+            <a:endParaRPr lang="de-DE" sz="2400" dirty="0" smtClean="0">
+              <a:latin typeface="Arial" panose="020B0604020202020204" pitchFamily="34" charset="0"/>
+              <a:cs typeface="Arial" panose="020B0604020202020204" pitchFamily="34" charset="0"/>
+            </a:endParaRPr>
+          </a:p>
+          <a:p>
+            <a:pPr marL="457200" indent="-457200">
+              <a:buFont typeface="Symbol" panose="05050102010706020507" pitchFamily="18" charset="2"/>
+              <a:buChar char="-"/>
+            </a:pPr>
+            <a:r>
+              <a:rPr lang="de-DE" sz="2400" i="1" dirty="0" smtClean="0">
+                <a:latin typeface="Arial" panose="020B0604020202020204" pitchFamily="34" charset="0"/>
+                <a:cs typeface="Arial" panose="020B0604020202020204" pitchFamily="34" charset="0"/>
+              </a:rPr>
+              <a:t>Was </a:t>
+            </a:r>
+            <a:r>
+              <a:rPr lang="de-DE" sz="2400" i="1" dirty="0">
+                <a:latin typeface="Arial" panose="020B0604020202020204" pitchFamily="34" charset="0"/>
+                <a:cs typeface="Arial" panose="020B0604020202020204" pitchFamily="34" charset="0"/>
+              </a:rPr>
+              <a:t>macht dich happy? Schreib uns auf Facebook oder Instagram unter dem Hashtag #</a:t>
+            </a:r>
+            <a:r>
+              <a:rPr lang="de-DE" sz="2400" i="1" dirty="0" err="1">
+                <a:latin typeface="Arial" panose="020B0604020202020204" pitchFamily="34" charset="0"/>
+                <a:cs typeface="Arial" panose="020B0604020202020204" pitchFamily="34" charset="0"/>
+              </a:rPr>
+              <a:t>goHappy</a:t>
+            </a:r>
+            <a:endParaRPr lang="de-DE" sz="2400" i="1" dirty="0">
+              <a:latin typeface="Arial" panose="020B0604020202020204" pitchFamily="34" charset="0"/>
+              <a:cs typeface="Arial" panose="020B0604020202020204" pitchFamily="34" charset="0"/>
+            </a:endParaRPr>
+          </a:p>
+          <a:p>
+            <a:endParaRPr lang="de-DE" sz="2400" dirty="0">
+              <a:latin typeface="Arial" panose="020B0604020202020204" pitchFamily="34" charset="0"/>
+              <a:cs typeface="Arial" panose="020B0604020202020204" pitchFamily="34" charset="0"/>
+            </a:endParaRPr>
+          </a:p>
+          <a:p>
             <a:pPr marL="342900" indent="-342900">
               <a:buFont typeface="Symbol" panose="05050102010706020507" pitchFamily="18" charset="2"/>
               <a:buChar char="-"/>
             </a:pPr>
             <a:r>
-              <a:rPr lang="de-DE" sz="2400" dirty="0" smtClean="0">
-                <a:latin typeface="Arial" panose="020B0604020202020204" pitchFamily="34" charset="0"/>
-                <a:cs typeface="Arial" panose="020B0604020202020204" pitchFamily="34" charset="0"/>
-              </a:rPr>
-              <a:t>Kooperationen mit Barbesitzern, welche auf Facebook oder Instagram aktiv sind mit </a:t>
-            </a:r>
-            <a:r>
-              <a:rPr lang="de-DE" sz="2400" dirty="0" smtClean="0">
-                <a:latin typeface="Arial" panose="020B0604020202020204" pitchFamily="34" charset="0"/>
-                <a:cs typeface="Arial" panose="020B0604020202020204" pitchFamily="34" charset="0"/>
-              </a:rPr>
-              <a:t>Spezialangeboten in den Bars für die Nutzer der Anwendung.</a:t>
-            </a:r>
+              <a:rPr lang="de-DE" sz="2400" i="1" dirty="0">
+                <a:latin typeface="Arial" panose="020B0604020202020204" pitchFamily="34" charset="0"/>
+                <a:cs typeface="Arial" panose="020B0604020202020204" pitchFamily="34" charset="0"/>
+              </a:rPr>
+              <a:t>Du bist mit </a:t>
+            </a:r>
+            <a:r>
+              <a:rPr lang="de-DE" sz="2400" i="1" dirty="0" err="1">
+                <a:latin typeface="Arial" panose="020B0604020202020204" pitchFamily="34" charset="0"/>
+                <a:cs typeface="Arial" panose="020B0604020202020204" pitchFamily="34" charset="0"/>
+              </a:rPr>
+              <a:t>GoHappy</a:t>
+            </a:r>
+            <a:r>
+              <a:rPr lang="de-DE" sz="2400" i="1" dirty="0">
+                <a:latin typeface="Arial" panose="020B0604020202020204" pitchFamily="34" charset="0"/>
+                <a:cs typeface="Arial" panose="020B0604020202020204" pitchFamily="34" charset="0"/>
+              </a:rPr>
+              <a:t> unterwegs? Teile deine Erlebnisse und Fotos mit deinen Freunden unter dem #</a:t>
+            </a:r>
+            <a:r>
+              <a:rPr lang="de-DE" sz="2400" i="1" dirty="0" err="1">
+                <a:latin typeface="Arial" panose="020B0604020202020204" pitchFamily="34" charset="0"/>
+                <a:cs typeface="Arial" panose="020B0604020202020204" pitchFamily="34" charset="0"/>
+              </a:rPr>
+              <a:t>goHappy</a:t>
+            </a:r>
+            <a:endParaRPr lang="de-DE" sz="2400" i="1" dirty="0">
+              <a:latin typeface="Arial" panose="020B0604020202020204" pitchFamily="34" charset="0"/>
+              <a:cs typeface="Arial" panose="020B0604020202020204" pitchFamily="34" charset="0"/>
+            </a:endParaRPr>
+          </a:p>
+          <a:p>
+            <a:pPr marL="342900" indent="-342900">
+              <a:buFont typeface="Symbol" panose="05050102010706020507" pitchFamily="18" charset="2"/>
+              <a:buChar char="-"/>
+            </a:pPr>
+            <a:endParaRPr lang="de-DE" sz="2400" dirty="0"/>
+          </a:p>
+          <a:p>
+            <a:pPr marL="342900" indent="-342900">
+              <a:buFont typeface="Symbol" panose="05050102010706020507" pitchFamily="18" charset="2"/>
+              <a:buChar char="-"/>
+            </a:pPr>
+            <a:endParaRPr lang="de-DE" sz="2400" dirty="0" smtClean="0">
+              <a:latin typeface="Arial" panose="020B0604020202020204" pitchFamily="34" charset="0"/>
+              <a:cs typeface="Arial" panose="020B0604020202020204" pitchFamily="34" charset="0"/>
+            </a:endParaRPr>
           </a:p>
           <a:p>
             <a:endParaRPr lang="de-DE" sz="2400" dirty="0">
